--- a/bigdata1_introdction.pptx
+++ b/bigdata1_introdction.pptx
@@ -5,24 +5,34 @@
     <p:sldMasterId id="2147483673" r:id="rId1"/>
   </p:sldMasterIdLst>
   <p:notesMasterIdLst>
-    <p:notesMasterId r:id="rId17"/>
+    <p:notesMasterId r:id="rId27"/>
   </p:notesMasterIdLst>
   <p:sldIdLst>
     <p:sldId id="256" r:id="rId2"/>
     <p:sldId id="1227" r:id="rId3"/>
-    <p:sldId id="1224" r:id="rId4"/>
-    <p:sldId id="1228" r:id="rId5"/>
-    <p:sldId id="1229" r:id="rId6"/>
+    <p:sldId id="1237" r:id="rId4"/>
+    <p:sldId id="308" r:id="rId5"/>
+    <p:sldId id="1211" r:id="rId6"/>
     <p:sldId id="1198" r:id="rId7"/>
-    <p:sldId id="1211" r:id="rId8"/>
-    <p:sldId id="1221" r:id="rId9"/>
-    <p:sldId id="1222" r:id="rId10"/>
-    <p:sldId id="428" r:id="rId11"/>
-    <p:sldId id="1231" r:id="rId12"/>
-    <p:sldId id="1128" r:id="rId13"/>
-    <p:sldId id="1210" r:id="rId14"/>
-    <p:sldId id="1230" r:id="rId15"/>
-    <p:sldId id="1225" r:id="rId16"/>
+    <p:sldId id="1221" r:id="rId8"/>
+    <p:sldId id="1222" r:id="rId9"/>
+    <p:sldId id="1234" r:id="rId10"/>
+    <p:sldId id="1233" r:id="rId11"/>
+    <p:sldId id="1235" r:id="rId12"/>
+    <p:sldId id="1236" r:id="rId13"/>
+    <p:sldId id="433" r:id="rId14"/>
+    <p:sldId id="1192" r:id="rId15"/>
+    <p:sldId id="290" r:id="rId16"/>
+    <p:sldId id="1238" r:id="rId17"/>
+    <p:sldId id="1128" r:id="rId18"/>
+    <p:sldId id="1232" r:id="rId19"/>
+    <p:sldId id="1239" r:id="rId20"/>
+    <p:sldId id="1240" r:id="rId21"/>
+    <p:sldId id="1228" r:id="rId22"/>
+    <p:sldId id="1229" r:id="rId23"/>
+    <p:sldId id="1210" r:id="rId24"/>
+    <p:sldId id="1230" r:id="rId25"/>
+    <p:sldId id="1225" r:id="rId26"/>
   </p:sldIdLst>
   <p:sldSz cx="12192000" cy="6858000"/>
   <p:notesSz cx="6858000" cy="9144000"/>
@@ -211,7 +221,7 @@
           <a:p>
             <a:fld id="{B176FF22-B1CA-4671-AC40-D6AD1168A308}" type="datetimeFigureOut">
               <a:rPr kumimoji="1" lang="ja-JP" altLang="en-US" smtClean="0"/>
-              <a:t>2024/4/10</a:t>
+              <a:t>2025/4/16</a:t>
             </a:fld>
             <a:endParaRPr kumimoji="1" lang="ja-JP" altLang="en-US"/>
           </a:p>
@@ -641,7 +651,7 @@
           <a:p>
             <a:fld id="{2ABC02D7-CBD1-4D33-B166-78A898DF0F76}" type="datetimeFigureOut">
               <a:rPr kumimoji="1" lang="ja-JP" altLang="en-US" smtClean="0"/>
-              <a:t>2024/4/10</a:t>
+              <a:t>2025/4/16</a:t>
             </a:fld>
             <a:endParaRPr kumimoji="1" lang="ja-JP" altLang="en-US"/>
           </a:p>
@@ -843,7 +853,7 @@
           <a:p>
             <a:fld id="{2ABC02D7-CBD1-4D33-B166-78A898DF0F76}" type="datetimeFigureOut">
               <a:rPr kumimoji="1" lang="ja-JP" altLang="en-US" smtClean="0"/>
-              <a:t>2024/4/10</a:t>
+              <a:t>2025/4/16</a:t>
             </a:fld>
             <a:endParaRPr kumimoji="1" lang="ja-JP" altLang="en-US"/>
           </a:p>
@@ -1055,7 +1065,7 @@
           <a:p>
             <a:fld id="{2ABC02D7-CBD1-4D33-B166-78A898DF0F76}" type="datetimeFigureOut">
               <a:rPr kumimoji="1" lang="ja-JP" altLang="en-US" smtClean="0"/>
-              <a:t>2024/4/10</a:t>
+              <a:t>2025/4/16</a:t>
             </a:fld>
             <a:endParaRPr kumimoji="1" lang="ja-JP" altLang="en-US"/>
           </a:p>
@@ -1288,7 +1298,7 @@
           <a:p>
             <a:fld id="{2ABC02D7-CBD1-4D33-B166-78A898DF0F76}" type="datetimeFigureOut">
               <a:rPr kumimoji="1" lang="ja-JP" altLang="en-US" smtClean="0"/>
-              <a:t>2024/4/10</a:t>
+              <a:t>2025/4/16</a:t>
             </a:fld>
             <a:endParaRPr kumimoji="1" lang="ja-JP" altLang="en-US"/>
           </a:p>
@@ -1534,7 +1544,7 @@
           <a:p>
             <a:fld id="{2ABC02D7-CBD1-4D33-B166-78A898DF0F76}" type="datetimeFigureOut">
               <a:rPr kumimoji="1" lang="ja-JP" altLang="en-US" smtClean="0"/>
-              <a:t>2024/4/10</a:t>
+              <a:t>2025/4/16</a:t>
             </a:fld>
             <a:endParaRPr kumimoji="1" lang="ja-JP" altLang="en-US"/>
           </a:p>
@@ -1830,7 +1840,7 @@
           <a:p>
             <a:fld id="{2ABC02D7-CBD1-4D33-B166-78A898DF0F76}" type="datetimeFigureOut">
               <a:rPr kumimoji="1" lang="ja-JP" altLang="en-US" smtClean="0"/>
-              <a:t>2024/4/10</a:t>
+              <a:t>2025/4/16</a:t>
             </a:fld>
             <a:endParaRPr kumimoji="1" lang="ja-JP" altLang="en-US"/>
           </a:p>
@@ -2261,7 +2271,7 @@
           <a:p>
             <a:fld id="{2ABC02D7-CBD1-4D33-B166-78A898DF0F76}" type="datetimeFigureOut">
               <a:rPr kumimoji="1" lang="ja-JP" altLang="en-US" smtClean="0"/>
-              <a:t>2024/4/10</a:t>
+              <a:t>2025/4/16</a:t>
             </a:fld>
             <a:endParaRPr kumimoji="1" lang="ja-JP" altLang="en-US"/>
           </a:p>
@@ -2379,7 +2389,7 @@
           <a:p>
             <a:fld id="{2ABC02D7-CBD1-4D33-B166-78A898DF0F76}" type="datetimeFigureOut">
               <a:rPr kumimoji="1" lang="ja-JP" altLang="en-US" smtClean="0"/>
-              <a:t>2024/4/10</a:t>
+              <a:t>2025/4/16</a:t>
             </a:fld>
             <a:endParaRPr kumimoji="1" lang="ja-JP" altLang="en-US"/>
           </a:p>
@@ -2474,7 +2484,7 @@
           <a:p>
             <a:fld id="{2ABC02D7-CBD1-4D33-B166-78A898DF0F76}" type="datetimeFigureOut">
               <a:rPr kumimoji="1" lang="ja-JP" altLang="en-US" smtClean="0"/>
-              <a:t>2024/4/10</a:t>
+              <a:t>2025/4/16</a:t>
             </a:fld>
             <a:endParaRPr kumimoji="1" lang="ja-JP" altLang="en-US"/>
           </a:p>
@@ -2783,7 +2793,7 @@
           <a:p>
             <a:fld id="{2ABC02D7-CBD1-4D33-B166-78A898DF0F76}" type="datetimeFigureOut">
               <a:rPr kumimoji="1" lang="ja-JP" altLang="en-US" smtClean="0"/>
-              <a:t>2024/4/10</a:t>
+              <a:t>2025/4/16</a:t>
             </a:fld>
             <a:endParaRPr kumimoji="1" lang="ja-JP" altLang="en-US"/>
           </a:p>
@@ -3040,7 +3050,7 @@
           <a:p>
             <a:fld id="{2ABC02D7-CBD1-4D33-B166-78A898DF0F76}" type="datetimeFigureOut">
               <a:rPr kumimoji="1" lang="ja-JP" altLang="en-US" smtClean="0"/>
-              <a:t>2024/4/10</a:t>
+              <a:t>2025/4/16</a:t>
             </a:fld>
             <a:endParaRPr kumimoji="1" lang="ja-JP" altLang="en-US"/>
           </a:p>
@@ -3285,7 +3295,7 @@
           <a:p>
             <a:fld id="{2ABC02D7-CBD1-4D33-B166-78A898DF0F76}" type="datetimeFigureOut">
               <a:rPr kumimoji="1" lang="ja-JP" altLang="en-US" smtClean="0"/>
-              <a:t>2024/4/10</a:t>
+              <a:t>2025/4/16</a:t>
             </a:fld>
             <a:endParaRPr kumimoji="1" lang="ja-JP" altLang="en-US"/>
           </a:p>
@@ -3705,7 +3715,7 @@
         </p:nvSpPr>
         <p:spPr>
           <a:xfrm>
-            <a:off x="1698172" y="3044279"/>
+            <a:off x="351510" y="2769959"/>
             <a:ext cx="8408452" cy="769441"/>
           </a:xfrm>
           <a:prstGeom prst="rect">
@@ -3744,7 +3754,7 @@
         </p:nvSpPr>
         <p:spPr>
           <a:xfrm>
-            <a:off x="3830582" y="4987419"/>
+            <a:off x="-76400" y="3533613"/>
             <a:ext cx="3876503" cy="461665"/>
           </a:xfrm>
           <a:prstGeom prst="rect">
@@ -3765,6 +3775,45 @@
                 <a:ea typeface="メイリオ" panose="020B0604030504040204" pitchFamily="50" charset="-128"/>
               </a:rPr>
               <a:t>　イントロダクション</a:t>
+            </a:r>
+          </a:p>
+        </p:txBody>
+      </p:sp>
+      <p:sp>
+        <p:nvSpPr>
+          <p:cNvPr id="3" name="テキスト ボックス 2">
+            <a:extLst>
+              <a:ext uri="{FF2B5EF4-FFF2-40B4-BE49-F238E27FC236}">
+                <a16:creationId xmlns:a16="http://schemas.microsoft.com/office/drawing/2014/main" id="{E184052D-2E35-380B-0CB9-BF72F05FB4AB}"/>
+              </a:ext>
+            </a:extLst>
+          </p:cNvPr>
+          <p:cNvSpPr txBox="1"/>
+          <p:nvPr/>
+        </p:nvSpPr>
+        <p:spPr>
+          <a:xfrm>
+            <a:off x="674398" y="5120640"/>
+            <a:ext cx="1212191" cy="461665"/>
+          </a:xfrm>
+          <a:prstGeom prst="rect">
+            <a:avLst/>
+          </a:prstGeom>
+          <a:noFill/>
+        </p:spPr>
+        <p:txBody>
+          <a:bodyPr wrap="none" rtlCol="0">
+            <a:spAutoFit/>
+          </a:bodyPr>
+          <a:lstStyle/>
+          <a:p>
+            <a:pPr algn="l"/>
+            <a:r>
+              <a:rPr kumimoji="1" lang="ja-JP" altLang="en-US" sz="2400" dirty="0">
+                <a:latin typeface="メイリオ" panose="020B0604030504040204" pitchFamily="50" charset="-128"/>
+                <a:ea typeface="メイリオ" panose="020B0604030504040204" pitchFamily="50" charset="-128"/>
+              </a:rPr>
+              <a:t>上原 宏</a:t>
             </a:r>
           </a:p>
         </p:txBody>
@@ -3801,10 +3850,10 @@
       </p:grpSpPr>
       <p:sp>
         <p:nvSpPr>
-          <p:cNvPr id="7" name="テキスト ボックス 6">
-            <a:extLst>
-              <a:ext uri="{FF2B5EF4-FFF2-40B4-BE49-F238E27FC236}">
-                <a16:creationId xmlns:a16="http://schemas.microsoft.com/office/drawing/2014/main" id="{1FCB43AB-3DF7-764C-1A1F-BC1163707839}"/>
+          <p:cNvPr id="2" name="テキスト ボックス 1">
+            <a:extLst>
+              <a:ext uri="{FF2B5EF4-FFF2-40B4-BE49-F238E27FC236}">
+                <a16:creationId xmlns:a16="http://schemas.microsoft.com/office/drawing/2014/main" id="{16C8C1A9-53B0-6568-4CE8-262B245646AB}"/>
               </a:ext>
             </a:extLst>
           </p:cNvPr>
@@ -3813,8 +3862,8 @@
         </p:nvSpPr>
         <p:spPr>
           <a:xfrm>
-            <a:off x="421763" y="1090184"/>
-            <a:ext cx="6327373" cy="1569660"/>
+            <a:off x="814647" y="2552007"/>
+            <a:ext cx="2492990" cy="646331"/>
           </a:xfrm>
           <a:prstGeom prst="rect">
             <a:avLst/>
@@ -3829,697 +3878,19 @@
           <a:p>
             <a:pPr algn="l"/>
             <a:r>
-              <a:rPr kumimoji="1" lang="ja-JP" altLang="en-US" sz="2400" dirty="0">
-                <a:latin typeface="メイリオ" panose="020B0604030504040204" pitchFamily="50" charset="-128"/>
-                <a:ea typeface="メイリオ" panose="020B0604030504040204" pitchFamily="50" charset="-128"/>
-              </a:rPr>
-              <a:t>（</a:t>
-            </a:r>
-            <a:r>
-              <a:rPr kumimoji="1" lang="en-US" altLang="ja-JP" sz="2400" dirty="0">
-                <a:latin typeface="メイリオ" panose="020B0604030504040204" pitchFamily="50" charset="-128"/>
-                <a:ea typeface="メイリオ" panose="020B0604030504040204" pitchFamily="50" charset="-128"/>
-              </a:rPr>
-              <a:t>1</a:t>
-            </a:r>
-            <a:r>
-              <a:rPr kumimoji="1" lang="ja-JP" altLang="en-US" sz="2400" dirty="0">
-                <a:latin typeface="メイリオ" panose="020B0604030504040204" pitchFamily="50" charset="-128"/>
-                <a:ea typeface="メイリオ" panose="020B0604030504040204" pitchFamily="50" charset="-128"/>
-              </a:rPr>
-              <a:t>） 情報社会の問題解決</a:t>
-            </a:r>
-          </a:p>
-          <a:p>
-            <a:pPr algn="l"/>
-            <a:r>
-              <a:rPr kumimoji="1" lang="ja-JP" altLang="en-US" sz="2400" dirty="0">
-                <a:latin typeface="メイリオ" panose="020B0604030504040204" pitchFamily="50" charset="-128"/>
-                <a:ea typeface="メイリオ" panose="020B0604030504040204" pitchFamily="50" charset="-128"/>
-              </a:rPr>
-              <a:t>（</a:t>
-            </a:r>
-            <a:r>
-              <a:rPr kumimoji="1" lang="en-US" altLang="ja-JP" sz="2400" dirty="0">
-                <a:latin typeface="メイリオ" panose="020B0604030504040204" pitchFamily="50" charset="-128"/>
-                <a:ea typeface="メイリオ" panose="020B0604030504040204" pitchFamily="50" charset="-128"/>
-              </a:rPr>
-              <a:t>2</a:t>
-            </a:r>
-            <a:r>
-              <a:rPr kumimoji="1" lang="ja-JP" altLang="en-US" sz="2400" dirty="0">
-                <a:latin typeface="メイリオ" panose="020B0604030504040204" pitchFamily="50" charset="-128"/>
-                <a:ea typeface="メイリオ" panose="020B0604030504040204" pitchFamily="50" charset="-128"/>
-              </a:rPr>
-              <a:t>） コミュニケーションと情報デザイン</a:t>
-            </a:r>
-          </a:p>
-          <a:p>
-            <a:pPr algn="l"/>
-            <a:r>
-              <a:rPr kumimoji="1" lang="ja-JP" altLang="en-US" sz="2400" b="1" dirty="0">
-                <a:latin typeface="メイリオ" panose="020B0604030504040204" pitchFamily="50" charset="-128"/>
-                <a:ea typeface="メイリオ" panose="020B0604030504040204" pitchFamily="50" charset="-128"/>
-              </a:rPr>
-              <a:t>（</a:t>
-            </a:r>
-            <a:r>
-              <a:rPr kumimoji="1" lang="en-US" altLang="ja-JP" sz="2400" b="1" dirty="0">
-                <a:latin typeface="メイリオ" panose="020B0604030504040204" pitchFamily="50" charset="-128"/>
-                <a:ea typeface="メイリオ" panose="020B0604030504040204" pitchFamily="50" charset="-128"/>
-              </a:rPr>
-              <a:t>3</a:t>
-            </a:r>
-            <a:r>
-              <a:rPr kumimoji="1" lang="ja-JP" altLang="en-US" sz="2400" b="1" dirty="0">
-                <a:latin typeface="メイリオ" panose="020B0604030504040204" pitchFamily="50" charset="-128"/>
-                <a:ea typeface="メイリオ" panose="020B0604030504040204" pitchFamily="50" charset="-128"/>
-              </a:rPr>
-              <a:t>） コンピュータとプログラミング</a:t>
-            </a:r>
-          </a:p>
-          <a:p>
-            <a:pPr algn="l"/>
-            <a:r>
-              <a:rPr kumimoji="1" lang="ja-JP" altLang="en-US" sz="2400" b="1" dirty="0">
-                <a:latin typeface="メイリオ" panose="020B0604030504040204" pitchFamily="50" charset="-128"/>
-                <a:ea typeface="メイリオ" panose="020B0604030504040204" pitchFamily="50" charset="-128"/>
-              </a:rPr>
-              <a:t>（</a:t>
-            </a:r>
-            <a:r>
-              <a:rPr kumimoji="1" lang="en-US" altLang="ja-JP" sz="2400" b="1" dirty="0">
-                <a:latin typeface="メイリオ" panose="020B0604030504040204" pitchFamily="50" charset="-128"/>
-                <a:ea typeface="メイリオ" panose="020B0604030504040204" pitchFamily="50" charset="-128"/>
-              </a:rPr>
-              <a:t>4</a:t>
-            </a:r>
-            <a:r>
-              <a:rPr kumimoji="1" lang="ja-JP" altLang="en-US" sz="2400" b="1" dirty="0">
-                <a:latin typeface="メイリオ" panose="020B0604030504040204" pitchFamily="50" charset="-128"/>
-                <a:ea typeface="メイリオ" panose="020B0604030504040204" pitchFamily="50" charset="-128"/>
-              </a:rPr>
-              <a:t>） 情報通信ネットワークとデータの活用</a:t>
-            </a:r>
-          </a:p>
-        </p:txBody>
-      </p:sp>
-      <p:sp>
-        <p:nvSpPr>
-          <p:cNvPr id="11" name="テキスト ボックス 10">
-            <a:extLst>
-              <a:ext uri="{FF2B5EF4-FFF2-40B4-BE49-F238E27FC236}">
-                <a16:creationId xmlns:a16="http://schemas.microsoft.com/office/drawing/2014/main" id="{705A436C-D63D-597B-774B-7B1729141074}"/>
-              </a:ext>
-            </a:extLst>
-          </p:cNvPr>
-          <p:cNvSpPr txBox="1"/>
-          <p:nvPr/>
-        </p:nvSpPr>
-        <p:spPr>
-          <a:xfrm>
-            <a:off x="600075" y="235301"/>
-            <a:ext cx="10033516" cy="584775"/>
-          </a:xfrm>
-          <a:prstGeom prst="rect">
-            <a:avLst/>
-          </a:prstGeom>
-          <a:noFill/>
-        </p:spPr>
-        <p:txBody>
-          <a:bodyPr wrap="none" rtlCol="0">
-            <a:spAutoFit/>
-          </a:bodyPr>
-          <a:lstStyle/>
-          <a:p>
-            <a:pPr algn="l"/>
-            <a:r>
-              <a:rPr kumimoji="1" lang="ja-JP" altLang="en-US" sz="3200" b="1" dirty="0">
-                <a:latin typeface="メイリオ" panose="020B0604030504040204" pitchFamily="50" charset="-128"/>
-                <a:ea typeface="メイリオ" panose="020B0604030504040204" pitchFamily="50" charset="-128"/>
-              </a:rPr>
-              <a:t>教職課程科目なので「情報</a:t>
-            </a:r>
-            <a:r>
-              <a:rPr kumimoji="1" lang="en-US" altLang="ja-JP" sz="3200" b="1" dirty="0">
-                <a:latin typeface="メイリオ" panose="020B0604030504040204" pitchFamily="50" charset="-128"/>
-                <a:ea typeface="メイリオ" panose="020B0604030504040204" pitchFamily="50" charset="-128"/>
-              </a:rPr>
-              <a:t>Ⅰ</a:t>
-            </a:r>
-            <a:r>
-              <a:rPr kumimoji="1" lang="ja-JP" altLang="en-US" sz="3200" b="1" dirty="0">
-                <a:latin typeface="メイリオ" panose="020B0604030504040204" pitchFamily="50" charset="-128"/>
-                <a:ea typeface="メイリオ" panose="020B0604030504040204" pitchFamily="50" charset="-128"/>
-              </a:rPr>
-              <a:t>」の以下をカバーします</a:t>
-            </a:r>
-          </a:p>
-        </p:txBody>
-      </p:sp>
-      <p:pic>
-        <p:nvPicPr>
-          <p:cNvPr id="17" name="図 16">
-            <a:extLst>
-              <a:ext uri="{FF2B5EF4-FFF2-40B4-BE49-F238E27FC236}">
-                <a16:creationId xmlns:a16="http://schemas.microsoft.com/office/drawing/2014/main" id="{1702772E-7EC8-549E-50F4-4E72E273DA44}"/>
-              </a:ext>
-            </a:extLst>
-          </p:cNvPr>
-          <p:cNvPicPr>
-            <a:picLocks noChangeAspect="1"/>
-          </p:cNvPicPr>
-          <p:nvPr/>
-        </p:nvPicPr>
-        <p:blipFill>
-          <a:blip r:embed="rId2"/>
-          <a:stretch>
-            <a:fillRect/>
-          </a:stretch>
-        </p:blipFill>
-        <p:spPr>
-          <a:xfrm>
-            <a:off x="814500" y="2683023"/>
-            <a:ext cx="5553457" cy="1724113"/>
-          </a:xfrm>
-          <a:prstGeom prst="rect">
-            <a:avLst/>
-          </a:prstGeom>
-        </p:spPr>
-      </p:pic>
-      <p:sp>
-        <p:nvSpPr>
-          <p:cNvPr id="20" name="正方形/長方形 19">
-            <a:extLst>
-              <a:ext uri="{FF2B5EF4-FFF2-40B4-BE49-F238E27FC236}">
-                <a16:creationId xmlns:a16="http://schemas.microsoft.com/office/drawing/2014/main" id="{1BBE5262-3B06-430B-8017-577EC6E01F46}"/>
-              </a:ext>
-            </a:extLst>
-          </p:cNvPr>
-          <p:cNvSpPr/>
-          <p:nvPr/>
-        </p:nvSpPr>
-        <p:spPr>
-          <a:xfrm>
-            <a:off x="563644" y="1875014"/>
-            <a:ext cx="5543550" cy="330069"/>
-          </a:xfrm>
-          <a:prstGeom prst="rect">
-            <a:avLst/>
-          </a:prstGeom>
-          <a:noFill/>
-          <a:ln>
-            <a:noFill/>
-          </a:ln>
-        </p:spPr>
-        <p:style>
-          <a:lnRef idx="2">
-            <a:schemeClr val="accent1">
-              <a:shade val="50000"/>
-            </a:schemeClr>
-          </a:lnRef>
-          <a:fillRef idx="1">
-            <a:schemeClr val="accent1"/>
-          </a:fillRef>
-          <a:effectRef idx="0">
-            <a:schemeClr val="accent1"/>
-          </a:effectRef>
-          <a:fontRef idx="minor">
-            <a:schemeClr val="lt1"/>
-          </a:fontRef>
-        </p:style>
-        <p:txBody>
-          <a:bodyPr rtlCol="0" anchor="ctr"/>
-          <a:lstStyle/>
-          <a:p>
-            <a:pPr algn="ctr"/>
-            <a:endParaRPr kumimoji="1" lang="ja-JP" altLang="en-US"/>
-          </a:p>
-        </p:txBody>
-      </p:sp>
-      <p:cxnSp>
-        <p:nvCxnSpPr>
-          <p:cNvPr id="22" name="コネクタ: カギ線 21">
-            <a:extLst>
-              <a:ext uri="{FF2B5EF4-FFF2-40B4-BE49-F238E27FC236}">
-                <a16:creationId xmlns:a16="http://schemas.microsoft.com/office/drawing/2014/main" id="{9B3B34A5-BD9F-FC2E-9379-8715A572CEEC}"/>
-              </a:ext>
-            </a:extLst>
-          </p:cNvPr>
-          <p:cNvCxnSpPr>
-            <a:cxnSpLocks/>
-            <a:stCxn id="20" idx="1"/>
-          </p:cNvCxnSpPr>
-          <p:nvPr/>
-        </p:nvCxnSpPr>
-        <p:spPr>
-          <a:xfrm rot="10800000" flipH="1" flipV="1">
-            <a:off x="563643" y="2040048"/>
-            <a:ext cx="2672791" cy="1140013"/>
-          </a:xfrm>
-          <a:prstGeom prst="bentConnector3">
-            <a:avLst>
-              <a:gd name="adj1" fmla="val -8553"/>
-            </a:avLst>
-          </a:prstGeom>
-          <a:ln w="28575">
-            <a:tailEnd type="triangle"/>
-          </a:ln>
-        </p:spPr>
-        <p:style>
-          <a:lnRef idx="1">
-            <a:schemeClr val="accent1"/>
-          </a:lnRef>
-          <a:fillRef idx="0">
-            <a:schemeClr val="accent1"/>
-          </a:fillRef>
-          <a:effectRef idx="0">
-            <a:schemeClr val="accent1"/>
-          </a:effectRef>
-          <a:fontRef idx="minor">
-            <a:schemeClr val="tx1"/>
-          </a:fontRef>
-        </p:style>
-      </p:cxnSp>
-      <p:pic>
-        <p:nvPicPr>
-          <p:cNvPr id="3" name="図 2">
-            <a:extLst>
-              <a:ext uri="{FF2B5EF4-FFF2-40B4-BE49-F238E27FC236}">
-                <a16:creationId xmlns:a16="http://schemas.microsoft.com/office/drawing/2014/main" id="{E921A5F5-B570-A04C-0E6D-F0C8C11CC367}"/>
-              </a:ext>
-            </a:extLst>
-          </p:cNvPr>
-          <p:cNvPicPr>
-            <a:picLocks noChangeAspect="1"/>
-          </p:cNvPicPr>
-          <p:nvPr/>
-        </p:nvPicPr>
-        <p:blipFill>
-          <a:blip r:embed="rId3"/>
-          <a:stretch>
-            <a:fillRect/>
-          </a:stretch>
-        </p:blipFill>
-        <p:spPr>
-          <a:xfrm>
-            <a:off x="6354486" y="2535019"/>
-            <a:ext cx="5691335" cy="1924461"/>
-          </a:xfrm>
-          <a:prstGeom prst="rect">
-            <a:avLst/>
-          </a:prstGeom>
-        </p:spPr>
-      </p:pic>
-      <p:sp>
-        <p:nvSpPr>
-          <p:cNvPr id="6" name="四角形: 角を丸くする 5">
-            <a:extLst>
-              <a:ext uri="{FF2B5EF4-FFF2-40B4-BE49-F238E27FC236}">
-                <a16:creationId xmlns:a16="http://schemas.microsoft.com/office/drawing/2014/main" id="{9A263C06-20D4-E980-9D38-7F5156A80C2A}"/>
-              </a:ext>
-            </a:extLst>
-          </p:cNvPr>
-          <p:cNvSpPr/>
-          <p:nvPr/>
-        </p:nvSpPr>
-        <p:spPr>
-          <a:xfrm>
-            <a:off x="3236435" y="2735568"/>
-            <a:ext cx="3098101" cy="920099"/>
-          </a:xfrm>
-          <a:prstGeom prst="roundRect">
-            <a:avLst/>
-          </a:prstGeom>
-          <a:noFill/>
-          <a:ln w="28575">
-            <a:solidFill>
-              <a:srgbClr val="0070C0"/>
-            </a:solidFill>
-          </a:ln>
-        </p:spPr>
-        <p:style>
-          <a:lnRef idx="2">
-            <a:schemeClr val="accent1">
-              <a:shade val="50000"/>
-            </a:schemeClr>
-          </a:lnRef>
-          <a:fillRef idx="1">
-            <a:schemeClr val="accent1"/>
-          </a:fillRef>
-          <a:effectRef idx="0">
-            <a:schemeClr val="accent1"/>
-          </a:effectRef>
-          <a:fontRef idx="minor">
-            <a:schemeClr val="lt1"/>
-          </a:fontRef>
-        </p:style>
-        <p:txBody>
-          <a:bodyPr rtlCol="0" anchor="ctr"/>
-          <a:lstStyle/>
-          <a:p>
-            <a:pPr algn="ctr"/>
-            <a:endParaRPr kumimoji="1" lang="ja-JP" altLang="en-US"/>
-          </a:p>
-        </p:txBody>
-      </p:sp>
-      <p:sp>
-        <p:nvSpPr>
-          <p:cNvPr id="8" name="四角形: 角を丸くする 7">
-            <a:extLst>
-              <a:ext uri="{FF2B5EF4-FFF2-40B4-BE49-F238E27FC236}">
-                <a16:creationId xmlns:a16="http://schemas.microsoft.com/office/drawing/2014/main" id="{086E7D73-49F8-586D-40CD-CF503A05B026}"/>
-              </a:ext>
-            </a:extLst>
-          </p:cNvPr>
-          <p:cNvSpPr/>
-          <p:nvPr/>
-        </p:nvSpPr>
-        <p:spPr>
-          <a:xfrm>
-            <a:off x="8809841" y="2704458"/>
-            <a:ext cx="3098101" cy="951208"/>
-          </a:xfrm>
-          <a:prstGeom prst="roundRect">
-            <a:avLst/>
-          </a:prstGeom>
-          <a:noFill/>
-          <a:ln w="28575">
-            <a:solidFill>
-              <a:srgbClr val="0070C0"/>
-            </a:solidFill>
-          </a:ln>
-        </p:spPr>
-        <p:style>
-          <a:lnRef idx="2">
-            <a:schemeClr val="accent1">
-              <a:shade val="50000"/>
-            </a:schemeClr>
-          </a:lnRef>
-          <a:fillRef idx="1">
-            <a:schemeClr val="accent1"/>
-          </a:fillRef>
-          <a:effectRef idx="0">
-            <a:schemeClr val="accent1"/>
-          </a:effectRef>
-          <a:fontRef idx="minor">
-            <a:schemeClr val="lt1"/>
-          </a:fontRef>
-        </p:style>
-        <p:txBody>
-          <a:bodyPr rtlCol="0" anchor="ctr"/>
-          <a:lstStyle/>
-          <a:p>
-            <a:pPr algn="ctr"/>
-            <a:endParaRPr kumimoji="1" lang="ja-JP" altLang="en-US"/>
-          </a:p>
-        </p:txBody>
-      </p:sp>
-      <p:sp>
-        <p:nvSpPr>
-          <p:cNvPr id="15" name="正方形/長方形 14">
-            <a:extLst>
-              <a:ext uri="{FF2B5EF4-FFF2-40B4-BE49-F238E27FC236}">
-                <a16:creationId xmlns:a16="http://schemas.microsoft.com/office/drawing/2014/main" id="{8D5E77FC-A2ED-C40D-C5B5-100E72165E5B}"/>
-              </a:ext>
-            </a:extLst>
-          </p:cNvPr>
-          <p:cNvSpPr/>
-          <p:nvPr/>
-        </p:nvSpPr>
-        <p:spPr>
-          <a:xfrm>
-            <a:off x="600075" y="2198179"/>
-            <a:ext cx="6149061" cy="379259"/>
-          </a:xfrm>
-          <a:prstGeom prst="rect">
-            <a:avLst/>
-          </a:prstGeom>
-          <a:noFill/>
-          <a:ln>
-            <a:noFill/>
-          </a:ln>
-        </p:spPr>
-        <p:style>
-          <a:lnRef idx="2">
-            <a:schemeClr val="accent1">
-              <a:shade val="50000"/>
-            </a:schemeClr>
-          </a:lnRef>
-          <a:fillRef idx="1">
-            <a:schemeClr val="accent1"/>
-          </a:fillRef>
-          <a:effectRef idx="0">
-            <a:schemeClr val="accent1"/>
-          </a:effectRef>
-          <a:fontRef idx="minor">
-            <a:schemeClr val="lt1"/>
-          </a:fontRef>
-        </p:style>
-        <p:txBody>
-          <a:bodyPr rtlCol="0" anchor="ctr"/>
-          <a:lstStyle/>
-          <a:p>
-            <a:pPr algn="ctr"/>
-            <a:endParaRPr kumimoji="1" lang="ja-JP" altLang="en-US"/>
-          </a:p>
-        </p:txBody>
-      </p:sp>
-      <p:cxnSp>
-        <p:nvCxnSpPr>
-          <p:cNvPr id="16" name="コネクタ: カギ線 15">
-            <a:extLst>
-              <a:ext uri="{FF2B5EF4-FFF2-40B4-BE49-F238E27FC236}">
-                <a16:creationId xmlns:a16="http://schemas.microsoft.com/office/drawing/2014/main" id="{447E0AB2-9567-6667-07F0-F97C5F179AD1}"/>
-              </a:ext>
-            </a:extLst>
-          </p:cNvPr>
-          <p:cNvCxnSpPr>
-            <a:cxnSpLocks/>
-            <a:stCxn id="15" idx="3"/>
-            <a:endCxn id="8" idx="1"/>
-          </p:cNvCxnSpPr>
-          <p:nvPr/>
-        </p:nvCxnSpPr>
-        <p:spPr>
-          <a:xfrm>
-            <a:off x="6749136" y="2387809"/>
-            <a:ext cx="2060705" cy="792253"/>
-          </a:xfrm>
-          <a:prstGeom prst="bentConnector3">
-            <a:avLst>
-              <a:gd name="adj1" fmla="val 50000"/>
-            </a:avLst>
-          </a:prstGeom>
-          <a:ln w="28575">
-            <a:tailEnd type="triangle"/>
-          </a:ln>
-        </p:spPr>
-        <p:style>
-          <a:lnRef idx="1">
-            <a:schemeClr val="accent1"/>
-          </a:lnRef>
-          <a:fillRef idx="0">
-            <a:schemeClr val="accent1"/>
-          </a:fillRef>
-          <a:effectRef idx="0">
-            <a:schemeClr val="accent1"/>
-          </a:effectRef>
-          <a:fontRef idx="minor">
-            <a:schemeClr val="tx1"/>
-          </a:fontRef>
-        </p:style>
-      </p:cxnSp>
-      <p:sp>
-        <p:nvSpPr>
-          <p:cNvPr id="14" name="テキスト ボックス 13">
-            <a:extLst>
-              <a:ext uri="{FF2B5EF4-FFF2-40B4-BE49-F238E27FC236}">
-                <a16:creationId xmlns:a16="http://schemas.microsoft.com/office/drawing/2014/main" id="{81E1D81F-5C83-5ADD-8032-C8EBE08D1959}"/>
-              </a:ext>
-            </a:extLst>
-          </p:cNvPr>
-          <p:cNvSpPr txBox="1"/>
-          <p:nvPr/>
-        </p:nvSpPr>
-        <p:spPr>
-          <a:xfrm>
-            <a:off x="836271" y="5054150"/>
-            <a:ext cx="8304838" cy="646331"/>
-          </a:xfrm>
-          <a:prstGeom prst="rect">
-            <a:avLst/>
-          </a:prstGeom>
-          <a:noFill/>
-        </p:spPr>
-        <p:txBody>
-          <a:bodyPr wrap="none" rtlCol="0">
-            <a:spAutoFit/>
-          </a:bodyPr>
-          <a:lstStyle/>
-          <a:p>
-            <a:pPr algn="l"/>
-            <a:r>
-              <a:rPr kumimoji="1" lang="en-US" altLang="ja-JP" dirty="0">
-                <a:latin typeface="メイリオ" panose="020B0604030504040204" pitchFamily="50" charset="-128"/>
-                <a:ea typeface="メイリオ" panose="020B0604030504040204" pitchFamily="50" charset="-128"/>
-                <a:hlinkClick r:id="rId4"/>
-              </a:rPr>
-              <a:t>https://www.mext.go.jp/a_menu/shotou/zyouhou/detail/1416756.htm</a:t>
-            </a:r>
-            <a:endParaRPr kumimoji="1" lang="en-US" altLang="ja-JP" dirty="0">
-              <a:latin typeface="メイリオ" panose="020B0604030504040204" pitchFamily="50" charset="-128"/>
-              <a:ea typeface="メイリオ" panose="020B0604030504040204" pitchFamily="50" charset="-128"/>
-            </a:endParaRPr>
-          </a:p>
-          <a:p>
-            <a:pPr algn="l"/>
-            <a:endParaRPr kumimoji="1" lang="ja-JP" altLang="en-US" dirty="0">
-              <a:latin typeface="メイリオ" panose="020B0604030504040204" pitchFamily="50" charset="-128"/>
-              <a:ea typeface="メイリオ" panose="020B0604030504040204" pitchFamily="50" charset="-128"/>
-            </a:endParaRPr>
-          </a:p>
-        </p:txBody>
-      </p:sp>
-      <p:sp>
-        <p:nvSpPr>
-          <p:cNvPr id="18" name="テキスト ボックス 17">
-            <a:extLst>
-              <a:ext uri="{FF2B5EF4-FFF2-40B4-BE49-F238E27FC236}">
-                <a16:creationId xmlns:a16="http://schemas.microsoft.com/office/drawing/2014/main" id="{485F3B48-B172-3D7F-DA33-47411B5DF4D0}"/>
-              </a:ext>
-            </a:extLst>
-          </p:cNvPr>
-          <p:cNvSpPr txBox="1"/>
-          <p:nvPr/>
-        </p:nvSpPr>
-        <p:spPr>
-          <a:xfrm>
-            <a:off x="814500" y="4560382"/>
-            <a:ext cx="5416868" cy="461665"/>
-          </a:xfrm>
-          <a:prstGeom prst="rect">
-            <a:avLst/>
-          </a:prstGeom>
-          <a:noFill/>
-        </p:spPr>
-        <p:txBody>
-          <a:bodyPr wrap="none" rtlCol="0">
-            <a:spAutoFit/>
-          </a:bodyPr>
-          <a:lstStyle/>
-          <a:p>
-            <a:pPr algn="l"/>
-            <a:r>
-              <a:rPr kumimoji="1" lang="ja-JP" altLang="en-US" sz="2400" dirty="0">
-                <a:latin typeface="メイリオ" panose="020B0604030504040204" pitchFamily="50" charset="-128"/>
-                <a:ea typeface="メイリオ" panose="020B0604030504040204" pitchFamily="50" charset="-128"/>
-              </a:rPr>
-              <a:t>文科省</a:t>
-            </a:r>
-            <a:r>
-              <a:rPr kumimoji="1" lang="zh-TW" altLang="en-US" sz="2400" dirty="0">
-                <a:latin typeface="メイリオ" panose="020B0604030504040204" pitchFamily="50" charset="-128"/>
-                <a:ea typeface="メイリオ" panose="020B0604030504040204" pitchFamily="50" charset="-128"/>
-              </a:rPr>
-              <a:t>「情報</a:t>
-            </a:r>
-            <a:r>
-              <a:rPr kumimoji="1" lang="en-US" altLang="zh-TW" sz="2400" dirty="0">
-                <a:latin typeface="メイリオ" panose="020B0604030504040204" pitchFamily="50" charset="-128"/>
-                <a:ea typeface="メイリオ" panose="020B0604030504040204" pitchFamily="50" charset="-128"/>
-              </a:rPr>
-              <a:t>Ⅰ</a:t>
-            </a:r>
-            <a:r>
-              <a:rPr kumimoji="1" lang="zh-TW" altLang="en-US" sz="2400" dirty="0">
-                <a:latin typeface="メイリオ" panose="020B0604030504040204" pitchFamily="50" charset="-128"/>
-                <a:ea typeface="メイリオ" panose="020B0604030504040204" pitchFamily="50" charset="-128"/>
-              </a:rPr>
-              <a:t>」教員研修用教材</a:t>
-            </a:r>
-            <a:r>
-              <a:rPr kumimoji="1" lang="ja-JP" altLang="en-US" sz="2400" dirty="0">
-                <a:latin typeface="メイリオ" panose="020B0604030504040204" pitchFamily="50" charset="-128"/>
-                <a:ea typeface="メイリオ" panose="020B0604030504040204" pitchFamily="50" charset="-128"/>
-              </a:rPr>
-              <a:t>より</a:t>
-            </a:r>
-          </a:p>
-        </p:txBody>
-      </p:sp>
-      <p:sp>
-        <p:nvSpPr>
-          <p:cNvPr id="2" name="テキスト ボックス 1">
-            <a:extLst>
-              <a:ext uri="{FF2B5EF4-FFF2-40B4-BE49-F238E27FC236}">
-                <a16:creationId xmlns:a16="http://schemas.microsoft.com/office/drawing/2014/main" id="{7145C86F-366E-3D77-4D6B-57B870A78299}"/>
-              </a:ext>
-            </a:extLst>
-          </p:cNvPr>
-          <p:cNvSpPr txBox="1"/>
-          <p:nvPr/>
-        </p:nvSpPr>
-        <p:spPr>
-          <a:xfrm>
-            <a:off x="767507" y="5584614"/>
-            <a:ext cx="11196735" cy="1477328"/>
-          </a:xfrm>
-          <a:prstGeom prst="rect">
-            <a:avLst/>
-          </a:prstGeom>
-          <a:noFill/>
-        </p:spPr>
-        <p:txBody>
-          <a:bodyPr wrap="square" rtlCol="0">
-            <a:spAutoFit/>
-          </a:bodyPr>
-          <a:lstStyle/>
-          <a:p>
-            <a:pPr algn="l"/>
-            <a:r>
-              <a:rPr kumimoji="1" lang="ja-JP" altLang="en-US" dirty="0">
-                <a:latin typeface="メイリオ" panose="020B0604030504040204" pitchFamily="50" charset="-128"/>
-                <a:ea typeface="メイリオ" panose="020B0604030504040204" pitchFamily="50" charset="-128"/>
-              </a:rPr>
-              <a:t>埼玉県の教員採用試験について、情報科の採用試験の必要免許が、これまで「情報＋他教科」だったものが、「情報のみ」で受検可能になった詳しくは、以下のページも御覧下さい。</a:t>
-            </a:r>
-          </a:p>
-          <a:p>
-            <a:pPr algn="l"/>
-            <a:endParaRPr kumimoji="1" lang="ja-JP" altLang="en-US" dirty="0">
-              <a:latin typeface="メイリオ" panose="020B0604030504040204" pitchFamily="50" charset="-128"/>
-              <a:ea typeface="メイリオ" panose="020B0604030504040204" pitchFamily="50" charset="-128"/>
-            </a:endParaRPr>
-          </a:p>
-          <a:p>
-            <a:pPr algn="l"/>
-            <a:r>
-              <a:rPr kumimoji="1" lang="en-US" altLang="ja-JP" dirty="0">
-                <a:latin typeface="メイリオ" panose="020B0604030504040204" pitchFamily="50" charset="-128"/>
-                <a:ea typeface="メイリオ" panose="020B0604030504040204" pitchFamily="50" charset="-128"/>
-                <a:hlinkClick r:id="rId5"/>
-              </a:rPr>
-              <a:t>https://www.pref.saitama.lg.jp/f2210/r6kyouinsaiyou/r6top.html</a:t>
-            </a:r>
-            <a:endParaRPr kumimoji="1" lang="en-US" altLang="ja-JP" dirty="0">
-              <a:latin typeface="メイリオ" panose="020B0604030504040204" pitchFamily="50" charset="-128"/>
-              <a:ea typeface="メイリオ" panose="020B0604030504040204" pitchFamily="50" charset="-128"/>
-            </a:endParaRPr>
-          </a:p>
-          <a:p>
-            <a:pPr algn="l"/>
-            <a:endParaRPr kumimoji="1" lang="ja-JP" altLang="en-US" dirty="0">
-              <a:latin typeface="メイリオ" panose="020B0604030504040204" pitchFamily="50" charset="-128"/>
-              <a:ea typeface="メイリオ" panose="020B0604030504040204" pitchFamily="50" charset="-128"/>
-            </a:endParaRPr>
+              <a:rPr kumimoji="1" lang="ja-JP" altLang="en-US" sz="3600" dirty="0">
+                <a:latin typeface="メイリオ" panose="020B0604030504040204" pitchFamily="50" charset="-128"/>
+                <a:ea typeface="メイリオ" panose="020B0604030504040204" pitchFamily="50" charset="-128"/>
+              </a:rPr>
+              <a:t>授業の断片</a:t>
+            </a:r>
           </a:p>
         </p:txBody>
       </p:sp>
     </p:spTree>
     <p:extLst>
       <p:ext uri="{BB962C8B-B14F-4D97-AF65-F5344CB8AC3E}">
-        <p14:creationId xmlns:p14="http://schemas.microsoft.com/office/powerpoint/2010/main" val="2005423571"/>
+        <p14:creationId xmlns:p14="http://schemas.microsoft.com/office/powerpoint/2010/main" val="3914523521"/>
       </p:ext>
     </p:extLst>
   </p:cSld>
@@ -4546,46 +3917,42 @@
           <a:chExt cx="0" cy="0"/>
         </a:xfrm>
       </p:grpSpPr>
-      <p:sp>
-        <p:nvSpPr>
-          <p:cNvPr id="2" name="スライド番号プレースホルダー 1">
-            <a:extLst>
-              <a:ext uri="{FF2B5EF4-FFF2-40B4-BE49-F238E27FC236}">
-                <a16:creationId xmlns:a16="http://schemas.microsoft.com/office/drawing/2014/main" id="{77625B79-3DD8-28D2-48F1-B19044A2CAF3}"/>
-              </a:ext>
-            </a:extLst>
-          </p:cNvPr>
-          <p:cNvSpPr>
-            <a:spLocks noGrp="1"/>
-          </p:cNvSpPr>
-          <p:nvPr>
-            <p:ph type="sldNum" sz="quarter" idx="12"/>
-          </p:nvPr>
-        </p:nvSpPr>
-        <p:spPr>
-          <a:xfrm>
-            <a:off x="9039576" y="6333510"/>
-            <a:ext cx="2743200" cy="365125"/>
-          </a:xfrm>
-        </p:spPr>
-        <p:txBody>
-          <a:bodyPr/>
-          <a:lstStyle/>
-          <a:p>
-            <a:fld id="{4859232B-2CA9-4215-B0BE-138134CC1745}" type="slidenum">
-              <a:rPr kumimoji="1" lang="ja-JP" altLang="en-US" smtClean="0"/>
-              <a:t>11</a:t>
-            </a:fld>
-            <a:endParaRPr kumimoji="1" lang="ja-JP" altLang="en-US"/>
-          </a:p>
-        </p:txBody>
-      </p:sp>
-      <p:sp>
-        <p:nvSpPr>
-          <p:cNvPr id="3" name="テキスト ボックス 2">
-            <a:extLst>
-              <a:ext uri="{FF2B5EF4-FFF2-40B4-BE49-F238E27FC236}">
-                <a16:creationId xmlns:a16="http://schemas.microsoft.com/office/drawing/2014/main" id="{44663F4D-B6DB-FADD-A4B4-0B5CC019A353}"/>
+      <p:pic>
+        <p:nvPicPr>
+          <p:cNvPr id="3" name="図 2">
+            <a:extLst>
+              <a:ext uri="{FF2B5EF4-FFF2-40B4-BE49-F238E27FC236}">
+                <a16:creationId xmlns:a16="http://schemas.microsoft.com/office/drawing/2014/main" id="{74AEEA54-A41A-4A29-975D-ACD6A5F021C4}"/>
+              </a:ext>
+            </a:extLst>
+          </p:cNvPr>
+          <p:cNvPicPr>
+            <a:picLocks noChangeAspect="1"/>
+          </p:cNvPicPr>
+          <p:nvPr/>
+        </p:nvPicPr>
+        <p:blipFill>
+          <a:blip r:embed="rId2"/>
+          <a:stretch>
+            <a:fillRect/>
+          </a:stretch>
+        </p:blipFill>
+        <p:spPr>
+          <a:xfrm>
+            <a:off x="415636" y="647620"/>
+            <a:ext cx="11684924" cy="5919390"/>
+          </a:xfrm>
+          <a:prstGeom prst="rect">
+            <a:avLst/>
+          </a:prstGeom>
+        </p:spPr>
+      </p:pic>
+      <p:sp>
+        <p:nvSpPr>
+          <p:cNvPr id="4" name="テキスト ボックス 3">
+            <a:extLst>
+              <a:ext uri="{FF2B5EF4-FFF2-40B4-BE49-F238E27FC236}">
+                <a16:creationId xmlns:a16="http://schemas.microsoft.com/office/drawing/2014/main" id="{62876AFD-E2A2-2BF4-2720-78A7DEA3C58F}"/>
               </a:ext>
             </a:extLst>
           </p:cNvPr>
@@ -4594,8 +3961,8 @@
         </p:nvSpPr>
         <p:spPr>
           <a:xfrm>
-            <a:off x="507805" y="304370"/>
-            <a:ext cx="2646878" cy="584775"/>
+            <a:off x="482138" y="199505"/>
+            <a:ext cx="10238700" cy="523220"/>
           </a:xfrm>
           <a:prstGeom prst="rect">
             <a:avLst/>
@@ -4610,109 +3977,19 @@
           <a:p>
             <a:pPr algn="l"/>
             <a:r>
-              <a:rPr kumimoji="1" lang="ja-JP" altLang="en-US" sz="3200" dirty="0">
-                <a:latin typeface="メイリオ" panose="020B0604030504040204" pitchFamily="50" charset="-128"/>
-                <a:ea typeface="メイリオ" panose="020B0604030504040204" pitchFamily="50" charset="-128"/>
-              </a:rPr>
-              <a:t>教職関連資料</a:t>
-            </a:r>
-          </a:p>
-        </p:txBody>
-      </p:sp>
-      <p:sp>
-        <p:nvSpPr>
-          <p:cNvPr id="6" name="テキスト ボックス 5">
-            <a:extLst>
-              <a:ext uri="{FF2B5EF4-FFF2-40B4-BE49-F238E27FC236}">
-                <a16:creationId xmlns:a16="http://schemas.microsoft.com/office/drawing/2014/main" id="{A8F1106C-F637-D446-A6C4-7878F97FB8CE}"/>
-              </a:ext>
-            </a:extLst>
-          </p:cNvPr>
-          <p:cNvSpPr txBox="1"/>
-          <p:nvPr/>
-        </p:nvSpPr>
-        <p:spPr>
-          <a:xfrm>
-            <a:off x="792704" y="2181336"/>
-            <a:ext cx="2339102" cy="461665"/>
-          </a:xfrm>
-          <a:prstGeom prst="rect">
-            <a:avLst/>
-          </a:prstGeom>
-          <a:noFill/>
-        </p:spPr>
-        <p:txBody>
-          <a:bodyPr wrap="none" rtlCol="0">
-            <a:spAutoFit/>
-          </a:bodyPr>
-          <a:lstStyle/>
-          <a:p>
-            <a:pPr algn="l"/>
-            <a:r>
-              <a:rPr kumimoji="1" lang="ja-JP" altLang="en-US" sz="2400" dirty="0">
-                <a:latin typeface="メイリオ" panose="020B0604030504040204" pitchFamily="50" charset="-128"/>
-                <a:ea typeface="メイリオ" panose="020B0604030504040204" pitchFamily="50" charset="-128"/>
-              </a:rPr>
-              <a:t>高校生模擬授業</a:t>
-            </a:r>
-          </a:p>
-        </p:txBody>
-      </p:sp>
-      <p:sp>
-        <p:nvSpPr>
-          <p:cNvPr id="8" name="テキスト ボックス 7">
-            <a:extLst>
-              <a:ext uri="{FF2B5EF4-FFF2-40B4-BE49-F238E27FC236}">
-                <a16:creationId xmlns:a16="http://schemas.microsoft.com/office/drawing/2014/main" id="{4A9AEA36-5791-576B-FF15-936A3CD63B7A}"/>
-              </a:ext>
-            </a:extLst>
-          </p:cNvPr>
-          <p:cNvSpPr txBox="1"/>
-          <p:nvPr/>
-        </p:nvSpPr>
-        <p:spPr>
-          <a:xfrm>
-            <a:off x="792704" y="2643001"/>
-            <a:ext cx="10725539" cy="1938992"/>
-          </a:xfrm>
-          <a:prstGeom prst="rect">
-            <a:avLst/>
-          </a:prstGeom>
-          <a:noFill/>
-        </p:spPr>
-        <p:txBody>
-          <a:bodyPr wrap="square" rtlCol="0">
-            <a:spAutoFit/>
-          </a:bodyPr>
-          <a:lstStyle/>
-          <a:p>
-            <a:pPr algn="l"/>
-            <a:r>
-              <a:rPr kumimoji="1" lang="en-US" altLang="ja-JP" sz="2400" dirty="0">
-                <a:latin typeface="メイリオ" panose="020B0604030504040204" pitchFamily="50" charset="-128"/>
-                <a:ea typeface="メイリオ" panose="020B0604030504040204" pitchFamily="50" charset="-128"/>
-                <a:hlinkClick r:id="rId2"/>
-              </a:rPr>
-              <a:t>https://risshouniv-my.sharepoint.com/:f:/g/personal/uf05762gi_rissho-univ_jp/EqP3j4t3lmVInpALk5UQT9EBITW6l6eK5esSvr1KrvwUVQ?e=dkedP6</a:t>
-            </a:r>
-            <a:endParaRPr kumimoji="1" lang="en-US" altLang="ja-JP" sz="2400" dirty="0">
-              <a:latin typeface="メイリオ" panose="020B0604030504040204" pitchFamily="50" charset="-128"/>
-              <a:ea typeface="メイリオ" panose="020B0604030504040204" pitchFamily="50" charset="-128"/>
-            </a:endParaRPr>
-          </a:p>
-          <a:p>
-            <a:pPr algn="l"/>
-            <a:endParaRPr kumimoji="1" lang="ja-JP" altLang="en-US" sz="2400" dirty="0">
-              <a:latin typeface="メイリオ" panose="020B0604030504040204" pitchFamily="50" charset="-128"/>
-              <a:ea typeface="メイリオ" panose="020B0604030504040204" pitchFamily="50" charset="-128"/>
-            </a:endParaRPr>
+              <a:rPr kumimoji="1" lang="ja-JP" altLang="en-US" sz="2800" dirty="0">
+                <a:latin typeface="メイリオ" panose="020B0604030504040204" pitchFamily="50" charset="-128"/>
+                <a:ea typeface="メイリオ" panose="020B0604030504040204" pitchFamily="50" charset="-128"/>
+              </a:rPr>
+              <a:t>こんな感じのコード（デモのソース）を書いてもらいます。</a:t>
+            </a:r>
           </a:p>
         </p:txBody>
       </p:sp>
     </p:spTree>
     <p:extLst>
       <p:ext uri="{BB962C8B-B14F-4D97-AF65-F5344CB8AC3E}">
-        <p14:creationId xmlns:p14="http://schemas.microsoft.com/office/powerpoint/2010/main" val="1869544966"/>
+        <p14:creationId xmlns:p14="http://schemas.microsoft.com/office/powerpoint/2010/main" val="2951128360"/>
       </p:ext>
     </p:extLst>
   </p:cSld>
@@ -4744,7 +4021,7 @@
           <p:cNvPr id="2" name="テキスト ボックス 1">
             <a:extLst>
               <a:ext uri="{FF2B5EF4-FFF2-40B4-BE49-F238E27FC236}">
-                <a16:creationId xmlns:a16="http://schemas.microsoft.com/office/drawing/2014/main" id="{5EF892AE-0E57-48DD-8725-890E6F989D41}"/>
+                <a16:creationId xmlns:a16="http://schemas.microsoft.com/office/drawing/2014/main" id="{532EE72C-9E75-0A28-1B5A-90C8C2CF5C99}"/>
               </a:ext>
             </a:extLst>
           </p:cNvPr>
@@ -4753,8 +4030,8 @@
         </p:nvSpPr>
         <p:spPr>
           <a:xfrm>
-            <a:off x="-302394" y="300551"/>
-            <a:ext cx="3157979" cy="584775"/>
+            <a:off x="806335" y="714895"/>
+            <a:ext cx="5929828" cy="584775"/>
           </a:xfrm>
           <a:prstGeom prst="rect">
             <a:avLst/>
@@ -4762,18 +4039,18 @@
           <a:noFill/>
         </p:spPr>
         <p:txBody>
-          <a:bodyPr wrap="square" rtlCol="0">
+          <a:bodyPr wrap="none" rtlCol="0">
             <a:spAutoFit/>
           </a:bodyPr>
           <a:lstStyle/>
           <a:p>
-            <a:pPr algn="ctr"/>
-            <a:r>
-              <a:rPr kumimoji="1" lang="ja-JP" altLang="en-US" sz="3200" b="1" dirty="0">
-                <a:latin typeface="メイリオ" panose="020B0604030504040204" pitchFamily="50" charset="-128"/>
-                <a:ea typeface="メイリオ" panose="020B0604030504040204" pitchFamily="50" charset="-128"/>
-              </a:rPr>
-              <a:t>評　価</a:t>
+            <a:pPr algn="l"/>
+            <a:r>
+              <a:rPr kumimoji="1" lang="ja-JP" altLang="en-US" sz="3200" dirty="0">
+                <a:latin typeface="メイリオ" panose="020B0604030504040204" pitchFamily="50" charset="-128"/>
+                <a:ea typeface="メイリオ" panose="020B0604030504040204" pitchFamily="50" charset="-128"/>
+              </a:rPr>
+              <a:t>プログラミング演習のイメージ</a:t>
             </a:r>
           </a:p>
         </p:txBody>
@@ -4783,7 +4060,7 @@
           <p:cNvPr id="3" name="テキスト ボックス 2">
             <a:extLst>
               <a:ext uri="{FF2B5EF4-FFF2-40B4-BE49-F238E27FC236}">
-                <a16:creationId xmlns:a16="http://schemas.microsoft.com/office/drawing/2014/main" id="{1AA976AA-B204-4F2A-B0FF-948A779F12D6}"/>
+                <a16:creationId xmlns:a16="http://schemas.microsoft.com/office/drawing/2014/main" id="{17A9DF8C-9D4F-E6FF-D9A1-3D085309CB46}"/>
               </a:ext>
             </a:extLst>
           </p:cNvPr>
@@ -4792,8 +4069,8 @@
         </p:nvSpPr>
         <p:spPr>
           <a:xfrm>
-            <a:off x="616965" y="1214471"/>
-            <a:ext cx="10958070" cy="4524315"/>
+            <a:off x="1105593" y="1629295"/>
+            <a:ext cx="8628901" cy="1938992"/>
           </a:xfrm>
           <a:prstGeom prst="rect">
             <a:avLst/>
@@ -4801,12 +4078,12 @@
           <a:noFill/>
         </p:spPr>
         <p:txBody>
-          <a:bodyPr wrap="square" rtlCol="0">
+          <a:bodyPr wrap="none" rtlCol="0">
             <a:spAutoFit/>
           </a:bodyPr>
           <a:lstStyle/>
           <a:p>
-            <a:pPr marL="457200" indent="-457200">
+            <a:pPr marL="457200" indent="-457200" algn="l">
               <a:buFont typeface="+mj-lt"/>
               <a:buAutoNum type="arabicPeriod"/>
             </a:pPr>
@@ -4815,21 +4092,7 @@
                 <a:latin typeface="メイリオ" panose="020B0604030504040204" pitchFamily="50" charset="-128"/>
                 <a:ea typeface="メイリオ" panose="020B0604030504040204" pitchFamily="50" charset="-128"/>
               </a:rPr>
-              <a:t>期末テストだけで評価（</a:t>
-            </a:r>
-            <a:r>
-              <a:rPr kumimoji="1" lang="en-US" altLang="ja-JP" sz="2400" dirty="0">
-                <a:latin typeface="メイリオ" panose="020B0604030504040204" pitchFamily="50" charset="-128"/>
-                <a:ea typeface="メイリオ" panose="020B0604030504040204" pitchFamily="50" charset="-128"/>
-              </a:rPr>
-              <a:t>15</a:t>
-            </a:r>
-            <a:r>
-              <a:rPr kumimoji="1" lang="ja-JP" altLang="en-US" sz="2400" dirty="0">
-                <a:latin typeface="メイリオ" panose="020B0604030504040204" pitchFamily="50" charset="-128"/>
-                <a:ea typeface="メイリオ" panose="020B0604030504040204" pitchFamily="50" charset="-128"/>
-              </a:rPr>
-              <a:t>回目に実施）</a:t>
+              <a:t>サンプルコードを渡します。</a:t>
             </a:r>
             <a:endParaRPr kumimoji="1" lang="en-US" altLang="ja-JP" sz="2400" dirty="0">
               <a:latin typeface="メイリオ" panose="020B0604030504040204" pitchFamily="50" charset="-128"/>
@@ -4837,16 +4100,23 @@
             </a:endParaRPr>
           </a:p>
           <a:p>
-            <a:pPr marL="457200" indent="-457200">
+            <a:pPr marL="457200" indent="-457200" algn="l">
               <a:buFont typeface="+mj-lt"/>
               <a:buAutoNum type="arabicPeriod"/>
             </a:pPr>
             <a:r>
+              <a:rPr kumimoji="1" lang="en-US" altLang="ja-JP" sz="2400" dirty="0">
+                <a:latin typeface="メイリオ" panose="020B0604030504040204" pitchFamily="50" charset="-128"/>
+                <a:ea typeface="メイリオ" panose="020B0604030504040204" pitchFamily="50" charset="-128"/>
+              </a:rPr>
+              <a:t>1</a:t>
+            </a:r>
+            <a:r>
               <a:rPr kumimoji="1" lang="ja-JP" altLang="en-US" sz="2400" dirty="0">
                 <a:latin typeface="メイリオ" panose="020B0604030504040204" pitchFamily="50" charset="-128"/>
                 <a:ea typeface="メイリオ" panose="020B0604030504040204" pitchFamily="50" charset="-128"/>
               </a:rPr>
-              <a:t>授業中に出題する個所を明示します。</a:t>
+              <a:t>行づつコードの意味を解説</a:t>
             </a:r>
             <a:endParaRPr kumimoji="1" lang="en-US" altLang="ja-JP" sz="2400" dirty="0">
               <a:latin typeface="メイリオ" panose="020B0604030504040204" pitchFamily="50" charset="-128"/>
@@ -4854,7 +4124,7 @@
             </a:endParaRPr>
           </a:p>
           <a:p>
-            <a:pPr marL="457200" indent="-457200">
+            <a:pPr marL="457200" indent="-457200" algn="l">
               <a:buFont typeface="+mj-lt"/>
               <a:buAutoNum type="arabicPeriod"/>
             </a:pPr>
@@ -4863,7 +4133,7 @@
                 <a:latin typeface="メイリオ" panose="020B0604030504040204" pitchFamily="50" charset="-128"/>
                 <a:ea typeface="メイリオ" panose="020B0604030504040204" pitchFamily="50" charset="-128"/>
               </a:rPr>
-              <a:t>出欠はとらない（けど出席しないと期末テストの範囲がわからない）</a:t>
+              <a:t>応用演習問題を提示</a:t>
             </a:r>
             <a:endParaRPr kumimoji="1" lang="en-US" altLang="ja-JP" sz="2400" dirty="0">
               <a:latin typeface="メイリオ" panose="020B0604030504040204" pitchFamily="50" charset="-128"/>
@@ -4871,7 +4141,7 @@
             </a:endParaRPr>
           </a:p>
           <a:p>
-            <a:pPr marL="457200" indent="-457200">
+            <a:pPr marL="457200" indent="-457200" algn="l">
               <a:buFont typeface="+mj-lt"/>
               <a:buAutoNum type="arabicPeriod"/>
             </a:pPr>
@@ -4880,120 +4150,69 @@
                 <a:latin typeface="メイリオ" panose="020B0604030504040204" pitchFamily="50" charset="-128"/>
                 <a:ea typeface="メイリオ" panose="020B0604030504040204" pitchFamily="50" charset="-128"/>
               </a:rPr>
-              <a:t>ボーナスポイント</a:t>
-            </a:r>
-            <a:endParaRPr kumimoji="1" lang="en-US" altLang="ja-JP" sz="2400" dirty="0">
-              <a:latin typeface="メイリオ" panose="020B0604030504040204" pitchFamily="50" charset="-128"/>
-              <a:ea typeface="メイリオ" panose="020B0604030504040204" pitchFamily="50" charset="-128"/>
-            </a:endParaRPr>
-          </a:p>
-          <a:p>
-            <a:r>
-              <a:rPr kumimoji="1" lang="ja-JP" altLang="en-US" sz="2400" dirty="0">
-                <a:latin typeface="メイリオ" panose="020B0604030504040204" pitchFamily="50" charset="-128"/>
-                <a:ea typeface="メイリオ" panose="020B0604030504040204" pitchFamily="50" charset="-128"/>
-              </a:rPr>
-              <a:t>　　演習問題を授業中に解けた人にボーナスポイント（期末テストスコアへの</a:t>
-            </a:r>
-            <a:endParaRPr kumimoji="1" lang="en-US" altLang="ja-JP" sz="2400" dirty="0">
-              <a:latin typeface="メイリオ" panose="020B0604030504040204" pitchFamily="50" charset="-128"/>
-              <a:ea typeface="メイリオ" panose="020B0604030504040204" pitchFamily="50" charset="-128"/>
-            </a:endParaRPr>
-          </a:p>
-          <a:p>
-            <a:r>
-              <a:rPr kumimoji="1" lang="ja-JP" altLang="en-US" sz="2400" dirty="0">
-                <a:latin typeface="メイリオ" panose="020B0604030504040204" pitchFamily="50" charset="-128"/>
-                <a:ea typeface="メイリオ" panose="020B0604030504040204" pitchFamily="50" charset="-128"/>
-              </a:rPr>
-              <a:t>　　加算点）を差し上げます。</a:t>
-            </a:r>
-            <a:endParaRPr kumimoji="1" lang="en-US" altLang="ja-JP" sz="2400" dirty="0">
-              <a:latin typeface="メイリオ" panose="020B0604030504040204" pitchFamily="50" charset="-128"/>
-              <a:ea typeface="メイリオ" panose="020B0604030504040204" pitchFamily="50" charset="-128"/>
-            </a:endParaRPr>
-          </a:p>
-          <a:p>
-            <a:r>
-              <a:rPr kumimoji="1" lang="ja-JP" altLang="en-US" sz="2400" dirty="0">
-                <a:latin typeface="メイリオ" panose="020B0604030504040204" pitchFamily="50" charset="-128"/>
-                <a:ea typeface="メイリオ" panose="020B0604030504040204" pitchFamily="50" charset="-128"/>
-              </a:rPr>
-              <a:t>　　－演習問題は豊富なためチャンスは結構ある。</a:t>
-            </a:r>
-            <a:endParaRPr kumimoji="1" lang="en-US" altLang="ja-JP" sz="2400" dirty="0">
-              <a:latin typeface="メイリオ" panose="020B0604030504040204" pitchFamily="50" charset="-128"/>
-              <a:ea typeface="メイリオ" panose="020B0604030504040204" pitchFamily="50" charset="-128"/>
-            </a:endParaRPr>
-          </a:p>
-          <a:p>
-            <a:r>
-              <a:rPr kumimoji="1" lang="ja-JP" altLang="en-US" sz="2400" dirty="0">
-                <a:latin typeface="メイリオ" panose="020B0604030504040204" pitchFamily="50" charset="-128"/>
-                <a:ea typeface="メイリオ" panose="020B0604030504040204" pitchFamily="50" charset="-128"/>
-              </a:rPr>
-              <a:t>　　－完全正解でなくとも、プログラミングの意図が正解に近ければある程度</a:t>
-            </a:r>
-            <a:endParaRPr kumimoji="1" lang="en-US" altLang="ja-JP" sz="2400" dirty="0">
-              <a:latin typeface="メイリオ" panose="020B0604030504040204" pitchFamily="50" charset="-128"/>
-              <a:ea typeface="メイリオ" panose="020B0604030504040204" pitchFamily="50" charset="-128"/>
-            </a:endParaRPr>
-          </a:p>
-          <a:p>
-            <a:r>
-              <a:rPr kumimoji="1" lang="ja-JP" altLang="en-US" sz="2400" dirty="0">
-                <a:latin typeface="メイリオ" panose="020B0604030504040204" pitchFamily="50" charset="-128"/>
-                <a:ea typeface="メイリオ" panose="020B0604030504040204" pitchFamily="50" charset="-128"/>
-              </a:rPr>
-              <a:t>　　　加点します。</a:t>
-            </a:r>
-            <a:endParaRPr kumimoji="1" lang="en-US" altLang="ja-JP" sz="2400" dirty="0">
-              <a:latin typeface="メイリオ" panose="020B0604030504040204" pitchFamily="50" charset="-128"/>
-              <a:ea typeface="メイリオ" panose="020B0604030504040204" pitchFamily="50" charset="-128"/>
-            </a:endParaRPr>
-          </a:p>
-          <a:p>
-            <a:r>
-              <a:rPr kumimoji="1" lang="ja-JP" altLang="en-US" sz="2400" dirty="0">
-                <a:latin typeface="メイリオ" panose="020B0604030504040204" pitchFamily="50" charset="-128"/>
-                <a:ea typeface="メイリオ" panose="020B0604030504040204" pitchFamily="50" charset="-128"/>
-              </a:rPr>
-              <a:t>　　できた人には翌週、コードレビューしてもらうかもしれない。</a:t>
-            </a:r>
-            <a:endParaRPr kumimoji="1" lang="en-US" altLang="ja-JP" sz="2400" dirty="0">
-              <a:latin typeface="メイリオ" panose="020B0604030504040204" pitchFamily="50" charset="-128"/>
-              <a:ea typeface="メイリオ" panose="020B0604030504040204" pitchFamily="50" charset="-128"/>
-            </a:endParaRPr>
-          </a:p>
-          <a:p>
-            <a:endParaRPr kumimoji="1" lang="en-US" altLang="ja-JP" sz="2400" dirty="0">
-              <a:latin typeface="メイリオ" panose="020B0604030504040204" pitchFamily="50" charset="-128"/>
-              <a:ea typeface="メイリオ" panose="020B0604030504040204" pitchFamily="50" charset="-128"/>
-            </a:endParaRPr>
-          </a:p>
-          <a:p>
-            <a:pPr marL="457200" indent="-457200">
+              <a:t>授業内でがんばって解く（友達同士で相談</a:t>
+            </a:r>
+            <a:r>
+              <a:rPr kumimoji="1" lang="en-US" altLang="ja-JP" sz="2400" dirty="0">
+                <a:latin typeface="メイリオ" panose="020B0604030504040204" pitchFamily="50" charset="-128"/>
+                <a:ea typeface="メイリオ" panose="020B0604030504040204" pitchFamily="50" charset="-128"/>
+              </a:rPr>
+              <a:t>OK)</a:t>
+            </a:r>
+          </a:p>
+          <a:p>
+            <a:pPr marL="457200" indent="-457200" algn="l">
               <a:buFont typeface="+mj-lt"/>
               <a:buAutoNum type="arabicPeriod"/>
             </a:pPr>
-            <a:endParaRPr kumimoji="1" lang="en-US" altLang="ja-JP" sz="2400" dirty="0">
-              <a:latin typeface="メイリオ" panose="020B0604030504040204" pitchFamily="50" charset="-128"/>
-              <a:ea typeface="メイリオ" panose="020B0604030504040204" pitchFamily="50" charset="-128"/>
-            </a:endParaRPr>
+            <a:r>
+              <a:rPr kumimoji="1" lang="ja-JP" altLang="en-US" sz="2400" dirty="0">
+                <a:latin typeface="メイリオ" panose="020B0604030504040204" pitchFamily="50" charset="-128"/>
+                <a:ea typeface="メイリオ" panose="020B0604030504040204" pitchFamily="50" charset="-128"/>
+              </a:rPr>
+              <a:t>適宜、ヒントを提供、</a:t>
+            </a:r>
+            <a:r>
+              <a:rPr kumimoji="1" lang="en-US" altLang="ja-JP" sz="2400" dirty="0">
+                <a:latin typeface="メイリオ" panose="020B0604030504040204" pitchFamily="50" charset="-128"/>
+                <a:ea typeface="メイリオ" panose="020B0604030504040204" pitchFamily="50" charset="-128"/>
+              </a:rPr>
+              <a:t>SA</a:t>
+            </a:r>
+            <a:r>
+              <a:rPr kumimoji="1" lang="ja-JP" altLang="en-US" sz="2400" dirty="0">
+                <a:latin typeface="メイリオ" panose="020B0604030504040204" pitchFamily="50" charset="-128"/>
+                <a:ea typeface="メイリオ" panose="020B0604030504040204" pitchFamily="50" charset="-128"/>
+              </a:rPr>
+              <a:t>と</a:t>
+            </a:r>
+            <a:r>
+              <a:rPr kumimoji="1" lang="en-US" altLang="ja-JP" sz="2400" dirty="0">
+                <a:latin typeface="メイリオ" panose="020B0604030504040204" pitchFamily="50" charset="-128"/>
+                <a:ea typeface="メイリオ" panose="020B0604030504040204" pitchFamily="50" charset="-128"/>
+              </a:rPr>
+              <a:t>2</a:t>
+            </a:r>
+            <a:r>
+              <a:rPr kumimoji="1" lang="ja-JP" altLang="en-US" sz="2400" dirty="0">
+                <a:latin typeface="メイリオ" panose="020B0604030504040204" pitchFamily="50" charset="-128"/>
+                <a:ea typeface="メイリオ" panose="020B0604030504040204" pitchFamily="50" charset="-128"/>
+              </a:rPr>
+              <a:t>名でぐるぐる見回ってヘルプ</a:t>
+            </a:r>
           </a:p>
         </p:txBody>
       </p:sp>
     </p:spTree>
     <p:extLst>
       <p:ext uri="{BB962C8B-B14F-4D97-AF65-F5344CB8AC3E}">
-        <p14:creationId xmlns:p14="http://schemas.microsoft.com/office/powerpoint/2010/main" val="3166449218"/>
+        <p14:creationId xmlns:p14="http://schemas.microsoft.com/office/powerpoint/2010/main" val="2537226235"/>
       </p:ext>
     </p:extLst>
   </p:cSld>
   <p:clrMapOvr>
     <a:masterClrMapping/>
   </p:clrMapOvr>
-  <p:transition spd="med"/>
 </p:sld>
 </file>
 
@@ -5016,10 +4235,10 @@
       </p:grpSpPr>
       <p:sp>
         <p:nvSpPr>
-          <p:cNvPr id="2" name="テキスト ボックス 1">
-            <a:extLst>
-              <a:ext uri="{FF2B5EF4-FFF2-40B4-BE49-F238E27FC236}">
-                <a16:creationId xmlns:a16="http://schemas.microsoft.com/office/drawing/2014/main" id="{E3890B6E-9E82-51F8-F0E6-5AC8A7E772C8}"/>
+          <p:cNvPr id="4" name="テキスト ボックス 3">
+            <a:extLst>
+              <a:ext uri="{FF2B5EF4-FFF2-40B4-BE49-F238E27FC236}">
+                <a16:creationId xmlns:a16="http://schemas.microsoft.com/office/drawing/2014/main" id="{313CCB04-14B8-4410-A36A-5C499CDB7DBE}"/>
               </a:ext>
             </a:extLst>
           </p:cNvPr>
@@ -5028,8 +4247,8 @@
         </p:nvSpPr>
         <p:spPr>
           <a:xfrm>
-            <a:off x="767806" y="2544544"/>
-            <a:ext cx="11118749" cy="1200329"/>
+            <a:off x="3107409" y="1627230"/>
+            <a:ext cx="492443" cy="461665"/>
           </a:xfrm>
           <a:prstGeom prst="rect">
             <a:avLst/>
@@ -5044,56 +4263,64 @@
           <a:p>
             <a:pPr algn="l"/>
             <a:r>
-              <a:rPr kumimoji="1" lang="en-US" altLang="ja-JP" sz="3600" dirty="0">
-                <a:latin typeface="メイリオ" panose="020B0604030504040204" pitchFamily="50" charset="-128"/>
-                <a:ea typeface="メイリオ" panose="020B0604030504040204" pitchFamily="50" charset="-128"/>
-              </a:rPr>
-              <a:t>anaconda</a:t>
-            </a:r>
-            <a:r>
-              <a:rPr kumimoji="1" lang="ja-JP" altLang="en-US" sz="3600" dirty="0">
-                <a:latin typeface="メイリオ" panose="020B0604030504040204" pitchFamily="50" charset="-128"/>
-                <a:ea typeface="メイリオ" panose="020B0604030504040204" pitchFamily="50" charset="-128"/>
-              </a:rPr>
-              <a:t>の再インストールをやっといてください。</a:t>
-            </a:r>
-            <a:endParaRPr kumimoji="1" lang="en-US" altLang="ja-JP" sz="3600" dirty="0">
+              <a:rPr kumimoji="1" lang="ja-JP" altLang="en-US" sz="2400" dirty="0">
+                <a:latin typeface="メイリオ" panose="020B0604030504040204" pitchFamily="50" charset="-128"/>
+                <a:ea typeface="メイリオ" panose="020B0604030504040204" pitchFamily="50" charset="-128"/>
+              </a:rPr>
+              <a:t>う</a:t>
+            </a:r>
+          </a:p>
+        </p:txBody>
+      </p:sp>
+      <p:sp>
+        <p:nvSpPr>
+          <p:cNvPr id="7" name="テキスト ボックス 6">
+            <a:extLst>
+              <a:ext uri="{FF2B5EF4-FFF2-40B4-BE49-F238E27FC236}">
+                <a16:creationId xmlns:a16="http://schemas.microsoft.com/office/drawing/2014/main" id="{4D64C405-82F9-469D-A870-A4D2B4E3DF33}"/>
+              </a:ext>
+            </a:extLst>
+          </p:cNvPr>
+          <p:cNvSpPr txBox="1"/>
+          <p:nvPr/>
+        </p:nvSpPr>
+        <p:spPr>
+          <a:xfrm>
+            <a:off x="1300790" y="2055284"/>
+            <a:ext cx="1106393" cy="461665"/>
+          </a:xfrm>
+          <a:prstGeom prst="rect">
+            <a:avLst/>
+          </a:prstGeom>
+          <a:noFill/>
+        </p:spPr>
+        <p:txBody>
+          <a:bodyPr wrap="none" rtlCol="0">
+            <a:spAutoFit/>
+          </a:bodyPr>
+          <a:lstStyle/>
+          <a:p>
+            <a:pPr algn="l"/>
+            <a:r>
+              <a:rPr kumimoji="1" lang="en-US" altLang="ja-JP" sz="2400" dirty="0">
+                <a:latin typeface="メイリオ" panose="020B0604030504040204" pitchFamily="50" charset="-128"/>
+                <a:ea typeface="メイリオ" panose="020B0604030504040204" pitchFamily="50" charset="-128"/>
+              </a:rPr>
+              <a:t>UTF-8</a:t>
+            </a:r>
+            <a:endParaRPr kumimoji="1" lang="ja-JP" altLang="en-US" sz="2400" dirty="0">
               <a:latin typeface="メイリオ" panose="020B0604030504040204" pitchFamily="50" charset="-128"/>
               <a:ea typeface="メイリオ" panose="020B0604030504040204" pitchFamily="50" charset="-128"/>
             </a:endParaRPr>
           </a:p>
-          <a:p>
-            <a:pPr algn="l"/>
-            <a:r>
-              <a:rPr kumimoji="1" lang="ja-JP" altLang="en-US" sz="3600" dirty="0">
-                <a:latin typeface="メイリオ" panose="020B0604030504040204" pitchFamily="50" charset="-128"/>
-                <a:ea typeface="メイリオ" panose="020B0604030504040204" pitchFamily="50" charset="-128"/>
-              </a:rPr>
-              <a:t>（別紙　</a:t>
-            </a:r>
-            <a:r>
-              <a:rPr kumimoji="1" lang="en-US" altLang="ja-JP" sz="3600" dirty="0" err="1">
-                <a:latin typeface="メイリオ" panose="020B0604030504040204" pitchFamily="50" charset="-128"/>
-                <a:ea typeface="メイリオ" panose="020B0604030504040204" pitchFamily="50" charset="-128"/>
-              </a:rPr>
-              <a:t>anaconda.ppy</a:t>
-            </a:r>
-            <a:r>
-              <a:rPr kumimoji="1" lang="ja-JP" altLang="en-US" sz="3600" dirty="0">
-                <a:latin typeface="メイリオ" panose="020B0604030504040204" pitchFamily="50" charset="-128"/>
-                <a:ea typeface="メイリオ" panose="020B0604030504040204" pitchFamily="50" charset="-128"/>
-              </a:rPr>
-              <a:t>に正確に準拠すること）</a:t>
-            </a:r>
-          </a:p>
-        </p:txBody>
-      </p:sp>
-      <p:sp>
-        <p:nvSpPr>
-          <p:cNvPr id="4" name="テキスト ボックス 3">
-            <a:extLst>
-              <a:ext uri="{FF2B5EF4-FFF2-40B4-BE49-F238E27FC236}">
-                <a16:creationId xmlns:a16="http://schemas.microsoft.com/office/drawing/2014/main" id="{00EF38D9-BCBB-4887-6BE8-2FAF0F3523D8}"/>
+        </p:txBody>
+      </p:sp>
+      <p:sp>
+        <p:nvSpPr>
+          <p:cNvPr id="10" name="テキスト ボックス 9">
+            <a:extLst>
+              <a:ext uri="{FF2B5EF4-FFF2-40B4-BE49-F238E27FC236}">
+                <a16:creationId xmlns:a16="http://schemas.microsoft.com/office/drawing/2014/main" id="{B4831734-97E8-4B8F-9EDF-C0ADA8C86C5D}"/>
               </a:ext>
             </a:extLst>
           </p:cNvPr>
@@ -5102,8 +4329,8 @@
         </p:nvSpPr>
         <p:spPr>
           <a:xfrm>
-            <a:off x="628650" y="876300"/>
-            <a:ext cx="800219" cy="461665"/>
+            <a:off x="2596613" y="2552863"/>
+            <a:ext cx="3570208" cy="461665"/>
           </a:xfrm>
           <a:prstGeom prst="rect">
             <a:avLst/>
@@ -5122,7 +4349,1028 @@
                 <a:latin typeface="メイリオ" panose="020B0604030504040204" pitchFamily="50" charset="-128"/>
                 <a:ea typeface="メイリオ" panose="020B0604030504040204" pitchFamily="50" charset="-128"/>
               </a:rPr>
-              <a:t>宿題</a:t>
+              <a:t>これらの１桁は１６進数</a:t>
+            </a:r>
+          </a:p>
+        </p:txBody>
+      </p:sp>
+      <p:sp>
+        <p:nvSpPr>
+          <p:cNvPr id="12" name="テキスト ボックス 11">
+            <a:extLst>
+              <a:ext uri="{FF2B5EF4-FFF2-40B4-BE49-F238E27FC236}">
+                <a16:creationId xmlns:a16="http://schemas.microsoft.com/office/drawing/2014/main" id="{632231BF-C08E-4B84-A864-D8AF7218FF7E}"/>
+              </a:ext>
+            </a:extLst>
+          </p:cNvPr>
+          <p:cNvSpPr txBox="1"/>
+          <p:nvPr/>
+        </p:nvSpPr>
+        <p:spPr>
+          <a:xfrm>
+            <a:off x="2596613" y="3047074"/>
+            <a:ext cx="5992794" cy="461665"/>
+          </a:xfrm>
+          <a:prstGeom prst="rect">
+            <a:avLst/>
+          </a:prstGeom>
+          <a:noFill/>
+        </p:spPr>
+        <p:txBody>
+          <a:bodyPr wrap="none" rtlCol="0">
+            <a:spAutoFit/>
+          </a:bodyPr>
+          <a:lstStyle/>
+          <a:p>
+            <a:pPr algn="l"/>
+            <a:r>
+              <a:rPr kumimoji="1" lang="en-US" altLang="ja-JP" sz="2400" dirty="0">
+                <a:latin typeface="メイリオ" panose="020B0604030504040204" pitchFamily="50" charset="-128"/>
+                <a:ea typeface="メイリオ" panose="020B0604030504040204" pitchFamily="50" charset="-128"/>
+              </a:rPr>
+              <a:t>16</a:t>
+            </a:r>
+            <a:r>
+              <a:rPr kumimoji="1" lang="ja-JP" altLang="en-US" sz="2400" dirty="0">
+                <a:latin typeface="メイリオ" panose="020B0604030504040204" pitchFamily="50" charset="-128"/>
+                <a:ea typeface="メイリオ" panose="020B0604030504040204" pitchFamily="50" charset="-128"/>
+              </a:rPr>
+              <a:t>進数：</a:t>
+            </a:r>
+            <a:r>
+              <a:rPr kumimoji="1" lang="en-US" altLang="ja-JP" sz="2400" dirty="0">
+                <a:latin typeface="メイリオ" panose="020B0604030504040204" pitchFamily="50" charset="-128"/>
+                <a:ea typeface="メイリオ" panose="020B0604030504040204" pitchFamily="50" charset="-128"/>
+              </a:rPr>
+              <a:t>0,1,2,3,4,5,6,7,8,9,a,b,c,d,e,f</a:t>
+            </a:r>
+            <a:endParaRPr kumimoji="1" lang="ja-JP" altLang="en-US" sz="2400" dirty="0">
+              <a:latin typeface="メイリオ" panose="020B0604030504040204" pitchFamily="50" charset="-128"/>
+              <a:ea typeface="メイリオ" panose="020B0604030504040204" pitchFamily="50" charset="-128"/>
+            </a:endParaRPr>
+          </a:p>
+        </p:txBody>
+      </p:sp>
+      <p:sp>
+        <p:nvSpPr>
+          <p:cNvPr id="13" name="テキスト ボックス 12">
+            <a:extLst>
+              <a:ext uri="{FF2B5EF4-FFF2-40B4-BE49-F238E27FC236}">
+                <a16:creationId xmlns:a16="http://schemas.microsoft.com/office/drawing/2014/main" id="{FFF05EED-91F5-4113-94E2-9BDEB57AB7AC}"/>
+              </a:ext>
+            </a:extLst>
+          </p:cNvPr>
+          <p:cNvSpPr txBox="1"/>
+          <p:nvPr/>
+        </p:nvSpPr>
+        <p:spPr>
+          <a:xfrm>
+            <a:off x="2569683" y="3574233"/>
+            <a:ext cx="7176965" cy="461665"/>
+          </a:xfrm>
+          <a:prstGeom prst="rect">
+            <a:avLst/>
+          </a:prstGeom>
+          <a:noFill/>
+        </p:spPr>
+        <p:txBody>
+          <a:bodyPr wrap="none" rtlCol="0">
+            <a:spAutoFit/>
+          </a:bodyPr>
+          <a:lstStyle/>
+          <a:p>
+            <a:pPr algn="l"/>
+            <a:r>
+              <a:rPr kumimoji="1" lang="en-US" altLang="ja-JP" sz="2400" dirty="0">
+                <a:latin typeface="メイリオ" panose="020B0604030504040204" pitchFamily="50" charset="-128"/>
+                <a:ea typeface="メイリオ" panose="020B0604030504040204" pitchFamily="50" charset="-128"/>
+              </a:rPr>
+              <a:t>16</a:t>
+            </a:r>
+            <a:r>
+              <a:rPr kumimoji="1" lang="ja-JP" altLang="en-US" sz="2400" dirty="0">
+                <a:latin typeface="メイリオ" panose="020B0604030504040204" pitchFamily="50" charset="-128"/>
+                <a:ea typeface="メイリオ" panose="020B0604030504040204" pitchFamily="50" charset="-128"/>
+              </a:rPr>
+              <a:t>で桁が繰り上がる（</a:t>
+            </a:r>
+            <a:r>
+              <a:rPr kumimoji="1" lang="en-US" altLang="ja-JP" sz="2400" dirty="0">
+                <a:latin typeface="メイリオ" panose="020B0604030504040204" pitchFamily="50" charset="-128"/>
+                <a:ea typeface="メイリオ" panose="020B0604030504040204" pitchFamily="50" charset="-128"/>
+              </a:rPr>
+              <a:t>10</a:t>
+            </a:r>
+            <a:r>
+              <a:rPr kumimoji="1" lang="ja-JP" altLang="en-US" sz="2400" dirty="0">
+                <a:latin typeface="メイリオ" panose="020B0604030504040204" pitchFamily="50" charset="-128"/>
+                <a:ea typeface="メイリオ" panose="020B0604030504040204" pitchFamily="50" charset="-128"/>
+              </a:rPr>
+              <a:t>進数は</a:t>
+            </a:r>
+            <a:r>
+              <a:rPr kumimoji="1" lang="en-US" altLang="ja-JP" sz="2400" dirty="0">
+                <a:latin typeface="メイリオ" panose="020B0604030504040204" pitchFamily="50" charset="-128"/>
+                <a:ea typeface="メイリオ" panose="020B0604030504040204" pitchFamily="50" charset="-128"/>
+              </a:rPr>
+              <a:t>10</a:t>
+            </a:r>
+            <a:r>
+              <a:rPr kumimoji="1" lang="ja-JP" altLang="en-US" sz="2400" dirty="0">
+                <a:latin typeface="メイリオ" panose="020B0604030504040204" pitchFamily="50" charset="-128"/>
+                <a:ea typeface="メイリオ" panose="020B0604030504040204" pitchFamily="50" charset="-128"/>
+              </a:rPr>
+              <a:t>で繰り上がる）</a:t>
+            </a:r>
+          </a:p>
+        </p:txBody>
+      </p:sp>
+      <p:sp>
+        <p:nvSpPr>
+          <p:cNvPr id="2" name="テキスト ボックス 1">
+            <a:extLst>
+              <a:ext uri="{FF2B5EF4-FFF2-40B4-BE49-F238E27FC236}">
+                <a16:creationId xmlns:a16="http://schemas.microsoft.com/office/drawing/2014/main" id="{652EB771-D6DA-AAF0-53C7-B8FCA879CDA1}"/>
+              </a:ext>
+            </a:extLst>
+          </p:cNvPr>
+          <p:cNvSpPr txBox="1"/>
+          <p:nvPr/>
+        </p:nvSpPr>
+        <p:spPr>
+          <a:xfrm>
+            <a:off x="2569683" y="2055284"/>
+            <a:ext cx="1524776" cy="461665"/>
+          </a:xfrm>
+          <a:prstGeom prst="rect">
+            <a:avLst/>
+          </a:prstGeom>
+          <a:noFill/>
+        </p:spPr>
+        <p:txBody>
+          <a:bodyPr wrap="none" rtlCol="0">
+            <a:spAutoFit/>
+          </a:bodyPr>
+          <a:lstStyle/>
+          <a:p>
+            <a:pPr algn="l"/>
+            <a:r>
+              <a:rPr kumimoji="1" lang="en-US" altLang="ja-JP" sz="2400" dirty="0">
+                <a:latin typeface="メイリオ" panose="020B0604030504040204" pitchFamily="50" charset="-128"/>
+                <a:ea typeface="メイリオ" panose="020B0604030504040204" pitchFamily="50" charset="-128"/>
+              </a:rPr>
+              <a:t>e3 81 86</a:t>
+            </a:r>
+            <a:endParaRPr kumimoji="1" lang="ja-JP" altLang="en-US" sz="2400" dirty="0">
+              <a:latin typeface="メイリオ" panose="020B0604030504040204" pitchFamily="50" charset="-128"/>
+              <a:ea typeface="メイリオ" panose="020B0604030504040204" pitchFamily="50" charset="-128"/>
+            </a:endParaRPr>
+          </a:p>
+        </p:txBody>
+      </p:sp>
+      <p:sp>
+        <p:nvSpPr>
+          <p:cNvPr id="20" name="テキスト ボックス 19">
+            <a:extLst>
+              <a:ext uri="{FF2B5EF4-FFF2-40B4-BE49-F238E27FC236}">
+                <a16:creationId xmlns:a16="http://schemas.microsoft.com/office/drawing/2014/main" id="{3149025B-F3F3-5BBB-78A4-DCB4AAB70488}"/>
+              </a:ext>
+            </a:extLst>
+          </p:cNvPr>
+          <p:cNvSpPr txBox="1"/>
+          <p:nvPr/>
+        </p:nvSpPr>
+        <p:spPr>
+          <a:xfrm>
+            <a:off x="2548137" y="4166886"/>
+            <a:ext cx="6869188" cy="461665"/>
+          </a:xfrm>
+          <a:prstGeom prst="rect">
+            <a:avLst/>
+          </a:prstGeom>
+          <a:noFill/>
+        </p:spPr>
+        <p:txBody>
+          <a:bodyPr wrap="none" rtlCol="0">
+            <a:spAutoFit/>
+          </a:bodyPr>
+          <a:lstStyle/>
+          <a:p>
+            <a:pPr algn="l"/>
+            <a:r>
+              <a:rPr kumimoji="1" lang="en-US" altLang="ja-JP" sz="2400" dirty="0">
+                <a:latin typeface="メイリオ" panose="020B0604030504040204" pitchFamily="50" charset="-128"/>
+                <a:ea typeface="メイリオ" panose="020B0604030504040204" pitchFamily="50" charset="-128"/>
+              </a:rPr>
+              <a:t>16</a:t>
+            </a:r>
+            <a:r>
+              <a:rPr kumimoji="1" lang="ja-JP" altLang="en-US" sz="2400" dirty="0">
+                <a:latin typeface="メイリオ" panose="020B0604030504040204" pitchFamily="50" charset="-128"/>
+                <a:ea typeface="メイリオ" panose="020B0604030504040204" pitchFamily="50" charset="-128"/>
+              </a:rPr>
+              <a:t>進数</a:t>
+            </a:r>
+            <a:r>
+              <a:rPr kumimoji="1" lang="en-US" altLang="ja-JP" sz="2400" dirty="0">
+                <a:latin typeface="メイリオ" panose="020B0604030504040204" pitchFamily="50" charset="-128"/>
+                <a:ea typeface="メイリオ" panose="020B0604030504040204" pitchFamily="50" charset="-128"/>
+              </a:rPr>
+              <a:t>1</a:t>
+            </a:r>
+            <a:r>
+              <a:rPr kumimoji="1" lang="ja-JP" altLang="en-US" sz="2400" dirty="0">
+                <a:latin typeface="メイリオ" panose="020B0604030504040204" pitchFamily="50" charset="-128"/>
+                <a:ea typeface="メイリオ" panose="020B0604030504040204" pitchFamily="50" charset="-128"/>
+              </a:rPr>
+              <a:t>桁は</a:t>
+            </a:r>
+            <a:r>
+              <a:rPr kumimoji="1" lang="en-US" altLang="ja-JP" sz="2400" dirty="0">
+                <a:latin typeface="メイリオ" panose="020B0604030504040204" pitchFamily="50" charset="-128"/>
+                <a:ea typeface="メイリオ" panose="020B0604030504040204" pitchFamily="50" charset="-128"/>
+              </a:rPr>
+              <a:t>2</a:t>
+            </a:r>
+            <a:r>
+              <a:rPr kumimoji="1" lang="ja-JP" altLang="en-US" sz="2400" dirty="0">
+                <a:latin typeface="メイリオ" panose="020B0604030504040204" pitchFamily="50" charset="-128"/>
+                <a:ea typeface="メイリオ" panose="020B0604030504040204" pitchFamily="50" charset="-128"/>
+              </a:rPr>
+              <a:t>進数</a:t>
+            </a:r>
+            <a:r>
+              <a:rPr kumimoji="1" lang="en-US" altLang="ja-JP" sz="2400" dirty="0">
+                <a:latin typeface="メイリオ" panose="020B0604030504040204" pitchFamily="50" charset="-128"/>
+                <a:ea typeface="メイリオ" panose="020B0604030504040204" pitchFamily="50" charset="-128"/>
+              </a:rPr>
+              <a:t>4</a:t>
+            </a:r>
+            <a:r>
+              <a:rPr kumimoji="1" lang="ja-JP" altLang="en-US" sz="2400" dirty="0">
+                <a:latin typeface="メイリオ" panose="020B0604030504040204" pitchFamily="50" charset="-128"/>
+                <a:ea typeface="メイリオ" panose="020B0604030504040204" pitchFamily="50" charset="-128"/>
+              </a:rPr>
+              <a:t>桁（</a:t>
+            </a:r>
+            <a:r>
+              <a:rPr kumimoji="1" lang="en-US" altLang="ja-JP" sz="2400" dirty="0">
+                <a:latin typeface="メイリオ" panose="020B0604030504040204" pitchFamily="50" charset="-128"/>
+                <a:ea typeface="メイリオ" panose="020B0604030504040204" pitchFamily="50" charset="-128"/>
+              </a:rPr>
+              <a:t>4</a:t>
+            </a:r>
+            <a:r>
+              <a:rPr kumimoji="1" lang="ja-JP" altLang="en-US" sz="2400" dirty="0">
+                <a:latin typeface="メイリオ" panose="020B0604030504040204" pitchFamily="50" charset="-128"/>
+                <a:ea typeface="メイリオ" panose="020B0604030504040204" pitchFamily="50" charset="-128"/>
+              </a:rPr>
+              <a:t>ビット）で表現できる</a:t>
+            </a:r>
+          </a:p>
+        </p:txBody>
+      </p:sp>
+      <p:sp>
+        <p:nvSpPr>
+          <p:cNvPr id="21" name="テキスト ボックス 20">
+            <a:extLst>
+              <a:ext uri="{FF2B5EF4-FFF2-40B4-BE49-F238E27FC236}">
+                <a16:creationId xmlns:a16="http://schemas.microsoft.com/office/drawing/2014/main" id="{25A57DBC-A074-263A-59D7-CA4D5B09B116}"/>
+              </a:ext>
+            </a:extLst>
+          </p:cNvPr>
+          <p:cNvSpPr txBox="1"/>
+          <p:nvPr/>
+        </p:nvSpPr>
+        <p:spPr>
+          <a:xfrm>
+            <a:off x="4107922" y="5104764"/>
+            <a:ext cx="947695" cy="461665"/>
+          </a:xfrm>
+          <a:prstGeom prst="rect">
+            <a:avLst/>
+          </a:prstGeom>
+          <a:noFill/>
+        </p:spPr>
+        <p:txBody>
+          <a:bodyPr wrap="none" rtlCol="0">
+            <a:spAutoFit/>
+          </a:bodyPr>
+          <a:lstStyle/>
+          <a:p>
+            <a:pPr algn="l"/>
+            <a:r>
+              <a:rPr kumimoji="1" lang="en-US" altLang="ja-JP" sz="2400" dirty="0">
+                <a:latin typeface="メイリオ" panose="020B0604030504040204" pitchFamily="50" charset="-128"/>
+                <a:ea typeface="メイリオ" panose="020B0604030504040204" pitchFamily="50" charset="-128"/>
+              </a:rPr>
+              <a:t>0000</a:t>
+            </a:r>
+            <a:endParaRPr kumimoji="1" lang="ja-JP" altLang="en-US" sz="2400" dirty="0">
+              <a:latin typeface="メイリオ" panose="020B0604030504040204" pitchFamily="50" charset="-128"/>
+              <a:ea typeface="メイリオ" panose="020B0604030504040204" pitchFamily="50" charset="-128"/>
+            </a:endParaRPr>
+          </a:p>
+        </p:txBody>
+      </p:sp>
+      <p:sp>
+        <p:nvSpPr>
+          <p:cNvPr id="22" name="テキスト ボックス 21">
+            <a:extLst>
+              <a:ext uri="{FF2B5EF4-FFF2-40B4-BE49-F238E27FC236}">
+                <a16:creationId xmlns:a16="http://schemas.microsoft.com/office/drawing/2014/main" id="{72C522D9-C5D6-7821-0B92-6F22878CAC64}"/>
+              </a:ext>
+            </a:extLst>
+          </p:cNvPr>
+          <p:cNvSpPr txBox="1"/>
+          <p:nvPr/>
+        </p:nvSpPr>
+        <p:spPr>
+          <a:xfrm>
+            <a:off x="2858143" y="5104764"/>
+            <a:ext cx="990977" cy="461665"/>
+          </a:xfrm>
+          <a:prstGeom prst="rect">
+            <a:avLst/>
+          </a:prstGeom>
+          <a:noFill/>
+        </p:spPr>
+        <p:txBody>
+          <a:bodyPr wrap="none" rtlCol="0">
+            <a:spAutoFit/>
+          </a:bodyPr>
+          <a:lstStyle/>
+          <a:p>
+            <a:pPr algn="l"/>
+            <a:r>
+              <a:rPr kumimoji="1" lang="en-US" altLang="ja-JP" sz="2400" dirty="0">
+                <a:latin typeface="メイリオ" panose="020B0604030504040204" pitchFamily="50" charset="-128"/>
+                <a:ea typeface="メイリオ" panose="020B0604030504040204" pitchFamily="50" charset="-128"/>
+              </a:rPr>
+              <a:t>2</a:t>
+            </a:r>
+            <a:r>
+              <a:rPr kumimoji="1" lang="ja-JP" altLang="en-US" sz="2400" dirty="0">
+                <a:latin typeface="メイリオ" panose="020B0604030504040204" pitchFamily="50" charset="-128"/>
+                <a:ea typeface="メイリオ" panose="020B0604030504040204" pitchFamily="50" charset="-128"/>
+              </a:rPr>
+              <a:t>進数</a:t>
+            </a:r>
+          </a:p>
+        </p:txBody>
+      </p:sp>
+      <p:sp>
+        <p:nvSpPr>
+          <p:cNvPr id="23" name="テキスト ボックス 22">
+            <a:extLst>
+              <a:ext uri="{FF2B5EF4-FFF2-40B4-BE49-F238E27FC236}">
+                <a16:creationId xmlns:a16="http://schemas.microsoft.com/office/drawing/2014/main" id="{DAE958E4-64C4-2AC2-D6FF-99A5620F5C11}"/>
+              </a:ext>
+            </a:extLst>
+          </p:cNvPr>
+          <p:cNvSpPr txBox="1"/>
+          <p:nvPr/>
+        </p:nvSpPr>
+        <p:spPr>
+          <a:xfrm>
+            <a:off x="5508884" y="5104764"/>
+            <a:ext cx="947695" cy="461665"/>
+          </a:xfrm>
+          <a:prstGeom prst="rect">
+            <a:avLst/>
+          </a:prstGeom>
+          <a:noFill/>
+        </p:spPr>
+        <p:txBody>
+          <a:bodyPr wrap="none" rtlCol="0">
+            <a:spAutoFit/>
+          </a:bodyPr>
+          <a:lstStyle/>
+          <a:p>
+            <a:pPr algn="l"/>
+            <a:r>
+              <a:rPr kumimoji="1" lang="en-US" altLang="ja-JP" sz="2400" dirty="0">
+                <a:latin typeface="メイリオ" panose="020B0604030504040204" pitchFamily="50" charset="-128"/>
+                <a:ea typeface="メイリオ" panose="020B0604030504040204" pitchFamily="50" charset="-128"/>
+              </a:rPr>
+              <a:t>1111</a:t>
+            </a:r>
+            <a:endParaRPr kumimoji="1" lang="ja-JP" altLang="en-US" sz="2400" dirty="0">
+              <a:latin typeface="メイリオ" panose="020B0604030504040204" pitchFamily="50" charset="-128"/>
+              <a:ea typeface="メイリオ" panose="020B0604030504040204" pitchFamily="50" charset="-128"/>
+            </a:endParaRPr>
+          </a:p>
+        </p:txBody>
+      </p:sp>
+      <p:sp>
+        <p:nvSpPr>
+          <p:cNvPr id="24" name="テキスト ボックス 23">
+            <a:extLst>
+              <a:ext uri="{FF2B5EF4-FFF2-40B4-BE49-F238E27FC236}">
+                <a16:creationId xmlns:a16="http://schemas.microsoft.com/office/drawing/2014/main" id="{0678F534-BCB3-6447-5DED-55BB46DE2454}"/>
+              </a:ext>
+            </a:extLst>
+          </p:cNvPr>
+          <p:cNvSpPr txBox="1"/>
+          <p:nvPr/>
+        </p:nvSpPr>
+        <p:spPr>
+          <a:xfrm>
+            <a:off x="4053807" y="4735432"/>
+            <a:ext cx="1107996" cy="461665"/>
+          </a:xfrm>
+          <a:prstGeom prst="rect">
+            <a:avLst/>
+          </a:prstGeom>
+          <a:noFill/>
+        </p:spPr>
+        <p:txBody>
+          <a:bodyPr wrap="none" rtlCol="0">
+            <a:spAutoFit/>
+          </a:bodyPr>
+          <a:lstStyle/>
+          <a:p>
+            <a:pPr algn="l"/>
+            <a:r>
+              <a:rPr kumimoji="1" lang="ja-JP" altLang="en-US" sz="2400" dirty="0">
+                <a:latin typeface="メイリオ" panose="020B0604030504040204" pitchFamily="50" charset="-128"/>
+                <a:ea typeface="メイリオ" panose="020B0604030504040204" pitchFamily="50" charset="-128"/>
+              </a:rPr>
+              <a:t>最小値</a:t>
+            </a:r>
+          </a:p>
+        </p:txBody>
+      </p:sp>
+      <p:sp>
+        <p:nvSpPr>
+          <p:cNvPr id="25" name="テキスト ボックス 24">
+            <a:extLst>
+              <a:ext uri="{FF2B5EF4-FFF2-40B4-BE49-F238E27FC236}">
+                <a16:creationId xmlns:a16="http://schemas.microsoft.com/office/drawing/2014/main" id="{EB78EDBA-A14D-C4A6-350B-DFD36B77A13B}"/>
+              </a:ext>
+            </a:extLst>
+          </p:cNvPr>
+          <p:cNvSpPr txBox="1"/>
+          <p:nvPr/>
+        </p:nvSpPr>
+        <p:spPr>
+          <a:xfrm>
+            <a:off x="5428734" y="4735432"/>
+            <a:ext cx="1107996" cy="461665"/>
+          </a:xfrm>
+          <a:prstGeom prst="rect">
+            <a:avLst/>
+          </a:prstGeom>
+          <a:noFill/>
+        </p:spPr>
+        <p:txBody>
+          <a:bodyPr wrap="none" rtlCol="0">
+            <a:spAutoFit/>
+          </a:bodyPr>
+          <a:lstStyle/>
+          <a:p>
+            <a:pPr algn="l"/>
+            <a:r>
+              <a:rPr kumimoji="1" lang="ja-JP" altLang="en-US" sz="2400" dirty="0">
+                <a:latin typeface="メイリオ" panose="020B0604030504040204" pitchFamily="50" charset="-128"/>
+                <a:ea typeface="メイリオ" panose="020B0604030504040204" pitchFamily="50" charset="-128"/>
+              </a:rPr>
+              <a:t>最大値</a:t>
+            </a:r>
+          </a:p>
+        </p:txBody>
+      </p:sp>
+      <p:sp>
+        <p:nvSpPr>
+          <p:cNvPr id="26" name="テキスト ボックス 25">
+            <a:extLst>
+              <a:ext uri="{FF2B5EF4-FFF2-40B4-BE49-F238E27FC236}">
+                <a16:creationId xmlns:a16="http://schemas.microsoft.com/office/drawing/2014/main" id="{EDF2BBB5-A61F-E6B1-D017-45F660B9873F}"/>
+              </a:ext>
+            </a:extLst>
+          </p:cNvPr>
+          <p:cNvSpPr txBox="1"/>
+          <p:nvPr/>
+        </p:nvSpPr>
+        <p:spPr>
+          <a:xfrm>
+            <a:off x="2699555" y="5566429"/>
+            <a:ext cx="1181734" cy="461665"/>
+          </a:xfrm>
+          <a:prstGeom prst="rect">
+            <a:avLst/>
+          </a:prstGeom>
+          <a:noFill/>
+        </p:spPr>
+        <p:txBody>
+          <a:bodyPr wrap="none" rtlCol="0">
+            <a:spAutoFit/>
+          </a:bodyPr>
+          <a:lstStyle/>
+          <a:p>
+            <a:pPr algn="l"/>
+            <a:r>
+              <a:rPr kumimoji="1" lang="en-US" altLang="ja-JP" sz="2400" dirty="0">
+                <a:latin typeface="メイリオ" panose="020B0604030504040204" pitchFamily="50" charset="-128"/>
+                <a:ea typeface="メイリオ" panose="020B0604030504040204" pitchFamily="50" charset="-128"/>
+              </a:rPr>
+              <a:t>16</a:t>
+            </a:r>
+            <a:r>
+              <a:rPr kumimoji="1" lang="ja-JP" altLang="en-US" sz="2400" dirty="0">
+                <a:latin typeface="メイリオ" panose="020B0604030504040204" pitchFamily="50" charset="-128"/>
+                <a:ea typeface="メイリオ" panose="020B0604030504040204" pitchFamily="50" charset="-128"/>
+              </a:rPr>
+              <a:t>進数</a:t>
+            </a:r>
+          </a:p>
+        </p:txBody>
+      </p:sp>
+      <p:sp>
+        <p:nvSpPr>
+          <p:cNvPr id="27" name="テキスト ボックス 26">
+            <a:extLst>
+              <a:ext uri="{FF2B5EF4-FFF2-40B4-BE49-F238E27FC236}">
+                <a16:creationId xmlns:a16="http://schemas.microsoft.com/office/drawing/2014/main" id="{2AE33957-86ED-BE18-F9F4-8746D787B61E}"/>
+              </a:ext>
+            </a:extLst>
+          </p:cNvPr>
+          <p:cNvSpPr txBox="1"/>
+          <p:nvPr/>
+        </p:nvSpPr>
+        <p:spPr>
+          <a:xfrm>
+            <a:off x="4418660" y="5565953"/>
+            <a:ext cx="375424" cy="461665"/>
+          </a:xfrm>
+          <a:prstGeom prst="rect">
+            <a:avLst/>
+          </a:prstGeom>
+          <a:noFill/>
+        </p:spPr>
+        <p:txBody>
+          <a:bodyPr wrap="none" rtlCol="0">
+            <a:spAutoFit/>
+          </a:bodyPr>
+          <a:lstStyle/>
+          <a:p>
+            <a:pPr algn="l"/>
+            <a:r>
+              <a:rPr kumimoji="1" lang="en-US" altLang="ja-JP" sz="2400" dirty="0">
+                <a:latin typeface="メイリオ" panose="020B0604030504040204" pitchFamily="50" charset="-128"/>
+                <a:ea typeface="メイリオ" panose="020B0604030504040204" pitchFamily="50" charset="-128"/>
+              </a:rPr>
+              <a:t>0</a:t>
+            </a:r>
+            <a:endParaRPr kumimoji="1" lang="ja-JP" altLang="en-US" sz="2400" dirty="0">
+              <a:latin typeface="メイリオ" panose="020B0604030504040204" pitchFamily="50" charset="-128"/>
+              <a:ea typeface="メイリオ" panose="020B0604030504040204" pitchFamily="50" charset="-128"/>
+            </a:endParaRPr>
+          </a:p>
+        </p:txBody>
+      </p:sp>
+      <p:sp>
+        <p:nvSpPr>
+          <p:cNvPr id="28" name="テキスト ボックス 27">
+            <a:extLst>
+              <a:ext uri="{FF2B5EF4-FFF2-40B4-BE49-F238E27FC236}">
+                <a16:creationId xmlns:a16="http://schemas.microsoft.com/office/drawing/2014/main" id="{5913C59B-93DD-C0ED-0081-C232DA9498FC}"/>
+              </a:ext>
+            </a:extLst>
+          </p:cNvPr>
+          <p:cNvSpPr txBox="1"/>
+          <p:nvPr/>
+        </p:nvSpPr>
+        <p:spPr>
+          <a:xfrm>
+            <a:off x="5879563" y="5565953"/>
+            <a:ext cx="287258" cy="461665"/>
+          </a:xfrm>
+          <a:prstGeom prst="rect">
+            <a:avLst/>
+          </a:prstGeom>
+          <a:noFill/>
+        </p:spPr>
+        <p:txBody>
+          <a:bodyPr wrap="none" rtlCol="0">
+            <a:spAutoFit/>
+          </a:bodyPr>
+          <a:lstStyle/>
+          <a:p>
+            <a:pPr algn="l"/>
+            <a:r>
+              <a:rPr kumimoji="1" lang="en-US" altLang="ja-JP" sz="2400" dirty="0">
+                <a:latin typeface="メイリオ" panose="020B0604030504040204" pitchFamily="50" charset="-128"/>
+                <a:ea typeface="メイリオ" panose="020B0604030504040204" pitchFamily="50" charset="-128"/>
+              </a:rPr>
+              <a:t>f</a:t>
+            </a:r>
+            <a:endParaRPr kumimoji="1" lang="ja-JP" altLang="en-US" sz="2400" dirty="0">
+              <a:latin typeface="メイリオ" panose="020B0604030504040204" pitchFamily="50" charset="-128"/>
+              <a:ea typeface="メイリオ" panose="020B0604030504040204" pitchFamily="50" charset="-128"/>
+            </a:endParaRPr>
+          </a:p>
+        </p:txBody>
+      </p:sp>
+      <p:sp>
+        <p:nvSpPr>
+          <p:cNvPr id="29" name="テキスト ボックス 28">
+            <a:extLst>
+              <a:ext uri="{FF2B5EF4-FFF2-40B4-BE49-F238E27FC236}">
+                <a16:creationId xmlns:a16="http://schemas.microsoft.com/office/drawing/2014/main" id="{E8C90275-4074-103A-E018-0253CB9B8FBF}"/>
+              </a:ext>
+            </a:extLst>
+          </p:cNvPr>
+          <p:cNvSpPr txBox="1"/>
+          <p:nvPr/>
+        </p:nvSpPr>
+        <p:spPr>
+          <a:xfrm>
+            <a:off x="3668246" y="6027618"/>
+            <a:ext cx="7409401" cy="461665"/>
+          </a:xfrm>
+          <a:prstGeom prst="rect">
+            <a:avLst/>
+          </a:prstGeom>
+          <a:noFill/>
+        </p:spPr>
+        <p:txBody>
+          <a:bodyPr wrap="none" rtlCol="0">
+            <a:spAutoFit/>
+          </a:bodyPr>
+          <a:lstStyle/>
+          <a:p>
+            <a:pPr algn="l"/>
+            <a:r>
+              <a:rPr kumimoji="1" lang="en-US" altLang="ja-JP" sz="2400" dirty="0">
+                <a:latin typeface="メイリオ" panose="020B0604030504040204" pitchFamily="50" charset="-128"/>
+                <a:ea typeface="メイリオ" panose="020B0604030504040204" pitchFamily="50" charset="-128"/>
+              </a:rPr>
+              <a:t>UTF-8</a:t>
+            </a:r>
+            <a:r>
+              <a:rPr kumimoji="1" lang="ja-JP" altLang="en-US" sz="2400" dirty="0">
+                <a:latin typeface="メイリオ" panose="020B0604030504040204" pitchFamily="50" charset="-128"/>
+                <a:ea typeface="メイリオ" panose="020B0604030504040204" pitchFamily="50" charset="-128"/>
+              </a:rPr>
+              <a:t>では日本文字は</a:t>
+            </a:r>
+            <a:r>
+              <a:rPr kumimoji="1" lang="en-US" altLang="ja-JP" sz="2400" dirty="0">
+                <a:latin typeface="メイリオ" panose="020B0604030504040204" pitchFamily="50" charset="-128"/>
+                <a:ea typeface="メイリオ" panose="020B0604030504040204" pitchFamily="50" charset="-128"/>
+              </a:rPr>
+              <a:t>16</a:t>
+            </a:r>
+            <a:r>
+              <a:rPr kumimoji="1" lang="ja-JP" altLang="en-US" sz="2400" dirty="0">
+                <a:latin typeface="メイリオ" panose="020B0604030504040204" pitchFamily="50" charset="-128"/>
+                <a:ea typeface="メイリオ" panose="020B0604030504040204" pitchFamily="50" charset="-128"/>
+              </a:rPr>
+              <a:t>進数で</a:t>
+            </a:r>
+            <a:r>
+              <a:rPr kumimoji="1" lang="en-US" altLang="ja-JP" sz="2400" dirty="0">
+                <a:latin typeface="メイリオ" panose="020B0604030504040204" pitchFamily="50" charset="-128"/>
+                <a:ea typeface="メイリオ" panose="020B0604030504040204" pitchFamily="50" charset="-128"/>
+              </a:rPr>
+              <a:t>6</a:t>
+            </a:r>
+            <a:r>
+              <a:rPr kumimoji="1" lang="ja-JP" altLang="en-US" sz="2400" dirty="0">
+                <a:latin typeface="メイリオ" panose="020B0604030504040204" pitchFamily="50" charset="-128"/>
+                <a:ea typeface="メイリオ" panose="020B0604030504040204" pitchFamily="50" charset="-128"/>
+              </a:rPr>
+              <a:t>桁＝</a:t>
+            </a:r>
+            <a:r>
+              <a:rPr kumimoji="1" lang="en-US" altLang="ja-JP" sz="2400" dirty="0">
+                <a:latin typeface="メイリオ" panose="020B0604030504040204" pitchFamily="50" charset="-128"/>
+                <a:ea typeface="メイリオ" panose="020B0604030504040204" pitchFamily="50" charset="-128"/>
+              </a:rPr>
+              <a:t>3</a:t>
+            </a:r>
+            <a:r>
+              <a:rPr kumimoji="1" lang="ja-JP" altLang="en-US" sz="2400" b="1" dirty="0">
+                <a:latin typeface="メイリオ" panose="020B0604030504040204" pitchFamily="50" charset="-128"/>
+                <a:ea typeface="メイリオ" panose="020B0604030504040204" pitchFamily="50" charset="-128"/>
+              </a:rPr>
+              <a:t>バイト</a:t>
+            </a:r>
+            <a:r>
+              <a:rPr kumimoji="1" lang="ja-JP" altLang="en-US" sz="2400" dirty="0">
+                <a:latin typeface="メイリオ" panose="020B0604030504040204" pitchFamily="50" charset="-128"/>
+                <a:ea typeface="メイリオ" panose="020B0604030504040204" pitchFamily="50" charset="-128"/>
+              </a:rPr>
+              <a:t>で表現</a:t>
+            </a:r>
+          </a:p>
+        </p:txBody>
+      </p:sp>
+      <p:sp>
+        <p:nvSpPr>
+          <p:cNvPr id="30" name="テキスト ボックス 29">
+            <a:extLst>
+              <a:ext uri="{FF2B5EF4-FFF2-40B4-BE49-F238E27FC236}">
+                <a16:creationId xmlns:a16="http://schemas.microsoft.com/office/drawing/2014/main" id="{E6328875-23A3-9124-9E72-B4A99B682FC6}"/>
+              </a:ext>
+            </a:extLst>
+          </p:cNvPr>
+          <p:cNvSpPr txBox="1"/>
+          <p:nvPr/>
+        </p:nvSpPr>
+        <p:spPr>
+          <a:xfrm>
+            <a:off x="3668246" y="6449543"/>
+            <a:ext cx="7283789" cy="461665"/>
+          </a:xfrm>
+          <a:prstGeom prst="rect">
+            <a:avLst/>
+          </a:prstGeom>
+          <a:noFill/>
+        </p:spPr>
+        <p:txBody>
+          <a:bodyPr wrap="none" rtlCol="0">
+            <a:spAutoFit/>
+          </a:bodyPr>
+          <a:lstStyle/>
+          <a:p>
+            <a:pPr algn="l"/>
+            <a:r>
+              <a:rPr kumimoji="1" lang="en-US" altLang="ja-JP" sz="2400" dirty="0">
+                <a:latin typeface="メイリオ" panose="020B0604030504040204" pitchFamily="50" charset="-128"/>
+                <a:ea typeface="メイリオ" panose="020B0604030504040204" pitchFamily="50" charset="-128"/>
+              </a:rPr>
+              <a:t>16</a:t>
+            </a:r>
+            <a:r>
+              <a:rPr kumimoji="1" lang="ja-JP" altLang="en-US" sz="2400" dirty="0">
+                <a:latin typeface="メイリオ" panose="020B0604030504040204" pitchFamily="50" charset="-128"/>
+                <a:ea typeface="メイリオ" panose="020B0604030504040204" pitchFamily="50" charset="-128"/>
+              </a:rPr>
+              <a:t>進数</a:t>
+            </a:r>
+            <a:r>
+              <a:rPr kumimoji="1" lang="en-US" altLang="ja-JP" sz="2400" dirty="0">
+                <a:latin typeface="メイリオ" panose="020B0604030504040204" pitchFamily="50" charset="-128"/>
+                <a:ea typeface="メイリオ" panose="020B0604030504040204" pitchFamily="50" charset="-128"/>
+              </a:rPr>
+              <a:t>2</a:t>
+            </a:r>
+            <a:r>
+              <a:rPr kumimoji="1" lang="ja-JP" altLang="en-US" sz="2400" dirty="0">
+                <a:latin typeface="メイリオ" panose="020B0604030504040204" pitchFamily="50" charset="-128"/>
+                <a:ea typeface="メイリオ" panose="020B0604030504040204" pitchFamily="50" charset="-128"/>
+              </a:rPr>
+              <a:t>桁で</a:t>
+            </a:r>
+            <a:r>
+              <a:rPr kumimoji="1" lang="en-US" altLang="ja-JP" sz="2400" dirty="0">
+                <a:latin typeface="メイリオ" panose="020B0604030504040204" pitchFamily="50" charset="-128"/>
+                <a:ea typeface="メイリオ" panose="020B0604030504040204" pitchFamily="50" charset="-128"/>
+              </a:rPr>
+              <a:t>2</a:t>
+            </a:r>
+            <a:r>
+              <a:rPr kumimoji="1" lang="ja-JP" altLang="en-US" sz="2400" dirty="0">
+                <a:latin typeface="メイリオ" panose="020B0604030504040204" pitchFamily="50" charset="-128"/>
+                <a:ea typeface="メイリオ" panose="020B0604030504040204" pitchFamily="50" charset="-128"/>
+              </a:rPr>
+              <a:t>進数</a:t>
+            </a:r>
+            <a:r>
+              <a:rPr kumimoji="1" lang="en-US" altLang="ja-JP" sz="2400" dirty="0">
+                <a:latin typeface="メイリオ" panose="020B0604030504040204" pitchFamily="50" charset="-128"/>
+                <a:ea typeface="メイリオ" panose="020B0604030504040204" pitchFamily="50" charset="-128"/>
+              </a:rPr>
+              <a:t>8</a:t>
+            </a:r>
+            <a:r>
+              <a:rPr kumimoji="1" lang="ja-JP" altLang="en-US" sz="2400" dirty="0">
+                <a:latin typeface="メイリオ" panose="020B0604030504040204" pitchFamily="50" charset="-128"/>
+                <a:ea typeface="メイリオ" panose="020B0604030504040204" pitchFamily="50" charset="-128"/>
+              </a:rPr>
+              <a:t>桁　→　</a:t>
+            </a:r>
+            <a:r>
+              <a:rPr kumimoji="1" lang="en-US" altLang="ja-JP" sz="2400" b="1" dirty="0">
+                <a:latin typeface="メイリオ" panose="020B0604030504040204" pitchFamily="50" charset="-128"/>
+                <a:ea typeface="メイリオ" panose="020B0604030504040204" pitchFamily="50" charset="-128"/>
+              </a:rPr>
+              <a:t>1</a:t>
+            </a:r>
+            <a:r>
+              <a:rPr kumimoji="1" lang="ja-JP" altLang="en-US" sz="2400" b="1" dirty="0">
+                <a:latin typeface="メイリオ" panose="020B0604030504040204" pitchFamily="50" charset="-128"/>
+                <a:ea typeface="メイリオ" panose="020B0604030504040204" pitchFamily="50" charset="-128"/>
+              </a:rPr>
+              <a:t>バイト</a:t>
+            </a:r>
+            <a:r>
+              <a:rPr kumimoji="1" lang="en-US" altLang="ja-JP" sz="2400" dirty="0">
+                <a:latin typeface="メイリオ" panose="020B0604030504040204" pitchFamily="50" charset="-128"/>
+                <a:ea typeface="メイリオ" panose="020B0604030504040204" pitchFamily="50" charset="-128"/>
+              </a:rPr>
+              <a:t>(byte)</a:t>
+            </a:r>
+            <a:r>
+              <a:rPr kumimoji="1" lang="ja-JP" altLang="en-US" sz="2400" dirty="0">
+                <a:latin typeface="メイリオ" panose="020B0604030504040204" pitchFamily="50" charset="-128"/>
+                <a:ea typeface="メイリオ" panose="020B0604030504040204" pitchFamily="50" charset="-128"/>
+              </a:rPr>
+              <a:t>と呼ぶ</a:t>
+            </a:r>
+            <a:r>
+              <a:rPr kumimoji="1" lang="en-US" altLang="ja-JP" sz="2400" dirty="0">
+                <a:latin typeface="メイリオ" panose="020B0604030504040204" pitchFamily="50" charset="-128"/>
+                <a:ea typeface="メイリオ" panose="020B0604030504040204" pitchFamily="50" charset="-128"/>
+              </a:rPr>
+              <a:t> </a:t>
+            </a:r>
+            <a:endParaRPr kumimoji="1" lang="ja-JP" altLang="en-US" sz="2400" dirty="0">
+              <a:latin typeface="メイリオ" panose="020B0604030504040204" pitchFamily="50" charset="-128"/>
+              <a:ea typeface="メイリオ" panose="020B0604030504040204" pitchFamily="50" charset="-128"/>
+            </a:endParaRPr>
+          </a:p>
+        </p:txBody>
+      </p:sp>
+      <p:sp>
+        <p:nvSpPr>
+          <p:cNvPr id="3" name="テキスト ボックス 2">
+            <a:extLst>
+              <a:ext uri="{FF2B5EF4-FFF2-40B4-BE49-F238E27FC236}">
+                <a16:creationId xmlns:a16="http://schemas.microsoft.com/office/drawing/2014/main" id="{36A910C4-A179-BD2B-BAE7-4E62E6010E82}"/>
+              </a:ext>
+            </a:extLst>
+          </p:cNvPr>
+          <p:cNvSpPr txBox="1"/>
+          <p:nvPr/>
+        </p:nvSpPr>
+        <p:spPr>
+          <a:xfrm>
+            <a:off x="523875" y="92494"/>
+            <a:ext cx="2236510" cy="584775"/>
+          </a:xfrm>
+          <a:prstGeom prst="rect">
+            <a:avLst/>
+          </a:prstGeom>
+          <a:noFill/>
+        </p:spPr>
+        <p:txBody>
+          <a:bodyPr wrap="none" rtlCol="0">
+            <a:spAutoFit/>
+          </a:bodyPr>
+          <a:lstStyle/>
+          <a:p>
+            <a:pPr algn="l"/>
+            <a:r>
+              <a:rPr kumimoji="1" lang="ja-JP" altLang="en-US" sz="3200" b="1" dirty="0">
+                <a:latin typeface="メイリオ" panose="020B0604030504040204" pitchFamily="50" charset="-128"/>
+                <a:ea typeface="メイリオ" panose="020B0604030504040204" pitchFamily="50" charset="-128"/>
+              </a:rPr>
+              <a:t>文字コード</a:t>
+            </a:r>
+          </a:p>
+        </p:txBody>
+      </p:sp>
+      <p:sp>
+        <p:nvSpPr>
+          <p:cNvPr id="5" name="テキスト ボックス 4">
+            <a:extLst>
+              <a:ext uri="{FF2B5EF4-FFF2-40B4-BE49-F238E27FC236}">
+                <a16:creationId xmlns:a16="http://schemas.microsoft.com/office/drawing/2014/main" id="{07C10F4F-371C-6060-77A1-2DE06BBB02EC}"/>
+              </a:ext>
+            </a:extLst>
+          </p:cNvPr>
+          <p:cNvSpPr txBox="1"/>
+          <p:nvPr/>
+        </p:nvSpPr>
+        <p:spPr>
+          <a:xfrm>
+            <a:off x="523875" y="575653"/>
+            <a:ext cx="13108194" cy="1015663"/>
+          </a:xfrm>
+          <a:prstGeom prst="rect">
+            <a:avLst/>
+          </a:prstGeom>
+          <a:noFill/>
+        </p:spPr>
+        <p:txBody>
+          <a:bodyPr wrap="square" rtlCol="0">
+            <a:spAutoFit/>
+          </a:bodyPr>
+          <a:lstStyle/>
+          <a:p>
+            <a:pPr marL="457200" indent="-457200" algn="l">
+              <a:buFont typeface="+mj-lt"/>
+              <a:buAutoNum type="arabicPeriod"/>
+            </a:pPr>
+            <a:r>
+              <a:rPr kumimoji="1" lang="ja-JP" altLang="en-US" sz="2000" dirty="0">
+                <a:latin typeface="メイリオ" panose="020B0604030504040204" pitchFamily="50" charset="-128"/>
+                <a:ea typeface="メイリオ" panose="020B0604030504040204" pitchFamily="50" charset="-128"/>
+              </a:rPr>
+              <a:t>コンピュータは</a:t>
+            </a:r>
+            <a:r>
+              <a:rPr kumimoji="1" lang="en-US" altLang="ja-JP" sz="2000" dirty="0">
+                <a:latin typeface="メイリオ" panose="020B0604030504040204" pitchFamily="50" charset="-128"/>
+                <a:ea typeface="メイリオ" panose="020B0604030504040204" pitchFamily="50" charset="-128"/>
+              </a:rPr>
+              <a:t>2</a:t>
+            </a:r>
+            <a:r>
+              <a:rPr kumimoji="1" lang="ja-JP" altLang="en-US" sz="2000" dirty="0">
+                <a:latin typeface="メイリオ" panose="020B0604030504040204" pitchFamily="50" charset="-128"/>
+                <a:ea typeface="メイリオ" panose="020B0604030504040204" pitchFamily="50" charset="-128"/>
+              </a:rPr>
+              <a:t>進数しか理解しないから</a:t>
+            </a:r>
+            <a:endParaRPr kumimoji="1" lang="en-US" altLang="ja-JP" sz="2000" dirty="0">
+              <a:latin typeface="メイリオ" panose="020B0604030504040204" pitchFamily="50" charset="-128"/>
+              <a:ea typeface="メイリオ" panose="020B0604030504040204" pitchFamily="50" charset="-128"/>
+            </a:endParaRPr>
+          </a:p>
+          <a:p>
+            <a:pPr marL="457200" indent="-457200" algn="l">
+              <a:buFont typeface="+mj-lt"/>
+              <a:buAutoNum type="arabicPeriod"/>
+            </a:pPr>
+            <a:r>
+              <a:rPr kumimoji="1" lang="ja-JP" altLang="en-US" sz="2000" dirty="0">
+                <a:latin typeface="メイリオ" panose="020B0604030504040204" pitchFamily="50" charset="-128"/>
+                <a:ea typeface="メイリオ" panose="020B0604030504040204" pitchFamily="50" charset="-128"/>
+              </a:rPr>
+              <a:t>文字コードによって割り当てる</a:t>
+            </a:r>
+            <a:r>
+              <a:rPr kumimoji="1" lang="en-US" altLang="ja-JP" sz="2000" dirty="0">
+                <a:latin typeface="メイリオ" panose="020B0604030504040204" pitchFamily="50" charset="-128"/>
+                <a:ea typeface="メイリオ" panose="020B0604030504040204" pitchFamily="50" charset="-128"/>
+              </a:rPr>
+              <a:t>2</a:t>
+            </a:r>
+            <a:r>
+              <a:rPr kumimoji="1" lang="ja-JP" altLang="en-US" sz="2000" dirty="0">
+                <a:latin typeface="メイリオ" panose="020B0604030504040204" pitchFamily="50" charset="-128"/>
+                <a:ea typeface="メイリオ" panose="020B0604030504040204" pitchFamily="50" charset="-128"/>
+              </a:rPr>
+              <a:t>進数の体系が異なる</a:t>
+            </a:r>
+            <a:r>
+              <a:rPr kumimoji="1" lang="en-US" altLang="ja-JP" sz="2000" dirty="0">
+                <a:latin typeface="メイリオ" panose="020B0604030504040204" pitchFamily="50" charset="-128"/>
+                <a:ea typeface="メイリオ" panose="020B0604030504040204" pitchFamily="50" charset="-128"/>
+              </a:rPr>
+              <a:t>(windows : shift </a:t>
+            </a:r>
+            <a:r>
+              <a:rPr kumimoji="1" lang="en-US" altLang="ja-JP" sz="2000" dirty="0" err="1">
+                <a:latin typeface="メイリオ" panose="020B0604030504040204" pitchFamily="50" charset="-128"/>
+                <a:ea typeface="メイリオ" panose="020B0604030504040204" pitchFamily="50" charset="-128"/>
+              </a:rPr>
+              <a:t>jis</a:t>
+            </a:r>
+            <a:r>
+              <a:rPr kumimoji="1" lang="en-US" altLang="ja-JP" sz="2000" dirty="0">
+                <a:latin typeface="メイリオ" panose="020B0604030504040204" pitchFamily="50" charset="-128"/>
+                <a:ea typeface="メイリオ" panose="020B0604030504040204" pitchFamily="50" charset="-128"/>
+              </a:rPr>
+              <a:t>, UNIX : UTF-8)</a:t>
+            </a:r>
+          </a:p>
+          <a:p>
+            <a:pPr marL="457200" indent="-457200" algn="l">
+              <a:buFont typeface="+mj-lt"/>
+              <a:buAutoNum type="arabicPeriod"/>
+            </a:pPr>
+            <a:r>
+              <a:rPr kumimoji="1" lang="en-US" altLang="ja-JP" sz="2000" dirty="0">
+                <a:latin typeface="メイリオ" panose="020B0604030504040204" pitchFamily="50" charset="-128"/>
+                <a:ea typeface="メイリオ" panose="020B0604030504040204" pitchFamily="50" charset="-128"/>
+              </a:rPr>
+              <a:t>2</a:t>
+            </a:r>
+            <a:r>
+              <a:rPr kumimoji="1" lang="ja-JP" altLang="en-US" sz="2000" dirty="0">
+                <a:latin typeface="メイリオ" panose="020B0604030504040204" pitchFamily="50" charset="-128"/>
+                <a:ea typeface="メイリオ" panose="020B0604030504040204" pitchFamily="50" charset="-128"/>
+              </a:rPr>
+              <a:t>進数は長いので実際は</a:t>
+            </a:r>
+            <a:r>
+              <a:rPr kumimoji="1" lang="en-US" altLang="ja-JP" sz="2000" dirty="0">
+                <a:latin typeface="メイリオ" panose="020B0604030504040204" pitchFamily="50" charset="-128"/>
+                <a:ea typeface="メイリオ" panose="020B0604030504040204" pitchFamily="50" charset="-128"/>
+              </a:rPr>
+              <a:t>16</a:t>
+            </a:r>
+            <a:r>
+              <a:rPr kumimoji="1" lang="ja-JP" altLang="en-US" sz="2000" dirty="0">
+                <a:latin typeface="メイリオ" panose="020B0604030504040204" pitchFamily="50" charset="-128"/>
+                <a:ea typeface="メイリオ" panose="020B0604030504040204" pitchFamily="50" charset="-128"/>
+              </a:rPr>
+              <a:t>進数で表記</a:t>
             </a:r>
           </a:p>
         </p:txBody>
@@ -5130,14 +5378,13 @@
     </p:spTree>
     <p:extLst>
       <p:ext uri="{BB962C8B-B14F-4D97-AF65-F5344CB8AC3E}">
-        <p14:creationId xmlns:p14="http://schemas.microsoft.com/office/powerpoint/2010/main" val="710502467"/>
+        <p14:creationId xmlns:p14="http://schemas.microsoft.com/office/powerpoint/2010/main" val="2526988034"/>
       </p:ext>
     </p:extLst>
   </p:cSld>
   <p:clrMapOvr>
     <a:masterClrMapping/>
   </p:clrMapOvr>
-  <p:transition spd="med"/>
 </p:sld>
 </file>
 
@@ -5158,12 +5405,91 @@
           <a:chExt cx="0" cy="0"/>
         </a:xfrm>
       </p:grpSpPr>
-      <p:sp>
-        <p:nvSpPr>
-          <p:cNvPr id="2" name="テキスト ボックス 1">
-            <a:extLst>
-              <a:ext uri="{FF2B5EF4-FFF2-40B4-BE49-F238E27FC236}">
-                <a16:creationId xmlns:a16="http://schemas.microsoft.com/office/drawing/2014/main" id="{FD4E9E18-CDCB-FCE9-63C7-0A38B3D1248C}"/>
+      <p:pic>
+        <p:nvPicPr>
+          <p:cNvPr id="5" name="図 4">
+            <a:extLst>
+              <a:ext uri="{FF2B5EF4-FFF2-40B4-BE49-F238E27FC236}">
+                <a16:creationId xmlns:a16="http://schemas.microsoft.com/office/drawing/2014/main" id="{29E5F67F-3067-4120-888D-30B9D0294938}"/>
+              </a:ext>
+            </a:extLst>
+          </p:cNvPr>
+          <p:cNvPicPr>
+            <a:picLocks noChangeAspect="1"/>
+          </p:cNvPicPr>
+          <p:nvPr/>
+        </p:nvPicPr>
+        <p:blipFill>
+          <a:blip r:embed="rId2"/>
+          <a:stretch>
+            <a:fillRect/>
+          </a:stretch>
+        </p:blipFill>
+        <p:spPr>
+          <a:xfrm>
+            <a:off x="1804280" y="4435054"/>
+            <a:ext cx="1236123" cy="1733374"/>
+          </a:xfrm>
+          <a:prstGeom prst="rect">
+            <a:avLst/>
+          </a:prstGeom>
+        </p:spPr>
+      </p:pic>
+      <p:sp>
+        <p:nvSpPr>
+          <p:cNvPr id="9" name="矢印: 右 8">
+            <a:extLst>
+              <a:ext uri="{FF2B5EF4-FFF2-40B4-BE49-F238E27FC236}">
+                <a16:creationId xmlns:a16="http://schemas.microsoft.com/office/drawing/2014/main" id="{0BD50FDD-2572-4F2C-AD0F-30BF5C26B34F}"/>
+              </a:ext>
+            </a:extLst>
+          </p:cNvPr>
+          <p:cNvSpPr/>
+          <p:nvPr/>
+        </p:nvSpPr>
+        <p:spPr>
+          <a:xfrm>
+            <a:off x="3825344" y="5724480"/>
+            <a:ext cx="990794" cy="596348"/>
+          </a:xfrm>
+          <a:prstGeom prst="rightArrow">
+            <a:avLst>
+              <a:gd name="adj1" fmla="val 50000"/>
+              <a:gd name="adj2" fmla="val 78333"/>
+            </a:avLst>
+          </a:prstGeom>
+        </p:spPr>
+        <p:style>
+          <a:lnRef idx="2">
+            <a:schemeClr val="accent1">
+              <a:shade val="50000"/>
+            </a:schemeClr>
+          </a:lnRef>
+          <a:fillRef idx="1">
+            <a:schemeClr val="accent1"/>
+          </a:fillRef>
+          <a:effectRef idx="0">
+            <a:schemeClr val="accent1"/>
+          </a:effectRef>
+          <a:fontRef idx="minor">
+            <a:schemeClr val="lt1"/>
+          </a:fontRef>
+        </p:style>
+        <p:txBody>
+          <a:bodyPr rtlCol="0" anchor="ctr"/>
+          <a:lstStyle/>
+          <a:p>
+            <a:pPr algn="ctr"/>
+            <a:endParaRPr kumimoji="1" lang="ja-JP" altLang="en-US"/>
+          </a:p>
+        </p:txBody>
+      </p:sp>
+      <p:sp>
+        <p:nvSpPr>
+          <p:cNvPr id="12" name="テキスト ボックス 11">
+            <a:extLst>
+              <a:ext uri="{FF2B5EF4-FFF2-40B4-BE49-F238E27FC236}">
+                <a16:creationId xmlns:a16="http://schemas.microsoft.com/office/drawing/2014/main" id="{93B83A47-FAD8-4ECD-8C9A-90996BFA0115}"/>
               </a:ext>
             </a:extLst>
           </p:cNvPr>
@@ -5172,8 +5498,8 @@
         </p:nvSpPr>
         <p:spPr>
           <a:xfrm>
-            <a:off x="1212980" y="2817845"/>
-            <a:ext cx="800219" cy="461665"/>
+            <a:off x="3612647" y="5406486"/>
+            <a:ext cx="1210588" cy="400110"/>
           </a:xfrm>
           <a:prstGeom prst="rect">
             <a:avLst/>
@@ -5188,11 +5514,1507 @@
           <a:p>
             <a:pPr algn="l"/>
             <a:r>
+              <a:rPr kumimoji="1" lang="ja-JP" altLang="en-US" sz="2000" dirty="0">
+                <a:latin typeface="メイリオ" panose="020B0604030504040204" pitchFamily="50" charset="-128"/>
+                <a:ea typeface="メイリオ" panose="020B0604030504040204" pitchFamily="50" charset="-128"/>
+              </a:rPr>
+              <a:t>読み込む</a:t>
+            </a:r>
+          </a:p>
+        </p:txBody>
+      </p:sp>
+      <p:pic>
+        <p:nvPicPr>
+          <p:cNvPr id="27" name="図 26">
+            <a:extLst>
+              <a:ext uri="{FF2B5EF4-FFF2-40B4-BE49-F238E27FC236}">
+                <a16:creationId xmlns:a16="http://schemas.microsoft.com/office/drawing/2014/main" id="{48D4D9DD-0411-C312-F3D2-00AC3CD23973}"/>
+              </a:ext>
+            </a:extLst>
+          </p:cNvPr>
+          <p:cNvPicPr>
+            <a:picLocks noChangeAspect="1"/>
+          </p:cNvPicPr>
+          <p:nvPr/>
+        </p:nvPicPr>
+        <p:blipFill>
+          <a:blip r:embed="rId3"/>
+          <a:stretch>
+            <a:fillRect/>
+          </a:stretch>
+        </p:blipFill>
+        <p:spPr>
+          <a:xfrm>
+            <a:off x="9961444" y="3958270"/>
+            <a:ext cx="2116090" cy="700661"/>
+          </a:xfrm>
+          <a:prstGeom prst="rect">
+            <a:avLst/>
+          </a:prstGeom>
+        </p:spPr>
+      </p:pic>
+      <p:sp>
+        <p:nvSpPr>
+          <p:cNvPr id="28" name="正方形/長方形 27">
+            <a:extLst>
+              <a:ext uri="{FF2B5EF4-FFF2-40B4-BE49-F238E27FC236}">
+                <a16:creationId xmlns:a16="http://schemas.microsoft.com/office/drawing/2014/main" id="{296DA6E7-B23A-B87F-91D6-E043D06AF6C2}"/>
+              </a:ext>
+            </a:extLst>
+          </p:cNvPr>
+          <p:cNvSpPr/>
+          <p:nvPr/>
+        </p:nvSpPr>
+        <p:spPr>
+          <a:xfrm>
+            <a:off x="4875178" y="2883495"/>
+            <a:ext cx="5001546" cy="546537"/>
+          </a:xfrm>
+          <a:prstGeom prst="rect">
+            <a:avLst/>
+          </a:prstGeom>
+          <a:noFill/>
+        </p:spPr>
+        <p:style>
+          <a:lnRef idx="2">
+            <a:schemeClr val="accent1">
+              <a:shade val="15000"/>
+            </a:schemeClr>
+          </a:lnRef>
+          <a:fillRef idx="1">
+            <a:schemeClr val="accent1"/>
+          </a:fillRef>
+          <a:effectRef idx="0">
+            <a:schemeClr val="accent1"/>
+          </a:effectRef>
+          <a:fontRef idx="minor">
+            <a:schemeClr val="lt1"/>
+          </a:fontRef>
+        </p:style>
+        <p:txBody>
+          <a:bodyPr rtlCol="0" anchor="ctr"/>
+          <a:lstStyle/>
+          <a:p>
+            <a:pPr algn="ctr"/>
+            <a:r>
+              <a:rPr kumimoji="1" lang="en-US" altLang="ja-JP" dirty="0">
+                <a:solidFill>
+                  <a:schemeClr val="tx1"/>
+                </a:solidFill>
+              </a:rPr>
+              <a:t>python</a:t>
+            </a:r>
+            <a:r>
+              <a:rPr kumimoji="1" lang="ja-JP" altLang="en-US" dirty="0">
+                <a:solidFill>
+                  <a:schemeClr val="tx1"/>
+                </a:solidFill>
+              </a:rPr>
+              <a:t>インタープリタ（ミドルウエア）</a:t>
+            </a:r>
+          </a:p>
+        </p:txBody>
+      </p:sp>
+      <p:sp>
+        <p:nvSpPr>
+          <p:cNvPr id="29" name="テキスト ボックス 28">
+            <a:extLst>
+              <a:ext uri="{FF2B5EF4-FFF2-40B4-BE49-F238E27FC236}">
+                <a16:creationId xmlns:a16="http://schemas.microsoft.com/office/drawing/2014/main" id="{591C3F7D-4FBF-F8EC-689A-0FE066D44B56}"/>
+              </a:ext>
+            </a:extLst>
+          </p:cNvPr>
+          <p:cNvSpPr txBox="1"/>
+          <p:nvPr/>
+        </p:nvSpPr>
+        <p:spPr>
+          <a:xfrm>
+            <a:off x="5081507" y="5806135"/>
+            <a:ext cx="3461140" cy="369332"/>
+          </a:xfrm>
+          <a:prstGeom prst="rect">
+            <a:avLst/>
+          </a:prstGeom>
+          <a:noFill/>
+        </p:spPr>
+        <p:txBody>
+          <a:bodyPr wrap="none" rtlCol="0">
+            <a:spAutoFit/>
+          </a:bodyPr>
+          <a:lstStyle/>
+          <a:p>
+            <a:pPr algn="l"/>
+            <a:r>
+              <a:rPr kumimoji="1" lang="en-US" altLang="ja-JP" dirty="0">
+                <a:latin typeface="メイリオ" panose="020B0604030504040204" pitchFamily="50" charset="-128"/>
+                <a:ea typeface="メイリオ" panose="020B0604030504040204" pitchFamily="50" charset="-128"/>
+              </a:rPr>
+              <a:t>CPU(Central Processing Unit)</a:t>
+            </a:r>
+            <a:endParaRPr kumimoji="1" lang="ja-JP" altLang="en-US" dirty="0">
+              <a:latin typeface="メイリオ" panose="020B0604030504040204" pitchFamily="50" charset="-128"/>
+              <a:ea typeface="メイリオ" panose="020B0604030504040204" pitchFamily="50" charset="-128"/>
+            </a:endParaRPr>
+          </a:p>
+        </p:txBody>
+      </p:sp>
+      <p:sp>
+        <p:nvSpPr>
+          <p:cNvPr id="30" name="テキスト ボックス 29">
+            <a:extLst>
+              <a:ext uri="{FF2B5EF4-FFF2-40B4-BE49-F238E27FC236}">
+                <a16:creationId xmlns:a16="http://schemas.microsoft.com/office/drawing/2014/main" id="{F6666472-64B6-BDDA-21DE-6C1321E6BD84}"/>
+              </a:ext>
+            </a:extLst>
+          </p:cNvPr>
+          <p:cNvSpPr txBox="1"/>
+          <p:nvPr/>
+        </p:nvSpPr>
+        <p:spPr>
+          <a:xfrm>
+            <a:off x="5970330" y="4166527"/>
+            <a:ext cx="2723823" cy="369332"/>
+          </a:xfrm>
+          <a:prstGeom prst="rect">
+            <a:avLst/>
+          </a:prstGeom>
+          <a:noFill/>
+        </p:spPr>
+        <p:txBody>
+          <a:bodyPr wrap="none" rtlCol="0">
+            <a:spAutoFit/>
+          </a:bodyPr>
+          <a:lstStyle/>
+          <a:p>
+            <a:pPr algn="l"/>
+            <a:r>
+              <a:rPr kumimoji="1" lang="ja-JP" altLang="en-US" dirty="0">
+                <a:latin typeface="メイリオ" panose="020B0604030504040204" pitchFamily="50" charset="-128"/>
+                <a:ea typeface="メイリオ" panose="020B0604030504040204" pitchFamily="50" charset="-128"/>
+              </a:rPr>
+              <a:t>記憶領域（内部メモリ）</a:t>
+            </a:r>
+          </a:p>
+        </p:txBody>
+      </p:sp>
+      <p:pic>
+        <p:nvPicPr>
+          <p:cNvPr id="31" name="Picture 6" descr="CPU、メモリ、HDDの役割の違い｜パソコンを購入する際のチェックポイントも紹介 | @niftyIT小ネタ帳">
+            <a:extLst>
+              <a:ext uri="{FF2B5EF4-FFF2-40B4-BE49-F238E27FC236}">
+                <a16:creationId xmlns:a16="http://schemas.microsoft.com/office/drawing/2014/main" id="{336A0B06-5D56-3168-C8CA-6E41D433E3AE}"/>
+              </a:ext>
+            </a:extLst>
+          </p:cNvPr>
+          <p:cNvPicPr>
+            <a:picLocks noChangeAspect="1" noChangeArrowheads="1"/>
+          </p:cNvPicPr>
+          <p:nvPr/>
+        </p:nvPicPr>
+        <p:blipFill>
+          <a:blip r:embed="rId4">
+            <a:extLst>
+              <a:ext uri="{28A0092B-C50C-407E-A947-70E740481C1C}">
+                <a14:useLocalDpi xmlns:a14="http://schemas.microsoft.com/office/drawing/2010/main" val="0"/>
+              </a:ext>
+            </a:extLst>
+          </a:blip>
+          <a:srcRect/>
+          <a:stretch>
+            <a:fillRect/>
+          </a:stretch>
+        </p:blipFill>
+        <p:spPr bwMode="auto">
+          <a:xfrm>
+            <a:off x="10131031" y="5348134"/>
+            <a:ext cx="1766823" cy="1175740"/>
+          </a:xfrm>
+          <a:prstGeom prst="rect">
+            <a:avLst/>
+          </a:prstGeom>
+          <a:noFill/>
+          <a:extLst>
+            <a:ext uri="{909E8E84-426E-40DD-AFC4-6F175D3DCCD1}">
+              <a14:hiddenFill xmlns:a14="http://schemas.microsoft.com/office/drawing/2010/main">
+                <a:solidFill>
+                  <a:srgbClr val="FFFFFF"/>
+                </a:solidFill>
+              </a14:hiddenFill>
+            </a:ext>
+          </a:extLst>
+        </p:spPr>
+      </p:pic>
+      <p:pic>
+        <p:nvPicPr>
+          <p:cNvPr id="32" name="Picture 8" descr="ITエンジニアの豆知識 CPUのアーキテクチャって？ | 株式会社ビヨンド">
+            <a:extLst>
+              <a:ext uri="{FF2B5EF4-FFF2-40B4-BE49-F238E27FC236}">
+                <a16:creationId xmlns:a16="http://schemas.microsoft.com/office/drawing/2014/main" id="{0DE3DB43-1AF2-B989-6D34-398F65F7B4F4}"/>
+              </a:ext>
+            </a:extLst>
+          </p:cNvPr>
+          <p:cNvPicPr>
+            <a:picLocks noChangeAspect="1" noChangeArrowheads="1"/>
+          </p:cNvPicPr>
+          <p:nvPr/>
+        </p:nvPicPr>
+        <p:blipFill>
+          <a:blip r:embed="rId5">
+            <a:extLst>
+              <a:ext uri="{28A0092B-C50C-407E-A947-70E740481C1C}">
+                <a14:useLocalDpi xmlns:a14="http://schemas.microsoft.com/office/drawing/2010/main" val="0"/>
+              </a:ext>
+            </a:extLst>
+          </a:blip>
+          <a:srcRect/>
+          <a:stretch>
+            <a:fillRect/>
+          </a:stretch>
+        </p:blipFill>
+        <p:spPr bwMode="auto">
+          <a:xfrm>
+            <a:off x="8677269" y="5479490"/>
+            <a:ext cx="1022100" cy="1022100"/>
+          </a:xfrm>
+          <a:prstGeom prst="rect">
+            <a:avLst/>
+          </a:prstGeom>
+          <a:noFill/>
+          <a:extLst>
+            <a:ext uri="{909E8E84-426E-40DD-AFC4-6F175D3DCCD1}">
+              <a14:hiddenFill xmlns:a14="http://schemas.microsoft.com/office/drawing/2010/main">
+                <a:solidFill>
+                  <a:srgbClr val="FFFFFF"/>
+                </a:solidFill>
+              </a14:hiddenFill>
+            </a:ext>
+          </a:extLst>
+        </p:spPr>
+      </p:pic>
+      <p:sp>
+        <p:nvSpPr>
+          <p:cNvPr id="33" name="テキスト ボックス 32">
+            <a:extLst>
+              <a:ext uri="{FF2B5EF4-FFF2-40B4-BE49-F238E27FC236}">
+                <a16:creationId xmlns:a16="http://schemas.microsoft.com/office/drawing/2014/main" id="{7C4CA804-949F-E6BF-FC75-54B39E780405}"/>
+              </a:ext>
+            </a:extLst>
+          </p:cNvPr>
+          <p:cNvSpPr txBox="1"/>
+          <p:nvPr/>
+        </p:nvSpPr>
+        <p:spPr>
+          <a:xfrm>
+            <a:off x="8081047" y="5074291"/>
+            <a:ext cx="1569660" cy="369332"/>
+          </a:xfrm>
+          <a:prstGeom prst="rect">
+            <a:avLst/>
+          </a:prstGeom>
+          <a:noFill/>
+        </p:spPr>
+        <p:txBody>
+          <a:bodyPr wrap="none" rtlCol="0">
+            <a:spAutoFit/>
+          </a:bodyPr>
+          <a:lstStyle/>
+          <a:p>
+            <a:pPr algn="l"/>
+            <a:r>
+              <a:rPr kumimoji="1" lang="ja-JP" altLang="en-US" dirty="0">
+                <a:latin typeface="メイリオ" panose="020B0604030504040204" pitchFamily="50" charset="-128"/>
+                <a:ea typeface="メイリオ" panose="020B0604030504040204" pitchFamily="50" charset="-128"/>
+              </a:rPr>
+              <a:t>命令＋データ</a:t>
+            </a:r>
+          </a:p>
+        </p:txBody>
+      </p:sp>
+      <p:sp>
+        <p:nvSpPr>
+          <p:cNvPr id="34" name="テキスト ボックス 33">
+            <a:extLst>
+              <a:ext uri="{FF2B5EF4-FFF2-40B4-BE49-F238E27FC236}">
+                <a16:creationId xmlns:a16="http://schemas.microsoft.com/office/drawing/2014/main" id="{6EC3B9D4-5307-C2C3-AF4E-6C87AD44E101}"/>
+              </a:ext>
+            </a:extLst>
+          </p:cNvPr>
+          <p:cNvSpPr txBox="1"/>
+          <p:nvPr/>
+        </p:nvSpPr>
+        <p:spPr>
+          <a:xfrm>
+            <a:off x="5717505" y="5123293"/>
+            <a:ext cx="1107996" cy="369332"/>
+          </a:xfrm>
+          <a:prstGeom prst="rect">
+            <a:avLst/>
+          </a:prstGeom>
+          <a:noFill/>
+        </p:spPr>
+        <p:txBody>
+          <a:bodyPr wrap="none" rtlCol="0">
+            <a:spAutoFit/>
+          </a:bodyPr>
+          <a:lstStyle/>
+          <a:p>
+            <a:pPr algn="l"/>
+            <a:r>
+              <a:rPr kumimoji="1" lang="ja-JP" altLang="en-US" dirty="0">
+                <a:latin typeface="メイリオ" panose="020B0604030504040204" pitchFamily="50" charset="-128"/>
+                <a:ea typeface="メイリオ" panose="020B0604030504040204" pitchFamily="50" charset="-128"/>
+              </a:rPr>
+              <a:t>処理結果</a:t>
+            </a:r>
+          </a:p>
+        </p:txBody>
+      </p:sp>
+      <p:sp>
+        <p:nvSpPr>
+          <p:cNvPr id="35" name="テキスト ボックス 34">
+            <a:extLst>
+              <a:ext uri="{FF2B5EF4-FFF2-40B4-BE49-F238E27FC236}">
+                <a16:creationId xmlns:a16="http://schemas.microsoft.com/office/drawing/2014/main" id="{837E3D36-0033-68BD-6829-2651DADF9A7E}"/>
+              </a:ext>
+            </a:extLst>
+          </p:cNvPr>
+          <p:cNvSpPr txBox="1"/>
+          <p:nvPr/>
+        </p:nvSpPr>
+        <p:spPr>
+          <a:xfrm>
+            <a:off x="19302" y="1728572"/>
+            <a:ext cx="4544834" cy="1938992"/>
+          </a:xfrm>
+          <a:prstGeom prst="rect">
+            <a:avLst/>
+          </a:prstGeom>
+          <a:noFill/>
+        </p:spPr>
+        <p:txBody>
+          <a:bodyPr wrap="none" rtlCol="0">
+            <a:spAutoFit/>
+          </a:bodyPr>
+          <a:lstStyle/>
+          <a:p>
+            <a:pPr algn="l"/>
+            <a:r>
+              <a:rPr kumimoji="1" lang="ja-JP" altLang="en-US" sz="2000" b="1" dirty="0">
+                <a:latin typeface="メイリオ" panose="020B0604030504040204" pitchFamily="50" charset="-128"/>
+                <a:ea typeface="メイリオ" panose="020B0604030504040204" pitchFamily="50" charset="-128"/>
+              </a:rPr>
+              <a:t>内部メモリーの特徴</a:t>
+            </a:r>
+            <a:endParaRPr kumimoji="1" lang="en-US" altLang="ja-JP" sz="2000" b="1" dirty="0">
+              <a:latin typeface="メイリオ" panose="020B0604030504040204" pitchFamily="50" charset="-128"/>
+              <a:ea typeface="メイリオ" panose="020B0604030504040204" pitchFamily="50" charset="-128"/>
+            </a:endParaRPr>
+          </a:p>
+          <a:p>
+            <a:pPr algn="l"/>
+            <a:r>
+              <a:rPr kumimoji="1" lang="ja-JP" altLang="en-US" sz="2000" dirty="0">
+                <a:latin typeface="メイリオ" panose="020B0604030504040204" pitchFamily="50" charset="-128"/>
+                <a:ea typeface="メイリオ" panose="020B0604030504040204" pitchFamily="50" charset="-128"/>
+              </a:rPr>
+              <a:t>　・スイッチを切るとデータは消える</a:t>
+            </a:r>
+            <a:endParaRPr kumimoji="1" lang="en-US" altLang="ja-JP" sz="2000" dirty="0">
+              <a:latin typeface="メイリオ" panose="020B0604030504040204" pitchFamily="50" charset="-128"/>
+              <a:ea typeface="メイリオ" panose="020B0604030504040204" pitchFamily="50" charset="-128"/>
+            </a:endParaRPr>
+          </a:p>
+          <a:p>
+            <a:pPr algn="l"/>
+            <a:r>
+              <a:rPr kumimoji="1" lang="ja-JP" altLang="en-US" sz="2000" dirty="0">
+                <a:latin typeface="メイリオ" panose="020B0604030504040204" pitchFamily="50" charset="-128"/>
+                <a:ea typeface="メイリオ" panose="020B0604030504040204" pitchFamily="50" charset="-128"/>
+              </a:rPr>
+              <a:t>　・容量は大きくはない</a:t>
+            </a:r>
+            <a:endParaRPr kumimoji="1" lang="en-US" altLang="ja-JP" sz="2000" dirty="0">
+              <a:latin typeface="メイリオ" panose="020B0604030504040204" pitchFamily="50" charset="-128"/>
+              <a:ea typeface="メイリオ" panose="020B0604030504040204" pitchFamily="50" charset="-128"/>
+            </a:endParaRPr>
+          </a:p>
+          <a:p>
+            <a:pPr algn="l"/>
+            <a:r>
+              <a:rPr kumimoji="1" lang="ja-JP" altLang="en-US" sz="2000" b="1" dirty="0">
+                <a:latin typeface="メイリオ" panose="020B0604030504040204" pitchFamily="50" charset="-128"/>
+                <a:ea typeface="メイリオ" panose="020B0604030504040204" pitchFamily="50" charset="-128"/>
+              </a:rPr>
+              <a:t>外部メモリーの特徴</a:t>
+            </a:r>
+            <a:endParaRPr kumimoji="1" lang="en-US" altLang="ja-JP" sz="2000" b="1" dirty="0">
+              <a:latin typeface="メイリオ" panose="020B0604030504040204" pitchFamily="50" charset="-128"/>
+              <a:ea typeface="メイリオ" panose="020B0604030504040204" pitchFamily="50" charset="-128"/>
+            </a:endParaRPr>
+          </a:p>
+          <a:p>
+            <a:pPr algn="l"/>
+            <a:r>
+              <a:rPr kumimoji="1" lang="ja-JP" altLang="en-US" sz="2000" dirty="0">
+                <a:latin typeface="メイリオ" panose="020B0604030504040204" pitchFamily="50" charset="-128"/>
+                <a:ea typeface="メイリオ" panose="020B0604030504040204" pitchFamily="50" charset="-128"/>
+              </a:rPr>
+              <a:t>　・スイッチを切ってもデータを保存</a:t>
+            </a:r>
+            <a:endParaRPr kumimoji="1" lang="en-US" altLang="ja-JP" sz="2000" dirty="0">
+              <a:latin typeface="メイリオ" panose="020B0604030504040204" pitchFamily="50" charset="-128"/>
+              <a:ea typeface="メイリオ" panose="020B0604030504040204" pitchFamily="50" charset="-128"/>
+            </a:endParaRPr>
+          </a:p>
+          <a:p>
+            <a:pPr algn="l"/>
+            <a:r>
+              <a:rPr kumimoji="1" lang="ja-JP" altLang="en-US" sz="2000" dirty="0">
+                <a:latin typeface="メイリオ" panose="020B0604030504040204" pitchFamily="50" charset="-128"/>
+                <a:ea typeface="メイリオ" panose="020B0604030504040204" pitchFamily="50" charset="-128"/>
+              </a:rPr>
+              <a:t>　・大容量</a:t>
+            </a:r>
+          </a:p>
+        </p:txBody>
+      </p:sp>
+      <p:sp>
+        <p:nvSpPr>
+          <p:cNvPr id="40" name="矢印: 下 39">
+            <a:extLst>
+              <a:ext uri="{FF2B5EF4-FFF2-40B4-BE49-F238E27FC236}">
+                <a16:creationId xmlns:a16="http://schemas.microsoft.com/office/drawing/2014/main" id="{BAF13B58-1F80-4463-001E-96F28D2A1E46}"/>
+              </a:ext>
+            </a:extLst>
+          </p:cNvPr>
+          <p:cNvSpPr/>
+          <p:nvPr/>
+        </p:nvSpPr>
+        <p:spPr>
+          <a:xfrm>
+            <a:off x="8296295" y="2649067"/>
+            <a:ext cx="865079" cy="1121464"/>
+          </a:xfrm>
+          <a:prstGeom prst="downArrow">
+            <a:avLst>
+              <a:gd name="adj1" fmla="val 47775"/>
+              <a:gd name="adj2" fmla="val 39881"/>
+            </a:avLst>
+          </a:prstGeom>
+          <a:solidFill>
+            <a:srgbClr val="4472C4">
+              <a:alpha val="60000"/>
+            </a:srgbClr>
+          </a:solidFill>
+          <a:ln>
+            <a:noFill/>
+          </a:ln>
+        </p:spPr>
+        <p:style>
+          <a:lnRef idx="2">
+            <a:schemeClr val="accent1">
+              <a:shade val="15000"/>
+            </a:schemeClr>
+          </a:lnRef>
+          <a:fillRef idx="1">
+            <a:schemeClr val="accent1"/>
+          </a:fillRef>
+          <a:effectRef idx="0">
+            <a:schemeClr val="accent1"/>
+          </a:effectRef>
+          <a:fontRef idx="minor">
+            <a:schemeClr val="lt1"/>
+          </a:fontRef>
+        </p:style>
+        <p:txBody>
+          <a:bodyPr rtlCol="0" anchor="ctr"/>
+          <a:lstStyle/>
+          <a:p>
+            <a:pPr algn="ctr"/>
+            <a:endParaRPr kumimoji="1" lang="ja-JP" altLang="en-US"/>
+          </a:p>
+        </p:txBody>
+      </p:sp>
+      <p:sp>
+        <p:nvSpPr>
+          <p:cNvPr id="41" name="正方形/長方形 40">
+            <a:extLst>
+              <a:ext uri="{FF2B5EF4-FFF2-40B4-BE49-F238E27FC236}">
+                <a16:creationId xmlns:a16="http://schemas.microsoft.com/office/drawing/2014/main" id="{D754EA49-D2F4-5149-4003-216CB888614F}"/>
+              </a:ext>
+            </a:extLst>
+          </p:cNvPr>
+          <p:cNvSpPr/>
+          <p:nvPr/>
+        </p:nvSpPr>
+        <p:spPr>
+          <a:xfrm>
+            <a:off x="4875178" y="4011420"/>
+            <a:ext cx="5001546" cy="546537"/>
+          </a:xfrm>
+          <a:prstGeom prst="rect">
+            <a:avLst/>
+          </a:prstGeom>
+          <a:noFill/>
+        </p:spPr>
+        <p:style>
+          <a:lnRef idx="2">
+            <a:schemeClr val="accent1">
+              <a:shade val="15000"/>
+            </a:schemeClr>
+          </a:lnRef>
+          <a:fillRef idx="1">
+            <a:schemeClr val="accent1"/>
+          </a:fillRef>
+          <a:effectRef idx="0">
+            <a:schemeClr val="accent1"/>
+          </a:effectRef>
+          <a:fontRef idx="minor">
+            <a:schemeClr val="lt1"/>
+          </a:fontRef>
+        </p:style>
+        <p:txBody>
+          <a:bodyPr rtlCol="0" anchor="ctr"/>
+          <a:lstStyle/>
+          <a:p>
+            <a:pPr algn="ctr"/>
+            <a:endParaRPr kumimoji="1" lang="ja-JP" altLang="en-US" dirty="0">
+              <a:solidFill>
+                <a:schemeClr val="tx1"/>
+              </a:solidFill>
+            </a:endParaRPr>
+          </a:p>
+        </p:txBody>
+      </p:sp>
+      <p:sp>
+        <p:nvSpPr>
+          <p:cNvPr id="42" name="正方形/長方形 41">
+            <a:extLst>
+              <a:ext uri="{FF2B5EF4-FFF2-40B4-BE49-F238E27FC236}">
+                <a16:creationId xmlns:a16="http://schemas.microsoft.com/office/drawing/2014/main" id="{B5B3C19F-5123-C31B-F7A3-48B092B4B55C}"/>
+              </a:ext>
+            </a:extLst>
+          </p:cNvPr>
+          <p:cNvSpPr/>
+          <p:nvPr/>
+        </p:nvSpPr>
+        <p:spPr>
+          <a:xfrm>
+            <a:off x="4875178" y="5640490"/>
+            <a:ext cx="5001546" cy="700100"/>
+          </a:xfrm>
+          <a:prstGeom prst="rect">
+            <a:avLst/>
+          </a:prstGeom>
+          <a:noFill/>
+        </p:spPr>
+        <p:style>
+          <a:lnRef idx="2">
+            <a:schemeClr val="accent1">
+              <a:shade val="15000"/>
+            </a:schemeClr>
+          </a:lnRef>
+          <a:fillRef idx="1">
+            <a:schemeClr val="accent1"/>
+          </a:fillRef>
+          <a:effectRef idx="0">
+            <a:schemeClr val="accent1"/>
+          </a:effectRef>
+          <a:fontRef idx="minor">
+            <a:schemeClr val="lt1"/>
+          </a:fontRef>
+        </p:style>
+        <p:txBody>
+          <a:bodyPr rtlCol="0" anchor="ctr"/>
+          <a:lstStyle/>
+          <a:p>
+            <a:pPr algn="ctr"/>
+            <a:endParaRPr kumimoji="1" lang="ja-JP" altLang="en-US" dirty="0">
+              <a:solidFill>
+                <a:schemeClr val="tx1"/>
+              </a:solidFill>
+            </a:endParaRPr>
+          </a:p>
+        </p:txBody>
+      </p:sp>
+      <p:sp>
+        <p:nvSpPr>
+          <p:cNvPr id="44" name="矢印: 下 43">
+            <a:extLst>
+              <a:ext uri="{FF2B5EF4-FFF2-40B4-BE49-F238E27FC236}">
+                <a16:creationId xmlns:a16="http://schemas.microsoft.com/office/drawing/2014/main" id="{BF2DA1D4-1D08-330D-341B-B8B5976BBF51}"/>
+              </a:ext>
+            </a:extLst>
+          </p:cNvPr>
+          <p:cNvSpPr/>
+          <p:nvPr/>
+        </p:nvSpPr>
+        <p:spPr>
+          <a:xfrm flipV="1">
+            <a:off x="5885610" y="4494623"/>
+            <a:ext cx="865079" cy="1121464"/>
+          </a:xfrm>
+          <a:prstGeom prst="downArrow">
+            <a:avLst>
+              <a:gd name="adj1" fmla="val 47775"/>
+              <a:gd name="adj2" fmla="val 39881"/>
+            </a:avLst>
+          </a:prstGeom>
+          <a:solidFill>
+            <a:srgbClr val="4472C4">
+              <a:alpha val="60000"/>
+            </a:srgbClr>
+          </a:solidFill>
+          <a:ln>
+            <a:noFill/>
+          </a:ln>
+        </p:spPr>
+        <p:style>
+          <a:lnRef idx="2">
+            <a:schemeClr val="accent1">
+              <a:shade val="15000"/>
+            </a:schemeClr>
+          </a:lnRef>
+          <a:fillRef idx="1">
+            <a:schemeClr val="accent1"/>
+          </a:fillRef>
+          <a:effectRef idx="0">
+            <a:schemeClr val="accent1"/>
+          </a:effectRef>
+          <a:fontRef idx="minor">
+            <a:schemeClr val="lt1"/>
+          </a:fontRef>
+        </p:style>
+        <p:txBody>
+          <a:bodyPr rtlCol="0" anchor="ctr"/>
+          <a:lstStyle/>
+          <a:p>
+            <a:pPr algn="ctr"/>
+            <a:endParaRPr kumimoji="1" lang="ja-JP" altLang="en-US"/>
+          </a:p>
+        </p:txBody>
+      </p:sp>
+      <p:sp>
+        <p:nvSpPr>
+          <p:cNvPr id="46" name="矢印: 下 45">
+            <a:extLst>
+              <a:ext uri="{FF2B5EF4-FFF2-40B4-BE49-F238E27FC236}">
+                <a16:creationId xmlns:a16="http://schemas.microsoft.com/office/drawing/2014/main" id="{FCD36285-B012-26BF-84F3-C834F7391383}"/>
+              </a:ext>
+            </a:extLst>
+          </p:cNvPr>
+          <p:cNvSpPr/>
+          <p:nvPr/>
+        </p:nvSpPr>
+        <p:spPr>
+          <a:xfrm>
+            <a:off x="8339073" y="4519026"/>
+            <a:ext cx="865079" cy="1121464"/>
+          </a:xfrm>
+          <a:prstGeom prst="downArrow">
+            <a:avLst>
+              <a:gd name="adj1" fmla="val 47775"/>
+              <a:gd name="adj2" fmla="val 39881"/>
+            </a:avLst>
+          </a:prstGeom>
+          <a:solidFill>
+            <a:srgbClr val="4472C4">
+              <a:alpha val="60000"/>
+            </a:srgbClr>
+          </a:solidFill>
+          <a:ln>
+            <a:noFill/>
+          </a:ln>
+        </p:spPr>
+        <p:style>
+          <a:lnRef idx="2">
+            <a:schemeClr val="accent1">
+              <a:shade val="15000"/>
+            </a:schemeClr>
+          </a:lnRef>
+          <a:fillRef idx="1">
+            <a:schemeClr val="accent1"/>
+          </a:fillRef>
+          <a:effectRef idx="0">
+            <a:schemeClr val="accent1"/>
+          </a:effectRef>
+          <a:fontRef idx="minor">
+            <a:schemeClr val="lt1"/>
+          </a:fontRef>
+        </p:style>
+        <p:txBody>
+          <a:bodyPr rtlCol="0" anchor="ctr"/>
+          <a:lstStyle/>
+          <a:p>
+            <a:pPr algn="ctr"/>
+            <a:endParaRPr kumimoji="1" lang="ja-JP" altLang="en-US"/>
+          </a:p>
+        </p:txBody>
+      </p:sp>
+      <p:sp>
+        <p:nvSpPr>
+          <p:cNvPr id="47" name="矢印: 下 46">
+            <a:extLst>
+              <a:ext uri="{FF2B5EF4-FFF2-40B4-BE49-F238E27FC236}">
+                <a16:creationId xmlns:a16="http://schemas.microsoft.com/office/drawing/2014/main" id="{D468B6D4-049C-A52D-A475-27A3664F11BD}"/>
+              </a:ext>
+            </a:extLst>
+          </p:cNvPr>
+          <p:cNvSpPr/>
+          <p:nvPr/>
+        </p:nvSpPr>
+        <p:spPr>
+          <a:xfrm flipV="1">
+            <a:off x="5907580" y="2782836"/>
+            <a:ext cx="865079" cy="1121464"/>
+          </a:xfrm>
+          <a:prstGeom prst="downArrow">
+            <a:avLst>
+              <a:gd name="adj1" fmla="val 47775"/>
+              <a:gd name="adj2" fmla="val 39881"/>
+            </a:avLst>
+          </a:prstGeom>
+          <a:solidFill>
+            <a:srgbClr val="4472C4">
+              <a:alpha val="60000"/>
+            </a:srgbClr>
+          </a:solidFill>
+          <a:ln>
+            <a:noFill/>
+          </a:ln>
+        </p:spPr>
+        <p:style>
+          <a:lnRef idx="2">
+            <a:schemeClr val="accent1">
+              <a:shade val="15000"/>
+            </a:schemeClr>
+          </a:lnRef>
+          <a:fillRef idx="1">
+            <a:schemeClr val="accent1"/>
+          </a:fillRef>
+          <a:effectRef idx="0">
+            <a:schemeClr val="accent1"/>
+          </a:effectRef>
+          <a:fontRef idx="minor">
+            <a:schemeClr val="lt1"/>
+          </a:fontRef>
+        </p:style>
+        <p:txBody>
+          <a:bodyPr rtlCol="0" anchor="ctr"/>
+          <a:lstStyle/>
+          <a:p>
+            <a:pPr algn="ctr"/>
+            <a:endParaRPr kumimoji="1" lang="ja-JP" altLang="en-US"/>
+          </a:p>
+        </p:txBody>
+      </p:sp>
+      <p:pic>
+        <p:nvPicPr>
+          <p:cNvPr id="51" name="図 50">
+            <a:extLst>
+              <a:ext uri="{FF2B5EF4-FFF2-40B4-BE49-F238E27FC236}">
+                <a16:creationId xmlns:a16="http://schemas.microsoft.com/office/drawing/2014/main" id="{F5F0BA15-1167-D824-7F71-36C7B2D7724E}"/>
+              </a:ext>
+            </a:extLst>
+          </p:cNvPr>
+          <p:cNvPicPr>
+            <a:picLocks noChangeAspect="1"/>
+          </p:cNvPicPr>
+          <p:nvPr/>
+        </p:nvPicPr>
+        <p:blipFill>
+          <a:blip r:embed="rId2"/>
+          <a:stretch>
+            <a:fillRect/>
+          </a:stretch>
+        </p:blipFill>
+        <p:spPr>
+          <a:xfrm>
+            <a:off x="1956680" y="4587454"/>
+            <a:ext cx="1236123" cy="1733374"/>
+          </a:xfrm>
+          <a:prstGeom prst="rect">
+            <a:avLst/>
+          </a:prstGeom>
+        </p:spPr>
+      </p:pic>
+      <p:pic>
+        <p:nvPicPr>
+          <p:cNvPr id="52" name="図 51">
+            <a:extLst>
+              <a:ext uri="{FF2B5EF4-FFF2-40B4-BE49-F238E27FC236}">
+                <a16:creationId xmlns:a16="http://schemas.microsoft.com/office/drawing/2014/main" id="{D85089B5-031D-F5E8-8700-1D69712031A8}"/>
+              </a:ext>
+            </a:extLst>
+          </p:cNvPr>
+          <p:cNvPicPr>
+            <a:picLocks noChangeAspect="1"/>
+          </p:cNvPicPr>
+          <p:nvPr/>
+        </p:nvPicPr>
+        <p:blipFill>
+          <a:blip r:embed="rId2"/>
+          <a:stretch>
+            <a:fillRect/>
+          </a:stretch>
+        </p:blipFill>
+        <p:spPr>
+          <a:xfrm>
+            <a:off x="2109080" y="4739854"/>
+            <a:ext cx="1236123" cy="1733374"/>
+          </a:xfrm>
+          <a:prstGeom prst="rect">
+            <a:avLst/>
+          </a:prstGeom>
+        </p:spPr>
+      </p:pic>
+      <p:sp>
+        <p:nvSpPr>
+          <p:cNvPr id="54" name="正方形/長方形 53">
+            <a:extLst>
+              <a:ext uri="{FF2B5EF4-FFF2-40B4-BE49-F238E27FC236}">
+                <a16:creationId xmlns:a16="http://schemas.microsoft.com/office/drawing/2014/main" id="{A0CA4F56-294A-4AE4-0A59-454B463F22A6}"/>
+              </a:ext>
+            </a:extLst>
+          </p:cNvPr>
+          <p:cNvSpPr/>
+          <p:nvPr/>
+        </p:nvSpPr>
+        <p:spPr>
+          <a:xfrm>
+            <a:off x="1090844" y="4419389"/>
+            <a:ext cx="2675460" cy="2284213"/>
+          </a:xfrm>
+          <a:prstGeom prst="rect">
+            <a:avLst/>
+          </a:prstGeom>
+          <a:noFill/>
+        </p:spPr>
+        <p:style>
+          <a:lnRef idx="2">
+            <a:schemeClr val="accent1">
+              <a:shade val="15000"/>
+            </a:schemeClr>
+          </a:lnRef>
+          <a:fillRef idx="1">
+            <a:schemeClr val="accent1"/>
+          </a:fillRef>
+          <a:effectRef idx="0">
+            <a:schemeClr val="accent1"/>
+          </a:effectRef>
+          <a:fontRef idx="minor">
+            <a:schemeClr val="lt1"/>
+          </a:fontRef>
+        </p:style>
+        <p:txBody>
+          <a:bodyPr rtlCol="0" anchor="ctr"/>
+          <a:lstStyle/>
+          <a:p>
+            <a:pPr algn="ctr"/>
+            <a:endParaRPr kumimoji="1" lang="ja-JP" altLang="en-US" dirty="0">
+              <a:solidFill>
+                <a:schemeClr val="tx1"/>
+              </a:solidFill>
+            </a:endParaRPr>
+          </a:p>
+        </p:txBody>
+      </p:sp>
+      <p:sp>
+        <p:nvSpPr>
+          <p:cNvPr id="6" name="テキスト ボックス 5">
+            <a:extLst>
+              <a:ext uri="{FF2B5EF4-FFF2-40B4-BE49-F238E27FC236}">
+                <a16:creationId xmlns:a16="http://schemas.microsoft.com/office/drawing/2014/main" id="{96711A33-55D5-4332-B0B0-3C6D62CF11BF}"/>
+              </a:ext>
+            </a:extLst>
+          </p:cNvPr>
+          <p:cNvSpPr txBox="1"/>
+          <p:nvPr/>
+        </p:nvSpPr>
+        <p:spPr>
+          <a:xfrm>
+            <a:off x="1330275" y="4496916"/>
+            <a:ext cx="1789830" cy="400110"/>
+          </a:xfrm>
+          <a:prstGeom prst="rect">
+            <a:avLst/>
+          </a:prstGeom>
+          <a:solidFill>
+            <a:schemeClr val="bg1"/>
+          </a:solidFill>
+        </p:spPr>
+        <p:txBody>
+          <a:bodyPr wrap="square" rtlCol="0">
+            <a:spAutoFit/>
+          </a:bodyPr>
+          <a:lstStyle/>
+          <a:p>
+            <a:pPr algn="l"/>
+            <a:r>
+              <a:rPr kumimoji="1" lang="ja-JP" altLang="en-US" sz="2000" dirty="0">
+                <a:latin typeface="メイリオ" panose="020B0604030504040204" pitchFamily="50" charset="-128"/>
+                <a:ea typeface="メイリオ" panose="020B0604030504040204" pitchFamily="50" charset="-128"/>
+              </a:rPr>
+              <a:t>外部メモリ</a:t>
+            </a:r>
+          </a:p>
+        </p:txBody>
+      </p:sp>
+      <p:sp>
+        <p:nvSpPr>
+          <p:cNvPr id="55" name="テキスト ボックス 54">
+            <a:extLst>
+              <a:ext uri="{FF2B5EF4-FFF2-40B4-BE49-F238E27FC236}">
+                <a16:creationId xmlns:a16="http://schemas.microsoft.com/office/drawing/2014/main" id="{417B1263-61CB-59FC-2A07-01CF87F783E0}"/>
+              </a:ext>
+            </a:extLst>
+          </p:cNvPr>
+          <p:cNvSpPr txBox="1"/>
+          <p:nvPr/>
+        </p:nvSpPr>
+        <p:spPr>
+          <a:xfrm>
+            <a:off x="7627866" y="2167828"/>
+            <a:ext cx="3716082" cy="461665"/>
+          </a:xfrm>
+          <a:prstGeom prst="rect">
+            <a:avLst/>
+          </a:prstGeom>
+          <a:noFill/>
+        </p:spPr>
+        <p:txBody>
+          <a:bodyPr wrap="none" rtlCol="0">
+            <a:spAutoFit/>
+          </a:bodyPr>
+          <a:lstStyle/>
+          <a:p>
+            <a:pPr algn="l"/>
+            <a:r>
               <a:rPr kumimoji="1" lang="ja-JP" altLang="en-US" sz="2400" dirty="0">
                 <a:latin typeface="メイリオ" panose="020B0604030504040204" pitchFamily="50" charset="-128"/>
                 <a:ea typeface="メイリオ" panose="020B0604030504040204" pitchFamily="50" charset="-128"/>
               </a:rPr>
-              <a:t>メモ</a:t>
+              <a:t>読み込み</a:t>
+            </a:r>
+            <a:r>
+              <a:rPr kumimoji="1" lang="en-US" altLang="ja-JP" sz="2400" dirty="0">
+                <a:latin typeface="メイリオ" panose="020B0604030504040204" pitchFamily="50" charset="-128"/>
+                <a:ea typeface="メイリオ" panose="020B0604030504040204" pitchFamily="50" charset="-128"/>
+              </a:rPr>
+              <a:t>(</a:t>
+            </a:r>
+            <a:r>
+              <a:rPr kumimoji="1" lang="ja-JP" altLang="en-US" sz="2400" dirty="0">
+                <a:latin typeface="メイリオ" panose="020B0604030504040204" pitchFamily="50" charset="-128"/>
+                <a:ea typeface="メイリオ" panose="020B0604030504040204" pitchFamily="50" charset="-128"/>
+              </a:rPr>
+              <a:t>ファイル</a:t>
+            </a:r>
+            <a:r>
+              <a:rPr kumimoji="1" lang="en-US" altLang="ja-JP" sz="2400" dirty="0">
+                <a:latin typeface="メイリオ" panose="020B0604030504040204" pitchFamily="50" charset="-128"/>
+                <a:ea typeface="メイリオ" panose="020B0604030504040204" pitchFamily="50" charset="-128"/>
+              </a:rPr>
+              <a:t>A.csv)</a:t>
+            </a:r>
+            <a:endParaRPr kumimoji="1" lang="ja-JP" altLang="en-US" sz="2400" dirty="0">
+              <a:latin typeface="メイリオ" panose="020B0604030504040204" pitchFamily="50" charset="-128"/>
+              <a:ea typeface="メイリオ" panose="020B0604030504040204" pitchFamily="50" charset="-128"/>
+            </a:endParaRPr>
+          </a:p>
+        </p:txBody>
+      </p:sp>
+      <p:sp>
+        <p:nvSpPr>
+          <p:cNvPr id="56" name="テキスト ボックス 55">
+            <a:extLst>
+              <a:ext uri="{FF2B5EF4-FFF2-40B4-BE49-F238E27FC236}">
+                <a16:creationId xmlns:a16="http://schemas.microsoft.com/office/drawing/2014/main" id="{3EE10FDF-97AF-ABE8-C0AC-CEEE4F64285B}"/>
+              </a:ext>
+            </a:extLst>
+          </p:cNvPr>
+          <p:cNvSpPr txBox="1"/>
+          <p:nvPr/>
+        </p:nvSpPr>
+        <p:spPr>
+          <a:xfrm>
+            <a:off x="4763184" y="2167828"/>
+            <a:ext cx="2997937" cy="461665"/>
+          </a:xfrm>
+          <a:prstGeom prst="rect">
+            <a:avLst/>
+          </a:prstGeom>
+          <a:noFill/>
+        </p:spPr>
+        <p:txBody>
+          <a:bodyPr wrap="none" rtlCol="0">
+            <a:spAutoFit/>
+          </a:bodyPr>
+          <a:lstStyle/>
+          <a:p>
+            <a:pPr algn="l"/>
+            <a:r>
+              <a:rPr kumimoji="1" lang="ja-JP" altLang="en-US" sz="2400" dirty="0">
+                <a:latin typeface="メイリオ" panose="020B0604030504040204" pitchFamily="50" charset="-128"/>
+                <a:ea typeface="メイリオ" panose="020B0604030504040204" pitchFamily="50" charset="-128"/>
+              </a:rPr>
+              <a:t>読み込みデータ名 </a:t>
+            </a:r>
+            <a:r>
+              <a:rPr kumimoji="1" lang="en-US" altLang="ja-JP" sz="2400" dirty="0">
+                <a:latin typeface="メイリオ" panose="020B0604030504040204" pitchFamily="50" charset="-128"/>
+                <a:ea typeface="メイリオ" panose="020B0604030504040204" pitchFamily="50" charset="-128"/>
+              </a:rPr>
+              <a:t>=</a:t>
+            </a:r>
+            <a:endParaRPr kumimoji="1" lang="ja-JP" altLang="en-US" sz="2400" dirty="0">
+              <a:latin typeface="メイリオ" panose="020B0604030504040204" pitchFamily="50" charset="-128"/>
+              <a:ea typeface="メイリオ" panose="020B0604030504040204" pitchFamily="50" charset="-128"/>
+            </a:endParaRPr>
+          </a:p>
+        </p:txBody>
+      </p:sp>
+      <p:sp>
+        <p:nvSpPr>
+          <p:cNvPr id="57" name="テキスト ボックス 56">
+            <a:extLst>
+              <a:ext uri="{FF2B5EF4-FFF2-40B4-BE49-F238E27FC236}">
+                <a16:creationId xmlns:a16="http://schemas.microsoft.com/office/drawing/2014/main" id="{7BFA105A-1D50-257A-51E3-3CB30F6CD2FA}"/>
+              </a:ext>
+            </a:extLst>
+          </p:cNvPr>
+          <p:cNvSpPr txBox="1"/>
+          <p:nvPr/>
+        </p:nvSpPr>
+        <p:spPr>
+          <a:xfrm>
+            <a:off x="1934079" y="5745497"/>
+            <a:ext cx="1707519" cy="369332"/>
+          </a:xfrm>
+          <a:prstGeom prst="rect">
+            <a:avLst/>
+          </a:prstGeom>
+          <a:noFill/>
+        </p:spPr>
+        <p:txBody>
+          <a:bodyPr wrap="none" rtlCol="0">
+            <a:spAutoFit/>
+          </a:bodyPr>
+          <a:lstStyle/>
+          <a:p>
+            <a:pPr algn="l"/>
+            <a:r>
+              <a:rPr kumimoji="1" lang="ja-JP" altLang="en-US" dirty="0">
+                <a:latin typeface="メイリオ" panose="020B0604030504040204" pitchFamily="50" charset="-128"/>
+                <a:ea typeface="メイリオ" panose="020B0604030504040204" pitchFamily="50" charset="-128"/>
+              </a:rPr>
+              <a:t>ファイル</a:t>
+            </a:r>
+            <a:r>
+              <a:rPr kumimoji="1" lang="en-US" altLang="ja-JP" dirty="0">
+                <a:latin typeface="メイリオ" panose="020B0604030504040204" pitchFamily="50" charset="-128"/>
+                <a:ea typeface="メイリオ" panose="020B0604030504040204" pitchFamily="50" charset="-128"/>
+              </a:rPr>
+              <a:t>A.csv</a:t>
+            </a:r>
+            <a:endParaRPr kumimoji="1" lang="ja-JP" altLang="en-US" dirty="0">
+              <a:latin typeface="メイリオ" panose="020B0604030504040204" pitchFamily="50" charset="-128"/>
+              <a:ea typeface="メイリオ" panose="020B0604030504040204" pitchFamily="50" charset="-128"/>
+            </a:endParaRPr>
+          </a:p>
+        </p:txBody>
+      </p:sp>
+      <p:sp>
+        <p:nvSpPr>
+          <p:cNvPr id="58" name="テキスト ボックス 57">
+            <a:extLst>
+              <a:ext uri="{FF2B5EF4-FFF2-40B4-BE49-F238E27FC236}">
+                <a16:creationId xmlns:a16="http://schemas.microsoft.com/office/drawing/2014/main" id="{F1D3AE07-8463-41EA-E0EE-8C86B84DA952}"/>
+              </a:ext>
+            </a:extLst>
+          </p:cNvPr>
+          <p:cNvSpPr txBox="1"/>
+          <p:nvPr/>
+        </p:nvSpPr>
+        <p:spPr>
+          <a:xfrm>
+            <a:off x="7761121" y="4763154"/>
+            <a:ext cx="2492990" cy="369332"/>
+          </a:xfrm>
+          <a:prstGeom prst="rect">
+            <a:avLst/>
+          </a:prstGeom>
+          <a:noFill/>
+        </p:spPr>
+        <p:txBody>
+          <a:bodyPr wrap="none" rtlCol="0">
+            <a:spAutoFit/>
+          </a:bodyPr>
+          <a:lstStyle/>
+          <a:p>
+            <a:pPr algn="l"/>
+            <a:r>
+              <a:rPr kumimoji="1" lang="ja-JP" altLang="en-US" dirty="0">
+                <a:latin typeface="メイリオ" panose="020B0604030504040204" pitchFamily="50" charset="-128"/>
+                <a:ea typeface="メイリオ" panose="020B0604030504040204" pitchFamily="50" charset="-128"/>
+              </a:rPr>
+              <a:t>ファイル読み込み命令</a:t>
+            </a:r>
+          </a:p>
+        </p:txBody>
+      </p:sp>
+      <p:sp>
+        <p:nvSpPr>
+          <p:cNvPr id="59" name="テキスト ボックス 58">
+            <a:extLst>
+              <a:ext uri="{FF2B5EF4-FFF2-40B4-BE49-F238E27FC236}">
+                <a16:creationId xmlns:a16="http://schemas.microsoft.com/office/drawing/2014/main" id="{29967978-FE69-9BB9-1F58-840A9C8E96F8}"/>
+              </a:ext>
+            </a:extLst>
+          </p:cNvPr>
+          <p:cNvSpPr txBox="1"/>
+          <p:nvPr/>
+        </p:nvSpPr>
+        <p:spPr>
+          <a:xfrm>
+            <a:off x="5373522" y="4837294"/>
+            <a:ext cx="1800493" cy="369332"/>
+          </a:xfrm>
+          <a:prstGeom prst="rect">
+            <a:avLst/>
+          </a:prstGeom>
+          <a:noFill/>
+        </p:spPr>
+        <p:txBody>
+          <a:bodyPr wrap="none" rtlCol="0">
+            <a:spAutoFit/>
+          </a:bodyPr>
+          <a:lstStyle/>
+          <a:p>
+            <a:pPr algn="l"/>
+            <a:r>
+              <a:rPr kumimoji="1" lang="ja-JP" altLang="en-US" dirty="0">
+                <a:latin typeface="メイリオ" panose="020B0604030504040204" pitchFamily="50" charset="-128"/>
+                <a:ea typeface="メイリオ" panose="020B0604030504040204" pitchFamily="50" charset="-128"/>
+              </a:rPr>
+              <a:t>読み込みデータ</a:t>
+            </a:r>
+          </a:p>
+        </p:txBody>
+      </p:sp>
+      <p:pic>
+        <p:nvPicPr>
+          <p:cNvPr id="2050" name="Picture 2" descr="SSDとHDDの違いとは？速度・容量・体感を詳しく比較！ | パソコンファーム">
+            <a:extLst>
+              <a:ext uri="{FF2B5EF4-FFF2-40B4-BE49-F238E27FC236}">
+                <a16:creationId xmlns:a16="http://schemas.microsoft.com/office/drawing/2014/main" id="{761C8579-B098-420E-F4B6-9ECD395A2947}"/>
+              </a:ext>
+            </a:extLst>
+          </p:cNvPr>
+          <p:cNvPicPr>
+            <a:picLocks noChangeAspect="1" noChangeArrowheads="1"/>
+          </p:cNvPicPr>
+          <p:nvPr/>
+        </p:nvPicPr>
+        <p:blipFill>
+          <a:blip r:embed="rId6">
+            <a:extLst>
+              <a:ext uri="{28A0092B-C50C-407E-A947-70E740481C1C}">
+                <a14:useLocalDpi xmlns:a14="http://schemas.microsoft.com/office/drawing/2010/main" val="0"/>
+              </a:ext>
+            </a:extLst>
+          </a:blip>
+          <a:srcRect/>
+          <a:stretch>
+            <a:fillRect/>
+          </a:stretch>
+        </p:blipFill>
+        <p:spPr bwMode="auto">
+          <a:xfrm>
+            <a:off x="-28487" y="5123293"/>
+            <a:ext cx="1614052" cy="1204331"/>
+          </a:xfrm>
+          <a:prstGeom prst="rect">
+            <a:avLst/>
+          </a:prstGeom>
+          <a:noFill/>
+          <a:extLst>
+            <a:ext uri="{909E8E84-426E-40DD-AFC4-6F175D3DCCD1}">
+              <a14:hiddenFill xmlns:a14="http://schemas.microsoft.com/office/drawing/2010/main">
+                <a:solidFill>
+                  <a:srgbClr val="FFFFFF"/>
+                </a:solidFill>
+              </a14:hiddenFill>
+            </a:ext>
+          </a:extLst>
+        </p:spPr>
+      </p:pic>
+      <p:sp>
+        <p:nvSpPr>
+          <p:cNvPr id="60" name="左中かっこ 59">
+            <a:extLst>
+              <a:ext uri="{FF2B5EF4-FFF2-40B4-BE49-F238E27FC236}">
+                <a16:creationId xmlns:a16="http://schemas.microsoft.com/office/drawing/2014/main" id="{7669673E-77D8-9C3B-5283-7A87B663C486}"/>
+              </a:ext>
+            </a:extLst>
+          </p:cNvPr>
+          <p:cNvSpPr/>
+          <p:nvPr/>
+        </p:nvSpPr>
+        <p:spPr>
+          <a:xfrm rot="5400000">
+            <a:off x="9945603" y="1057504"/>
+            <a:ext cx="293962" cy="1926686"/>
+          </a:xfrm>
+          <a:prstGeom prst="leftBrace">
+            <a:avLst/>
+          </a:prstGeom>
+        </p:spPr>
+        <p:style>
+          <a:lnRef idx="1">
+            <a:schemeClr val="accent1"/>
+          </a:lnRef>
+          <a:fillRef idx="0">
+            <a:schemeClr val="accent1"/>
+          </a:fillRef>
+          <a:effectRef idx="0">
+            <a:schemeClr val="accent1"/>
+          </a:effectRef>
+          <a:fontRef idx="minor">
+            <a:schemeClr val="tx1"/>
+          </a:fontRef>
+        </p:style>
+        <p:txBody>
+          <a:bodyPr rtlCol="0" anchor="ctr"/>
+          <a:lstStyle/>
+          <a:p>
+            <a:pPr algn="ctr"/>
+            <a:endParaRPr kumimoji="1" lang="ja-JP" altLang="en-US"/>
+          </a:p>
+        </p:txBody>
+      </p:sp>
+      <p:sp>
+        <p:nvSpPr>
+          <p:cNvPr id="61" name="テキスト ボックス 60">
+            <a:extLst>
+              <a:ext uri="{FF2B5EF4-FFF2-40B4-BE49-F238E27FC236}">
+                <a16:creationId xmlns:a16="http://schemas.microsoft.com/office/drawing/2014/main" id="{B30F4EB7-270C-C064-2E93-416C30B6A5DC}"/>
+              </a:ext>
+            </a:extLst>
+          </p:cNvPr>
+          <p:cNvSpPr txBox="1"/>
+          <p:nvPr/>
+        </p:nvSpPr>
+        <p:spPr>
+          <a:xfrm>
+            <a:off x="8923033" y="1389414"/>
+            <a:ext cx="2339102" cy="461665"/>
+          </a:xfrm>
+          <a:prstGeom prst="rect">
+            <a:avLst/>
+          </a:prstGeom>
+          <a:noFill/>
+        </p:spPr>
+        <p:txBody>
+          <a:bodyPr wrap="none" rtlCol="0">
+            <a:spAutoFit/>
+          </a:bodyPr>
+          <a:lstStyle/>
+          <a:p>
+            <a:pPr algn="l"/>
+            <a:r>
+              <a:rPr kumimoji="1" lang="ja-JP" altLang="en-US" sz="2400" dirty="0">
+                <a:latin typeface="メイリオ" panose="020B0604030504040204" pitchFamily="50" charset="-128"/>
+                <a:ea typeface="メイリオ" panose="020B0604030504040204" pitchFamily="50" charset="-128"/>
+              </a:rPr>
+              <a:t>物理ファイル名</a:t>
+            </a:r>
+          </a:p>
+        </p:txBody>
+      </p:sp>
+      <p:sp>
+        <p:nvSpPr>
+          <p:cNvPr id="62" name="吹き出し: 四角形 61">
+            <a:extLst>
+              <a:ext uri="{FF2B5EF4-FFF2-40B4-BE49-F238E27FC236}">
+                <a16:creationId xmlns:a16="http://schemas.microsoft.com/office/drawing/2014/main" id="{4FF1E119-7391-E8C8-82CA-90C07FE7D740}"/>
+              </a:ext>
+            </a:extLst>
+          </p:cNvPr>
+          <p:cNvSpPr/>
+          <p:nvPr/>
+        </p:nvSpPr>
+        <p:spPr>
+          <a:xfrm>
+            <a:off x="10529494" y="2167828"/>
+            <a:ext cx="659437" cy="481239"/>
+          </a:xfrm>
+          <a:prstGeom prst="wedgeRectCallout">
+            <a:avLst>
+              <a:gd name="adj1" fmla="val -14530"/>
+              <a:gd name="adj2" fmla="val 91865"/>
+            </a:avLst>
+          </a:prstGeom>
+          <a:noFill/>
+        </p:spPr>
+        <p:style>
+          <a:lnRef idx="2">
+            <a:schemeClr val="accent1">
+              <a:shade val="15000"/>
+            </a:schemeClr>
+          </a:lnRef>
+          <a:fillRef idx="1">
+            <a:schemeClr val="accent1"/>
+          </a:fillRef>
+          <a:effectRef idx="0">
+            <a:schemeClr val="accent1"/>
+          </a:effectRef>
+          <a:fontRef idx="minor">
+            <a:schemeClr val="lt1"/>
+          </a:fontRef>
+        </p:style>
+        <p:txBody>
+          <a:bodyPr rtlCol="0" anchor="ctr"/>
+          <a:lstStyle/>
+          <a:p>
+            <a:pPr algn="ctr"/>
+            <a:endParaRPr kumimoji="1" lang="ja-JP" altLang="en-US"/>
+          </a:p>
+        </p:txBody>
+      </p:sp>
+      <p:sp>
+        <p:nvSpPr>
+          <p:cNvPr id="63" name="テキスト ボックス 62">
+            <a:extLst>
+              <a:ext uri="{FF2B5EF4-FFF2-40B4-BE49-F238E27FC236}">
+                <a16:creationId xmlns:a16="http://schemas.microsoft.com/office/drawing/2014/main" id="{8DC46C2F-C30D-C53C-11F2-F77A66338B88}"/>
+              </a:ext>
+            </a:extLst>
+          </p:cNvPr>
+          <p:cNvSpPr txBox="1"/>
+          <p:nvPr/>
+        </p:nvSpPr>
+        <p:spPr>
+          <a:xfrm>
+            <a:off x="10355128" y="2873878"/>
+            <a:ext cx="1107996" cy="461665"/>
+          </a:xfrm>
+          <a:prstGeom prst="rect">
+            <a:avLst/>
+          </a:prstGeom>
+          <a:noFill/>
+        </p:spPr>
+        <p:txBody>
+          <a:bodyPr wrap="none" rtlCol="0">
+            <a:spAutoFit/>
+          </a:bodyPr>
+          <a:lstStyle/>
+          <a:p>
+            <a:pPr algn="l"/>
+            <a:r>
+              <a:rPr kumimoji="1" lang="ja-JP" altLang="en-US" sz="2400" dirty="0">
+                <a:latin typeface="メイリオ" panose="020B0604030504040204" pitchFamily="50" charset="-128"/>
+                <a:ea typeface="メイリオ" panose="020B0604030504040204" pitchFamily="50" charset="-128"/>
+              </a:rPr>
+              <a:t>拡張子</a:t>
+            </a:r>
+          </a:p>
+        </p:txBody>
+      </p:sp>
+      <p:sp>
+        <p:nvSpPr>
+          <p:cNvPr id="2" name="テキスト ボックス 1">
+            <a:extLst>
+              <a:ext uri="{FF2B5EF4-FFF2-40B4-BE49-F238E27FC236}">
+                <a16:creationId xmlns:a16="http://schemas.microsoft.com/office/drawing/2014/main" id="{E516F2A5-147D-B8D0-052E-74FB9CFF0766}"/>
+              </a:ext>
+            </a:extLst>
+          </p:cNvPr>
+          <p:cNvSpPr txBox="1"/>
+          <p:nvPr/>
+        </p:nvSpPr>
+        <p:spPr>
+          <a:xfrm>
+            <a:off x="1515880" y="6193070"/>
+            <a:ext cx="2339102" cy="830997"/>
+          </a:xfrm>
+          <a:prstGeom prst="rect">
+            <a:avLst/>
+          </a:prstGeom>
+          <a:noFill/>
+        </p:spPr>
+        <p:txBody>
+          <a:bodyPr wrap="none" rtlCol="0">
+            <a:spAutoFit/>
+          </a:bodyPr>
+          <a:lstStyle/>
+          <a:p>
+            <a:r>
+              <a:rPr kumimoji="1" lang="ja-JP" altLang="en-US" sz="2400" dirty="0">
+                <a:latin typeface="メイリオ" panose="020B0604030504040204" pitchFamily="50" charset="-128"/>
+                <a:ea typeface="メイリオ" panose="020B0604030504040204" pitchFamily="50" charset="-128"/>
+              </a:rPr>
+              <a:t>物理ファイル名</a:t>
+            </a:r>
+          </a:p>
+          <a:p>
+            <a:pPr algn="l"/>
+            <a:endParaRPr kumimoji="1" lang="ja-JP" altLang="en-US" sz="2400" dirty="0">
+              <a:latin typeface="メイリオ" panose="020B0604030504040204" pitchFamily="50" charset="-128"/>
+              <a:ea typeface="メイリオ" panose="020B0604030504040204" pitchFamily="50" charset="-128"/>
+            </a:endParaRPr>
+          </a:p>
+        </p:txBody>
+      </p:sp>
+      <p:sp>
+        <p:nvSpPr>
+          <p:cNvPr id="3" name="テキスト ボックス 2">
+            <a:extLst>
+              <a:ext uri="{FF2B5EF4-FFF2-40B4-BE49-F238E27FC236}">
+                <a16:creationId xmlns:a16="http://schemas.microsoft.com/office/drawing/2014/main" id="{91A3F6A5-2537-1126-B772-3D16C244AC72}"/>
+              </a:ext>
+            </a:extLst>
+          </p:cNvPr>
+          <p:cNvSpPr txBox="1"/>
+          <p:nvPr/>
+        </p:nvSpPr>
+        <p:spPr>
+          <a:xfrm>
+            <a:off x="176456" y="357817"/>
+            <a:ext cx="4698722" cy="1077218"/>
+          </a:xfrm>
+          <a:prstGeom prst="rect">
+            <a:avLst/>
+          </a:prstGeom>
+          <a:noFill/>
+        </p:spPr>
+        <p:txBody>
+          <a:bodyPr wrap="none" rtlCol="0">
+            <a:spAutoFit/>
+          </a:bodyPr>
+          <a:lstStyle/>
+          <a:p>
+            <a:pPr algn="l"/>
+            <a:r>
+              <a:rPr kumimoji="1" lang="ja-JP" altLang="en-US" sz="3200" b="1" dirty="0">
+                <a:latin typeface="メイリオ" panose="020B0604030504040204" pitchFamily="50" charset="-128"/>
+                <a:ea typeface="メイリオ" panose="020B0604030504040204" pitchFamily="50" charset="-128"/>
+              </a:rPr>
+              <a:t>コンピュータの仕組み</a:t>
+            </a:r>
+            <a:endParaRPr kumimoji="1" lang="en-US" altLang="ja-JP" sz="3200" b="1" dirty="0">
+              <a:latin typeface="メイリオ" panose="020B0604030504040204" pitchFamily="50" charset="-128"/>
+              <a:ea typeface="メイリオ" panose="020B0604030504040204" pitchFamily="50" charset="-128"/>
+            </a:endParaRPr>
+          </a:p>
+          <a:p>
+            <a:pPr algn="l"/>
+            <a:r>
+              <a:rPr kumimoji="1" lang="ja-JP" altLang="en-US" sz="3200" dirty="0">
+                <a:latin typeface="メイリオ" panose="020B0604030504040204" pitchFamily="50" charset="-128"/>
+                <a:ea typeface="メイリオ" panose="020B0604030504040204" pitchFamily="50" charset="-128"/>
+              </a:rPr>
+              <a:t>内部メモリと外部メモリ</a:t>
             </a:r>
           </a:p>
         </p:txBody>
@@ -5200,14 +7022,13 @@
     </p:spTree>
     <p:extLst>
       <p:ext uri="{BB962C8B-B14F-4D97-AF65-F5344CB8AC3E}">
-        <p14:creationId xmlns:p14="http://schemas.microsoft.com/office/powerpoint/2010/main" val="62072827"/>
+        <p14:creationId xmlns:p14="http://schemas.microsoft.com/office/powerpoint/2010/main" val="2267377767"/>
       </p:ext>
     </p:extLst>
   </p:cSld>
   <p:clrMapOvr>
     <a:masterClrMapping/>
   </p:clrMapOvr>
-  <p:transition spd="med"/>
 </p:sld>
 </file>
 
@@ -5228,12 +7049,117 @@
           <a:chExt cx="0" cy="0"/>
         </a:xfrm>
       </p:grpSpPr>
-      <p:sp>
-        <p:nvSpPr>
-          <p:cNvPr id="2" name="テキスト ボックス 1">
-            <a:extLst>
-              <a:ext uri="{FF2B5EF4-FFF2-40B4-BE49-F238E27FC236}">
-                <a16:creationId xmlns:a16="http://schemas.microsoft.com/office/drawing/2014/main" id="{D849F1AC-F780-019B-33EC-C88BDE0EC39A}"/>
+      <p:pic>
+        <p:nvPicPr>
+          <p:cNvPr id="2" name="図 1">
+            <a:extLst>
+              <a:ext uri="{FF2B5EF4-FFF2-40B4-BE49-F238E27FC236}">
+                <a16:creationId xmlns:a16="http://schemas.microsoft.com/office/drawing/2014/main" id="{55D2F44E-CE77-E22D-BFE1-BAD750F54F13}"/>
+              </a:ext>
+            </a:extLst>
+          </p:cNvPr>
+          <p:cNvPicPr>
+            <a:picLocks noChangeAspect="1"/>
+          </p:cNvPicPr>
+          <p:nvPr/>
+        </p:nvPicPr>
+        <p:blipFill>
+          <a:blip r:embed="rId2"/>
+          <a:stretch>
+            <a:fillRect/>
+          </a:stretch>
+        </p:blipFill>
+        <p:spPr>
+          <a:xfrm>
+            <a:off x="127017" y="2542873"/>
+            <a:ext cx="6299346" cy="2820271"/>
+          </a:xfrm>
+          <a:prstGeom prst="rect">
+            <a:avLst/>
+          </a:prstGeom>
+        </p:spPr>
+      </p:pic>
+      <p:sp>
+        <p:nvSpPr>
+          <p:cNvPr id="4" name="AutoShape 2">
+            <a:extLst>
+              <a:ext uri="{FF2B5EF4-FFF2-40B4-BE49-F238E27FC236}">
+                <a16:creationId xmlns:a16="http://schemas.microsoft.com/office/drawing/2014/main" id="{A327DFE5-6D40-B182-07BE-051AE51CF310}"/>
+              </a:ext>
+            </a:extLst>
+          </p:cNvPr>
+          <p:cNvSpPr>
+            <a:spLocks noChangeAspect="1" noChangeArrowheads="1"/>
+          </p:cNvSpPr>
+          <p:nvPr/>
+        </p:nvSpPr>
+        <p:spPr bwMode="auto">
+          <a:xfrm>
+            <a:off x="11607282" y="3648391"/>
+            <a:ext cx="304800" cy="304800"/>
+          </a:xfrm>
+          <a:prstGeom prst="rect">
+            <a:avLst/>
+          </a:prstGeom>
+          <a:noFill/>
+          <a:extLst>
+            <a:ext uri="{909E8E84-426E-40DD-AFC4-6F175D3DCCD1}">
+              <a14:hiddenFill xmlns:a14="http://schemas.microsoft.com/office/drawing/2010/main">
+                <a:solidFill>
+                  <a:srgbClr val="FFFFFF"/>
+                </a:solidFill>
+              </a14:hiddenFill>
+            </a:ext>
+          </a:extLst>
+        </p:spPr>
+        <p:txBody>
+          <a:bodyPr vert="horz" wrap="square" lIns="91440" tIns="45720" rIns="91440" bIns="45720" numCol="1" anchor="t" anchorCtr="0" compatLnSpc="1">
+            <a:prstTxWarp prst="textNoShape">
+              <a:avLst/>
+            </a:prstTxWarp>
+          </a:bodyPr>
+          <a:lstStyle/>
+          <a:p>
+            <a:endParaRPr lang="ja-JP" altLang="en-US"/>
+          </a:p>
+        </p:txBody>
+      </p:sp>
+      <p:pic>
+        <p:nvPicPr>
+          <p:cNvPr id="5" name="図 4">
+            <a:extLst>
+              <a:ext uri="{FF2B5EF4-FFF2-40B4-BE49-F238E27FC236}">
+                <a16:creationId xmlns:a16="http://schemas.microsoft.com/office/drawing/2014/main" id="{91003180-D729-2FE3-827A-31D6D1C32C6D}"/>
+              </a:ext>
+            </a:extLst>
+          </p:cNvPr>
+          <p:cNvPicPr>
+            <a:picLocks noChangeAspect="1"/>
+          </p:cNvPicPr>
+          <p:nvPr/>
+        </p:nvPicPr>
+        <p:blipFill>
+          <a:blip r:embed="rId3"/>
+          <a:stretch>
+            <a:fillRect/>
+          </a:stretch>
+        </p:blipFill>
+        <p:spPr>
+          <a:xfrm>
+            <a:off x="6542219" y="2583521"/>
+            <a:ext cx="5839781" cy="4274479"/>
+          </a:xfrm>
+          <a:prstGeom prst="rect">
+            <a:avLst/>
+          </a:prstGeom>
+        </p:spPr>
+      </p:pic>
+      <p:sp>
+        <p:nvSpPr>
+          <p:cNvPr id="7" name="テキスト ボックス 6">
+            <a:extLst>
+              <a:ext uri="{FF2B5EF4-FFF2-40B4-BE49-F238E27FC236}">
+                <a16:creationId xmlns:a16="http://schemas.microsoft.com/office/drawing/2014/main" id="{AD8DFF09-740F-043C-DDCC-589B2D9242F1}"/>
               </a:ext>
             </a:extLst>
           </p:cNvPr>
@@ -5242,8 +7168,8 @@
         </p:nvSpPr>
         <p:spPr>
           <a:xfrm>
-            <a:off x="363894" y="681135"/>
-            <a:ext cx="2929007" cy="461665"/>
+            <a:off x="495339" y="642084"/>
+            <a:ext cx="9773829" cy="1200329"/>
           </a:xfrm>
           <a:prstGeom prst="rect">
             <a:avLst/>
@@ -5256,66 +7182,23 @@
           </a:bodyPr>
           <a:lstStyle/>
           <a:p>
-            <a:pPr algn="l"/>
+            <a:pPr marL="457200" indent="-457200" algn="l">
+              <a:buFont typeface="+mj-lt"/>
+              <a:buAutoNum type="arabicPeriod"/>
+            </a:pPr>
             <a:r>
               <a:rPr kumimoji="1" lang="en-US" altLang="ja-JP" sz="2400" dirty="0">
                 <a:latin typeface="メイリオ" panose="020B0604030504040204" pitchFamily="50" charset="-128"/>
                 <a:ea typeface="メイリオ" panose="020B0604030504040204" pitchFamily="50" charset="-128"/>
               </a:rPr>
-              <a:t>.md</a:t>
+              <a:t>http:// </a:t>
             </a:r>
             <a:r>
               <a:rPr kumimoji="1" lang="ja-JP" altLang="en-US" sz="2400" dirty="0">
                 <a:latin typeface="メイリオ" panose="020B0604030504040204" pitchFamily="50" charset="-128"/>
                 <a:ea typeface="メイリオ" panose="020B0604030504040204" pitchFamily="50" charset="-128"/>
               </a:rPr>
-              <a:t>ファイルを見る</a:t>
-            </a:r>
-          </a:p>
-        </p:txBody>
-      </p:sp>
-      <p:sp>
-        <p:nvSpPr>
-          <p:cNvPr id="3" name="テキスト ボックス 2">
-            <a:extLst>
-              <a:ext uri="{FF2B5EF4-FFF2-40B4-BE49-F238E27FC236}">
-                <a16:creationId xmlns:a16="http://schemas.microsoft.com/office/drawing/2014/main" id="{E6E66248-12F2-5962-2DED-628104B388D4}"/>
-              </a:ext>
-            </a:extLst>
-          </p:cNvPr>
-          <p:cNvSpPr txBox="1"/>
-          <p:nvPr/>
-        </p:nvSpPr>
-        <p:spPr>
-          <a:xfrm>
-            <a:off x="942392" y="1987420"/>
-            <a:ext cx="4416594" cy="830997"/>
-          </a:xfrm>
-          <a:prstGeom prst="rect">
-            <a:avLst/>
-          </a:prstGeom>
-          <a:noFill/>
-        </p:spPr>
-        <p:txBody>
-          <a:bodyPr wrap="none" rtlCol="0">
-            <a:spAutoFit/>
-          </a:bodyPr>
-          <a:lstStyle/>
-          <a:p>
-            <a:pPr algn="l"/>
-            <a:r>
-              <a:rPr kumimoji="1" lang="en-US" altLang="ja-JP" sz="2400" dirty="0">
-                <a:latin typeface="メイリオ" panose="020B0604030504040204" pitchFamily="50" charset="-128"/>
-                <a:ea typeface="メイリオ" panose="020B0604030504040204" pitchFamily="50" charset="-128"/>
-              </a:rPr>
-              <a:t>Ppt</a:t>
-            </a:r>
-            <a:r>
-              <a:rPr kumimoji="1" lang="ja-JP" altLang="en-US" sz="2400" dirty="0">
-                <a:latin typeface="メイリオ" panose="020B0604030504040204" pitchFamily="50" charset="-128"/>
-                <a:ea typeface="メイリオ" panose="020B0604030504040204" pitchFamily="50" charset="-128"/>
-              </a:rPr>
-              <a:t>のリンクをたどる</a:t>
+              <a:t>文字列を送るとき、他のいろいろなデータが送られている</a:t>
             </a:r>
             <a:endParaRPr kumimoji="1" lang="en-US" altLang="ja-JP" sz="2400" dirty="0">
               <a:latin typeface="メイリオ" panose="020B0604030504040204" pitchFamily="50" charset="-128"/>
@@ -5323,74 +7206,30 @@
             </a:endParaRPr>
           </a:p>
           <a:p>
-            <a:pPr algn="l"/>
+            <a:pPr marL="457200" indent="-457200" algn="l">
+              <a:buFont typeface="+mj-lt"/>
+              <a:buAutoNum type="arabicPeriod"/>
+            </a:pPr>
+            <a:r>
+              <a:rPr kumimoji="1" lang="ja-JP" altLang="en-US" sz="2400" dirty="0">
+                <a:latin typeface="メイリオ" panose="020B0604030504040204" pitchFamily="50" charset="-128"/>
+                <a:ea typeface="メイリオ" panose="020B0604030504040204" pitchFamily="50" charset="-128"/>
+              </a:rPr>
+              <a:t>これは</a:t>
+            </a:r>
             <a:r>
               <a:rPr kumimoji="1" lang="en-US" altLang="ja-JP" sz="2400" dirty="0">
                 <a:latin typeface="メイリオ" panose="020B0604030504040204" pitchFamily="50" charset="-128"/>
                 <a:ea typeface="メイリオ" panose="020B0604030504040204" pitchFamily="50" charset="-128"/>
               </a:rPr>
-              <a:t>Chrome</a:t>
+              <a:t>URL</a:t>
             </a:r>
             <a:r>
               <a:rPr kumimoji="1" lang="ja-JP" altLang="en-US" sz="2400" dirty="0">
                 <a:latin typeface="メイリオ" panose="020B0604030504040204" pitchFamily="50" charset="-128"/>
                 <a:ea typeface="メイリオ" panose="020B0604030504040204" pitchFamily="50" charset="-128"/>
               </a:rPr>
-              <a:t>でローカル</a:t>
-            </a:r>
-            <a:r>
-              <a:rPr kumimoji="1" lang="en-US" altLang="ja-JP" sz="2400" dirty="0">
-                <a:latin typeface="メイリオ" panose="020B0604030504040204" pitchFamily="50" charset="-128"/>
-                <a:ea typeface="メイリオ" panose="020B0604030504040204" pitchFamily="50" charset="-128"/>
-              </a:rPr>
-              <a:t>.md</a:t>
-            </a:r>
-            <a:r>
-              <a:rPr kumimoji="1" lang="ja-JP" altLang="en-US" sz="2400" dirty="0">
-                <a:latin typeface="メイリオ" panose="020B0604030504040204" pitchFamily="50" charset="-128"/>
-                <a:ea typeface="メイリオ" panose="020B0604030504040204" pitchFamily="50" charset="-128"/>
-              </a:rPr>
-              <a:t>を見る</a:t>
-            </a:r>
-          </a:p>
-        </p:txBody>
-      </p:sp>
-      <p:sp>
-        <p:nvSpPr>
-          <p:cNvPr id="5" name="テキスト ボックス 4">
-            <a:extLst>
-              <a:ext uri="{FF2B5EF4-FFF2-40B4-BE49-F238E27FC236}">
-                <a16:creationId xmlns:a16="http://schemas.microsoft.com/office/drawing/2014/main" id="{7D9ACA28-6387-48F2-46D3-D1A10BCD2106}"/>
-              </a:ext>
-            </a:extLst>
-          </p:cNvPr>
-          <p:cNvSpPr txBox="1"/>
-          <p:nvPr/>
-        </p:nvSpPr>
-        <p:spPr>
-          <a:xfrm>
-            <a:off x="774441" y="3237722"/>
-            <a:ext cx="10306476" cy="830997"/>
-          </a:xfrm>
-          <a:prstGeom prst="rect">
-            <a:avLst/>
-          </a:prstGeom>
-          <a:noFill/>
-        </p:spPr>
-        <p:txBody>
-          <a:bodyPr wrap="none" rtlCol="0">
-            <a:spAutoFit/>
-          </a:bodyPr>
-          <a:lstStyle/>
-          <a:p>
-            <a:pPr algn="l"/>
-            <a:r>
-              <a:rPr kumimoji="1" lang="en-US" altLang="ja-JP" sz="2400" dirty="0">
-                <a:latin typeface="メイリオ" panose="020B0604030504040204" pitchFamily="50" charset="-128"/>
-                <a:ea typeface="メイリオ" panose="020B0604030504040204" pitchFamily="50" charset="-128"/>
-                <a:hlinkClick r:id="rId2"/>
-              </a:rPr>
-              <a:t>https://qiita.com/takachan_coding/items/7a0978a70208e482aae9</a:t>
+              <a:t>ボックスには見えない</a:t>
             </a:r>
             <a:endParaRPr kumimoji="1" lang="en-US" altLang="ja-JP" sz="2400" dirty="0">
               <a:latin typeface="メイリオ" panose="020B0604030504040204" pitchFamily="50" charset="-128"/>
@@ -5398,20 +7237,189 @@
             </a:endParaRPr>
           </a:p>
           <a:p>
+            <a:pPr marL="457200" indent="-457200" algn="l">
+              <a:buFont typeface="+mj-lt"/>
+              <a:buAutoNum type="arabicPeriod"/>
+            </a:pPr>
+            <a:r>
+              <a:rPr kumimoji="1" lang="en-US" altLang="ja-JP" sz="2400" dirty="0">
+                <a:latin typeface="メイリオ" panose="020B0604030504040204" pitchFamily="50" charset="-128"/>
+                <a:ea typeface="メイリオ" panose="020B0604030504040204" pitchFamily="50" charset="-128"/>
+              </a:rPr>
+              <a:t>Post method</a:t>
+            </a:r>
+            <a:r>
+              <a:rPr kumimoji="1" lang="ja-JP" altLang="en-US" sz="2400" dirty="0">
+                <a:latin typeface="メイリオ" panose="020B0604030504040204" pitchFamily="50" charset="-128"/>
+                <a:ea typeface="メイリオ" panose="020B0604030504040204" pitchFamily="50" charset="-128"/>
+              </a:rPr>
+              <a:t>はこの見えない領域を使ってデータを送る</a:t>
+            </a:r>
+          </a:p>
+        </p:txBody>
+      </p:sp>
+      <p:sp>
+        <p:nvSpPr>
+          <p:cNvPr id="8" name="テキスト ボックス 7">
+            <a:extLst>
+              <a:ext uri="{FF2B5EF4-FFF2-40B4-BE49-F238E27FC236}">
+                <a16:creationId xmlns:a16="http://schemas.microsoft.com/office/drawing/2014/main" id="{51588267-9E6D-C78A-49A8-74C4156C3619}"/>
+              </a:ext>
+            </a:extLst>
+          </p:cNvPr>
+          <p:cNvSpPr txBox="1"/>
+          <p:nvPr/>
+        </p:nvSpPr>
+        <p:spPr>
+          <a:xfrm>
+            <a:off x="152383" y="1843157"/>
+            <a:ext cx="4185761" cy="830997"/>
+          </a:xfrm>
+          <a:prstGeom prst="rect">
+            <a:avLst/>
+          </a:prstGeom>
+          <a:noFill/>
+        </p:spPr>
+        <p:txBody>
+          <a:bodyPr wrap="none" rtlCol="0">
+            <a:spAutoFit/>
+          </a:bodyPr>
+          <a:lstStyle/>
+          <a:p>
             <a:pPr algn="l"/>
-            <a:endParaRPr kumimoji="1" lang="ja-JP" altLang="en-US" sz="2400" dirty="0">
+            <a:r>
+              <a:rPr kumimoji="1" lang="en-US" altLang="ja-JP" sz="2400" b="1" u="sng" dirty="0">
+                <a:latin typeface="メイリオ" panose="020B0604030504040204" pitchFamily="50" charset="-128"/>
+                <a:ea typeface="メイリオ" panose="020B0604030504040204" pitchFamily="50" charset="-128"/>
+              </a:rPr>
+              <a:t>Get method:</a:t>
+            </a:r>
+          </a:p>
+          <a:p>
+            <a:pPr algn="l"/>
+            <a:r>
+              <a:rPr kumimoji="1" lang="ja-JP" altLang="en-US" sz="2400" b="1" u="sng" dirty="0">
+                <a:latin typeface="メイリオ" panose="020B0604030504040204" pitchFamily="50" charset="-128"/>
+                <a:ea typeface="メイリオ" panose="020B0604030504040204" pitchFamily="50" charset="-128"/>
+              </a:rPr>
+              <a:t>リクエスト行でデータを運ぶ</a:t>
+            </a:r>
+          </a:p>
+        </p:txBody>
+      </p:sp>
+      <p:sp>
+        <p:nvSpPr>
+          <p:cNvPr id="9" name="テキスト ボックス 8">
+            <a:extLst>
+              <a:ext uri="{FF2B5EF4-FFF2-40B4-BE49-F238E27FC236}">
+                <a16:creationId xmlns:a16="http://schemas.microsoft.com/office/drawing/2014/main" id="{12F48F43-9161-C279-42DB-58C941742489}"/>
+              </a:ext>
+            </a:extLst>
+          </p:cNvPr>
+          <p:cNvSpPr txBox="1"/>
+          <p:nvPr/>
+        </p:nvSpPr>
+        <p:spPr>
+          <a:xfrm>
+            <a:off x="6648752" y="1923085"/>
+            <a:ext cx="4801314" cy="830997"/>
+          </a:xfrm>
+          <a:prstGeom prst="rect">
+            <a:avLst/>
+          </a:prstGeom>
+          <a:noFill/>
+        </p:spPr>
+        <p:txBody>
+          <a:bodyPr wrap="none" rtlCol="0">
+            <a:spAutoFit/>
+          </a:bodyPr>
+          <a:lstStyle/>
+          <a:p>
+            <a:pPr algn="l"/>
+            <a:r>
+              <a:rPr kumimoji="1" lang="en-US" altLang="ja-JP" sz="2400" b="1" u="sng" dirty="0">
+                <a:latin typeface="メイリオ" panose="020B0604030504040204" pitchFamily="50" charset="-128"/>
+                <a:ea typeface="メイリオ" panose="020B0604030504040204" pitchFamily="50" charset="-128"/>
+              </a:rPr>
+              <a:t>Post method</a:t>
+            </a:r>
+            <a:r>
+              <a:rPr kumimoji="1" lang="ja-JP" altLang="en-US" sz="2400" b="1" u="sng" dirty="0">
+                <a:latin typeface="メイリオ" panose="020B0604030504040204" pitchFamily="50" charset="-128"/>
+                <a:ea typeface="メイリオ" panose="020B0604030504040204" pitchFamily="50" charset="-128"/>
+              </a:rPr>
+              <a:t>：</a:t>
+            </a:r>
+            <a:endParaRPr kumimoji="1" lang="en-US" altLang="ja-JP" sz="2400" b="1" u="sng" dirty="0">
               <a:latin typeface="メイリオ" panose="020B0604030504040204" pitchFamily="50" charset="-128"/>
               <a:ea typeface="メイリオ" panose="020B0604030504040204" pitchFamily="50" charset="-128"/>
             </a:endParaRPr>
           </a:p>
-        </p:txBody>
-      </p:sp>
-      <p:sp>
-        <p:nvSpPr>
-          <p:cNvPr id="4" name="テキスト ボックス 3">
-            <a:extLst>
-              <a:ext uri="{FF2B5EF4-FFF2-40B4-BE49-F238E27FC236}">
-                <a16:creationId xmlns:a16="http://schemas.microsoft.com/office/drawing/2014/main" id="{EF411DEA-D6F7-8B8B-E220-44FBBD3C8607}"/>
+          <a:p>
+            <a:pPr algn="l"/>
+            <a:r>
+              <a:rPr kumimoji="1" lang="ja-JP" altLang="en-US" sz="2400" b="1" u="sng" dirty="0">
+                <a:latin typeface="メイリオ" panose="020B0604030504040204" pitchFamily="50" charset="-128"/>
+                <a:ea typeface="メイリオ" panose="020B0604030504040204" pitchFamily="50" charset="-128"/>
+              </a:rPr>
+              <a:t>ボディにデータを書き込んで送る</a:t>
+            </a:r>
+          </a:p>
+        </p:txBody>
+      </p:sp>
+      <p:pic>
+        <p:nvPicPr>
+          <p:cNvPr id="1026" name="Picture 2" descr="getとpost">
+            <a:extLst>
+              <a:ext uri="{FF2B5EF4-FFF2-40B4-BE49-F238E27FC236}">
+                <a16:creationId xmlns:a16="http://schemas.microsoft.com/office/drawing/2014/main" id="{370AD3FF-8F96-3B75-149F-AFDB622B2AA1}"/>
+              </a:ext>
+            </a:extLst>
+          </p:cNvPr>
+          <p:cNvPicPr>
+            <a:picLocks noChangeAspect="1" noChangeArrowheads="1"/>
+          </p:cNvPicPr>
+          <p:nvPr/>
+        </p:nvPicPr>
+        <p:blipFill>
+          <a:blip r:embed="rId4">
+            <a:extLst>
+              <a:ext uri="{28A0092B-C50C-407E-A947-70E740481C1C}">
+                <a14:useLocalDpi xmlns:a14="http://schemas.microsoft.com/office/drawing/2010/main" val="0"/>
+              </a:ext>
+            </a:extLst>
+          </a:blip>
+          <a:srcRect/>
+          <a:stretch>
+            <a:fillRect/>
+          </a:stretch>
+        </p:blipFill>
+        <p:spPr bwMode="auto">
+          <a:xfrm>
+            <a:off x="9913221" y="608242"/>
+            <a:ext cx="1905846" cy="1442844"/>
+          </a:xfrm>
+          <a:prstGeom prst="rect">
+            <a:avLst/>
+          </a:prstGeom>
+          <a:noFill/>
+          <a:extLst>
+            <a:ext uri="{909E8E84-426E-40DD-AFC4-6F175D3DCCD1}">
+              <a14:hiddenFill xmlns:a14="http://schemas.microsoft.com/office/drawing/2010/main">
+                <a:solidFill>
+                  <a:srgbClr val="FFFFFF"/>
+                </a:solidFill>
+              </a14:hiddenFill>
+            </a:ext>
+          </a:extLst>
+        </p:spPr>
+      </p:pic>
+      <p:sp>
+        <p:nvSpPr>
+          <p:cNvPr id="10" name="テキスト ボックス 9">
+            <a:extLst>
+              <a:ext uri="{FF2B5EF4-FFF2-40B4-BE49-F238E27FC236}">
+                <a16:creationId xmlns:a16="http://schemas.microsoft.com/office/drawing/2014/main" id="{ABBCDC99-A7DC-E4A3-3CFC-F4B4D2581D3B}"/>
               </a:ext>
             </a:extLst>
           </p:cNvPr>
@@ -5420,8 +7428,8 @@
         </p:nvSpPr>
         <p:spPr>
           <a:xfrm>
-            <a:off x="643813" y="4334264"/>
-            <a:ext cx="4365298" cy="461665"/>
+            <a:off x="372933" y="60426"/>
+            <a:ext cx="5109091" cy="584775"/>
           </a:xfrm>
           <a:prstGeom prst="rect">
             <a:avLst/>
@@ -5436,83 +7444,675 @@
           <a:p>
             <a:pPr algn="l"/>
             <a:r>
-              <a:rPr kumimoji="1" lang="en-US" altLang="ja-JP" sz="2400" dirty="0">
-                <a:latin typeface="メイリオ" panose="020B0604030504040204" pitchFamily="50" charset="-128"/>
-                <a:ea typeface="メイリオ" panose="020B0604030504040204" pitchFamily="50" charset="-128"/>
-              </a:rPr>
-              <a:t>Ppt</a:t>
-            </a:r>
-            <a:r>
-              <a:rPr kumimoji="1" lang="ja-JP" altLang="en-US" sz="2400" dirty="0">
-                <a:latin typeface="メイリオ" panose="020B0604030504040204" pitchFamily="50" charset="-128"/>
-                <a:ea typeface="メイリオ" panose="020B0604030504040204" pitchFamily="50" charset="-128"/>
-              </a:rPr>
-              <a:t>からの相対パスのはりかた</a:t>
-            </a:r>
-          </a:p>
-        </p:txBody>
-      </p:sp>
-      <p:sp>
-        <p:nvSpPr>
-          <p:cNvPr id="6" name="テキスト ボックス 5">
-            <a:extLst>
-              <a:ext uri="{FF2B5EF4-FFF2-40B4-BE49-F238E27FC236}">
-                <a16:creationId xmlns:a16="http://schemas.microsoft.com/office/drawing/2014/main" id="{626E5668-2BFB-6FD8-43E7-896EBFB1F9F9}"/>
-              </a:ext>
-            </a:extLst>
-          </p:cNvPr>
-          <p:cNvSpPr txBox="1"/>
-          <p:nvPr/>
-        </p:nvSpPr>
-        <p:spPr>
-          <a:xfrm>
-            <a:off x="774441" y="4987407"/>
-            <a:ext cx="5472524" cy="830997"/>
-          </a:xfrm>
-          <a:prstGeom prst="rect">
-            <a:avLst/>
-          </a:prstGeom>
-          <a:noFill/>
-        </p:spPr>
-        <p:txBody>
-          <a:bodyPr wrap="none" rtlCol="0">
-            <a:spAutoFit/>
-          </a:bodyPr>
-          <a:lstStyle/>
-          <a:p>
-            <a:pPr algn="l"/>
-            <a:r>
-              <a:rPr kumimoji="1" lang="en-US" altLang="ja-JP" sz="2400" dirty="0">
-                <a:latin typeface="メイリオ" panose="020B0604030504040204" pitchFamily="50" charset="-128"/>
-                <a:ea typeface="メイリオ" panose="020B0604030504040204" pitchFamily="50" charset="-128"/>
-                <a:hlinkClick r:id="rId3"/>
-              </a:rPr>
-              <a:t>https://powerpoint.xyz/hyper-link/</a:t>
-            </a:r>
-            <a:endParaRPr kumimoji="1" lang="en-US" altLang="ja-JP" sz="2400" dirty="0">
-              <a:latin typeface="メイリオ" panose="020B0604030504040204" pitchFamily="50" charset="-128"/>
-              <a:ea typeface="メイリオ" panose="020B0604030504040204" pitchFamily="50" charset="-128"/>
-            </a:endParaRPr>
-          </a:p>
-          <a:p>
-            <a:pPr algn="l"/>
-            <a:endParaRPr kumimoji="1" lang="ja-JP" altLang="en-US" sz="2400" dirty="0">
-              <a:latin typeface="メイリオ" panose="020B0604030504040204" pitchFamily="50" charset="-128"/>
-              <a:ea typeface="メイリオ" panose="020B0604030504040204" pitchFamily="50" charset="-128"/>
-            </a:endParaRPr>
+              <a:rPr kumimoji="1" lang="ja-JP" altLang="en-US" sz="3200" b="1" dirty="0">
+                <a:latin typeface="メイリオ" panose="020B0604030504040204" pitchFamily="50" charset="-128"/>
+                <a:ea typeface="メイリオ" panose="020B0604030504040204" pitchFamily="50" charset="-128"/>
+              </a:rPr>
+              <a:t>インターネットの通信手順</a:t>
+            </a:r>
           </a:p>
         </p:txBody>
       </p:sp>
     </p:spTree>
     <p:extLst>
       <p:ext uri="{BB962C8B-B14F-4D97-AF65-F5344CB8AC3E}">
-        <p14:creationId xmlns:p14="http://schemas.microsoft.com/office/powerpoint/2010/main" val="2938935844"/>
+        <p14:creationId xmlns:p14="http://schemas.microsoft.com/office/powerpoint/2010/main" val="3175298843"/>
       </p:ext>
     </p:extLst>
   </p:cSld>
   <p:clrMapOvr>
     <a:masterClrMapping/>
   </p:clrMapOvr>
+</p:sld>
+</file>
+
+<file path=ppt/slides/slide16.xml><?xml version="1.0" encoding="utf-8"?>
+<p:sld xmlns:a="http://schemas.openxmlformats.org/drawingml/2006/main" xmlns:r="http://schemas.openxmlformats.org/officeDocument/2006/relationships" xmlns:p="http://schemas.openxmlformats.org/presentationml/2006/main">
+  <p:cSld>
+    <p:spTree>
+      <p:nvGrpSpPr>
+        <p:cNvPr id="1" name=""/>
+        <p:cNvGrpSpPr/>
+        <p:nvPr/>
+      </p:nvGrpSpPr>
+      <p:grpSpPr>
+        <a:xfrm>
+          <a:off x="0" y="0"/>
+          <a:ext cx="0" cy="0"/>
+          <a:chOff x="0" y="0"/>
+          <a:chExt cx="0" cy="0"/>
+        </a:xfrm>
+      </p:grpSpPr>
+      <p:sp>
+        <p:nvSpPr>
+          <p:cNvPr id="2" name="テキスト ボックス 1">
+            <a:extLst>
+              <a:ext uri="{FF2B5EF4-FFF2-40B4-BE49-F238E27FC236}">
+                <a16:creationId xmlns:a16="http://schemas.microsoft.com/office/drawing/2014/main" id="{0046ECC8-DEB9-A6D3-3C1B-39E6C507FEC8}"/>
+              </a:ext>
+            </a:extLst>
+          </p:cNvPr>
+          <p:cNvSpPr txBox="1"/>
+          <p:nvPr/>
+        </p:nvSpPr>
+        <p:spPr>
+          <a:xfrm>
+            <a:off x="756458" y="608908"/>
+            <a:ext cx="1005403" cy="584775"/>
+          </a:xfrm>
+          <a:prstGeom prst="rect">
+            <a:avLst/>
+          </a:prstGeom>
+          <a:noFill/>
+        </p:spPr>
+        <p:txBody>
+          <a:bodyPr wrap="none" rtlCol="0">
+            <a:spAutoFit/>
+          </a:bodyPr>
+          <a:lstStyle/>
+          <a:p>
+            <a:pPr algn="l"/>
+            <a:r>
+              <a:rPr kumimoji="1" lang="ja-JP" altLang="en-US" sz="3200" dirty="0">
+                <a:latin typeface="メイリオ" panose="020B0604030504040204" pitchFamily="50" charset="-128"/>
+                <a:ea typeface="メイリオ" panose="020B0604030504040204" pitchFamily="50" charset="-128"/>
+              </a:rPr>
+              <a:t>問題</a:t>
+            </a:r>
+          </a:p>
+        </p:txBody>
+      </p:sp>
+      <p:sp>
+        <p:nvSpPr>
+          <p:cNvPr id="3" name="テキスト ボックス 2">
+            <a:extLst>
+              <a:ext uri="{FF2B5EF4-FFF2-40B4-BE49-F238E27FC236}">
+                <a16:creationId xmlns:a16="http://schemas.microsoft.com/office/drawing/2014/main" id="{1A42E967-5702-245B-A2BD-FC7D74B28C92}"/>
+              </a:ext>
+            </a:extLst>
+          </p:cNvPr>
+          <p:cNvSpPr txBox="1"/>
+          <p:nvPr/>
+        </p:nvSpPr>
+        <p:spPr>
+          <a:xfrm>
+            <a:off x="756458" y="1249793"/>
+            <a:ext cx="10224654" cy="1200329"/>
+          </a:xfrm>
+          <a:prstGeom prst="rect">
+            <a:avLst/>
+          </a:prstGeom>
+          <a:noFill/>
+        </p:spPr>
+        <p:txBody>
+          <a:bodyPr wrap="square" rtlCol="0">
+            <a:spAutoFit/>
+          </a:bodyPr>
+          <a:lstStyle/>
+          <a:p>
+            <a:pPr algn="l"/>
+            <a:r>
+              <a:rPr kumimoji="1" lang="ja-JP" altLang="en-US" sz="2400" dirty="0">
+                <a:latin typeface="メイリオ" panose="020B0604030504040204" pitchFamily="50" charset="-128"/>
+                <a:ea typeface="メイリオ" panose="020B0604030504040204" pitchFamily="50" charset="-128"/>
+              </a:rPr>
+              <a:t>食べログの口コミをスクロールしていくと、以下のようなページめくりボタンが表示される。これをクリックしたときに</a:t>
+            </a:r>
+            <a:r>
+              <a:rPr kumimoji="1" lang="en-US" altLang="ja-JP" sz="2400" dirty="0">
+                <a:latin typeface="メイリオ" panose="020B0604030504040204" pitchFamily="50" charset="-128"/>
+                <a:ea typeface="メイリオ" panose="020B0604030504040204" pitchFamily="50" charset="-128"/>
+              </a:rPr>
+              <a:t>PC</a:t>
+            </a:r>
+            <a:r>
+              <a:rPr kumimoji="1" lang="ja-JP" altLang="en-US" sz="2400" dirty="0">
+                <a:latin typeface="メイリオ" panose="020B0604030504040204" pitchFamily="50" charset="-128"/>
+                <a:ea typeface="メイリオ" panose="020B0604030504040204" pitchFamily="50" charset="-128"/>
+              </a:rPr>
+              <a:t>と食べログサーバーとの間では何が起きているか？</a:t>
+            </a:r>
+          </a:p>
+        </p:txBody>
+      </p:sp>
+      <p:pic>
+        <p:nvPicPr>
+          <p:cNvPr id="5" name="図 4">
+            <a:extLst>
+              <a:ext uri="{FF2B5EF4-FFF2-40B4-BE49-F238E27FC236}">
+                <a16:creationId xmlns:a16="http://schemas.microsoft.com/office/drawing/2014/main" id="{BE5E087D-6E50-F94E-CDDF-DAF9F65F7B2E}"/>
+              </a:ext>
+            </a:extLst>
+          </p:cNvPr>
+          <p:cNvPicPr>
+            <a:picLocks noChangeAspect="1"/>
+          </p:cNvPicPr>
+          <p:nvPr/>
+        </p:nvPicPr>
+        <p:blipFill>
+          <a:blip r:embed="rId2"/>
+          <a:stretch>
+            <a:fillRect/>
+          </a:stretch>
+        </p:blipFill>
+        <p:spPr>
+          <a:xfrm>
+            <a:off x="926424" y="2798619"/>
+            <a:ext cx="8859486" cy="2457793"/>
+          </a:xfrm>
+          <a:prstGeom prst="rect">
+            <a:avLst/>
+          </a:prstGeom>
+        </p:spPr>
+      </p:pic>
+    </p:spTree>
+    <p:extLst>
+      <p:ext uri="{BB962C8B-B14F-4D97-AF65-F5344CB8AC3E}">
+        <p14:creationId xmlns:p14="http://schemas.microsoft.com/office/powerpoint/2010/main" val="99087124"/>
+      </p:ext>
+    </p:extLst>
+  </p:cSld>
+  <p:clrMapOvr>
+    <a:masterClrMapping/>
+  </p:clrMapOvr>
+</p:sld>
+</file>
+
+<file path=ppt/slides/slide17.xml><?xml version="1.0" encoding="utf-8"?>
+<p:sld xmlns:a="http://schemas.openxmlformats.org/drawingml/2006/main" xmlns:r="http://schemas.openxmlformats.org/officeDocument/2006/relationships" xmlns:p="http://schemas.openxmlformats.org/presentationml/2006/main">
+  <p:cSld>
+    <p:spTree>
+      <p:nvGrpSpPr>
+        <p:cNvPr id="1" name=""/>
+        <p:cNvGrpSpPr/>
+        <p:nvPr/>
+      </p:nvGrpSpPr>
+      <p:grpSpPr>
+        <a:xfrm>
+          <a:off x="0" y="0"/>
+          <a:ext cx="0" cy="0"/>
+          <a:chOff x="0" y="0"/>
+          <a:chExt cx="0" cy="0"/>
+        </a:xfrm>
+      </p:grpSpPr>
+      <p:sp>
+        <p:nvSpPr>
+          <p:cNvPr id="4" name="テキスト ボックス 3">
+            <a:extLst>
+              <a:ext uri="{FF2B5EF4-FFF2-40B4-BE49-F238E27FC236}">
+                <a16:creationId xmlns:a16="http://schemas.microsoft.com/office/drawing/2014/main" id="{25C3D804-2027-FD48-33B7-563734417615}"/>
+              </a:ext>
+            </a:extLst>
+          </p:cNvPr>
+          <p:cNvSpPr txBox="1"/>
+          <p:nvPr/>
+        </p:nvSpPr>
+        <p:spPr>
+          <a:xfrm>
+            <a:off x="776377" y="448574"/>
+            <a:ext cx="2236510" cy="584775"/>
+          </a:xfrm>
+          <a:prstGeom prst="rect">
+            <a:avLst/>
+          </a:prstGeom>
+          <a:noFill/>
+        </p:spPr>
+        <p:txBody>
+          <a:bodyPr wrap="none" rtlCol="0">
+            <a:spAutoFit/>
+          </a:bodyPr>
+          <a:lstStyle/>
+          <a:p>
+            <a:pPr algn="l"/>
+            <a:r>
+              <a:rPr kumimoji="1" lang="ja-JP" altLang="en-US" sz="3200" b="1" dirty="0">
+                <a:latin typeface="メイリオ" panose="020B0604030504040204" pitchFamily="50" charset="-128"/>
+                <a:ea typeface="メイリオ" panose="020B0604030504040204" pitchFamily="50" charset="-128"/>
+              </a:rPr>
+              <a:t>授業の流れ</a:t>
+            </a:r>
+          </a:p>
+        </p:txBody>
+      </p:sp>
+      <p:sp>
+        <p:nvSpPr>
+          <p:cNvPr id="5" name="テキスト ボックス 4">
+            <a:extLst>
+              <a:ext uri="{FF2B5EF4-FFF2-40B4-BE49-F238E27FC236}">
+                <a16:creationId xmlns:a16="http://schemas.microsoft.com/office/drawing/2014/main" id="{DC5830AE-4430-A303-830E-2408E383AB6C}"/>
+              </a:ext>
+            </a:extLst>
+          </p:cNvPr>
+          <p:cNvSpPr txBox="1"/>
+          <p:nvPr/>
+        </p:nvSpPr>
+        <p:spPr>
+          <a:xfrm>
+            <a:off x="776377" y="1163057"/>
+            <a:ext cx="5072222" cy="461665"/>
+          </a:xfrm>
+          <a:prstGeom prst="rect">
+            <a:avLst/>
+          </a:prstGeom>
+          <a:noFill/>
+        </p:spPr>
+        <p:txBody>
+          <a:bodyPr wrap="none" rtlCol="0">
+            <a:spAutoFit/>
+          </a:bodyPr>
+          <a:lstStyle/>
+          <a:p>
+            <a:pPr algn="l"/>
+            <a:r>
+              <a:rPr kumimoji="1" lang="ja-JP" altLang="en-US" sz="2400" dirty="0">
+                <a:latin typeface="メイリオ" panose="020B0604030504040204" pitchFamily="50" charset="-128"/>
+                <a:ea typeface="メイリオ" panose="020B0604030504040204" pitchFamily="50" charset="-128"/>
+              </a:rPr>
+              <a:t>講義</a:t>
+            </a:r>
+            <a:r>
+              <a:rPr kumimoji="1" lang="en-US" altLang="ja-JP" sz="2400" dirty="0">
+                <a:latin typeface="メイリオ" panose="020B0604030504040204" pitchFamily="50" charset="-128"/>
+                <a:ea typeface="メイリオ" panose="020B0604030504040204" pitchFamily="50" charset="-128"/>
+              </a:rPr>
+              <a:t>30% </a:t>
+            </a:r>
+            <a:r>
+              <a:rPr kumimoji="1" lang="ja-JP" altLang="en-US" sz="2400" dirty="0">
+                <a:latin typeface="メイリオ" panose="020B0604030504040204" pitchFamily="50" charset="-128"/>
+                <a:ea typeface="メイリオ" panose="020B0604030504040204" pitchFamily="50" charset="-128"/>
+              </a:rPr>
+              <a:t>プログラミング演習</a:t>
+            </a:r>
+            <a:r>
+              <a:rPr kumimoji="1" lang="en-US" altLang="ja-JP" sz="2400" dirty="0">
+                <a:latin typeface="メイリオ" panose="020B0604030504040204" pitchFamily="50" charset="-128"/>
+                <a:ea typeface="メイリオ" panose="020B0604030504040204" pitchFamily="50" charset="-128"/>
+              </a:rPr>
+              <a:t>70%</a:t>
+            </a:r>
+            <a:endParaRPr kumimoji="1" lang="ja-JP" altLang="en-US" sz="2400" dirty="0">
+              <a:latin typeface="メイリオ" panose="020B0604030504040204" pitchFamily="50" charset="-128"/>
+              <a:ea typeface="メイリオ" panose="020B0604030504040204" pitchFamily="50" charset="-128"/>
+            </a:endParaRPr>
+          </a:p>
+        </p:txBody>
+      </p:sp>
+    </p:spTree>
+    <p:extLst>
+      <p:ext uri="{BB962C8B-B14F-4D97-AF65-F5344CB8AC3E}">
+        <p14:creationId xmlns:p14="http://schemas.microsoft.com/office/powerpoint/2010/main" val="3166449218"/>
+      </p:ext>
+    </p:extLst>
+  </p:cSld>
+  <p:clrMapOvr>
+    <a:masterClrMapping/>
+  </p:clrMapOvr>
+  <p:transition spd="med"/>
+</p:sld>
+</file>
+
+<file path=ppt/slides/slide18.xml><?xml version="1.0" encoding="utf-8"?>
+<p:sld xmlns:a="http://schemas.openxmlformats.org/drawingml/2006/main" xmlns:r="http://schemas.openxmlformats.org/officeDocument/2006/relationships" xmlns:p="http://schemas.openxmlformats.org/presentationml/2006/main">
+  <p:cSld>
+    <p:spTree>
+      <p:nvGrpSpPr>
+        <p:cNvPr id="1" name="">
+          <a:extLst>
+            <a:ext uri="{FF2B5EF4-FFF2-40B4-BE49-F238E27FC236}">
+              <a16:creationId xmlns:a16="http://schemas.microsoft.com/office/drawing/2014/main" id="{D0F132C0-2589-9A88-8191-4796F55A84B0}"/>
+            </a:ext>
+          </a:extLst>
+        </p:cNvPr>
+        <p:cNvGrpSpPr/>
+        <p:nvPr/>
+      </p:nvGrpSpPr>
+      <p:grpSpPr>
+        <a:xfrm>
+          <a:off x="0" y="0"/>
+          <a:ext cx="0" cy="0"/>
+          <a:chOff x="0" y="0"/>
+          <a:chExt cx="0" cy="0"/>
+        </a:xfrm>
+      </p:grpSpPr>
+      <p:sp>
+        <p:nvSpPr>
+          <p:cNvPr id="2" name="テキスト ボックス 1">
+            <a:extLst>
+              <a:ext uri="{FF2B5EF4-FFF2-40B4-BE49-F238E27FC236}">
+                <a16:creationId xmlns:a16="http://schemas.microsoft.com/office/drawing/2014/main" id="{494025D2-CADA-9584-EB74-5F61CDC248F9}"/>
+              </a:ext>
+            </a:extLst>
+          </p:cNvPr>
+          <p:cNvSpPr txBox="1"/>
+          <p:nvPr/>
+        </p:nvSpPr>
+        <p:spPr>
+          <a:xfrm>
+            <a:off x="-302394" y="300551"/>
+            <a:ext cx="3157979" cy="584775"/>
+          </a:xfrm>
+          <a:prstGeom prst="rect">
+            <a:avLst/>
+          </a:prstGeom>
+          <a:noFill/>
+        </p:spPr>
+        <p:txBody>
+          <a:bodyPr wrap="square" rtlCol="0">
+            <a:spAutoFit/>
+          </a:bodyPr>
+          <a:lstStyle/>
+          <a:p>
+            <a:pPr algn="ctr"/>
+            <a:r>
+              <a:rPr kumimoji="1" lang="ja-JP" altLang="en-US" sz="3200" b="1" dirty="0">
+                <a:latin typeface="メイリオ" panose="020B0604030504040204" pitchFamily="50" charset="-128"/>
+                <a:ea typeface="メイリオ" panose="020B0604030504040204" pitchFamily="50" charset="-128"/>
+              </a:rPr>
+              <a:t>評　価</a:t>
+            </a:r>
+          </a:p>
+        </p:txBody>
+      </p:sp>
+      <p:sp>
+        <p:nvSpPr>
+          <p:cNvPr id="3" name="テキスト ボックス 2">
+            <a:extLst>
+              <a:ext uri="{FF2B5EF4-FFF2-40B4-BE49-F238E27FC236}">
+                <a16:creationId xmlns:a16="http://schemas.microsoft.com/office/drawing/2014/main" id="{11D214C4-DB5D-A650-9519-72207411587D}"/>
+              </a:ext>
+            </a:extLst>
+          </p:cNvPr>
+          <p:cNvSpPr txBox="1"/>
+          <p:nvPr/>
+        </p:nvSpPr>
+        <p:spPr>
+          <a:xfrm>
+            <a:off x="616965" y="1214471"/>
+            <a:ext cx="10958070" cy="4154984"/>
+          </a:xfrm>
+          <a:prstGeom prst="rect">
+            <a:avLst/>
+          </a:prstGeom>
+          <a:noFill/>
+        </p:spPr>
+        <p:txBody>
+          <a:bodyPr wrap="square" rtlCol="0">
+            <a:spAutoFit/>
+          </a:bodyPr>
+          <a:lstStyle/>
+          <a:p>
+            <a:pPr marL="457200" indent="-457200">
+              <a:buFont typeface="+mj-lt"/>
+              <a:buAutoNum type="arabicPeriod"/>
+            </a:pPr>
+            <a:r>
+              <a:rPr kumimoji="1" lang="ja-JP" altLang="en-US" sz="2400" dirty="0">
+                <a:latin typeface="メイリオ" panose="020B0604030504040204" pitchFamily="50" charset="-128"/>
+                <a:ea typeface="メイリオ" panose="020B0604030504040204" pitchFamily="50" charset="-128"/>
+              </a:rPr>
+              <a:t>期末テストだけで評価（</a:t>
+            </a:r>
+            <a:r>
+              <a:rPr kumimoji="1" lang="en-US" altLang="ja-JP" sz="2400" dirty="0">
+                <a:latin typeface="メイリオ" panose="020B0604030504040204" pitchFamily="50" charset="-128"/>
+                <a:ea typeface="メイリオ" panose="020B0604030504040204" pitchFamily="50" charset="-128"/>
+              </a:rPr>
+              <a:t>13</a:t>
+            </a:r>
+            <a:r>
+              <a:rPr kumimoji="1" lang="ja-JP" altLang="en-US" sz="2400" dirty="0">
+                <a:latin typeface="メイリオ" panose="020B0604030504040204" pitchFamily="50" charset="-128"/>
+                <a:ea typeface="メイリオ" panose="020B0604030504040204" pitchFamily="50" charset="-128"/>
+              </a:rPr>
+              <a:t>回目に実施）</a:t>
+            </a:r>
+            <a:endParaRPr kumimoji="1" lang="en-US" altLang="ja-JP" sz="2400" dirty="0">
+              <a:latin typeface="メイリオ" panose="020B0604030504040204" pitchFamily="50" charset="-128"/>
+              <a:ea typeface="メイリオ" panose="020B0604030504040204" pitchFamily="50" charset="-128"/>
+            </a:endParaRPr>
+          </a:p>
+          <a:p>
+            <a:pPr marL="457200" indent="-457200">
+              <a:buFont typeface="+mj-lt"/>
+              <a:buAutoNum type="arabicPeriod"/>
+            </a:pPr>
+            <a:r>
+              <a:rPr kumimoji="1" lang="ja-JP" altLang="en-US" sz="2400" dirty="0">
+                <a:latin typeface="メイリオ" panose="020B0604030504040204" pitchFamily="50" charset="-128"/>
+                <a:ea typeface="メイリオ" panose="020B0604030504040204" pitchFamily="50" charset="-128"/>
+              </a:rPr>
+              <a:t>出欠はとらない（けど出席しないと期末テストの範囲がわからない）</a:t>
+            </a:r>
+            <a:endParaRPr kumimoji="1" lang="en-US" altLang="ja-JP" sz="2400" dirty="0">
+              <a:latin typeface="メイリオ" panose="020B0604030504040204" pitchFamily="50" charset="-128"/>
+              <a:ea typeface="メイリオ" panose="020B0604030504040204" pitchFamily="50" charset="-128"/>
+            </a:endParaRPr>
+          </a:p>
+          <a:p>
+            <a:pPr marL="457200" indent="-457200">
+              <a:buFont typeface="+mj-lt"/>
+              <a:buAutoNum type="arabicPeriod"/>
+            </a:pPr>
+            <a:r>
+              <a:rPr kumimoji="1" lang="ja-JP" altLang="en-US" sz="2400" dirty="0">
+                <a:latin typeface="メイリオ" panose="020B0604030504040204" pitchFamily="50" charset="-128"/>
+                <a:ea typeface="メイリオ" panose="020B0604030504040204" pitchFamily="50" charset="-128"/>
+              </a:rPr>
+              <a:t>ボーナスポイントを提供するかもしれない</a:t>
+            </a:r>
+            <a:endParaRPr kumimoji="1" lang="en-US" altLang="ja-JP" sz="2400" dirty="0">
+              <a:latin typeface="メイリオ" panose="020B0604030504040204" pitchFamily="50" charset="-128"/>
+              <a:ea typeface="メイリオ" panose="020B0604030504040204" pitchFamily="50" charset="-128"/>
+            </a:endParaRPr>
+          </a:p>
+          <a:p>
+            <a:r>
+              <a:rPr kumimoji="1" lang="ja-JP" altLang="en-US" sz="2400" dirty="0">
+                <a:latin typeface="メイリオ" panose="020B0604030504040204" pitchFamily="50" charset="-128"/>
+                <a:ea typeface="メイリオ" panose="020B0604030504040204" pitchFamily="50" charset="-128"/>
+              </a:rPr>
+              <a:t>　　演習問題を授業中に解けた人にボーナスポイント（期末テストスコアへの</a:t>
+            </a:r>
+            <a:endParaRPr kumimoji="1" lang="en-US" altLang="ja-JP" sz="2400" dirty="0">
+              <a:latin typeface="メイリオ" panose="020B0604030504040204" pitchFamily="50" charset="-128"/>
+              <a:ea typeface="メイリオ" panose="020B0604030504040204" pitchFamily="50" charset="-128"/>
+            </a:endParaRPr>
+          </a:p>
+          <a:p>
+            <a:r>
+              <a:rPr kumimoji="1" lang="ja-JP" altLang="en-US" sz="2400" dirty="0">
+                <a:latin typeface="メイリオ" panose="020B0604030504040204" pitchFamily="50" charset="-128"/>
+                <a:ea typeface="メイリオ" panose="020B0604030504040204" pitchFamily="50" charset="-128"/>
+              </a:rPr>
+              <a:t>　　加算点）を差し上げます。</a:t>
+            </a:r>
+            <a:endParaRPr kumimoji="1" lang="en-US" altLang="ja-JP" sz="2400" dirty="0">
+              <a:latin typeface="メイリオ" panose="020B0604030504040204" pitchFamily="50" charset="-128"/>
+              <a:ea typeface="メイリオ" panose="020B0604030504040204" pitchFamily="50" charset="-128"/>
+            </a:endParaRPr>
+          </a:p>
+          <a:p>
+            <a:r>
+              <a:rPr kumimoji="1" lang="ja-JP" altLang="en-US" sz="2400" dirty="0">
+                <a:latin typeface="メイリオ" panose="020B0604030504040204" pitchFamily="50" charset="-128"/>
+                <a:ea typeface="メイリオ" panose="020B0604030504040204" pitchFamily="50" charset="-128"/>
+              </a:rPr>
+              <a:t>　　－演習問題は豊富なためチャンスは結構ある。</a:t>
+            </a:r>
+            <a:endParaRPr kumimoji="1" lang="en-US" altLang="ja-JP" sz="2400" dirty="0">
+              <a:latin typeface="メイリオ" panose="020B0604030504040204" pitchFamily="50" charset="-128"/>
+              <a:ea typeface="メイリオ" panose="020B0604030504040204" pitchFamily="50" charset="-128"/>
+            </a:endParaRPr>
+          </a:p>
+          <a:p>
+            <a:r>
+              <a:rPr kumimoji="1" lang="ja-JP" altLang="en-US" sz="2400" dirty="0">
+                <a:latin typeface="メイリオ" panose="020B0604030504040204" pitchFamily="50" charset="-128"/>
+                <a:ea typeface="メイリオ" panose="020B0604030504040204" pitchFamily="50" charset="-128"/>
+              </a:rPr>
+              <a:t>　　－完全正解でなくとも、プログラミングの意図が正解に近ければある程度</a:t>
+            </a:r>
+            <a:endParaRPr kumimoji="1" lang="en-US" altLang="ja-JP" sz="2400" dirty="0">
+              <a:latin typeface="メイリオ" panose="020B0604030504040204" pitchFamily="50" charset="-128"/>
+              <a:ea typeface="メイリオ" panose="020B0604030504040204" pitchFamily="50" charset="-128"/>
+            </a:endParaRPr>
+          </a:p>
+          <a:p>
+            <a:r>
+              <a:rPr kumimoji="1" lang="ja-JP" altLang="en-US" sz="2400" dirty="0">
+                <a:latin typeface="メイリオ" panose="020B0604030504040204" pitchFamily="50" charset="-128"/>
+                <a:ea typeface="メイリオ" panose="020B0604030504040204" pitchFamily="50" charset="-128"/>
+              </a:rPr>
+              <a:t>　　　加点します。</a:t>
+            </a:r>
+            <a:endParaRPr kumimoji="1" lang="en-US" altLang="ja-JP" sz="2400" dirty="0">
+              <a:latin typeface="メイリオ" panose="020B0604030504040204" pitchFamily="50" charset="-128"/>
+              <a:ea typeface="メイリオ" panose="020B0604030504040204" pitchFamily="50" charset="-128"/>
+            </a:endParaRPr>
+          </a:p>
+          <a:p>
+            <a:r>
+              <a:rPr kumimoji="1" lang="ja-JP" altLang="en-US" sz="2400" dirty="0">
+                <a:latin typeface="メイリオ" panose="020B0604030504040204" pitchFamily="50" charset="-128"/>
+                <a:ea typeface="メイリオ" panose="020B0604030504040204" pitchFamily="50" charset="-128"/>
+              </a:rPr>
+              <a:t>　　できた人には翌週、コードレビューしてもらうかもしれない。</a:t>
+            </a:r>
+            <a:endParaRPr kumimoji="1" lang="en-US" altLang="ja-JP" sz="2400" dirty="0">
+              <a:latin typeface="メイリオ" panose="020B0604030504040204" pitchFamily="50" charset="-128"/>
+              <a:ea typeface="メイリオ" panose="020B0604030504040204" pitchFamily="50" charset="-128"/>
+            </a:endParaRPr>
+          </a:p>
+          <a:p>
+            <a:endParaRPr kumimoji="1" lang="en-US" altLang="ja-JP" sz="2400" dirty="0">
+              <a:latin typeface="メイリオ" panose="020B0604030504040204" pitchFamily="50" charset="-128"/>
+              <a:ea typeface="メイリオ" panose="020B0604030504040204" pitchFamily="50" charset="-128"/>
+            </a:endParaRPr>
+          </a:p>
+          <a:p>
+            <a:pPr marL="457200" indent="-457200">
+              <a:buFont typeface="+mj-lt"/>
+              <a:buAutoNum type="arabicPeriod"/>
+            </a:pPr>
+            <a:endParaRPr kumimoji="1" lang="en-US" altLang="ja-JP" sz="2400" dirty="0">
+              <a:latin typeface="メイリオ" panose="020B0604030504040204" pitchFamily="50" charset="-128"/>
+              <a:ea typeface="メイリオ" panose="020B0604030504040204" pitchFamily="50" charset="-128"/>
+            </a:endParaRPr>
+          </a:p>
+        </p:txBody>
+      </p:sp>
+    </p:spTree>
+    <p:extLst>
+      <p:ext uri="{BB962C8B-B14F-4D97-AF65-F5344CB8AC3E}">
+        <p14:creationId xmlns:p14="http://schemas.microsoft.com/office/powerpoint/2010/main" val="2067010294"/>
+      </p:ext>
+    </p:extLst>
+  </p:cSld>
+  <p:clrMapOvr>
+    <a:masterClrMapping/>
+  </p:clrMapOvr>
+  <p:transition spd="med"/>
+</p:sld>
+</file>
+
+<file path=ppt/slides/slide19.xml><?xml version="1.0" encoding="utf-8"?>
+<p:sld xmlns:a="http://schemas.openxmlformats.org/drawingml/2006/main" xmlns:r="http://schemas.openxmlformats.org/officeDocument/2006/relationships" xmlns:p="http://schemas.openxmlformats.org/presentationml/2006/main">
+  <p:cSld>
+    <p:spTree>
+      <p:nvGrpSpPr>
+        <p:cNvPr id="1" name=""/>
+        <p:cNvGrpSpPr/>
+        <p:nvPr/>
+      </p:nvGrpSpPr>
+      <p:grpSpPr>
+        <a:xfrm>
+          <a:off x="0" y="0"/>
+          <a:ext cx="0" cy="0"/>
+          <a:chOff x="0" y="0"/>
+          <a:chExt cx="0" cy="0"/>
+        </a:xfrm>
+      </p:grpSpPr>
+      <p:pic>
+        <p:nvPicPr>
+          <p:cNvPr id="3" name="図 2">
+            <a:extLst>
+              <a:ext uri="{FF2B5EF4-FFF2-40B4-BE49-F238E27FC236}">
+                <a16:creationId xmlns:a16="http://schemas.microsoft.com/office/drawing/2014/main" id="{CB9A9D19-4967-93F0-3001-B376760B9A36}"/>
+              </a:ext>
+            </a:extLst>
+          </p:cNvPr>
+          <p:cNvPicPr>
+            <a:picLocks noChangeAspect="1"/>
+          </p:cNvPicPr>
+          <p:nvPr/>
+        </p:nvPicPr>
+        <p:blipFill>
+          <a:blip r:embed="rId2"/>
+          <a:stretch>
+            <a:fillRect/>
+          </a:stretch>
+        </p:blipFill>
+        <p:spPr>
+          <a:xfrm>
+            <a:off x="0" y="956329"/>
+            <a:ext cx="12192000" cy="5493981"/>
+          </a:xfrm>
+          <a:prstGeom prst="rect">
+            <a:avLst/>
+          </a:prstGeom>
+        </p:spPr>
+      </p:pic>
+      <p:sp>
+        <p:nvSpPr>
+          <p:cNvPr id="4" name="テキスト ボックス 3">
+            <a:extLst>
+              <a:ext uri="{FF2B5EF4-FFF2-40B4-BE49-F238E27FC236}">
+                <a16:creationId xmlns:a16="http://schemas.microsoft.com/office/drawing/2014/main" id="{7FF0AC9B-F8B1-9A78-FB24-D5CE4FBF8285}"/>
+              </a:ext>
+            </a:extLst>
+          </p:cNvPr>
+          <p:cNvSpPr txBox="1"/>
+          <p:nvPr/>
+        </p:nvSpPr>
+        <p:spPr>
+          <a:xfrm>
+            <a:off x="340822" y="432262"/>
+            <a:ext cx="3877985" cy="584775"/>
+          </a:xfrm>
+          <a:prstGeom prst="rect">
+            <a:avLst/>
+          </a:prstGeom>
+          <a:noFill/>
+        </p:spPr>
+        <p:txBody>
+          <a:bodyPr wrap="none" rtlCol="0">
+            <a:spAutoFit/>
+          </a:bodyPr>
+          <a:lstStyle/>
+          <a:p>
+            <a:pPr algn="l"/>
+            <a:r>
+              <a:rPr kumimoji="1" lang="ja-JP" altLang="en-US" sz="3200" dirty="0">
+                <a:latin typeface="メイリオ" panose="020B0604030504040204" pitchFamily="50" charset="-128"/>
+                <a:ea typeface="メイリオ" panose="020B0604030504040204" pitchFamily="50" charset="-128"/>
+              </a:rPr>
+              <a:t>教材のダウンロード</a:t>
+            </a:r>
+          </a:p>
+        </p:txBody>
+      </p:sp>
+    </p:spTree>
+    <p:extLst>
+      <p:ext uri="{BB962C8B-B14F-4D97-AF65-F5344CB8AC3E}">
+        <p14:creationId xmlns:p14="http://schemas.microsoft.com/office/powerpoint/2010/main" val="3545549402"/>
+      </p:ext>
+    </p:extLst>
+  </p:cSld>
+  <p:clrMapOvr>
+    <a:masterClrMapping/>
+  </p:clrMapOvr>
+  <p:transition spd="med"/>
 </p:sld>
 </file>
 
@@ -5547,7 +8147,7 @@
         </p:nvSpPr>
         <p:spPr>
           <a:xfrm>
-            <a:off x="624567" y="860554"/>
+            <a:off x="483251" y="2572976"/>
             <a:ext cx="10226351" cy="1077218"/>
           </a:xfrm>
           <a:prstGeom prst="rect">
@@ -5588,10 +8188,10 @@
       </p:sp>
       <p:sp>
         <p:nvSpPr>
-          <p:cNvPr id="5" name="テキスト ボックス 4">
-            <a:extLst>
-              <a:ext uri="{FF2B5EF4-FFF2-40B4-BE49-F238E27FC236}">
-                <a16:creationId xmlns:a16="http://schemas.microsoft.com/office/drawing/2014/main" id="{27D7692A-0D7A-42AB-7E78-2F4F7F1B6CAF}"/>
+          <p:cNvPr id="2" name="テキスト ボックス 1">
+            <a:extLst>
+              <a:ext uri="{FF2B5EF4-FFF2-40B4-BE49-F238E27FC236}">
+                <a16:creationId xmlns:a16="http://schemas.microsoft.com/office/drawing/2014/main" id="{BE2A6078-3D82-D5FE-4B3F-2D2493D9F456}"/>
               </a:ext>
             </a:extLst>
           </p:cNvPr>
@@ -5600,8 +8200,8 @@
         </p:nvSpPr>
         <p:spPr>
           <a:xfrm>
-            <a:off x="969606" y="2753308"/>
-            <a:ext cx="6575839" cy="830997"/>
+            <a:off x="731520" y="3923607"/>
+            <a:ext cx="2896947" cy="461665"/>
           </a:xfrm>
           <a:prstGeom prst="rect">
             <a:avLst/>
@@ -5620,7 +8220,327 @@
                 <a:latin typeface="メイリオ" panose="020B0604030504040204" pitchFamily="50" charset="-128"/>
                 <a:ea typeface="メイリオ" panose="020B0604030504040204" pitchFamily="50" charset="-128"/>
               </a:rPr>
-              <a:t>例：</a:t>
+              <a:t>口コミ、画像　</a:t>
+            </a:r>
+            <a:r>
+              <a:rPr kumimoji="1" lang="en-US" altLang="ja-JP" sz="2400" dirty="0">
+                <a:latin typeface="メイリオ" panose="020B0604030504040204" pitchFamily="50" charset="-128"/>
+                <a:ea typeface="メイリオ" panose="020B0604030504040204" pitchFamily="50" charset="-128"/>
+              </a:rPr>
+              <a:t>etc.</a:t>
+            </a:r>
+            <a:endParaRPr kumimoji="1" lang="ja-JP" altLang="en-US" sz="2400" dirty="0">
+              <a:latin typeface="メイリオ" panose="020B0604030504040204" pitchFamily="50" charset="-128"/>
+              <a:ea typeface="メイリオ" panose="020B0604030504040204" pitchFamily="50" charset="-128"/>
+            </a:endParaRPr>
+          </a:p>
+        </p:txBody>
+      </p:sp>
+      <p:sp>
+        <p:nvSpPr>
+          <p:cNvPr id="3" name="テキスト ボックス 2">
+            <a:extLst>
+              <a:ext uri="{FF2B5EF4-FFF2-40B4-BE49-F238E27FC236}">
+                <a16:creationId xmlns:a16="http://schemas.microsoft.com/office/drawing/2014/main" id="{EC10C00D-FB94-1E43-CC18-10BD0E785FA7}"/>
+              </a:ext>
+            </a:extLst>
+          </p:cNvPr>
+          <p:cNvSpPr txBox="1"/>
+          <p:nvPr/>
+        </p:nvSpPr>
+        <p:spPr>
+          <a:xfrm>
+            <a:off x="4297680" y="5303520"/>
+            <a:ext cx="2031325" cy="461665"/>
+          </a:xfrm>
+          <a:prstGeom prst="rect">
+            <a:avLst/>
+          </a:prstGeom>
+          <a:noFill/>
+        </p:spPr>
+        <p:txBody>
+          <a:bodyPr wrap="none" rtlCol="0">
+            <a:spAutoFit/>
+          </a:bodyPr>
+          <a:lstStyle/>
+          <a:p>
+            <a:pPr algn="l"/>
+            <a:r>
+              <a:rPr kumimoji="1" lang="ja-JP" altLang="en-US" sz="2400" b="1" dirty="0">
+                <a:latin typeface="メイリオ" panose="020B0604030504040204" pitchFamily="50" charset="-128"/>
+                <a:ea typeface="メイリオ" panose="020B0604030504040204" pitchFamily="50" charset="-128"/>
+              </a:rPr>
+              <a:t>デモをどうぞ</a:t>
+            </a:r>
+          </a:p>
+        </p:txBody>
+      </p:sp>
+    </p:spTree>
+    <p:extLst>
+      <p:ext uri="{BB962C8B-B14F-4D97-AF65-F5344CB8AC3E}">
+        <p14:creationId xmlns:p14="http://schemas.microsoft.com/office/powerpoint/2010/main" val="1513391998"/>
+      </p:ext>
+    </p:extLst>
+  </p:cSld>
+  <p:clrMapOvr>
+    <a:masterClrMapping/>
+  </p:clrMapOvr>
+</p:sld>
+</file>
+
+<file path=ppt/slides/slide20.xml><?xml version="1.0" encoding="utf-8"?>
+<p:sld xmlns:a="http://schemas.openxmlformats.org/drawingml/2006/main" xmlns:r="http://schemas.openxmlformats.org/officeDocument/2006/relationships" xmlns:p="http://schemas.openxmlformats.org/presentationml/2006/main">
+  <p:cSld>
+    <p:spTree>
+      <p:nvGrpSpPr>
+        <p:cNvPr id="1" name=""/>
+        <p:cNvGrpSpPr/>
+        <p:nvPr/>
+      </p:nvGrpSpPr>
+      <p:grpSpPr>
+        <a:xfrm>
+          <a:off x="0" y="0"/>
+          <a:ext cx="0" cy="0"/>
+          <a:chOff x="0" y="0"/>
+          <a:chExt cx="0" cy="0"/>
+        </a:xfrm>
+      </p:grpSpPr>
+      <p:pic>
+        <p:nvPicPr>
+          <p:cNvPr id="3" name="図 2">
+            <a:extLst>
+              <a:ext uri="{FF2B5EF4-FFF2-40B4-BE49-F238E27FC236}">
+                <a16:creationId xmlns:a16="http://schemas.microsoft.com/office/drawing/2014/main" id="{B04ECCDD-F98B-7917-5BD0-7D5AF34F63B5}"/>
+              </a:ext>
+            </a:extLst>
+          </p:cNvPr>
+          <p:cNvPicPr>
+            <a:picLocks noChangeAspect="1"/>
+          </p:cNvPicPr>
+          <p:nvPr/>
+        </p:nvPicPr>
+        <p:blipFill>
+          <a:blip r:embed="rId2"/>
+          <a:stretch>
+            <a:fillRect/>
+          </a:stretch>
+        </p:blipFill>
+        <p:spPr>
+          <a:xfrm>
+            <a:off x="872835" y="1018191"/>
+            <a:ext cx="10010181" cy="5577100"/>
+          </a:xfrm>
+          <a:prstGeom prst="rect">
+            <a:avLst/>
+          </a:prstGeom>
+        </p:spPr>
+      </p:pic>
+      <p:sp>
+        <p:nvSpPr>
+          <p:cNvPr id="4" name="テキスト ボックス 3">
+            <a:extLst>
+              <a:ext uri="{FF2B5EF4-FFF2-40B4-BE49-F238E27FC236}">
+                <a16:creationId xmlns:a16="http://schemas.microsoft.com/office/drawing/2014/main" id="{2FF528F5-36B9-27BD-5FA4-FDA471A9C0E4}"/>
+              </a:ext>
+            </a:extLst>
+          </p:cNvPr>
+          <p:cNvSpPr txBox="1"/>
+          <p:nvPr/>
+        </p:nvSpPr>
+        <p:spPr>
+          <a:xfrm>
+            <a:off x="980902" y="498764"/>
+            <a:ext cx="800219" cy="461665"/>
+          </a:xfrm>
+          <a:prstGeom prst="rect">
+            <a:avLst/>
+          </a:prstGeom>
+          <a:noFill/>
+        </p:spPr>
+        <p:txBody>
+          <a:bodyPr wrap="none" rtlCol="0">
+            <a:spAutoFit/>
+          </a:bodyPr>
+          <a:lstStyle/>
+          <a:p>
+            <a:pPr algn="l"/>
+            <a:r>
+              <a:rPr kumimoji="1" lang="ja-JP" altLang="en-US" sz="2400" dirty="0">
+                <a:latin typeface="メイリオ" panose="020B0604030504040204" pitchFamily="50" charset="-128"/>
+                <a:ea typeface="メイリオ" panose="020B0604030504040204" pitchFamily="50" charset="-128"/>
+              </a:rPr>
+              <a:t>続き</a:t>
+            </a:r>
+          </a:p>
+        </p:txBody>
+      </p:sp>
+      <p:sp>
+        <p:nvSpPr>
+          <p:cNvPr id="5" name="楕円 4">
+            <a:extLst>
+              <a:ext uri="{FF2B5EF4-FFF2-40B4-BE49-F238E27FC236}">
+                <a16:creationId xmlns:a16="http://schemas.microsoft.com/office/drawing/2014/main" id="{48DFB010-A160-71B8-6F4C-C2A3B7DFE19C}"/>
+              </a:ext>
+            </a:extLst>
+          </p:cNvPr>
+          <p:cNvSpPr/>
+          <p:nvPr/>
+        </p:nvSpPr>
+        <p:spPr>
+          <a:xfrm>
+            <a:off x="6317673" y="5694218"/>
+            <a:ext cx="2385752" cy="739833"/>
+          </a:xfrm>
+          <a:prstGeom prst="ellipse">
+            <a:avLst/>
+          </a:prstGeom>
+          <a:noFill/>
+          <a:ln>
+            <a:solidFill>
+              <a:srgbClr val="FF0000"/>
+            </a:solidFill>
+          </a:ln>
+        </p:spPr>
+        <p:style>
+          <a:lnRef idx="2">
+            <a:schemeClr val="accent1">
+              <a:shade val="15000"/>
+            </a:schemeClr>
+          </a:lnRef>
+          <a:fillRef idx="1">
+            <a:schemeClr val="accent1"/>
+          </a:fillRef>
+          <a:effectRef idx="0">
+            <a:schemeClr val="accent1"/>
+          </a:effectRef>
+          <a:fontRef idx="minor">
+            <a:schemeClr val="lt1"/>
+          </a:fontRef>
+        </p:style>
+        <p:txBody>
+          <a:bodyPr rtlCol="0" anchor="ctr"/>
+          <a:lstStyle/>
+          <a:p>
+            <a:pPr algn="ctr"/>
+            <a:endParaRPr kumimoji="1" lang="ja-JP" altLang="en-US"/>
+          </a:p>
+        </p:txBody>
+      </p:sp>
+    </p:spTree>
+    <p:extLst>
+      <p:ext uri="{BB962C8B-B14F-4D97-AF65-F5344CB8AC3E}">
+        <p14:creationId xmlns:p14="http://schemas.microsoft.com/office/powerpoint/2010/main" val="3630024512"/>
+      </p:ext>
+    </p:extLst>
+  </p:cSld>
+  <p:clrMapOvr>
+    <a:masterClrMapping/>
+  </p:clrMapOvr>
+  <p:transition spd="med"/>
+</p:sld>
+</file>
+
+<file path=ppt/slides/slide21.xml><?xml version="1.0" encoding="utf-8"?>
+<p:sld xmlns:a="http://schemas.openxmlformats.org/drawingml/2006/main" xmlns:r="http://schemas.openxmlformats.org/officeDocument/2006/relationships" xmlns:p="http://schemas.openxmlformats.org/presentationml/2006/main">
+  <p:cSld>
+    <p:spTree>
+      <p:nvGrpSpPr>
+        <p:cNvPr id="1" name=""/>
+        <p:cNvGrpSpPr/>
+        <p:nvPr/>
+      </p:nvGrpSpPr>
+      <p:grpSpPr>
+        <a:xfrm>
+          <a:off x="0" y="0"/>
+          <a:ext cx="0" cy="0"/>
+          <a:chOff x="0" y="0"/>
+          <a:chExt cx="0" cy="0"/>
+        </a:xfrm>
+      </p:grpSpPr>
+      <p:sp>
+        <p:nvSpPr>
+          <p:cNvPr id="2" name="テキスト ボックス 1">
+            <a:extLst>
+              <a:ext uri="{FF2B5EF4-FFF2-40B4-BE49-F238E27FC236}">
+                <a16:creationId xmlns:a16="http://schemas.microsoft.com/office/drawing/2014/main" id="{EA3ABFE0-3DFA-917A-3EB1-C8600C3FB488}"/>
+              </a:ext>
+            </a:extLst>
+          </p:cNvPr>
+          <p:cNvSpPr txBox="1"/>
+          <p:nvPr/>
+        </p:nvSpPr>
+        <p:spPr>
+          <a:xfrm>
+            <a:off x="263395" y="86408"/>
+            <a:ext cx="800219" cy="461665"/>
+          </a:xfrm>
+          <a:prstGeom prst="rect">
+            <a:avLst/>
+          </a:prstGeom>
+          <a:noFill/>
+        </p:spPr>
+        <p:txBody>
+          <a:bodyPr wrap="none" rtlCol="0">
+            <a:spAutoFit/>
+          </a:bodyPr>
+          <a:lstStyle/>
+          <a:p>
+            <a:pPr algn="l"/>
+            <a:r>
+              <a:rPr kumimoji="1" lang="ja-JP" altLang="en-US" sz="2400" dirty="0">
+                <a:latin typeface="メイリオ" panose="020B0604030504040204" pitchFamily="50" charset="-128"/>
+                <a:ea typeface="メイリオ" panose="020B0604030504040204" pitchFamily="50" charset="-128"/>
+              </a:rPr>
+              <a:t>続き</a:t>
+            </a:r>
+          </a:p>
+        </p:txBody>
+      </p:sp>
+      <p:sp>
+        <p:nvSpPr>
+          <p:cNvPr id="3" name="テキスト ボックス 2">
+            <a:extLst>
+              <a:ext uri="{FF2B5EF4-FFF2-40B4-BE49-F238E27FC236}">
+                <a16:creationId xmlns:a16="http://schemas.microsoft.com/office/drawing/2014/main" id="{20D9563A-6747-1A29-554E-5C723149E871}"/>
+              </a:ext>
+            </a:extLst>
+          </p:cNvPr>
+          <p:cNvSpPr txBox="1"/>
+          <p:nvPr/>
+        </p:nvSpPr>
+        <p:spPr>
+          <a:xfrm>
+            <a:off x="1352139" y="317241"/>
+            <a:ext cx="10344561" cy="1569660"/>
+          </a:xfrm>
+          <a:prstGeom prst="rect">
+            <a:avLst/>
+          </a:prstGeom>
+          <a:noFill/>
+        </p:spPr>
+        <p:txBody>
+          <a:bodyPr wrap="square" rtlCol="0">
+            <a:spAutoFit/>
+          </a:bodyPr>
+          <a:lstStyle/>
+          <a:p>
+            <a:pPr marL="457200" indent="-457200" algn="l">
+              <a:buFont typeface="+mj-lt"/>
+              <a:buAutoNum type="arabicPeriod"/>
+            </a:pPr>
+            <a:r>
+              <a:rPr kumimoji="1" lang="en-US" altLang="ja-JP" sz="2400" dirty="0">
+                <a:latin typeface="メイリオ" panose="020B0604030504040204" pitchFamily="50" charset="-128"/>
+                <a:ea typeface="メイリオ" panose="020B0604030504040204" pitchFamily="50" charset="-128"/>
+              </a:rPr>
+              <a:t>GitHub</a:t>
+            </a:r>
+            <a:r>
+              <a:rPr kumimoji="1" lang="ja-JP" altLang="en-US" sz="2400" dirty="0">
+                <a:latin typeface="メイリオ" panose="020B0604030504040204" pitchFamily="50" charset="-128"/>
+                <a:ea typeface="メイリオ" panose="020B0604030504040204" pitchFamily="50" charset="-128"/>
+              </a:rPr>
+              <a:t>レポジトリから以下のようにダウンロードしてください。</a:t>
             </a:r>
             <a:endParaRPr kumimoji="1" lang="en-US" altLang="ja-JP" sz="2400" dirty="0">
               <a:latin typeface="メイリオ" panose="020B0604030504040204" pitchFamily="50" charset="-128"/>
@@ -5628,35 +8548,869 @@
             </a:endParaRPr>
           </a:p>
           <a:p>
-            <a:pPr algn="l"/>
+            <a:pPr marL="457200" indent="-457200" algn="l">
+              <a:buFont typeface="+mj-lt"/>
+              <a:buAutoNum type="arabicPeriod"/>
+            </a:pPr>
+            <a:r>
+              <a:rPr kumimoji="1" lang="en-US" altLang="ja-JP" sz="2400" dirty="0">
+                <a:latin typeface="メイリオ" panose="020B0604030504040204" pitchFamily="50" charset="-128"/>
+                <a:ea typeface="メイリオ" panose="020B0604030504040204" pitchFamily="50" charset="-128"/>
+              </a:rPr>
+              <a:t>zip</a:t>
+            </a:r>
             <a:r>
               <a:rPr kumimoji="1" lang="ja-JP" altLang="en-US" sz="2400" dirty="0">
                 <a:latin typeface="メイリオ" panose="020B0604030504040204" pitchFamily="50" charset="-128"/>
                 <a:ea typeface="メイリオ" panose="020B0604030504040204" pitchFamily="50" charset="-128"/>
               </a:rPr>
-              <a:t>　　口コミ、</a:t>
+              <a:t>形式で</a:t>
             </a:r>
             <a:r>
               <a:rPr kumimoji="1" lang="en-US" altLang="ja-JP" sz="2400" dirty="0">
                 <a:latin typeface="メイリオ" panose="020B0604030504040204" pitchFamily="50" charset="-128"/>
                 <a:ea typeface="メイリオ" panose="020B0604030504040204" pitchFamily="50" charset="-128"/>
               </a:rPr>
-              <a:t>X(twitter)</a:t>
+              <a:t>Download</a:t>
             </a:r>
             <a:r>
               <a:rPr kumimoji="1" lang="ja-JP" altLang="en-US" sz="2400" dirty="0">
                 <a:latin typeface="メイリオ" panose="020B0604030504040204" pitchFamily="50" charset="-128"/>
                 <a:ea typeface="メイリオ" panose="020B0604030504040204" pitchFamily="50" charset="-128"/>
               </a:rPr>
-              <a:t>、公的オープンデータ</a:t>
-            </a:r>
+              <a:t>フォルダーに入るので、解凍してプログラム実行可能なフォルダにそのままコピーしてください</a:t>
+            </a:r>
+            <a:endParaRPr kumimoji="1" lang="en-US" altLang="ja-JP" sz="2400" dirty="0">
+              <a:latin typeface="メイリオ" panose="020B0604030504040204" pitchFamily="50" charset="-128"/>
+              <a:ea typeface="メイリオ" panose="020B0604030504040204" pitchFamily="50" charset="-128"/>
+            </a:endParaRPr>
+          </a:p>
+          <a:p>
+            <a:pPr marL="457200" indent="-457200" algn="l">
+              <a:buFont typeface="+mj-lt"/>
+              <a:buAutoNum type="arabicPeriod"/>
+            </a:pPr>
+            <a:endParaRPr kumimoji="1" lang="ja-JP" altLang="en-US" sz="2400" dirty="0">
+              <a:latin typeface="メイリオ" panose="020B0604030504040204" pitchFamily="50" charset="-128"/>
+              <a:ea typeface="メイリオ" panose="020B0604030504040204" pitchFamily="50" charset="-128"/>
+            </a:endParaRPr>
+          </a:p>
+        </p:txBody>
+      </p:sp>
+      <p:pic>
+        <p:nvPicPr>
+          <p:cNvPr id="5" name="図 4">
+            <a:extLst>
+              <a:ext uri="{FF2B5EF4-FFF2-40B4-BE49-F238E27FC236}">
+                <a16:creationId xmlns:a16="http://schemas.microsoft.com/office/drawing/2014/main" id="{E6B7EDDA-841A-DFC8-1925-55D9F204DC27}"/>
+              </a:ext>
+            </a:extLst>
+          </p:cNvPr>
+          <p:cNvPicPr>
+            <a:picLocks noChangeAspect="1"/>
+          </p:cNvPicPr>
+          <p:nvPr/>
+        </p:nvPicPr>
+        <p:blipFill>
+          <a:blip r:embed="rId2"/>
+          <a:stretch>
+            <a:fillRect/>
+          </a:stretch>
+        </p:blipFill>
+        <p:spPr>
+          <a:xfrm>
+            <a:off x="1552574" y="1629650"/>
+            <a:ext cx="8782461" cy="4987309"/>
+          </a:xfrm>
+          <a:prstGeom prst="rect">
+            <a:avLst/>
+          </a:prstGeom>
+        </p:spPr>
+      </p:pic>
+      <p:sp>
+        <p:nvSpPr>
+          <p:cNvPr id="6" name="四角形: 角を丸くする 5">
+            <a:extLst>
+              <a:ext uri="{FF2B5EF4-FFF2-40B4-BE49-F238E27FC236}">
+                <a16:creationId xmlns:a16="http://schemas.microsoft.com/office/drawing/2014/main" id="{9FB12BB8-60AC-F9C3-3640-EA48ABBF044C}"/>
+              </a:ext>
+            </a:extLst>
+          </p:cNvPr>
+          <p:cNvSpPr/>
+          <p:nvPr/>
+        </p:nvSpPr>
+        <p:spPr>
+          <a:xfrm>
+            <a:off x="6792686" y="5934269"/>
+            <a:ext cx="2491273" cy="503853"/>
+          </a:xfrm>
+          <a:prstGeom prst="roundRect">
+            <a:avLst/>
+          </a:prstGeom>
+          <a:noFill/>
+          <a:ln>
+            <a:solidFill>
+              <a:srgbClr val="FF0000"/>
+            </a:solidFill>
+          </a:ln>
+        </p:spPr>
+        <p:style>
+          <a:lnRef idx="2">
+            <a:schemeClr val="accent1">
+              <a:shade val="15000"/>
+            </a:schemeClr>
+          </a:lnRef>
+          <a:fillRef idx="1">
+            <a:schemeClr val="accent1"/>
+          </a:fillRef>
+          <a:effectRef idx="0">
+            <a:schemeClr val="accent1"/>
+          </a:effectRef>
+          <a:fontRef idx="minor">
+            <a:schemeClr val="lt1"/>
+          </a:fontRef>
+        </p:style>
+        <p:txBody>
+          <a:bodyPr rtlCol="0" anchor="ctr"/>
+          <a:lstStyle/>
+          <a:p>
+            <a:pPr algn="ctr"/>
+            <a:endParaRPr kumimoji="1" lang="ja-JP" altLang="en-US"/>
           </a:p>
         </p:txBody>
       </p:sp>
     </p:spTree>
     <p:extLst>
       <p:ext uri="{BB962C8B-B14F-4D97-AF65-F5344CB8AC3E}">
-        <p14:creationId xmlns:p14="http://schemas.microsoft.com/office/powerpoint/2010/main" val="1513391998"/>
+        <p14:creationId xmlns:p14="http://schemas.microsoft.com/office/powerpoint/2010/main" val="4272478819"/>
+      </p:ext>
+    </p:extLst>
+  </p:cSld>
+  <p:clrMapOvr>
+    <a:masterClrMapping/>
+  </p:clrMapOvr>
+</p:sld>
+</file>
+
+<file path=ppt/slides/slide22.xml><?xml version="1.0" encoding="utf-8"?>
+<p:sld xmlns:a="http://schemas.openxmlformats.org/drawingml/2006/main" xmlns:r="http://schemas.openxmlformats.org/officeDocument/2006/relationships" xmlns:p="http://schemas.openxmlformats.org/presentationml/2006/main">
+  <p:cSld>
+    <p:spTree>
+      <p:nvGrpSpPr>
+        <p:cNvPr id="1" name=""/>
+        <p:cNvGrpSpPr/>
+        <p:nvPr/>
+      </p:nvGrpSpPr>
+      <p:grpSpPr>
+        <a:xfrm>
+          <a:off x="0" y="0"/>
+          <a:ext cx="0" cy="0"/>
+          <a:chOff x="0" y="0"/>
+          <a:chExt cx="0" cy="0"/>
+        </a:xfrm>
+      </p:grpSpPr>
+      <p:sp>
+        <p:nvSpPr>
+          <p:cNvPr id="2" name="テキスト ボックス 1">
+            <a:extLst>
+              <a:ext uri="{FF2B5EF4-FFF2-40B4-BE49-F238E27FC236}">
+                <a16:creationId xmlns:a16="http://schemas.microsoft.com/office/drawing/2014/main" id="{5E62F8D5-D967-91CC-305D-1628B6725B84}"/>
+              </a:ext>
+            </a:extLst>
+          </p:cNvPr>
+          <p:cNvSpPr txBox="1"/>
+          <p:nvPr/>
+        </p:nvSpPr>
+        <p:spPr>
+          <a:xfrm>
+            <a:off x="619125" y="666750"/>
+            <a:ext cx="4288353" cy="584775"/>
+          </a:xfrm>
+          <a:prstGeom prst="rect">
+            <a:avLst/>
+          </a:prstGeom>
+          <a:noFill/>
+        </p:spPr>
+        <p:txBody>
+          <a:bodyPr wrap="none" rtlCol="0">
+            <a:spAutoFit/>
+          </a:bodyPr>
+          <a:lstStyle/>
+          <a:p>
+            <a:pPr algn="l"/>
+            <a:r>
+              <a:rPr kumimoji="1" lang="ja-JP" altLang="en-US" sz="3200" dirty="0">
+                <a:latin typeface="メイリオ" panose="020B0604030504040204" pitchFamily="50" charset="-128"/>
+                <a:ea typeface="メイリオ" panose="020B0604030504040204" pitchFamily="50" charset="-128"/>
+              </a:rPr>
+              <a:t>授業マテリアルの構成</a:t>
+            </a:r>
+          </a:p>
+        </p:txBody>
+      </p:sp>
+      <p:sp>
+        <p:nvSpPr>
+          <p:cNvPr id="3" name="テキスト ボックス 2">
+            <a:extLst>
+              <a:ext uri="{FF2B5EF4-FFF2-40B4-BE49-F238E27FC236}">
+                <a16:creationId xmlns:a16="http://schemas.microsoft.com/office/drawing/2014/main" id="{260CFA61-6F05-3538-5FFC-F19E3938CFAE}"/>
+              </a:ext>
+            </a:extLst>
+          </p:cNvPr>
+          <p:cNvSpPr txBox="1"/>
+          <p:nvPr/>
+        </p:nvSpPr>
+        <p:spPr>
+          <a:xfrm>
+            <a:off x="733426" y="1590675"/>
+            <a:ext cx="10553700" cy="2308324"/>
+          </a:xfrm>
+          <a:prstGeom prst="rect">
+            <a:avLst/>
+          </a:prstGeom>
+          <a:noFill/>
+        </p:spPr>
+        <p:txBody>
+          <a:bodyPr wrap="square" rtlCol="0">
+            <a:spAutoFit/>
+          </a:bodyPr>
+          <a:lstStyle/>
+          <a:p>
+            <a:pPr marL="457200" indent="-457200" algn="l">
+              <a:buFont typeface="+mj-lt"/>
+              <a:buAutoNum type="arabicPeriod"/>
+            </a:pPr>
+            <a:r>
+              <a:rPr kumimoji="1" lang="ja-JP" altLang="en-US" sz="2400" dirty="0">
+                <a:latin typeface="メイリオ" panose="020B0604030504040204" pitchFamily="50" charset="-128"/>
+                <a:ea typeface="メイリオ" panose="020B0604030504040204" pitchFamily="50" charset="-128"/>
+              </a:rPr>
+              <a:t>スライド・レクチャーノート</a:t>
+            </a:r>
+            <a:endParaRPr kumimoji="1" lang="en-US" altLang="ja-JP" sz="2400" dirty="0">
+              <a:latin typeface="メイリオ" panose="020B0604030504040204" pitchFamily="50" charset="-128"/>
+              <a:ea typeface="メイリオ" panose="020B0604030504040204" pitchFamily="50" charset="-128"/>
+            </a:endParaRPr>
+          </a:p>
+          <a:p>
+            <a:pPr algn="l"/>
+            <a:r>
+              <a:rPr kumimoji="1" lang="ja-JP" altLang="en-US" sz="2400" dirty="0">
+                <a:latin typeface="メイリオ" panose="020B0604030504040204" pitchFamily="50" charset="-128"/>
+                <a:ea typeface="メイリオ" panose="020B0604030504040204" pitchFamily="50" charset="-128"/>
+              </a:rPr>
+              <a:t>　：講義の説明、サンプルプログラムの説明（拡張子 </a:t>
+            </a:r>
+            <a:r>
+              <a:rPr kumimoji="1" lang="en-US" altLang="ja-JP" sz="2400" dirty="0">
+                <a:latin typeface="メイリオ" panose="020B0604030504040204" pitchFamily="50" charset="-128"/>
+                <a:ea typeface="メイリオ" panose="020B0604030504040204" pitchFamily="50" charset="-128"/>
+              </a:rPr>
+              <a:t>.pptx, .md</a:t>
+            </a:r>
+            <a:r>
+              <a:rPr kumimoji="1" lang="ja-JP" altLang="en-US" sz="2400" dirty="0">
+                <a:latin typeface="メイリオ" panose="020B0604030504040204" pitchFamily="50" charset="-128"/>
+                <a:ea typeface="メイリオ" panose="020B0604030504040204" pitchFamily="50" charset="-128"/>
+              </a:rPr>
+              <a:t>）</a:t>
+            </a:r>
+            <a:endParaRPr kumimoji="1" lang="en-US" altLang="ja-JP" sz="2400" dirty="0">
+              <a:latin typeface="メイリオ" panose="020B0604030504040204" pitchFamily="50" charset="-128"/>
+              <a:ea typeface="メイリオ" panose="020B0604030504040204" pitchFamily="50" charset="-128"/>
+            </a:endParaRPr>
+          </a:p>
+          <a:p>
+            <a:pPr algn="l"/>
+            <a:endParaRPr kumimoji="1" lang="en-US" altLang="ja-JP" sz="2400" dirty="0">
+              <a:latin typeface="メイリオ" panose="020B0604030504040204" pitchFamily="50" charset="-128"/>
+              <a:ea typeface="メイリオ" panose="020B0604030504040204" pitchFamily="50" charset="-128"/>
+            </a:endParaRPr>
+          </a:p>
+          <a:p>
+            <a:pPr algn="l"/>
+            <a:r>
+              <a:rPr kumimoji="1" lang="ja-JP" altLang="en-US" sz="2400" dirty="0">
+                <a:latin typeface="メイリオ" panose="020B0604030504040204" pitchFamily="50" charset="-128"/>
+                <a:ea typeface="メイリオ" panose="020B0604030504040204" pitchFamily="50" charset="-128"/>
+              </a:rPr>
+              <a:t>２．サンプルプログラム</a:t>
+            </a:r>
+            <a:endParaRPr kumimoji="1" lang="en-US" altLang="ja-JP" sz="2400" dirty="0">
+              <a:latin typeface="メイリオ" panose="020B0604030504040204" pitchFamily="50" charset="-128"/>
+              <a:ea typeface="メイリオ" panose="020B0604030504040204" pitchFamily="50" charset="-128"/>
+            </a:endParaRPr>
+          </a:p>
+          <a:p>
+            <a:pPr algn="l"/>
+            <a:r>
+              <a:rPr kumimoji="1" lang="ja-JP" altLang="en-US" sz="2400" dirty="0">
+                <a:latin typeface="メイリオ" panose="020B0604030504040204" pitchFamily="50" charset="-128"/>
+                <a:ea typeface="メイリオ" panose="020B0604030504040204" pitchFamily="50" charset="-128"/>
+              </a:rPr>
+              <a:t>　：演習用・デモ用（拡張子 </a:t>
+            </a:r>
+            <a:r>
+              <a:rPr kumimoji="1" lang="en-US" altLang="ja-JP" sz="2400" dirty="0">
+                <a:latin typeface="メイリオ" panose="020B0604030504040204" pitchFamily="50" charset="-128"/>
+                <a:ea typeface="メイリオ" panose="020B0604030504040204" pitchFamily="50" charset="-128"/>
+              </a:rPr>
+              <a:t>.</a:t>
+            </a:r>
+            <a:r>
+              <a:rPr kumimoji="1" lang="en-US" altLang="ja-JP" sz="2400" dirty="0" err="1">
+                <a:latin typeface="メイリオ" panose="020B0604030504040204" pitchFamily="50" charset="-128"/>
+                <a:ea typeface="メイリオ" panose="020B0604030504040204" pitchFamily="50" charset="-128"/>
+              </a:rPr>
+              <a:t>py</a:t>
+            </a:r>
+            <a:r>
+              <a:rPr kumimoji="1" lang="ja-JP" altLang="en-US" sz="2400" dirty="0">
+                <a:latin typeface="メイリオ" panose="020B0604030504040204" pitchFamily="50" charset="-128"/>
+                <a:ea typeface="メイリオ" panose="020B0604030504040204" pitchFamily="50" charset="-128"/>
+              </a:rPr>
+              <a:t>）</a:t>
+            </a:r>
+            <a:endParaRPr kumimoji="1" lang="en-US" altLang="ja-JP" sz="2400" dirty="0">
+              <a:latin typeface="メイリオ" panose="020B0604030504040204" pitchFamily="50" charset="-128"/>
+              <a:ea typeface="メイリオ" panose="020B0604030504040204" pitchFamily="50" charset="-128"/>
+            </a:endParaRPr>
+          </a:p>
+          <a:p>
+            <a:pPr marL="457200" indent="-457200" algn="l">
+              <a:buFont typeface="+mj-lt"/>
+              <a:buAutoNum type="arabicPeriod"/>
+            </a:pPr>
+            <a:endParaRPr kumimoji="1" lang="ja-JP" altLang="en-US" sz="2400" dirty="0">
+              <a:latin typeface="メイリオ" panose="020B0604030504040204" pitchFamily="50" charset="-128"/>
+              <a:ea typeface="メイリオ" panose="020B0604030504040204" pitchFamily="50" charset="-128"/>
+            </a:endParaRPr>
+          </a:p>
+        </p:txBody>
+      </p:sp>
+    </p:spTree>
+    <p:extLst>
+      <p:ext uri="{BB962C8B-B14F-4D97-AF65-F5344CB8AC3E}">
+        <p14:creationId xmlns:p14="http://schemas.microsoft.com/office/powerpoint/2010/main" val="3275147281"/>
+      </p:ext>
+    </p:extLst>
+  </p:cSld>
+  <p:clrMapOvr>
+    <a:masterClrMapping/>
+  </p:clrMapOvr>
+</p:sld>
+</file>
+
+<file path=ppt/slides/slide23.xml><?xml version="1.0" encoding="utf-8"?>
+<p:sld xmlns:a="http://schemas.openxmlformats.org/drawingml/2006/main" xmlns:r="http://schemas.openxmlformats.org/officeDocument/2006/relationships" xmlns:p="http://schemas.openxmlformats.org/presentationml/2006/main">
+  <p:cSld>
+    <p:spTree>
+      <p:nvGrpSpPr>
+        <p:cNvPr id="1" name=""/>
+        <p:cNvGrpSpPr/>
+        <p:nvPr/>
+      </p:nvGrpSpPr>
+      <p:grpSpPr>
+        <a:xfrm>
+          <a:off x="0" y="0"/>
+          <a:ext cx="0" cy="0"/>
+          <a:chOff x="0" y="0"/>
+          <a:chExt cx="0" cy="0"/>
+        </a:xfrm>
+      </p:grpSpPr>
+      <p:sp>
+        <p:nvSpPr>
+          <p:cNvPr id="2" name="テキスト ボックス 1">
+            <a:extLst>
+              <a:ext uri="{FF2B5EF4-FFF2-40B4-BE49-F238E27FC236}">
+                <a16:creationId xmlns:a16="http://schemas.microsoft.com/office/drawing/2014/main" id="{E3890B6E-9E82-51F8-F0E6-5AC8A7E772C8}"/>
+              </a:ext>
+            </a:extLst>
+          </p:cNvPr>
+          <p:cNvSpPr txBox="1"/>
+          <p:nvPr/>
+        </p:nvSpPr>
+        <p:spPr>
+          <a:xfrm>
+            <a:off x="767806" y="2544544"/>
+            <a:ext cx="11118749" cy="1200329"/>
+          </a:xfrm>
+          <a:prstGeom prst="rect">
+            <a:avLst/>
+          </a:prstGeom>
+          <a:noFill/>
+        </p:spPr>
+        <p:txBody>
+          <a:bodyPr wrap="none" rtlCol="0">
+            <a:spAutoFit/>
+          </a:bodyPr>
+          <a:lstStyle/>
+          <a:p>
+            <a:pPr algn="l"/>
+            <a:r>
+              <a:rPr kumimoji="1" lang="en-US" altLang="ja-JP" sz="3600" dirty="0">
+                <a:latin typeface="メイリオ" panose="020B0604030504040204" pitchFamily="50" charset="-128"/>
+                <a:ea typeface="メイリオ" panose="020B0604030504040204" pitchFamily="50" charset="-128"/>
+              </a:rPr>
+              <a:t>anaconda</a:t>
+            </a:r>
+            <a:r>
+              <a:rPr kumimoji="1" lang="ja-JP" altLang="en-US" sz="3600" dirty="0">
+                <a:latin typeface="メイリオ" panose="020B0604030504040204" pitchFamily="50" charset="-128"/>
+                <a:ea typeface="メイリオ" panose="020B0604030504040204" pitchFamily="50" charset="-128"/>
+              </a:rPr>
+              <a:t>の再インストールをやっといてください。</a:t>
+            </a:r>
+            <a:endParaRPr kumimoji="1" lang="en-US" altLang="ja-JP" sz="3600" dirty="0">
+              <a:latin typeface="メイリオ" panose="020B0604030504040204" pitchFamily="50" charset="-128"/>
+              <a:ea typeface="メイリオ" panose="020B0604030504040204" pitchFamily="50" charset="-128"/>
+            </a:endParaRPr>
+          </a:p>
+          <a:p>
+            <a:pPr algn="l"/>
+            <a:r>
+              <a:rPr kumimoji="1" lang="ja-JP" altLang="en-US" sz="3600" dirty="0">
+                <a:latin typeface="メイリオ" panose="020B0604030504040204" pitchFamily="50" charset="-128"/>
+                <a:ea typeface="メイリオ" panose="020B0604030504040204" pitchFamily="50" charset="-128"/>
+              </a:rPr>
+              <a:t>（別紙　</a:t>
+            </a:r>
+            <a:r>
+              <a:rPr kumimoji="1" lang="en-US" altLang="ja-JP" sz="3600" dirty="0" err="1">
+                <a:latin typeface="メイリオ" panose="020B0604030504040204" pitchFamily="50" charset="-128"/>
+                <a:ea typeface="メイリオ" panose="020B0604030504040204" pitchFamily="50" charset="-128"/>
+              </a:rPr>
+              <a:t>anaconda.ppy</a:t>
+            </a:r>
+            <a:r>
+              <a:rPr kumimoji="1" lang="ja-JP" altLang="en-US" sz="3600" dirty="0">
+                <a:latin typeface="メイリオ" panose="020B0604030504040204" pitchFamily="50" charset="-128"/>
+                <a:ea typeface="メイリオ" panose="020B0604030504040204" pitchFamily="50" charset="-128"/>
+              </a:rPr>
+              <a:t>に正確に準拠すること）</a:t>
+            </a:r>
+          </a:p>
+        </p:txBody>
+      </p:sp>
+      <p:sp>
+        <p:nvSpPr>
+          <p:cNvPr id="4" name="テキスト ボックス 3">
+            <a:extLst>
+              <a:ext uri="{FF2B5EF4-FFF2-40B4-BE49-F238E27FC236}">
+                <a16:creationId xmlns:a16="http://schemas.microsoft.com/office/drawing/2014/main" id="{00EF38D9-BCBB-4887-6BE8-2FAF0F3523D8}"/>
+              </a:ext>
+            </a:extLst>
+          </p:cNvPr>
+          <p:cNvSpPr txBox="1"/>
+          <p:nvPr/>
+        </p:nvSpPr>
+        <p:spPr>
+          <a:xfrm>
+            <a:off x="628650" y="876300"/>
+            <a:ext cx="800219" cy="461665"/>
+          </a:xfrm>
+          <a:prstGeom prst="rect">
+            <a:avLst/>
+          </a:prstGeom>
+          <a:noFill/>
+        </p:spPr>
+        <p:txBody>
+          <a:bodyPr wrap="none" rtlCol="0">
+            <a:spAutoFit/>
+          </a:bodyPr>
+          <a:lstStyle/>
+          <a:p>
+            <a:pPr algn="l"/>
+            <a:r>
+              <a:rPr kumimoji="1" lang="ja-JP" altLang="en-US" sz="2400" dirty="0">
+                <a:latin typeface="メイリオ" panose="020B0604030504040204" pitchFamily="50" charset="-128"/>
+                <a:ea typeface="メイリオ" panose="020B0604030504040204" pitchFamily="50" charset="-128"/>
+              </a:rPr>
+              <a:t>宿題</a:t>
+            </a:r>
+          </a:p>
+        </p:txBody>
+      </p:sp>
+    </p:spTree>
+    <p:extLst>
+      <p:ext uri="{BB962C8B-B14F-4D97-AF65-F5344CB8AC3E}">
+        <p14:creationId xmlns:p14="http://schemas.microsoft.com/office/powerpoint/2010/main" val="710502467"/>
+      </p:ext>
+    </p:extLst>
+  </p:cSld>
+  <p:clrMapOvr>
+    <a:masterClrMapping/>
+  </p:clrMapOvr>
+  <p:transition spd="med"/>
+</p:sld>
+</file>
+
+<file path=ppt/slides/slide24.xml><?xml version="1.0" encoding="utf-8"?>
+<p:sld xmlns:a="http://schemas.openxmlformats.org/drawingml/2006/main" xmlns:r="http://schemas.openxmlformats.org/officeDocument/2006/relationships" xmlns:p="http://schemas.openxmlformats.org/presentationml/2006/main">
+  <p:cSld>
+    <p:spTree>
+      <p:nvGrpSpPr>
+        <p:cNvPr id="1" name=""/>
+        <p:cNvGrpSpPr/>
+        <p:nvPr/>
+      </p:nvGrpSpPr>
+      <p:grpSpPr>
+        <a:xfrm>
+          <a:off x="0" y="0"/>
+          <a:ext cx="0" cy="0"/>
+          <a:chOff x="0" y="0"/>
+          <a:chExt cx="0" cy="0"/>
+        </a:xfrm>
+      </p:grpSpPr>
+      <p:sp>
+        <p:nvSpPr>
+          <p:cNvPr id="2" name="テキスト ボックス 1">
+            <a:extLst>
+              <a:ext uri="{FF2B5EF4-FFF2-40B4-BE49-F238E27FC236}">
+                <a16:creationId xmlns:a16="http://schemas.microsoft.com/office/drawing/2014/main" id="{FD4E9E18-CDCB-FCE9-63C7-0A38B3D1248C}"/>
+              </a:ext>
+            </a:extLst>
+          </p:cNvPr>
+          <p:cNvSpPr txBox="1"/>
+          <p:nvPr/>
+        </p:nvSpPr>
+        <p:spPr>
+          <a:xfrm>
+            <a:off x="1212980" y="2817845"/>
+            <a:ext cx="800219" cy="461665"/>
+          </a:xfrm>
+          <a:prstGeom prst="rect">
+            <a:avLst/>
+          </a:prstGeom>
+          <a:noFill/>
+        </p:spPr>
+        <p:txBody>
+          <a:bodyPr wrap="none" rtlCol="0">
+            <a:spAutoFit/>
+          </a:bodyPr>
+          <a:lstStyle/>
+          <a:p>
+            <a:pPr algn="l"/>
+            <a:r>
+              <a:rPr kumimoji="1" lang="ja-JP" altLang="en-US" sz="2400" dirty="0">
+                <a:latin typeface="メイリオ" panose="020B0604030504040204" pitchFamily="50" charset="-128"/>
+                <a:ea typeface="メイリオ" panose="020B0604030504040204" pitchFamily="50" charset="-128"/>
+              </a:rPr>
+              <a:t>メモ</a:t>
+            </a:r>
+          </a:p>
+        </p:txBody>
+      </p:sp>
+    </p:spTree>
+    <p:extLst>
+      <p:ext uri="{BB962C8B-B14F-4D97-AF65-F5344CB8AC3E}">
+        <p14:creationId xmlns:p14="http://schemas.microsoft.com/office/powerpoint/2010/main" val="62072827"/>
+      </p:ext>
+    </p:extLst>
+  </p:cSld>
+  <p:clrMapOvr>
+    <a:masterClrMapping/>
+  </p:clrMapOvr>
+  <p:transition spd="med"/>
+</p:sld>
+</file>
+
+<file path=ppt/slides/slide25.xml><?xml version="1.0" encoding="utf-8"?>
+<p:sld xmlns:a="http://schemas.openxmlformats.org/drawingml/2006/main" xmlns:r="http://schemas.openxmlformats.org/officeDocument/2006/relationships" xmlns:p="http://schemas.openxmlformats.org/presentationml/2006/main">
+  <p:cSld>
+    <p:spTree>
+      <p:nvGrpSpPr>
+        <p:cNvPr id="1" name=""/>
+        <p:cNvGrpSpPr/>
+        <p:nvPr/>
+      </p:nvGrpSpPr>
+      <p:grpSpPr>
+        <a:xfrm>
+          <a:off x="0" y="0"/>
+          <a:ext cx="0" cy="0"/>
+          <a:chOff x="0" y="0"/>
+          <a:chExt cx="0" cy="0"/>
+        </a:xfrm>
+      </p:grpSpPr>
+      <p:sp>
+        <p:nvSpPr>
+          <p:cNvPr id="2" name="テキスト ボックス 1">
+            <a:extLst>
+              <a:ext uri="{FF2B5EF4-FFF2-40B4-BE49-F238E27FC236}">
+                <a16:creationId xmlns:a16="http://schemas.microsoft.com/office/drawing/2014/main" id="{D849F1AC-F780-019B-33EC-C88BDE0EC39A}"/>
+              </a:ext>
+            </a:extLst>
+          </p:cNvPr>
+          <p:cNvSpPr txBox="1"/>
+          <p:nvPr/>
+        </p:nvSpPr>
+        <p:spPr>
+          <a:xfrm>
+            <a:off x="363894" y="681135"/>
+            <a:ext cx="2929007" cy="461665"/>
+          </a:xfrm>
+          <a:prstGeom prst="rect">
+            <a:avLst/>
+          </a:prstGeom>
+          <a:noFill/>
+        </p:spPr>
+        <p:txBody>
+          <a:bodyPr wrap="none" rtlCol="0">
+            <a:spAutoFit/>
+          </a:bodyPr>
+          <a:lstStyle/>
+          <a:p>
+            <a:pPr algn="l"/>
+            <a:r>
+              <a:rPr kumimoji="1" lang="en-US" altLang="ja-JP" sz="2400" dirty="0">
+                <a:latin typeface="メイリオ" panose="020B0604030504040204" pitchFamily="50" charset="-128"/>
+                <a:ea typeface="メイリオ" panose="020B0604030504040204" pitchFamily="50" charset="-128"/>
+              </a:rPr>
+              <a:t>.md</a:t>
+            </a:r>
+            <a:r>
+              <a:rPr kumimoji="1" lang="ja-JP" altLang="en-US" sz="2400" dirty="0">
+                <a:latin typeface="メイリオ" panose="020B0604030504040204" pitchFamily="50" charset="-128"/>
+                <a:ea typeface="メイリオ" panose="020B0604030504040204" pitchFamily="50" charset="-128"/>
+              </a:rPr>
+              <a:t>ファイルを見る</a:t>
+            </a:r>
+          </a:p>
+        </p:txBody>
+      </p:sp>
+      <p:sp>
+        <p:nvSpPr>
+          <p:cNvPr id="3" name="テキスト ボックス 2">
+            <a:extLst>
+              <a:ext uri="{FF2B5EF4-FFF2-40B4-BE49-F238E27FC236}">
+                <a16:creationId xmlns:a16="http://schemas.microsoft.com/office/drawing/2014/main" id="{E6E66248-12F2-5962-2DED-628104B388D4}"/>
+              </a:ext>
+            </a:extLst>
+          </p:cNvPr>
+          <p:cNvSpPr txBox="1"/>
+          <p:nvPr/>
+        </p:nvSpPr>
+        <p:spPr>
+          <a:xfrm>
+            <a:off x="942392" y="1987420"/>
+            <a:ext cx="4416594" cy="830997"/>
+          </a:xfrm>
+          <a:prstGeom prst="rect">
+            <a:avLst/>
+          </a:prstGeom>
+          <a:noFill/>
+        </p:spPr>
+        <p:txBody>
+          <a:bodyPr wrap="none" rtlCol="0">
+            <a:spAutoFit/>
+          </a:bodyPr>
+          <a:lstStyle/>
+          <a:p>
+            <a:pPr algn="l"/>
+            <a:r>
+              <a:rPr kumimoji="1" lang="en-US" altLang="ja-JP" sz="2400" dirty="0">
+                <a:latin typeface="メイリオ" panose="020B0604030504040204" pitchFamily="50" charset="-128"/>
+                <a:ea typeface="メイリオ" panose="020B0604030504040204" pitchFamily="50" charset="-128"/>
+              </a:rPr>
+              <a:t>Ppt</a:t>
+            </a:r>
+            <a:r>
+              <a:rPr kumimoji="1" lang="ja-JP" altLang="en-US" sz="2400" dirty="0">
+                <a:latin typeface="メイリオ" panose="020B0604030504040204" pitchFamily="50" charset="-128"/>
+                <a:ea typeface="メイリオ" panose="020B0604030504040204" pitchFamily="50" charset="-128"/>
+              </a:rPr>
+              <a:t>のリンクをたどる</a:t>
+            </a:r>
+            <a:endParaRPr kumimoji="1" lang="en-US" altLang="ja-JP" sz="2400" dirty="0">
+              <a:latin typeface="メイリオ" panose="020B0604030504040204" pitchFamily="50" charset="-128"/>
+              <a:ea typeface="メイリオ" panose="020B0604030504040204" pitchFamily="50" charset="-128"/>
+            </a:endParaRPr>
+          </a:p>
+          <a:p>
+            <a:pPr algn="l"/>
+            <a:r>
+              <a:rPr kumimoji="1" lang="en-US" altLang="ja-JP" sz="2400" dirty="0">
+                <a:latin typeface="メイリオ" panose="020B0604030504040204" pitchFamily="50" charset="-128"/>
+                <a:ea typeface="メイリオ" panose="020B0604030504040204" pitchFamily="50" charset="-128"/>
+              </a:rPr>
+              <a:t>Chrome</a:t>
+            </a:r>
+            <a:r>
+              <a:rPr kumimoji="1" lang="ja-JP" altLang="en-US" sz="2400" dirty="0">
+                <a:latin typeface="メイリオ" panose="020B0604030504040204" pitchFamily="50" charset="-128"/>
+                <a:ea typeface="メイリオ" panose="020B0604030504040204" pitchFamily="50" charset="-128"/>
+              </a:rPr>
+              <a:t>でローカル</a:t>
+            </a:r>
+            <a:r>
+              <a:rPr kumimoji="1" lang="en-US" altLang="ja-JP" sz="2400" dirty="0">
+                <a:latin typeface="メイリオ" panose="020B0604030504040204" pitchFamily="50" charset="-128"/>
+                <a:ea typeface="メイリオ" panose="020B0604030504040204" pitchFamily="50" charset="-128"/>
+              </a:rPr>
+              <a:t>.md</a:t>
+            </a:r>
+            <a:r>
+              <a:rPr kumimoji="1" lang="ja-JP" altLang="en-US" sz="2400" dirty="0">
+                <a:latin typeface="メイリオ" panose="020B0604030504040204" pitchFamily="50" charset="-128"/>
+                <a:ea typeface="メイリオ" panose="020B0604030504040204" pitchFamily="50" charset="-128"/>
+              </a:rPr>
+              <a:t>を見る</a:t>
+            </a:r>
+          </a:p>
+        </p:txBody>
+      </p:sp>
+      <p:sp>
+        <p:nvSpPr>
+          <p:cNvPr id="5" name="テキスト ボックス 4">
+            <a:extLst>
+              <a:ext uri="{FF2B5EF4-FFF2-40B4-BE49-F238E27FC236}">
+                <a16:creationId xmlns:a16="http://schemas.microsoft.com/office/drawing/2014/main" id="{7D9ACA28-6387-48F2-46D3-D1A10BCD2106}"/>
+              </a:ext>
+            </a:extLst>
+          </p:cNvPr>
+          <p:cNvSpPr txBox="1"/>
+          <p:nvPr/>
+        </p:nvSpPr>
+        <p:spPr>
+          <a:xfrm>
+            <a:off x="774441" y="3237722"/>
+            <a:ext cx="10306476" cy="830997"/>
+          </a:xfrm>
+          <a:prstGeom prst="rect">
+            <a:avLst/>
+          </a:prstGeom>
+          <a:noFill/>
+        </p:spPr>
+        <p:txBody>
+          <a:bodyPr wrap="none" rtlCol="0">
+            <a:spAutoFit/>
+          </a:bodyPr>
+          <a:lstStyle/>
+          <a:p>
+            <a:pPr algn="l"/>
+            <a:r>
+              <a:rPr kumimoji="1" lang="en-US" altLang="ja-JP" sz="2400" dirty="0">
+                <a:latin typeface="メイリオ" panose="020B0604030504040204" pitchFamily="50" charset="-128"/>
+                <a:ea typeface="メイリオ" panose="020B0604030504040204" pitchFamily="50" charset="-128"/>
+                <a:hlinkClick r:id="rId2"/>
+              </a:rPr>
+              <a:t>https://qiita.com/takachan_coding/items/7a0978a70208e482aae9</a:t>
+            </a:r>
+            <a:endParaRPr kumimoji="1" lang="en-US" altLang="ja-JP" sz="2400" dirty="0">
+              <a:latin typeface="メイリオ" panose="020B0604030504040204" pitchFamily="50" charset="-128"/>
+              <a:ea typeface="メイリオ" panose="020B0604030504040204" pitchFamily="50" charset="-128"/>
+            </a:endParaRPr>
+          </a:p>
+          <a:p>
+            <a:pPr algn="l"/>
+            <a:endParaRPr kumimoji="1" lang="ja-JP" altLang="en-US" sz="2400" dirty="0">
+              <a:latin typeface="メイリオ" panose="020B0604030504040204" pitchFamily="50" charset="-128"/>
+              <a:ea typeface="メイリオ" panose="020B0604030504040204" pitchFamily="50" charset="-128"/>
+            </a:endParaRPr>
+          </a:p>
+        </p:txBody>
+      </p:sp>
+      <p:sp>
+        <p:nvSpPr>
+          <p:cNvPr id="4" name="テキスト ボックス 3">
+            <a:extLst>
+              <a:ext uri="{FF2B5EF4-FFF2-40B4-BE49-F238E27FC236}">
+                <a16:creationId xmlns:a16="http://schemas.microsoft.com/office/drawing/2014/main" id="{EF411DEA-D6F7-8B8B-E220-44FBBD3C8607}"/>
+              </a:ext>
+            </a:extLst>
+          </p:cNvPr>
+          <p:cNvSpPr txBox="1"/>
+          <p:nvPr/>
+        </p:nvSpPr>
+        <p:spPr>
+          <a:xfrm>
+            <a:off x="643813" y="4334264"/>
+            <a:ext cx="4365298" cy="461665"/>
+          </a:xfrm>
+          <a:prstGeom prst="rect">
+            <a:avLst/>
+          </a:prstGeom>
+          <a:noFill/>
+        </p:spPr>
+        <p:txBody>
+          <a:bodyPr wrap="none" rtlCol="0">
+            <a:spAutoFit/>
+          </a:bodyPr>
+          <a:lstStyle/>
+          <a:p>
+            <a:pPr algn="l"/>
+            <a:r>
+              <a:rPr kumimoji="1" lang="en-US" altLang="ja-JP" sz="2400" dirty="0">
+                <a:latin typeface="メイリオ" panose="020B0604030504040204" pitchFamily="50" charset="-128"/>
+                <a:ea typeface="メイリオ" panose="020B0604030504040204" pitchFamily="50" charset="-128"/>
+              </a:rPr>
+              <a:t>Ppt</a:t>
+            </a:r>
+            <a:r>
+              <a:rPr kumimoji="1" lang="ja-JP" altLang="en-US" sz="2400" dirty="0">
+                <a:latin typeface="メイリオ" panose="020B0604030504040204" pitchFamily="50" charset="-128"/>
+                <a:ea typeface="メイリオ" panose="020B0604030504040204" pitchFamily="50" charset="-128"/>
+              </a:rPr>
+              <a:t>からの相対パスのはりかた</a:t>
+            </a:r>
+          </a:p>
+        </p:txBody>
+      </p:sp>
+      <p:sp>
+        <p:nvSpPr>
+          <p:cNvPr id="6" name="テキスト ボックス 5">
+            <a:extLst>
+              <a:ext uri="{FF2B5EF4-FFF2-40B4-BE49-F238E27FC236}">
+                <a16:creationId xmlns:a16="http://schemas.microsoft.com/office/drawing/2014/main" id="{626E5668-2BFB-6FD8-43E7-896EBFB1F9F9}"/>
+              </a:ext>
+            </a:extLst>
+          </p:cNvPr>
+          <p:cNvSpPr txBox="1"/>
+          <p:nvPr/>
+        </p:nvSpPr>
+        <p:spPr>
+          <a:xfrm>
+            <a:off x="774441" y="4987407"/>
+            <a:ext cx="5472524" cy="830997"/>
+          </a:xfrm>
+          <a:prstGeom prst="rect">
+            <a:avLst/>
+          </a:prstGeom>
+          <a:noFill/>
+        </p:spPr>
+        <p:txBody>
+          <a:bodyPr wrap="none" rtlCol="0">
+            <a:spAutoFit/>
+          </a:bodyPr>
+          <a:lstStyle/>
+          <a:p>
+            <a:pPr algn="l"/>
+            <a:r>
+              <a:rPr kumimoji="1" lang="en-US" altLang="ja-JP" sz="2400" dirty="0">
+                <a:latin typeface="メイリオ" panose="020B0604030504040204" pitchFamily="50" charset="-128"/>
+                <a:ea typeface="メイリオ" panose="020B0604030504040204" pitchFamily="50" charset="-128"/>
+                <a:hlinkClick r:id="rId3"/>
+              </a:rPr>
+              <a:t>https://powerpoint.xyz/hyper-link/</a:t>
+            </a:r>
+            <a:endParaRPr kumimoji="1" lang="en-US" altLang="ja-JP" sz="2400" dirty="0">
+              <a:latin typeface="メイリオ" panose="020B0604030504040204" pitchFamily="50" charset="-128"/>
+              <a:ea typeface="メイリオ" panose="020B0604030504040204" pitchFamily="50" charset="-128"/>
+            </a:endParaRPr>
+          </a:p>
+          <a:p>
+            <a:pPr algn="l"/>
+            <a:endParaRPr kumimoji="1" lang="ja-JP" altLang="en-US" sz="2400" dirty="0">
+              <a:latin typeface="メイリオ" panose="020B0604030504040204" pitchFamily="50" charset="-128"/>
+              <a:ea typeface="メイリオ" panose="020B0604030504040204" pitchFamily="50" charset="-128"/>
+            </a:endParaRPr>
+          </a:p>
+        </p:txBody>
+      </p:sp>
+    </p:spTree>
+    <p:extLst>
+      <p:ext uri="{BB962C8B-B14F-4D97-AF65-F5344CB8AC3E}">
+        <p14:creationId xmlns:p14="http://schemas.microsoft.com/office/powerpoint/2010/main" val="2938935844"/>
       </p:ext>
     </p:extLst>
   </p:cSld>
@@ -5688,7 +9442,7 @@
           <p:cNvPr id="3" name="テキスト ボックス 2">
             <a:extLst>
               <a:ext uri="{FF2B5EF4-FFF2-40B4-BE49-F238E27FC236}">
-                <a16:creationId xmlns:a16="http://schemas.microsoft.com/office/drawing/2014/main" id="{D5BB297C-AEC4-71AF-D3A6-3EEE1C0FB08A}"/>
+                <a16:creationId xmlns:a16="http://schemas.microsoft.com/office/drawing/2014/main" id="{E3F17268-2E0D-C14B-9555-83206CD13536}"/>
               </a:ext>
             </a:extLst>
           </p:cNvPr>
@@ -5697,8 +9451,49 @@
         </p:nvSpPr>
         <p:spPr>
           <a:xfrm>
-            <a:off x="877078" y="430973"/>
-            <a:ext cx="5519460" cy="584775"/>
+            <a:off x="563187" y="1335224"/>
+            <a:ext cx="11473642" cy="646331"/>
+          </a:xfrm>
+          <a:prstGeom prst="rect">
+            <a:avLst/>
+          </a:prstGeom>
+          <a:noFill/>
+        </p:spPr>
+        <p:txBody>
+          <a:bodyPr wrap="square">
+            <a:spAutoFit/>
+          </a:bodyPr>
+          <a:lstStyle/>
+          <a:p>
+            <a:r>
+              <a:rPr lang="ja-JP" altLang="en-US" dirty="0">
+                <a:hlinkClick r:id="rId2"/>
+              </a:rPr>
+              <a:t>https://tabelog.com/tokyo/A1302/A130202/13193074/dtlrvwlst/COND-0/smp1/?smp=1&amp;lc=0&amp;rvw_part=all&amp;PG=</a:t>
+            </a:r>
+            <a:endParaRPr lang="en-US" altLang="ja-JP" dirty="0"/>
+          </a:p>
+          <a:p>
+            <a:endParaRPr lang="ja-JP" altLang="en-US" dirty="0"/>
+          </a:p>
+        </p:txBody>
+      </p:sp>
+      <p:sp>
+        <p:nvSpPr>
+          <p:cNvPr id="4" name="テキスト ボックス 3">
+            <a:extLst>
+              <a:ext uri="{FF2B5EF4-FFF2-40B4-BE49-F238E27FC236}">
+                <a16:creationId xmlns:a16="http://schemas.microsoft.com/office/drawing/2014/main" id="{FD4FA269-3FC3-ABC6-BDBE-5E1C8B695AA0}"/>
+              </a:ext>
+            </a:extLst>
+          </p:cNvPr>
+          <p:cNvSpPr txBox="1"/>
+          <p:nvPr/>
+        </p:nvSpPr>
+        <p:spPr>
+          <a:xfrm>
+            <a:off x="665019" y="565265"/>
+            <a:ext cx="4288353" cy="584775"/>
           </a:xfrm>
           <a:prstGeom prst="rect">
             <a:avLst/>
@@ -5717,17 +9512,17 @@
                 <a:latin typeface="メイリオ" panose="020B0604030504040204" pitchFamily="50" charset="-128"/>
                 <a:ea typeface="メイリオ" panose="020B0604030504040204" pitchFamily="50" charset="-128"/>
               </a:rPr>
-              <a:t>授業のマテリアルの取得方法</a:t>
+              <a:t>食べログのクローラー</a:t>
             </a:r>
           </a:p>
         </p:txBody>
       </p:sp>
       <p:pic>
         <p:nvPicPr>
-          <p:cNvPr id="5" name="図 4">
-            <a:extLst>
-              <a:ext uri="{FF2B5EF4-FFF2-40B4-BE49-F238E27FC236}">
-                <a16:creationId xmlns:a16="http://schemas.microsoft.com/office/drawing/2014/main" id="{62D45587-5E45-AA54-E6BF-31C9F04F9CCB}"/>
+          <p:cNvPr id="6" name="図 5">
+            <a:extLst>
+              <a:ext uri="{FF2B5EF4-FFF2-40B4-BE49-F238E27FC236}">
+                <a16:creationId xmlns:a16="http://schemas.microsoft.com/office/drawing/2014/main" id="{B751FD4E-4EAB-C3A0-8FDD-C74AE28921CA}"/>
               </a:ext>
             </a:extLst>
           </p:cNvPr>
@@ -5737,64 +9532,25 @@
           <p:nvPr/>
         </p:nvPicPr>
         <p:blipFill>
-          <a:blip r:embed="rId2"/>
+          <a:blip r:embed="rId3"/>
           <a:stretch>
             <a:fillRect/>
           </a:stretch>
         </p:blipFill>
         <p:spPr>
           <a:xfrm>
-            <a:off x="1091681" y="1538968"/>
-            <a:ext cx="9290180" cy="5225726"/>
+            <a:off x="665019" y="1793785"/>
+            <a:ext cx="9856791" cy="4897252"/>
           </a:xfrm>
           <a:prstGeom prst="rect">
             <a:avLst/>
           </a:prstGeom>
         </p:spPr>
       </p:pic>
-      <p:sp>
-        <p:nvSpPr>
-          <p:cNvPr id="6" name="テキスト ボックス 5">
-            <a:extLst>
-              <a:ext uri="{FF2B5EF4-FFF2-40B4-BE49-F238E27FC236}">
-                <a16:creationId xmlns:a16="http://schemas.microsoft.com/office/drawing/2014/main" id="{62E0BAD4-4FC4-E272-2B87-C7C2695BEC78}"/>
-              </a:ext>
-            </a:extLst>
-          </p:cNvPr>
-          <p:cNvSpPr txBox="1"/>
-          <p:nvPr/>
-        </p:nvSpPr>
-        <p:spPr>
-          <a:xfrm>
-            <a:off x="877078" y="1077303"/>
-            <a:ext cx="7879080" cy="461665"/>
-          </a:xfrm>
-          <a:prstGeom prst="rect">
-            <a:avLst/>
-          </a:prstGeom>
-          <a:noFill/>
-        </p:spPr>
-        <p:txBody>
-          <a:bodyPr wrap="none" rtlCol="0">
-            <a:spAutoFit/>
-          </a:bodyPr>
-          <a:lstStyle/>
-          <a:p>
-            <a:pPr algn="l"/>
-            <a:r>
-              <a:rPr kumimoji="1" lang="ja-JP" altLang="en-US" sz="2400" dirty="0">
-                <a:latin typeface="メイリオ" panose="020B0604030504040204" pitchFamily="50" charset="-128"/>
-                <a:ea typeface="メイリオ" panose="020B0604030504040204" pitchFamily="50" charset="-128"/>
-              </a:rPr>
-              <a:t>オンライン授業の予復レポのリンクを踏んでください。</a:t>
-            </a:r>
-          </a:p>
-        </p:txBody>
-      </p:sp>
     </p:spTree>
     <p:extLst>
       <p:ext uri="{BB962C8B-B14F-4D97-AF65-F5344CB8AC3E}">
-        <p14:creationId xmlns:p14="http://schemas.microsoft.com/office/powerpoint/2010/main" val="3862639444"/>
+        <p14:creationId xmlns:p14="http://schemas.microsoft.com/office/powerpoint/2010/main" val="3298133912"/>
       </p:ext>
     </p:extLst>
   </p:cSld>
@@ -5826,7 +9582,7 @@
           <p:cNvPr id="2" name="テキスト ボックス 1">
             <a:extLst>
               <a:ext uri="{FF2B5EF4-FFF2-40B4-BE49-F238E27FC236}">
-                <a16:creationId xmlns:a16="http://schemas.microsoft.com/office/drawing/2014/main" id="{EA3ABFE0-3DFA-917A-3EB1-C8600C3FB488}"/>
+                <a16:creationId xmlns:a16="http://schemas.microsoft.com/office/drawing/2014/main" id="{DE882479-D8B3-D7F5-75FF-E70AF0721D95}"/>
               </a:ext>
             </a:extLst>
           </p:cNvPr>
@@ -5835,8 +9591,8 @@
         </p:nvSpPr>
         <p:spPr>
           <a:xfrm>
-            <a:off x="263395" y="86408"/>
-            <a:ext cx="800219" cy="461665"/>
+            <a:off x="1629551" y="1131098"/>
+            <a:ext cx="2850460" cy="584775"/>
           </a:xfrm>
           <a:prstGeom prst="rect">
             <a:avLst/>
@@ -5851,122 +9607,28 @@
           <a:p>
             <a:pPr algn="l"/>
             <a:r>
-              <a:rPr kumimoji="1" lang="ja-JP" altLang="en-US" sz="2400" dirty="0">
-                <a:latin typeface="メイリオ" panose="020B0604030504040204" pitchFamily="50" charset="-128"/>
-                <a:ea typeface="メイリオ" panose="020B0604030504040204" pitchFamily="50" charset="-128"/>
-              </a:rPr>
-              <a:t>続き</a:t>
-            </a:r>
-          </a:p>
-        </p:txBody>
-      </p:sp>
-      <p:sp>
-        <p:nvSpPr>
-          <p:cNvPr id="3" name="テキスト ボックス 2">
-            <a:extLst>
-              <a:ext uri="{FF2B5EF4-FFF2-40B4-BE49-F238E27FC236}">
-                <a16:creationId xmlns:a16="http://schemas.microsoft.com/office/drawing/2014/main" id="{20D9563A-6747-1A29-554E-5C723149E871}"/>
-              </a:ext>
-            </a:extLst>
-          </p:cNvPr>
-          <p:cNvSpPr txBox="1"/>
-          <p:nvPr/>
-        </p:nvSpPr>
-        <p:spPr>
-          <a:xfrm>
-            <a:off x="1352139" y="317241"/>
-            <a:ext cx="10344561" cy="1569660"/>
-          </a:xfrm>
-          <a:prstGeom prst="rect">
-            <a:avLst/>
-          </a:prstGeom>
-          <a:noFill/>
-        </p:spPr>
-        <p:txBody>
-          <a:bodyPr wrap="square" rtlCol="0">
-            <a:spAutoFit/>
-          </a:bodyPr>
-          <a:lstStyle/>
-          <a:p>
-            <a:pPr marL="457200" indent="-457200" algn="l">
-              <a:buFont typeface="+mj-lt"/>
-              <a:buAutoNum type="arabicPeriod"/>
-            </a:pPr>
-            <a:r>
-              <a:rPr kumimoji="1" lang="en-US" altLang="ja-JP" sz="2400" dirty="0">
-                <a:latin typeface="メイリオ" panose="020B0604030504040204" pitchFamily="50" charset="-128"/>
-                <a:ea typeface="メイリオ" panose="020B0604030504040204" pitchFamily="50" charset="-128"/>
-              </a:rPr>
-              <a:t>GitHub</a:t>
-            </a:r>
-            <a:r>
-              <a:rPr kumimoji="1" lang="ja-JP" altLang="en-US" sz="2400" dirty="0">
-                <a:latin typeface="メイリオ" panose="020B0604030504040204" pitchFamily="50" charset="-128"/>
-                <a:ea typeface="メイリオ" panose="020B0604030504040204" pitchFamily="50" charset="-128"/>
-              </a:rPr>
-              <a:t>レポジトリから以下のようにダウンロードしてください。</a:t>
-            </a:r>
-            <a:endParaRPr kumimoji="1" lang="en-US" altLang="ja-JP" sz="2400" dirty="0">
-              <a:latin typeface="メイリオ" panose="020B0604030504040204" pitchFamily="50" charset="-128"/>
-              <a:ea typeface="メイリオ" panose="020B0604030504040204" pitchFamily="50" charset="-128"/>
-            </a:endParaRPr>
-          </a:p>
-          <a:p>
-            <a:pPr marL="457200" indent="-457200" algn="l">
-              <a:buFont typeface="+mj-lt"/>
-              <a:buAutoNum type="arabicPeriod"/>
-            </a:pPr>
-            <a:r>
-              <a:rPr kumimoji="1" lang="en-US" altLang="ja-JP" sz="2400" dirty="0">
-                <a:latin typeface="メイリオ" panose="020B0604030504040204" pitchFamily="50" charset="-128"/>
-                <a:ea typeface="メイリオ" panose="020B0604030504040204" pitchFamily="50" charset="-128"/>
-              </a:rPr>
-              <a:t>zip</a:t>
-            </a:r>
-            <a:r>
-              <a:rPr kumimoji="1" lang="ja-JP" altLang="en-US" sz="2400" dirty="0">
-                <a:latin typeface="メイリオ" panose="020B0604030504040204" pitchFamily="50" charset="-128"/>
-                <a:ea typeface="メイリオ" panose="020B0604030504040204" pitchFamily="50" charset="-128"/>
-              </a:rPr>
-              <a:t>形式で</a:t>
-            </a:r>
-            <a:r>
-              <a:rPr kumimoji="1" lang="en-US" altLang="ja-JP" sz="2400" dirty="0">
-                <a:latin typeface="メイリオ" panose="020B0604030504040204" pitchFamily="50" charset="-128"/>
-                <a:ea typeface="メイリオ" panose="020B0604030504040204" pitchFamily="50" charset="-128"/>
-              </a:rPr>
-              <a:t>Download</a:t>
-            </a:r>
-            <a:r>
-              <a:rPr kumimoji="1" lang="ja-JP" altLang="en-US" sz="2400" dirty="0">
-                <a:latin typeface="メイリオ" panose="020B0604030504040204" pitchFamily="50" charset="-128"/>
-                <a:ea typeface="メイリオ" panose="020B0604030504040204" pitchFamily="50" charset="-128"/>
-              </a:rPr>
-              <a:t>フォルダーに入るので、解凍してプログラム実行可能なフォルダにそのままコピーしてください</a:t>
-            </a:r>
-            <a:endParaRPr kumimoji="1" lang="en-US" altLang="ja-JP" sz="2400" dirty="0">
-              <a:latin typeface="メイリオ" panose="020B0604030504040204" pitchFamily="50" charset="-128"/>
-              <a:ea typeface="メイリオ" panose="020B0604030504040204" pitchFamily="50" charset="-128"/>
-            </a:endParaRPr>
-          </a:p>
-          <a:p>
-            <a:pPr marL="457200" indent="-457200" algn="l">
-              <a:buFont typeface="+mj-lt"/>
-              <a:buAutoNum type="arabicPeriod"/>
-            </a:pPr>
-            <a:endParaRPr kumimoji="1" lang="ja-JP" altLang="en-US" sz="2400" dirty="0">
-              <a:latin typeface="メイリオ" panose="020B0604030504040204" pitchFamily="50" charset="-128"/>
-              <a:ea typeface="メイリオ" panose="020B0604030504040204" pitchFamily="50" charset="-128"/>
-            </a:endParaRPr>
+              <a:rPr kumimoji="1" lang="en-US" altLang="ja-JP" sz="3200" dirty="0">
+                <a:latin typeface="メイリオ" panose="020B0604030504040204" pitchFamily="50" charset="-128"/>
+                <a:ea typeface="メイリオ" panose="020B0604030504040204" pitchFamily="50" charset="-128"/>
+              </a:rPr>
+              <a:t>Selenium</a:t>
+            </a:r>
+            <a:r>
+              <a:rPr kumimoji="1" lang="ja-JP" altLang="en-US" sz="3200" dirty="0">
+                <a:latin typeface="メイリオ" panose="020B0604030504040204" pitchFamily="50" charset="-128"/>
+                <a:ea typeface="メイリオ" panose="020B0604030504040204" pitchFamily="50" charset="-128"/>
+              </a:rPr>
+              <a:t>デモ</a:t>
+            </a:r>
           </a:p>
         </p:txBody>
       </p:sp>
       <p:pic>
         <p:nvPicPr>
-          <p:cNvPr id="5" name="図 4">
-            <a:extLst>
-              <a:ext uri="{FF2B5EF4-FFF2-40B4-BE49-F238E27FC236}">
-                <a16:creationId xmlns:a16="http://schemas.microsoft.com/office/drawing/2014/main" id="{E6B7EDDA-841A-DFC8-1925-55D9F204DC27}"/>
+          <p:cNvPr id="4" name="図 3">
+            <a:extLst>
+              <a:ext uri="{FF2B5EF4-FFF2-40B4-BE49-F238E27FC236}">
+                <a16:creationId xmlns:a16="http://schemas.microsoft.com/office/drawing/2014/main" id="{D116376E-CBCB-D751-9CEC-1E7BBA492F98}"/>
               </a:ext>
             </a:extLst>
           </p:cNvPr>
@@ -5983,8 +9645,8 @@
         </p:blipFill>
         <p:spPr>
           <a:xfrm>
-            <a:off x="1552574" y="1629650"/>
-            <a:ext cx="8782461" cy="4987309"/>
+            <a:off x="1629551" y="1654860"/>
+            <a:ext cx="7980479" cy="4987799"/>
           </a:xfrm>
           <a:prstGeom prst="rect">
             <a:avLst/>
@@ -5993,60 +9655,139 @@
       </p:pic>
       <p:sp>
         <p:nvSpPr>
-          <p:cNvPr id="6" name="四角形: 角を丸くする 5">
-            <a:extLst>
-              <a:ext uri="{FF2B5EF4-FFF2-40B4-BE49-F238E27FC236}">
-                <a16:creationId xmlns:a16="http://schemas.microsoft.com/office/drawing/2014/main" id="{9FB12BB8-60AC-F9C3-3640-EA48ABBF044C}"/>
-              </a:ext>
-            </a:extLst>
-          </p:cNvPr>
-          <p:cNvSpPr/>
-          <p:nvPr/>
-        </p:nvSpPr>
-        <p:spPr>
-          <a:xfrm>
-            <a:off x="6792686" y="5934269"/>
-            <a:ext cx="2491273" cy="503853"/>
-          </a:xfrm>
-          <a:prstGeom prst="roundRect">
+          <p:cNvPr id="5" name="テキスト ボックス 4">
+            <a:extLst>
+              <a:ext uri="{FF2B5EF4-FFF2-40B4-BE49-F238E27FC236}">
+                <a16:creationId xmlns:a16="http://schemas.microsoft.com/office/drawing/2014/main" id="{78F38344-2B56-6E0E-354E-2C7571834B5E}"/>
+              </a:ext>
+            </a:extLst>
+          </p:cNvPr>
+          <p:cNvSpPr txBox="1"/>
+          <p:nvPr/>
+        </p:nvSpPr>
+        <p:spPr>
+          <a:xfrm>
+            <a:off x="166236" y="189634"/>
+            <a:ext cx="10033516" cy="584775"/>
+          </a:xfrm>
+          <a:prstGeom prst="rect">
             <a:avLst/>
           </a:prstGeom>
           <a:noFill/>
-          <a:ln>
-            <a:solidFill>
-              <a:srgbClr val="FF0000"/>
-            </a:solidFill>
-          </a:ln>
-        </p:spPr>
-        <p:style>
-          <a:lnRef idx="2">
-            <a:schemeClr val="accent1">
-              <a:shade val="15000"/>
-            </a:schemeClr>
-          </a:lnRef>
-          <a:fillRef idx="1">
-            <a:schemeClr val="accent1"/>
-          </a:fillRef>
-          <a:effectRef idx="0">
-            <a:schemeClr val="accent1"/>
-          </a:effectRef>
-          <a:fontRef idx="minor">
-            <a:schemeClr val="lt1"/>
-          </a:fontRef>
-        </p:style>
-        <p:txBody>
-          <a:bodyPr rtlCol="0" anchor="ctr"/>
-          <a:lstStyle/>
-          <a:p>
-            <a:pPr algn="ctr"/>
-            <a:endParaRPr kumimoji="1" lang="ja-JP" altLang="en-US"/>
+        </p:spPr>
+        <p:txBody>
+          <a:bodyPr wrap="none" rtlCol="0">
+            <a:spAutoFit/>
+          </a:bodyPr>
+          <a:lstStyle/>
+          <a:p>
+            <a:pPr algn="l"/>
+            <a:r>
+              <a:rPr kumimoji="1" lang="ja-JP" altLang="en-US" sz="3200" dirty="0">
+                <a:latin typeface="メイリオ" panose="020B0604030504040204" pitchFamily="50" charset="-128"/>
+                <a:ea typeface="メイリオ" panose="020B0604030504040204" pitchFamily="50" charset="-128"/>
+              </a:rPr>
+              <a:t>マウス、キーを自動操作するプログラミングがある！</a:t>
+            </a:r>
+          </a:p>
+        </p:txBody>
+      </p:sp>
+      <p:sp>
+        <p:nvSpPr>
+          <p:cNvPr id="6" name="テキスト ボックス 5">
+            <a:extLst>
+              <a:ext uri="{FF2B5EF4-FFF2-40B4-BE49-F238E27FC236}">
+                <a16:creationId xmlns:a16="http://schemas.microsoft.com/office/drawing/2014/main" id="{6504FCC1-8A51-8929-A080-487A4188A2FF}"/>
+              </a:ext>
+            </a:extLst>
+          </p:cNvPr>
+          <p:cNvSpPr txBox="1"/>
+          <p:nvPr/>
+        </p:nvSpPr>
+        <p:spPr>
+          <a:xfrm>
+            <a:off x="166236" y="756273"/>
+            <a:ext cx="7383496" cy="707886"/>
+          </a:xfrm>
+          <a:prstGeom prst="rect">
+            <a:avLst/>
+          </a:prstGeom>
+          <a:noFill/>
+        </p:spPr>
+        <p:txBody>
+          <a:bodyPr wrap="none" rtlCol="0">
+            <a:spAutoFit/>
+          </a:bodyPr>
+          <a:lstStyle/>
+          <a:p>
+            <a:pPr algn="l"/>
+            <a:r>
+              <a:rPr kumimoji="1" lang="en-US" altLang="ja-JP" sz="2000" dirty="0">
+                <a:latin typeface="メイリオ" panose="020B0604030504040204" pitchFamily="50" charset="-128"/>
+                <a:ea typeface="メイリオ" panose="020B0604030504040204" pitchFamily="50" charset="-128"/>
+              </a:rPr>
+              <a:t>C:\Users\uhoku\Dropbox\Python\taiyo_kagaku\crawler</a:t>
+            </a:r>
+          </a:p>
+          <a:p>
+            <a:pPr algn="l"/>
+            <a:endParaRPr kumimoji="1" lang="ja-JP" altLang="en-US" sz="2000" dirty="0">
+              <a:latin typeface="メイリオ" panose="020B0604030504040204" pitchFamily="50" charset="-128"/>
+              <a:ea typeface="メイリオ" panose="020B0604030504040204" pitchFamily="50" charset="-128"/>
+            </a:endParaRPr>
+          </a:p>
+        </p:txBody>
+      </p:sp>
+      <p:sp>
+        <p:nvSpPr>
+          <p:cNvPr id="7" name="テキスト ボックス 6">
+            <a:extLst>
+              <a:ext uri="{FF2B5EF4-FFF2-40B4-BE49-F238E27FC236}">
+                <a16:creationId xmlns:a16="http://schemas.microsoft.com/office/drawing/2014/main" id="{720A5646-F34C-7410-F8F5-1CE74F0CBE3C}"/>
+              </a:ext>
+            </a:extLst>
+          </p:cNvPr>
+          <p:cNvSpPr txBox="1"/>
+          <p:nvPr/>
+        </p:nvSpPr>
+        <p:spPr>
+          <a:xfrm>
+            <a:off x="7456691" y="700702"/>
+            <a:ext cx="4060792" cy="461665"/>
+          </a:xfrm>
+          <a:prstGeom prst="rect">
+            <a:avLst/>
+          </a:prstGeom>
+          <a:noFill/>
+        </p:spPr>
+        <p:txBody>
+          <a:bodyPr wrap="none" rtlCol="0">
+            <a:spAutoFit/>
+          </a:bodyPr>
+          <a:lstStyle/>
+          <a:p>
+            <a:pPr algn="l"/>
+            <a:r>
+              <a:rPr kumimoji="1" lang="en-US" altLang="ja-JP" sz="2400" dirty="0">
+                <a:latin typeface="メイリオ" panose="020B0604030504040204" pitchFamily="50" charset="-128"/>
+                <a:ea typeface="メイリオ" panose="020B0604030504040204" pitchFamily="50" charset="-128"/>
+              </a:rPr>
+              <a:t>makup_alley.py</a:t>
+            </a:r>
+            <a:r>
+              <a:rPr kumimoji="1" lang="ja-JP" altLang="en-US" sz="2400" dirty="0">
+                <a:latin typeface="メイリオ" panose="020B0604030504040204" pitchFamily="50" charset="-128"/>
+                <a:ea typeface="メイリオ" panose="020B0604030504040204" pitchFamily="50" charset="-128"/>
+              </a:rPr>
+              <a:t>（非公開）</a:t>
+            </a:r>
           </a:p>
         </p:txBody>
       </p:sp>
     </p:spTree>
     <p:extLst>
       <p:ext uri="{BB962C8B-B14F-4D97-AF65-F5344CB8AC3E}">
-        <p14:creationId xmlns:p14="http://schemas.microsoft.com/office/powerpoint/2010/main" val="4272478819"/>
+        <p14:creationId xmlns:p14="http://schemas.microsoft.com/office/powerpoint/2010/main" val="1623157348"/>
       </p:ext>
     </p:extLst>
   </p:cSld>
@@ -6078,7 +9819,7 @@
           <p:cNvPr id="2" name="テキスト ボックス 1">
             <a:extLst>
               <a:ext uri="{FF2B5EF4-FFF2-40B4-BE49-F238E27FC236}">
-                <a16:creationId xmlns:a16="http://schemas.microsoft.com/office/drawing/2014/main" id="{5E62F8D5-D967-91CC-305D-1628B6725B84}"/>
+                <a16:creationId xmlns:a16="http://schemas.microsoft.com/office/drawing/2014/main" id="{3F46D152-B25B-78A6-C574-1858D18ECA44}"/>
               </a:ext>
             </a:extLst>
           </p:cNvPr>
@@ -6087,8 +9828,8 @@
         </p:nvSpPr>
         <p:spPr>
           <a:xfrm>
-            <a:off x="619125" y="666750"/>
-            <a:ext cx="4288353" cy="584775"/>
+            <a:off x="559836" y="717033"/>
+            <a:ext cx="10870283" cy="584775"/>
           </a:xfrm>
           <a:prstGeom prst="rect">
             <a:avLst/>
@@ -6103,11 +9844,18 @@
           <a:p>
             <a:pPr algn="l"/>
             <a:r>
+              <a:rPr kumimoji="1" lang="en-US" altLang="ja-JP" sz="3200" dirty="0">
+                <a:latin typeface="メイリオ" panose="020B0604030504040204" pitchFamily="50" charset="-128"/>
+                <a:ea typeface="メイリオ" panose="020B0604030504040204" pitchFamily="50" charset="-128"/>
+              </a:rPr>
+              <a:t>IT</a:t>
+            </a:r>
+            <a:r>
               <a:rPr kumimoji="1" lang="ja-JP" altLang="en-US" sz="3200" dirty="0">
                 <a:latin typeface="メイリオ" panose="020B0604030504040204" pitchFamily="50" charset="-128"/>
                 <a:ea typeface="メイリオ" panose="020B0604030504040204" pitchFamily="50" charset="-128"/>
               </a:rPr>
-              <a:t>授業マテリアルの構成</a:t>
+              <a:t>系企業などで本格的にプログラミングを実務で扱う基礎</a:t>
             </a:r>
           </a:p>
         </p:txBody>
@@ -6117,7 +9865,7 @@
           <p:cNvPr id="3" name="テキスト ボックス 2">
             <a:extLst>
               <a:ext uri="{FF2B5EF4-FFF2-40B4-BE49-F238E27FC236}">
-                <a16:creationId xmlns:a16="http://schemas.microsoft.com/office/drawing/2014/main" id="{260CFA61-6F05-3538-5FFC-F19E3938CFAE}"/>
+                <a16:creationId xmlns:a16="http://schemas.microsoft.com/office/drawing/2014/main" id="{37345850-5BF3-3C5E-4E28-31474F9946AB}"/>
               </a:ext>
             </a:extLst>
           </p:cNvPr>
@@ -6126,8 +9874,8 @@
         </p:nvSpPr>
         <p:spPr>
           <a:xfrm>
-            <a:off x="733426" y="1590675"/>
-            <a:ext cx="10553700" cy="2308324"/>
+            <a:off x="747253" y="2080726"/>
+            <a:ext cx="7417415" cy="1569660"/>
           </a:xfrm>
           <a:prstGeom prst="rect">
             <a:avLst/>
@@ -6135,7 +9883,7 @@
           <a:noFill/>
         </p:spPr>
         <p:txBody>
-          <a:bodyPr wrap="square" rtlCol="0">
+          <a:bodyPr wrap="none" rtlCol="0">
             <a:spAutoFit/>
           </a:bodyPr>
           <a:lstStyle/>
@@ -6149,7 +9897,7 @@
                 <a:latin typeface="メイリオ" panose="020B0604030504040204" pitchFamily="50" charset="-128"/>
                 <a:ea typeface="メイリオ" panose="020B0604030504040204" pitchFamily="50" charset="-128"/>
               </a:rPr>
-              <a:t>スライド・レクチャーノート</a:t>
+              <a:t>大規模プログラミング（長いコーディング）</a:t>
             </a:r>
             <a:endParaRPr kumimoji="1" lang="en-US" altLang="ja-JP" sz="2400" dirty="0">
               <a:latin typeface="メイリオ" panose="020B0604030504040204" pitchFamily="50" charset="-128"/>
@@ -6157,27 +9905,23 @@
             </a:endParaRPr>
           </a:p>
           <a:p>
-            <a:pPr algn="l"/>
+            <a:pPr marL="457200" indent="-457200" algn="l">
+              <a:buFont typeface="+mj-lt"/>
+              <a:buAutoNum type="arabicPeriod"/>
+            </a:pPr>
+            <a:r>
+              <a:rPr kumimoji="1" lang="ja-JP" altLang="en-US" sz="2400" b="1" dirty="0">
+                <a:latin typeface="メイリオ" panose="020B0604030504040204" pitchFamily="50" charset="-128"/>
+                <a:ea typeface="メイリオ" panose="020B0604030504040204" pitchFamily="50" charset="-128"/>
+              </a:rPr>
+              <a:t>テキストエディタ</a:t>
+            </a:r>
             <a:r>
               <a:rPr kumimoji="1" lang="ja-JP" altLang="en-US" sz="2400" dirty="0">
                 <a:latin typeface="メイリオ" panose="020B0604030504040204" pitchFamily="50" charset="-128"/>
                 <a:ea typeface="メイリオ" panose="020B0604030504040204" pitchFamily="50" charset="-128"/>
               </a:rPr>
-              <a:t>　：講義の説明、サンプルプログラムの説明（拡張子 </a:t>
-            </a:r>
-            <a:r>
-              <a:rPr kumimoji="1" lang="en-US" altLang="ja-JP" sz="2400" dirty="0">
-                <a:latin typeface="メイリオ" panose="020B0604030504040204" pitchFamily="50" charset="-128"/>
-                <a:ea typeface="メイリオ" panose="020B0604030504040204" pitchFamily="50" charset="-128"/>
-              </a:rPr>
-              <a:t>.pptx, .md</a:t>
-            </a:r>
-            <a:r>
-              <a:rPr kumimoji="1" lang="ja-JP" altLang="en-US" sz="2400" dirty="0">
-                <a:latin typeface="メイリオ" panose="020B0604030504040204" pitchFamily="50" charset="-128"/>
-                <a:ea typeface="メイリオ" panose="020B0604030504040204" pitchFamily="50" charset="-128"/>
-              </a:rPr>
-              <a:t>）</a:t>
+              <a:t>を使ったプログラミング</a:t>
             </a:r>
             <a:endParaRPr kumimoji="1" lang="en-US" altLang="ja-JP" sz="2400" dirty="0">
               <a:latin typeface="メイリオ" panose="020B0604030504040204" pitchFamily="50" charset="-128"/>
@@ -6185,77 +9929,221 @@
             </a:endParaRPr>
           </a:p>
           <a:p>
-            <a:pPr algn="l"/>
-            <a:endParaRPr kumimoji="1" lang="en-US" altLang="ja-JP" sz="2400" dirty="0">
-              <a:latin typeface="メイリオ" panose="020B0604030504040204" pitchFamily="50" charset="-128"/>
-              <a:ea typeface="メイリオ" panose="020B0604030504040204" pitchFamily="50" charset="-128"/>
-            </a:endParaRPr>
-          </a:p>
-          <a:p>
-            <a:pPr algn="l"/>
-            <a:r>
-              <a:rPr kumimoji="1" lang="ja-JP" altLang="en-US" sz="2400" dirty="0">
-                <a:latin typeface="メイリオ" panose="020B0604030504040204" pitchFamily="50" charset="-128"/>
-                <a:ea typeface="メイリオ" panose="020B0604030504040204" pitchFamily="50" charset="-128"/>
-              </a:rPr>
-              <a:t>２．サンプルプログラム</a:t>
-            </a:r>
-            <a:endParaRPr kumimoji="1" lang="en-US" altLang="ja-JP" sz="2400" dirty="0">
-              <a:latin typeface="メイリオ" panose="020B0604030504040204" pitchFamily="50" charset="-128"/>
-              <a:ea typeface="メイリオ" panose="020B0604030504040204" pitchFamily="50" charset="-128"/>
-            </a:endParaRPr>
-          </a:p>
-          <a:p>
-            <a:pPr algn="l"/>
-            <a:r>
-              <a:rPr kumimoji="1" lang="ja-JP" altLang="en-US" sz="2400" dirty="0">
-                <a:latin typeface="メイリオ" panose="020B0604030504040204" pitchFamily="50" charset="-128"/>
-                <a:ea typeface="メイリオ" panose="020B0604030504040204" pitchFamily="50" charset="-128"/>
-              </a:rPr>
-              <a:t>　：演習用・デモ用（拡張子 </a:t>
-            </a:r>
-            <a:r>
-              <a:rPr kumimoji="1" lang="en-US" altLang="ja-JP" sz="2400" dirty="0">
-                <a:latin typeface="メイリオ" panose="020B0604030504040204" pitchFamily="50" charset="-128"/>
-                <a:ea typeface="メイリオ" panose="020B0604030504040204" pitchFamily="50" charset="-128"/>
-              </a:rPr>
-              <a:t>.</a:t>
-            </a:r>
-            <a:r>
-              <a:rPr kumimoji="1" lang="en-US" altLang="ja-JP" sz="2400" dirty="0" err="1">
-                <a:latin typeface="メイリオ" panose="020B0604030504040204" pitchFamily="50" charset="-128"/>
-                <a:ea typeface="メイリオ" panose="020B0604030504040204" pitchFamily="50" charset="-128"/>
-              </a:rPr>
-              <a:t>py</a:t>
-            </a:r>
-            <a:r>
-              <a:rPr kumimoji="1" lang="ja-JP" altLang="en-US" sz="2400" dirty="0">
-                <a:latin typeface="メイリオ" panose="020B0604030504040204" pitchFamily="50" charset="-128"/>
-                <a:ea typeface="メイリオ" panose="020B0604030504040204" pitchFamily="50" charset="-128"/>
-              </a:rPr>
-              <a:t>）</a:t>
-            </a:r>
-            <a:endParaRPr kumimoji="1" lang="en-US" altLang="ja-JP" sz="2400" dirty="0">
-              <a:latin typeface="メイリオ" panose="020B0604030504040204" pitchFamily="50" charset="-128"/>
-              <a:ea typeface="メイリオ" panose="020B0604030504040204" pitchFamily="50" charset="-128"/>
-            </a:endParaRPr>
-          </a:p>
-          <a:p>
             <a:pPr marL="457200" indent="-457200" algn="l">
               <a:buFont typeface="+mj-lt"/>
               <a:buAutoNum type="arabicPeriod"/>
             </a:pPr>
-            <a:endParaRPr kumimoji="1" lang="ja-JP" altLang="en-US" sz="2400" dirty="0">
-              <a:latin typeface="メイリオ" panose="020B0604030504040204" pitchFamily="50" charset="-128"/>
-              <a:ea typeface="メイリオ" panose="020B0604030504040204" pitchFamily="50" charset="-128"/>
-            </a:endParaRPr>
+            <a:r>
+              <a:rPr kumimoji="1" lang="ja-JP" altLang="en-US" sz="2400" dirty="0">
+                <a:latin typeface="メイリオ" panose="020B0604030504040204" pitchFamily="50" charset="-128"/>
+                <a:ea typeface="メイリオ" panose="020B0604030504040204" pitchFamily="50" charset="-128"/>
+              </a:rPr>
+              <a:t>コマンドラインからの命令実行</a:t>
+            </a:r>
+            <a:r>
+              <a:rPr kumimoji="1" lang="en-US" altLang="ja-JP" sz="2400" dirty="0">
+                <a:latin typeface="メイリオ" panose="020B0604030504040204" pitchFamily="50" charset="-128"/>
+                <a:ea typeface="メイリオ" panose="020B0604030504040204" pitchFamily="50" charset="-128"/>
+              </a:rPr>
+              <a:t>(CUI)</a:t>
+            </a:r>
+          </a:p>
+          <a:p>
+            <a:pPr marL="457200" indent="-457200" algn="l">
+              <a:buFont typeface="+mj-lt"/>
+              <a:buAutoNum type="arabicPeriod"/>
+            </a:pPr>
+            <a:r>
+              <a:rPr kumimoji="1" lang="ja-JP" altLang="en-US" sz="2400" dirty="0">
+                <a:latin typeface="メイリオ" panose="020B0604030504040204" pitchFamily="50" charset="-128"/>
+                <a:ea typeface="メイリオ" panose="020B0604030504040204" pitchFamily="50" charset="-128"/>
+              </a:rPr>
+              <a:t>様々なライブラリを組み合わせたプログラミング</a:t>
+            </a:r>
+          </a:p>
+        </p:txBody>
+      </p:sp>
+      <p:sp>
+        <p:nvSpPr>
+          <p:cNvPr id="4" name="テキスト ボックス 3">
+            <a:extLst>
+              <a:ext uri="{FF2B5EF4-FFF2-40B4-BE49-F238E27FC236}">
+                <a16:creationId xmlns:a16="http://schemas.microsoft.com/office/drawing/2014/main" id="{65A2EBC1-6F35-B3BB-D12E-EC656D716445}"/>
+              </a:ext>
+            </a:extLst>
+          </p:cNvPr>
+          <p:cNvSpPr txBox="1"/>
+          <p:nvPr/>
+        </p:nvSpPr>
+        <p:spPr>
+          <a:xfrm>
+            <a:off x="578109" y="1495573"/>
+            <a:ext cx="5416868" cy="461665"/>
+          </a:xfrm>
+          <a:prstGeom prst="rect">
+            <a:avLst/>
+          </a:prstGeom>
+          <a:noFill/>
+        </p:spPr>
+        <p:txBody>
+          <a:bodyPr wrap="none" rtlCol="0">
+            <a:spAutoFit/>
+          </a:bodyPr>
+          <a:lstStyle/>
+          <a:p>
+            <a:pPr algn="l"/>
+            <a:r>
+              <a:rPr kumimoji="1" lang="ja-JP" altLang="en-US" sz="2400" dirty="0">
+                <a:latin typeface="メイリオ" panose="020B0604030504040204" pitchFamily="50" charset="-128"/>
+                <a:ea typeface="メイリオ" panose="020B0604030504040204" pitchFamily="50" charset="-128"/>
+              </a:rPr>
+              <a:t>実践的プログラミングスキルを目指す</a:t>
+            </a:r>
+          </a:p>
+        </p:txBody>
+      </p:sp>
+      <p:sp>
+        <p:nvSpPr>
+          <p:cNvPr id="7" name="テキスト ボックス 6">
+            <a:extLst>
+              <a:ext uri="{FF2B5EF4-FFF2-40B4-BE49-F238E27FC236}">
+                <a16:creationId xmlns:a16="http://schemas.microsoft.com/office/drawing/2014/main" id="{47E4303F-6E48-D2EF-7516-BBD0A86CD74A}"/>
+              </a:ext>
+            </a:extLst>
+          </p:cNvPr>
+          <p:cNvSpPr txBox="1"/>
+          <p:nvPr/>
+        </p:nvSpPr>
+        <p:spPr>
+          <a:xfrm>
+            <a:off x="679132" y="4665221"/>
+            <a:ext cx="10694884" cy="830997"/>
+          </a:xfrm>
+          <a:prstGeom prst="rect">
+            <a:avLst/>
+          </a:prstGeom>
+          <a:noFill/>
+        </p:spPr>
+        <p:txBody>
+          <a:bodyPr wrap="square" rtlCol="0">
+            <a:spAutoFit/>
+          </a:bodyPr>
+          <a:lstStyle/>
+          <a:p>
+            <a:pPr algn="l"/>
+            <a:r>
+              <a:rPr kumimoji="1" lang="ja-JP" altLang="en-US" sz="2400" dirty="0">
+                <a:latin typeface="メイリオ" panose="020B0604030504040204" pitchFamily="50" charset="-128"/>
+                <a:ea typeface="メイリオ" panose="020B0604030504040204" pitchFamily="50" charset="-128"/>
+              </a:rPr>
+              <a:t>実務的かつ高度なプログラミングには「プログラムが動くシステム環境</a:t>
+            </a:r>
+            <a:r>
+              <a:rPr kumimoji="1" lang="en-US" altLang="ja-JP" sz="2400" dirty="0">
+                <a:latin typeface="メイリオ" panose="020B0604030504040204" pitchFamily="50" charset="-128"/>
+                <a:ea typeface="メイリオ" panose="020B0604030504040204" pitchFamily="50" charset="-128"/>
+              </a:rPr>
+              <a:t>*</a:t>
+            </a:r>
+            <a:r>
+              <a:rPr kumimoji="1" lang="ja-JP" altLang="en-US" sz="2400" dirty="0">
+                <a:latin typeface="メイリオ" panose="020B0604030504040204" pitchFamily="50" charset="-128"/>
+                <a:ea typeface="メイリオ" panose="020B0604030504040204" pitchFamily="50" charset="-128"/>
+              </a:rPr>
+              <a:t>」の知識が不可欠</a:t>
+            </a:r>
+          </a:p>
+        </p:txBody>
+      </p:sp>
+      <p:sp>
+        <p:nvSpPr>
+          <p:cNvPr id="8" name="テキスト ボックス 7">
+            <a:extLst>
+              <a:ext uri="{FF2B5EF4-FFF2-40B4-BE49-F238E27FC236}">
+                <a16:creationId xmlns:a16="http://schemas.microsoft.com/office/drawing/2014/main" id="{1E5C556C-E555-D68D-BF78-E789DA5FBBED}"/>
+              </a:ext>
+            </a:extLst>
+          </p:cNvPr>
+          <p:cNvSpPr txBox="1"/>
+          <p:nvPr/>
+        </p:nvSpPr>
+        <p:spPr>
+          <a:xfrm>
+            <a:off x="679132" y="5743193"/>
+            <a:ext cx="5607625" cy="461665"/>
+          </a:xfrm>
+          <a:prstGeom prst="rect">
+            <a:avLst/>
+          </a:prstGeom>
+          <a:noFill/>
+        </p:spPr>
+        <p:txBody>
+          <a:bodyPr wrap="none" rtlCol="0">
+            <a:spAutoFit/>
+          </a:bodyPr>
+          <a:lstStyle/>
+          <a:p>
+            <a:pPr algn="l"/>
+            <a:r>
+              <a:rPr kumimoji="1" lang="en-US" altLang="ja-JP" sz="2400" dirty="0">
+                <a:latin typeface="メイリオ" panose="020B0604030504040204" pitchFamily="50" charset="-128"/>
+                <a:ea typeface="メイリオ" panose="020B0604030504040204" pitchFamily="50" charset="-128"/>
+              </a:rPr>
+              <a:t>*</a:t>
+            </a:r>
+            <a:r>
+              <a:rPr kumimoji="1" lang="ja-JP" altLang="en-US" sz="2400" dirty="0">
+                <a:latin typeface="メイリオ" panose="020B0604030504040204" pitchFamily="50" charset="-128"/>
+                <a:ea typeface="メイリオ" panose="020B0604030504040204" pitchFamily="50" charset="-128"/>
+              </a:rPr>
+              <a:t>コンピュータシステム，ネットワーク</a:t>
+            </a:r>
+          </a:p>
+        </p:txBody>
+      </p:sp>
+      <p:sp>
+        <p:nvSpPr>
+          <p:cNvPr id="5" name="テキスト ボックス 4">
+            <a:extLst>
+              <a:ext uri="{FF2B5EF4-FFF2-40B4-BE49-F238E27FC236}">
+                <a16:creationId xmlns:a16="http://schemas.microsoft.com/office/drawing/2014/main" id="{6BAB9B20-37B4-2023-7D0C-7CE85F090A33}"/>
+              </a:ext>
+            </a:extLst>
+          </p:cNvPr>
+          <p:cNvSpPr txBox="1"/>
+          <p:nvPr/>
+        </p:nvSpPr>
+        <p:spPr>
+          <a:xfrm>
+            <a:off x="559836" y="300781"/>
+            <a:ext cx="3570208" cy="461665"/>
+          </a:xfrm>
+          <a:prstGeom prst="rect">
+            <a:avLst/>
+          </a:prstGeom>
+          <a:noFill/>
+        </p:spPr>
+        <p:txBody>
+          <a:bodyPr wrap="none" rtlCol="0">
+            <a:spAutoFit/>
+          </a:bodyPr>
+          <a:lstStyle/>
+          <a:p>
+            <a:pPr algn="l"/>
+            <a:r>
+              <a:rPr kumimoji="1" lang="ja-JP" altLang="en-US" sz="2400" u="sng" dirty="0">
+                <a:latin typeface="メイリオ" panose="020B0604030504040204" pitchFamily="50" charset="-128"/>
+                <a:ea typeface="メイリオ" panose="020B0604030504040204" pitchFamily="50" charset="-128"/>
+              </a:rPr>
+              <a:t>この授業が目指すもの１</a:t>
+            </a:r>
           </a:p>
         </p:txBody>
       </p:sp>
     </p:spTree>
     <p:extLst>
       <p:ext uri="{BB962C8B-B14F-4D97-AF65-F5344CB8AC3E}">
-        <p14:creationId xmlns:p14="http://schemas.microsoft.com/office/powerpoint/2010/main" val="3275147281"/>
+        <p14:creationId xmlns:p14="http://schemas.microsoft.com/office/powerpoint/2010/main" val="751329887"/>
       </p:ext>
     </p:extLst>
   </p:cSld>
@@ -6284,10 +10172,10 @@
       </p:grpSpPr>
       <p:sp>
         <p:nvSpPr>
-          <p:cNvPr id="2" name="テキスト ボックス 1">
-            <a:extLst>
-              <a:ext uri="{FF2B5EF4-FFF2-40B4-BE49-F238E27FC236}">
-                <a16:creationId xmlns:a16="http://schemas.microsoft.com/office/drawing/2014/main" id="{9541368F-70E8-78FA-2483-238C9071203E}"/>
+          <p:cNvPr id="6" name="テキスト ボックス 5">
+            <a:extLst>
+              <a:ext uri="{FF2B5EF4-FFF2-40B4-BE49-F238E27FC236}">
+                <a16:creationId xmlns:a16="http://schemas.microsoft.com/office/drawing/2014/main" id="{6A750F1D-3A02-136B-E13D-A0828323B76C}"/>
               </a:ext>
             </a:extLst>
           </p:cNvPr>
@@ -6296,8 +10184,8 @@
         </p:nvSpPr>
         <p:spPr>
           <a:xfrm>
-            <a:off x="690465" y="494522"/>
-            <a:ext cx="7571303" cy="584775"/>
+            <a:off x="1015473" y="6109844"/>
+            <a:ext cx="3461332" cy="830997"/>
           </a:xfrm>
           <a:prstGeom prst="rect">
             <a:avLst/>
@@ -6312,21 +10200,226 @@
           <a:p>
             <a:pPr algn="l"/>
             <a:r>
+              <a:rPr kumimoji="1" lang="en-US" altLang="ja-JP" sz="2400" dirty="0">
+                <a:latin typeface="メイリオ" panose="020B0604030504040204" pitchFamily="50" charset="-128"/>
+                <a:ea typeface="メイリオ" panose="020B0604030504040204" pitchFamily="50" charset="-128"/>
+              </a:rPr>
+              <a:t>tabelog_crawler.py</a:t>
+            </a:r>
+          </a:p>
+          <a:p>
+            <a:pPr algn="l"/>
+            <a:r>
+              <a:rPr kumimoji="1" lang="en-US" altLang="ja-JP" sz="2400" dirty="0" err="1">
+                <a:latin typeface="メイリオ" panose="020B0604030504040204" pitchFamily="50" charset="-128"/>
+                <a:ea typeface="メイリオ" panose="020B0604030504040204" pitchFamily="50" charset="-128"/>
+              </a:rPr>
+              <a:t>tabelog_crawler.ipynb</a:t>
+            </a:r>
+            <a:endParaRPr kumimoji="1" lang="ja-JP" altLang="en-US" sz="2400" dirty="0">
+              <a:latin typeface="メイリオ" panose="020B0604030504040204" pitchFamily="50" charset="-128"/>
+              <a:ea typeface="メイリオ" panose="020B0604030504040204" pitchFamily="50" charset="-128"/>
+            </a:endParaRPr>
+          </a:p>
+        </p:txBody>
+      </p:sp>
+      <p:sp>
+        <p:nvSpPr>
+          <p:cNvPr id="7" name="テキスト ボックス 6">
+            <a:extLst>
+              <a:ext uri="{FF2B5EF4-FFF2-40B4-BE49-F238E27FC236}">
+                <a16:creationId xmlns:a16="http://schemas.microsoft.com/office/drawing/2014/main" id="{380037E1-8A59-2312-8DCA-1402C112C510}"/>
+              </a:ext>
+            </a:extLst>
+          </p:cNvPr>
+          <p:cNvSpPr txBox="1"/>
+          <p:nvPr/>
+        </p:nvSpPr>
+        <p:spPr>
+          <a:xfrm>
+            <a:off x="1015473" y="5693740"/>
+            <a:ext cx="7485575" cy="461665"/>
+          </a:xfrm>
+          <a:prstGeom prst="rect">
+            <a:avLst/>
+          </a:prstGeom>
+          <a:noFill/>
+        </p:spPr>
+        <p:txBody>
+          <a:bodyPr wrap="none" rtlCol="0">
+            <a:spAutoFit/>
+          </a:bodyPr>
+          <a:lstStyle/>
+          <a:p>
+            <a:pPr algn="l"/>
+            <a:r>
+              <a:rPr kumimoji="1" lang="ja-JP" altLang="en-US" sz="2400" dirty="0">
+                <a:latin typeface="メイリオ" panose="020B0604030504040204" pitchFamily="50" charset="-128"/>
+                <a:ea typeface="メイリオ" panose="020B0604030504040204" pitchFamily="50" charset="-128"/>
+              </a:rPr>
+              <a:t>全く同じ</a:t>
+            </a:r>
+            <a:r>
+              <a:rPr kumimoji="1" lang="en-US" altLang="ja-JP" sz="2400" dirty="0">
+                <a:latin typeface="メイリオ" panose="020B0604030504040204" pitchFamily="50" charset="-128"/>
+                <a:ea typeface="メイリオ" panose="020B0604030504040204" pitchFamily="50" charset="-128"/>
+              </a:rPr>
+              <a:t>Crawler</a:t>
+            </a:r>
+            <a:r>
+              <a:rPr kumimoji="1" lang="ja-JP" altLang="en-US" sz="2400" dirty="0">
+                <a:latin typeface="メイリオ" panose="020B0604030504040204" pitchFamily="50" charset="-128"/>
+                <a:ea typeface="メイリオ" panose="020B0604030504040204" pitchFamily="50" charset="-128"/>
+              </a:rPr>
+              <a:t>プログラムを動かして比較すると。</a:t>
+            </a:r>
+          </a:p>
+        </p:txBody>
+      </p:sp>
+      <p:sp>
+        <p:nvSpPr>
+          <p:cNvPr id="9" name="テキスト ボックス 8">
+            <a:extLst>
+              <a:ext uri="{FF2B5EF4-FFF2-40B4-BE49-F238E27FC236}">
+                <a16:creationId xmlns:a16="http://schemas.microsoft.com/office/drawing/2014/main" id="{FDB7D040-21D3-FCF2-FA25-8ABB374A4996}"/>
+              </a:ext>
+            </a:extLst>
+          </p:cNvPr>
+          <p:cNvSpPr txBox="1"/>
+          <p:nvPr/>
+        </p:nvSpPr>
+        <p:spPr>
+          <a:xfrm>
+            <a:off x="5431769" y="6109843"/>
+            <a:ext cx="2339102" cy="830997"/>
+          </a:xfrm>
+          <a:prstGeom prst="rect">
+            <a:avLst/>
+          </a:prstGeom>
+          <a:noFill/>
+        </p:spPr>
+        <p:txBody>
+          <a:bodyPr wrap="none" rtlCol="0">
+            <a:spAutoFit/>
+          </a:bodyPr>
+          <a:lstStyle/>
+          <a:p>
+            <a:pPr algn="l"/>
+            <a:r>
+              <a:rPr kumimoji="1" lang="ja-JP" altLang="en-US" sz="2400" dirty="0">
+                <a:latin typeface="メイリオ" panose="020B0604030504040204" pitchFamily="50" charset="-128"/>
+                <a:ea typeface="メイリオ" panose="020B0604030504040204" pitchFamily="50" charset="-128"/>
+              </a:rPr>
+              <a:t>拡張子が違う</a:t>
+            </a:r>
+            <a:endParaRPr kumimoji="1" lang="en-US" altLang="ja-JP" sz="2400" dirty="0">
+              <a:latin typeface="メイリオ" panose="020B0604030504040204" pitchFamily="50" charset="-128"/>
+              <a:ea typeface="メイリオ" panose="020B0604030504040204" pitchFamily="50" charset="-128"/>
+            </a:endParaRPr>
+          </a:p>
+          <a:p>
+            <a:pPr algn="l"/>
+            <a:r>
+              <a:rPr kumimoji="1" lang="ja-JP" altLang="en-US" sz="2400" dirty="0">
+                <a:latin typeface="メイリオ" panose="020B0604030504040204" pitchFamily="50" charset="-128"/>
+                <a:ea typeface="メイリオ" panose="020B0604030504040204" pitchFamily="50" charset="-128"/>
+              </a:rPr>
+              <a:t>実行方法が違う</a:t>
+            </a:r>
+          </a:p>
+        </p:txBody>
+      </p:sp>
+      <p:sp>
+        <p:nvSpPr>
+          <p:cNvPr id="10" name="矢印: 右 9">
+            <a:extLst>
+              <a:ext uri="{FF2B5EF4-FFF2-40B4-BE49-F238E27FC236}">
+                <a16:creationId xmlns:a16="http://schemas.microsoft.com/office/drawing/2014/main" id="{88C423E8-678C-000E-3C5E-E44251697383}"/>
+              </a:ext>
+            </a:extLst>
+          </p:cNvPr>
+          <p:cNvSpPr/>
+          <p:nvPr/>
+        </p:nvSpPr>
+        <p:spPr>
+          <a:xfrm>
+            <a:off x="4537843" y="6109843"/>
+            <a:ext cx="612471" cy="704850"/>
+          </a:xfrm>
+          <a:prstGeom prst="rightArrow">
+            <a:avLst/>
+          </a:prstGeom>
+        </p:spPr>
+        <p:style>
+          <a:lnRef idx="2">
+            <a:schemeClr val="accent1">
+              <a:shade val="50000"/>
+            </a:schemeClr>
+          </a:lnRef>
+          <a:fillRef idx="1">
+            <a:schemeClr val="accent1"/>
+          </a:fillRef>
+          <a:effectRef idx="0">
+            <a:schemeClr val="accent1"/>
+          </a:effectRef>
+          <a:fontRef idx="minor">
+            <a:schemeClr val="lt1"/>
+          </a:fontRef>
+        </p:style>
+        <p:txBody>
+          <a:bodyPr rtlCol="0" anchor="ctr"/>
+          <a:lstStyle/>
+          <a:p>
+            <a:pPr algn="ctr"/>
+            <a:endParaRPr kumimoji="1" lang="ja-JP" altLang="en-US"/>
+          </a:p>
+        </p:txBody>
+      </p:sp>
+      <p:sp>
+        <p:nvSpPr>
+          <p:cNvPr id="3" name="テキスト ボックス 2">
+            <a:extLst>
+              <a:ext uri="{FF2B5EF4-FFF2-40B4-BE49-F238E27FC236}">
+                <a16:creationId xmlns:a16="http://schemas.microsoft.com/office/drawing/2014/main" id="{ABD4A957-16C9-0DBF-B1FB-7C58389C4FEB}"/>
+              </a:ext>
+            </a:extLst>
+          </p:cNvPr>
+          <p:cNvSpPr txBox="1"/>
+          <p:nvPr/>
+        </p:nvSpPr>
+        <p:spPr>
+          <a:xfrm>
+            <a:off x="744567" y="271723"/>
+            <a:ext cx="3467616" cy="584775"/>
+          </a:xfrm>
+          <a:prstGeom prst="rect">
+            <a:avLst/>
+          </a:prstGeom>
+          <a:noFill/>
+        </p:spPr>
+        <p:txBody>
+          <a:bodyPr wrap="none" rtlCol="0">
+            <a:spAutoFit/>
+          </a:bodyPr>
+          <a:lstStyle/>
+          <a:p>
+            <a:pPr algn="l"/>
+            <a:r>
               <a:rPr kumimoji="1" lang="ja-JP" altLang="en-US" sz="3200" dirty="0">
                 <a:latin typeface="メイリオ" panose="020B0604030504040204" pitchFamily="50" charset="-128"/>
                 <a:ea typeface="メイリオ" panose="020B0604030504040204" pitchFamily="50" charset="-128"/>
               </a:rPr>
-              <a:t>この授業の道具　～　テキストエディタ</a:t>
-            </a:r>
-          </a:p>
-        </p:txBody>
-      </p:sp>
-      <p:sp>
-        <p:nvSpPr>
-          <p:cNvPr id="4" name="テキスト ボックス 3">
-            <a:extLst>
-              <a:ext uri="{FF2B5EF4-FFF2-40B4-BE49-F238E27FC236}">
-                <a16:creationId xmlns:a16="http://schemas.microsoft.com/office/drawing/2014/main" id="{5B94764F-F673-BF0D-661C-FC97E5E0A130}"/>
+              <a:t>テキストエディタ</a:t>
+            </a:r>
+          </a:p>
+        </p:txBody>
+      </p:sp>
+      <p:sp>
+        <p:nvSpPr>
+          <p:cNvPr id="8" name="テキスト ボックス 7">
+            <a:extLst>
+              <a:ext uri="{FF2B5EF4-FFF2-40B4-BE49-F238E27FC236}">
+                <a16:creationId xmlns:a16="http://schemas.microsoft.com/office/drawing/2014/main" id="{9FE63080-E667-2C26-E631-365E2649FFAA}"/>
               </a:ext>
             </a:extLst>
           </p:cNvPr>
@@ -6335,8 +10428,8 @@
         </p:nvSpPr>
         <p:spPr>
           <a:xfrm>
-            <a:off x="783382" y="1189007"/>
-            <a:ext cx="10941893" cy="1200329"/>
+            <a:off x="690465" y="856498"/>
+            <a:ext cx="10941893" cy="1569660"/>
           </a:xfrm>
           <a:prstGeom prst="rect">
             <a:avLst/>
@@ -6380,6 +10473,30 @@
             </a:endParaRPr>
           </a:p>
           <a:p>
+            <a:pPr marL="457200" indent="-457200">
+              <a:buFont typeface="+mj-lt"/>
+              <a:buAutoNum type="arabicPeriod"/>
+            </a:pPr>
+            <a:r>
+              <a:rPr kumimoji="1" lang="en-US" altLang="ja-JP" sz="2400" dirty="0">
+                <a:latin typeface="メイリオ" panose="020B0604030504040204" pitchFamily="50" charset="-128"/>
+                <a:ea typeface="メイリオ" panose="020B0604030504040204" pitchFamily="50" charset="-128"/>
+              </a:rPr>
+              <a:t>IT</a:t>
+            </a:r>
+            <a:r>
+              <a:rPr kumimoji="1" lang="ja-JP" altLang="en-US" sz="2400" dirty="0">
+                <a:latin typeface="メイリオ" panose="020B0604030504040204" pitchFamily="50" charset="-128"/>
+                <a:ea typeface="メイリオ" panose="020B0604030504040204" pitchFamily="50" charset="-128"/>
+              </a:rPr>
+              <a:t>系企業などで本格的にプログラミングを実務で扱うには必須</a:t>
+            </a:r>
+            <a:endParaRPr kumimoji="1" lang="en-US" altLang="ja-JP" sz="2400" dirty="0">
+              <a:latin typeface="メイリオ" panose="020B0604030504040204" pitchFamily="50" charset="-128"/>
+              <a:ea typeface="メイリオ" panose="020B0604030504040204" pitchFamily="50" charset="-128"/>
+            </a:endParaRPr>
+          </a:p>
+          <a:p>
             <a:pPr marL="457200" indent="-457200" algn="l">
               <a:buFont typeface="+mj-lt"/>
               <a:buAutoNum type="arabicPeriod"/>
@@ -6410,10 +10527,10 @@
       </p:sp>
       <p:graphicFrame>
         <p:nvGraphicFramePr>
-          <p:cNvPr id="5" name="表 5">
-            <a:extLst>
-              <a:ext uri="{FF2B5EF4-FFF2-40B4-BE49-F238E27FC236}">
-                <a16:creationId xmlns:a16="http://schemas.microsoft.com/office/drawing/2014/main" id="{527F9981-B129-CA81-730C-3B98230B2EC1}"/>
+          <p:cNvPr id="11" name="表 5">
+            <a:extLst>
+              <a:ext uri="{FF2B5EF4-FFF2-40B4-BE49-F238E27FC236}">
+                <a16:creationId xmlns:a16="http://schemas.microsoft.com/office/drawing/2014/main" id="{4320B577-F390-470C-2BC6-A6604E8F2A3D}"/>
               </a:ext>
             </a:extLst>
           </p:cNvPr>
@@ -6423,14 +10540,14 @@
           <p:nvPr>
             <p:extLst>
               <p:ext uri="{D42A27DB-BD31-4B8C-83A1-F6EECF244321}">
-                <p14:modId xmlns:p14="http://schemas.microsoft.com/office/powerpoint/2010/main" val="78474377"/>
+                <p14:modId xmlns:p14="http://schemas.microsoft.com/office/powerpoint/2010/main" val="3811156529"/>
               </p:ext>
             </p:extLst>
           </p:nvPr>
         </p:nvGraphicFramePr>
         <p:xfrm>
-          <a:off x="1248228" y="2520709"/>
-          <a:ext cx="10153779" cy="2194560"/>
+          <a:off x="1084521" y="2426158"/>
+          <a:ext cx="10153779" cy="3078480"/>
         </p:xfrm>
         <a:graphic>
           <a:graphicData uri="http://schemas.openxmlformats.org/drawingml/2006/table">
@@ -6439,14 +10556,14 @@
                 <a:tableStyleId>{5940675A-B579-460E-94D1-54222C63F5DA}</a:tableStyleId>
               </a:tblPr>
               <a:tblGrid>
-                <a:gridCol w="3384593">
+                <a:gridCol w="3165830">
                   <a:extLst>
                     <a:ext uri="{9D8B030D-6E8A-4147-A177-3AD203B41FA5}">
                       <a16:colId xmlns:a16="http://schemas.microsoft.com/office/drawing/2014/main" val="3700039699"/>
                     </a:ext>
                   </a:extLst>
                 </a:gridCol>
-                <a:gridCol w="3384593">
+                <a:gridCol w="3603356">
                   <a:extLst>
                     <a:ext uri="{9D8B030D-6E8A-4147-A177-3AD203B41FA5}">
                       <a16:colId xmlns:a16="http://schemas.microsoft.com/office/drawing/2014/main" val="3648953777"/>
@@ -6544,7 +10661,7 @@
                           <a:latin typeface="メイリオ" panose="020B0604030504040204" pitchFamily="50" charset="-128"/>
                           <a:ea typeface="メイリオ" panose="020B0604030504040204" pitchFamily="50" charset="-128"/>
                         </a:rPr>
-                        <a:t>◎（変数・オブジェクトの整合性がわかる。変数・メソッド候補を自動表示）</a:t>
+                        <a:t>◎（変数・オブジェクトの整合性がわかる。）</a:t>
                       </a:r>
                     </a:p>
                   </a:txBody>
@@ -6569,6 +10686,179 @@
                 <a:extLst>
                   <a:ext uri="{0D108BD9-81ED-4DB2-BD59-A6C34878D82A}">
                     <a16:rowId xmlns:a16="http://schemas.microsoft.com/office/drawing/2014/main" val="1034993902"/>
+                  </a:ext>
+                </a:extLst>
+              </a:tr>
+              <a:tr h="370840">
+                <a:tc>
+                  <a:txBody>
+                    <a:bodyPr/>
+                    <a:lstStyle/>
+                    <a:p>
+                      <a:r>
+                        <a:rPr kumimoji="1" lang="ja-JP" altLang="en-US" sz="2000" dirty="0">
+                          <a:latin typeface="メイリオ" panose="020B0604030504040204" pitchFamily="50" charset="-128"/>
+                          <a:ea typeface="メイリオ" panose="020B0604030504040204" pitchFamily="50" charset="-128"/>
+                        </a:rPr>
+                        <a:t>関数のモジュール化</a:t>
+                      </a:r>
+                    </a:p>
+                  </a:txBody>
+                  <a:tcPr/>
+                </a:tc>
+                <a:tc>
+                  <a:txBody>
+                    <a:bodyPr/>
+                    <a:lstStyle/>
+                    <a:p>
+                      <a:r>
+                        <a:rPr kumimoji="1" lang="ja-JP" altLang="en-US" sz="2000" dirty="0">
+                          <a:latin typeface="メイリオ" panose="020B0604030504040204" pitchFamily="50" charset="-128"/>
+                          <a:ea typeface="メイリオ" panose="020B0604030504040204" pitchFamily="50" charset="-128"/>
+                        </a:rPr>
+                        <a:t>〇</a:t>
+                      </a:r>
+                    </a:p>
+                  </a:txBody>
+                  <a:tcPr/>
+                </a:tc>
+                <a:tc>
+                  <a:txBody>
+                    <a:bodyPr/>
+                    <a:lstStyle/>
+                    <a:p>
+                      <a:r>
+                        <a:rPr kumimoji="1" lang="en-US" altLang="ja-JP" sz="2000" dirty="0">
+                          <a:latin typeface="メイリオ" panose="020B0604030504040204" pitchFamily="50" charset="-128"/>
+                          <a:ea typeface="メイリオ" panose="020B0604030504040204" pitchFamily="50" charset="-128"/>
+                        </a:rPr>
+                        <a:t>×</a:t>
+                      </a:r>
+                      <a:endParaRPr kumimoji="1" lang="ja-JP" altLang="en-US" sz="2000" dirty="0">
+                        <a:latin typeface="メイリオ" panose="020B0604030504040204" pitchFamily="50" charset="-128"/>
+                        <a:ea typeface="メイリオ" panose="020B0604030504040204" pitchFamily="50" charset="-128"/>
+                      </a:endParaRPr>
+                    </a:p>
+                  </a:txBody>
+                  <a:tcPr/>
+                </a:tc>
+                <a:extLst>
+                  <a:ext uri="{0D108BD9-81ED-4DB2-BD59-A6C34878D82A}">
+                    <a16:rowId xmlns:a16="http://schemas.microsoft.com/office/drawing/2014/main" val="2824588856"/>
+                  </a:ext>
+                </a:extLst>
+              </a:tr>
+              <a:tr h="370840">
+                <a:tc>
+                  <a:txBody>
+                    <a:bodyPr/>
+                    <a:lstStyle/>
+                    <a:p>
+                      <a:r>
+                        <a:rPr kumimoji="1" lang="ja-JP" altLang="en-US" sz="2000" dirty="0">
+                          <a:latin typeface="メイリオ" panose="020B0604030504040204" pitchFamily="50" charset="-128"/>
+                          <a:ea typeface="メイリオ" panose="020B0604030504040204" pitchFamily="50" charset="-128"/>
+                        </a:rPr>
+                        <a:t>自動補完機能</a:t>
+                      </a:r>
+                    </a:p>
+                  </a:txBody>
+                  <a:tcPr/>
+                </a:tc>
+                <a:tc>
+                  <a:txBody>
+                    <a:bodyPr/>
+                    <a:lstStyle/>
+                    <a:p>
+                      <a:r>
+                        <a:rPr kumimoji="1" lang="ja-JP" altLang="en-US" sz="2000" dirty="0">
+                          <a:latin typeface="メイリオ" panose="020B0604030504040204" pitchFamily="50" charset="-128"/>
+                          <a:ea typeface="メイリオ" panose="020B0604030504040204" pitchFamily="50" charset="-128"/>
+                        </a:rPr>
+                        <a:t>変数・関数の候補を自動表示</a:t>
+                      </a:r>
+                    </a:p>
+                  </a:txBody>
+                  <a:tcPr/>
+                </a:tc>
+                <a:tc>
+                  <a:txBody>
+                    <a:bodyPr/>
+                    <a:lstStyle/>
+                    <a:p>
+                      <a:r>
+                        <a:rPr kumimoji="1" lang="en-US" altLang="ja-JP" sz="2000" dirty="0">
+                          <a:latin typeface="メイリオ" panose="020B0604030504040204" pitchFamily="50" charset="-128"/>
+                          <a:ea typeface="メイリオ" panose="020B0604030504040204" pitchFamily="50" charset="-128"/>
+                        </a:rPr>
+                        <a:t>×</a:t>
+                      </a:r>
+                      <a:endParaRPr kumimoji="1" lang="ja-JP" altLang="en-US" sz="2000" dirty="0">
+                        <a:latin typeface="メイリオ" panose="020B0604030504040204" pitchFamily="50" charset="-128"/>
+                        <a:ea typeface="メイリオ" panose="020B0604030504040204" pitchFamily="50" charset="-128"/>
+                      </a:endParaRPr>
+                    </a:p>
+                  </a:txBody>
+                  <a:tcPr/>
+                </a:tc>
+                <a:extLst>
+                  <a:ext uri="{0D108BD9-81ED-4DB2-BD59-A6C34878D82A}">
+                    <a16:rowId xmlns:a16="http://schemas.microsoft.com/office/drawing/2014/main" val="1854135681"/>
+                  </a:ext>
+                </a:extLst>
+              </a:tr>
+              <a:tr h="370840">
+                <a:tc>
+                  <a:txBody>
+                    <a:bodyPr/>
+                    <a:lstStyle/>
+                    <a:p>
+                      <a:r>
+                        <a:rPr kumimoji="1" lang="ja-JP" altLang="en-US" sz="2000" dirty="0">
+                          <a:latin typeface="メイリオ" panose="020B0604030504040204" pitchFamily="50" charset="-128"/>
+                          <a:ea typeface="メイリオ" panose="020B0604030504040204" pitchFamily="50" charset="-128"/>
+                        </a:rPr>
+                        <a:t>デバッグ</a:t>
+                      </a:r>
+                    </a:p>
+                  </a:txBody>
+                  <a:tcPr/>
+                </a:tc>
+                <a:tc>
+                  <a:txBody>
+                    <a:bodyPr/>
+                    <a:lstStyle/>
+                    <a:p>
+                      <a:r>
+                        <a:rPr kumimoji="1" lang="ja-JP" altLang="en-US" sz="2000" dirty="0">
+                          <a:latin typeface="メイリオ" panose="020B0604030504040204" pitchFamily="50" charset="-128"/>
+                          <a:ea typeface="メイリオ" panose="020B0604030504040204" pitchFamily="50" charset="-128"/>
+                        </a:rPr>
+                        <a:t>◎</a:t>
+                      </a:r>
+                    </a:p>
+                  </a:txBody>
+                  <a:tcPr/>
+                </a:tc>
+                <a:tc>
+                  <a:txBody>
+                    <a:bodyPr/>
+                    <a:lstStyle/>
+                    <a:p>
+                      <a:r>
+                        <a:rPr kumimoji="1" lang="ja-JP" altLang="en-US" sz="2000" dirty="0">
+                          <a:latin typeface="メイリオ" panose="020B0604030504040204" pitchFamily="50" charset="-128"/>
+                          <a:ea typeface="メイリオ" panose="020B0604030504040204" pitchFamily="50" charset="-128"/>
+                        </a:rPr>
+                        <a:t>△</a:t>
+                      </a:r>
+                    </a:p>
+                  </a:txBody>
+                  <a:tcPr/>
+                </a:tc>
+                <a:extLst>
+                  <a:ext uri="{0D108BD9-81ED-4DB2-BD59-A6C34878D82A}">
+                    <a16:rowId xmlns:a16="http://schemas.microsoft.com/office/drawing/2014/main" val="1584704352"/>
                   </a:ext>
                 </a:extLst>
               </a:tr>
@@ -6690,211 +10980,6 @@
           </a:graphicData>
         </a:graphic>
       </p:graphicFrame>
-      <p:sp>
-        <p:nvSpPr>
-          <p:cNvPr id="6" name="テキスト ボックス 5">
-            <a:extLst>
-              <a:ext uri="{FF2B5EF4-FFF2-40B4-BE49-F238E27FC236}">
-                <a16:creationId xmlns:a16="http://schemas.microsoft.com/office/drawing/2014/main" id="{6A750F1D-3A02-136B-E13D-A0828323B76C}"/>
-              </a:ext>
-            </a:extLst>
-          </p:cNvPr>
-          <p:cNvSpPr txBox="1"/>
-          <p:nvPr/>
-        </p:nvSpPr>
-        <p:spPr>
-          <a:xfrm>
-            <a:off x="1248229" y="5752396"/>
-            <a:ext cx="3461332" cy="830997"/>
-          </a:xfrm>
-          <a:prstGeom prst="rect">
-            <a:avLst/>
-          </a:prstGeom>
-          <a:noFill/>
-        </p:spPr>
-        <p:txBody>
-          <a:bodyPr wrap="none" rtlCol="0">
-            <a:spAutoFit/>
-          </a:bodyPr>
-          <a:lstStyle/>
-          <a:p>
-            <a:pPr algn="l"/>
-            <a:r>
-              <a:rPr kumimoji="1" lang="en-US" altLang="ja-JP" sz="2400" dirty="0">
-                <a:latin typeface="メイリオ" panose="020B0604030504040204" pitchFamily="50" charset="-128"/>
-                <a:ea typeface="メイリオ" panose="020B0604030504040204" pitchFamily="50" charset="-128"/>
-              </a:rPr>
-              <a:t>tabelog_crawler.py</a:t>
-            </a:r>
-          </a:p>
-          <a:p>
-            <a:pPr algn="l"/>
-            <a:r>
-              <a:rPr kumimoji="1" lang="en-US" altLang="ja-JP" sz="2400" dirty="0" err="1">
-                <a:latin typeface="メイリオ" panose="020B0604030504040204" pitchFamily="50" charset="-128"/>
-                <a:ea typeface="メイリオ" panose="020B0604030504040204" pitchFamily="50" charset="-128"/>
-              </a:rPr>
-              <a:t>tabelog_crawler.ipynb</a:t>
-            </a:r>
-            <a:endParaRPr kumimoji="1" lang="ja-JP" altLang="en-US" sz="2400" dirty="0">
-              <a:latin typeface="メイリオ" panose="020B0604030504040204" pitchFamily="50" charset="-128"/>
-              <a:ea typeface="メイリオ" panose="020B0604030504040204" pitchFamily="50" charset="-128"/>
-            </a:endParaRPr>
-          </a:p>
-        </p:txBody>
-      </p:sp>
-      <p:sp>
-        <p:nvSpPr>
-          <p:cNvPr id="7" name="テキスト ボックス 6">
-            <a:extLst>
-              <a:ext uri="{FF2B5EF4-FFF2-40B4-BE49-F238E27FC236}">
-                <a16:creationId xmlns:a16="http://schemas.microsoft.com/office/drawing/2014/main" id="{380037E1-8A59-2312-8DCA-1402C112C510}"/>
-              </a:ext>
-            </a:extLst>
-          </p:cNvPr>
-          <p:cNvSpPr txBox="1"/>
-          <p:nvPr/>
-        </p:nvSpPr>
-        <p:spPr>
-          <a:xfrm>
-            <a:off x="1248229" y="5151442"/>
-            <a:ext cx="7485575" cy="461665"/>
-          </a:xfrm>
-          <a:prstGeom prst="rect">
-            <a:avLst/>
-          </a:prstGeom>
-          <a:noFill/>
-        </p:spPr>
-        <p:txBody>
-          <a:bodyPr wrap="none" rtlCol="0">
-            <a:spAutoFit/>
-          </a:bodyPr>
-          <a:lstStyle/>
-          <a:p>
-            <a:pPr algn="l"/>
-            <a:r>
-              <a:rPr kumimoji="1" lang="ja-JP" altLang="en-US" sz="2400" dirty="0">
-                <a:latin typeface="メイリオ" panose="020B0604030504040204" pitchFamily="50" charset="-128"/>
-                <a:ea typeface="メイリオ" panose="020B0604030504040204" pitchFamily="50" charset="-128"/>
-              </a:rPr>
-              <a:t>全く同じ</a:t>
-            </a:r>
-            <a:r>
-              <a:rPr kumimoji="1" lang="en-US" altLang="ja-JP" sz="2400" dirty="0">
-                <a:latin typeface="メイリオ" panose="020B0604030504040204" pitchFamily="50" charset="-128"/>
-                <a:ea typeface="メイリオ" panose="020B0604030504040204" pitchFamily="50" charset="-128"/>
-              </a:rPr>
-              <a:t>Crawler</a:t>
-            </a:r>
-            <a:r>
-              <a:rPr kumimoji="1" lang="ja-JP" altLang="en-US" sz="2400" dirty="0">
-                <a:latin typeface="メイリオ" panose="020B0604030504040204" pitchFamily="50" charset="-128"/>
-                <a:ea typeface="メイリオ" panose="020B0604030504040204" pitchFamily="50" charset="-128"/>
-              </a:rPr>
-              <a:t>プログラムを動かして比較すると。</a:t>
-            </a:r>
-          </a:p>
-        </p:txBody>
-      </p:sp>
-      <p:sp>
-        <p:nvSpPr>
-          <p:cNvPr id="9" name="テキスト ボックス 8">
-            <a:extLst>
-              <a:ext uri="{FF2B5EF4-FFF2-40B4-BE49-F238E27FC236}">
-                <a16:creationId xmlns:a16="http://schemas.microsoft.com/office/drawing/2014/main" id="{FDB7D040-21D3-FCF2-FA25-8ABB374A4996}"/>
-              </a:ext>
-            </a:extLst>
-          </p:cNvPr>
-          <p:cNvSpPr txBox="1"/>
-          <p:nvPr/>
-        </p:nvSpPr>
-        <p:spPr>
-          <a:xfrm>
-            <a:off x="5664525" y="5752395"/>
-            <a:ext cx="2339102" cy="830997"/>
-          </a:xfrm>
-          <a:prstGeom prst="rect">
-            <a:avLst/>
-          </a:prstGeom>
-          <a:noFill/>
-        </p:spPr>
-        <p:txBody>
-          <a:bodyPr wrap="none" rtlCol="0">
-            <a:spAutoFit/>
-          </a:bodyPr>
-          <a:lstStyle/>
-          <a:p>
-            <a:pPr algn="l"/>
-            <a:r>
-              <a:rPr kumimoji="1" lang="ja-JP" altLang="en-US" sz="2400" dirty="0">
-                <a:latin typeface="メイリオ" panose="020B0604030504040204" pitchFamily="50" charset="-128"/>
-                <a:ea typeface="メイリオ" panose="020B0604030504040204" pitchFamily="50" charset="-128"/>
-              </a:rPr>
-              <a:t>拡張子が違う</a:t>
-            </a:r>
-            <a:endParaRPr kumimoji="1" lang="en-US" altLang="ja-JP" sz="2400" dirty="0">
-              <a:latin typeface="メイリオ" panose="020B0604030504040204" pitchFamily="50" charset="-128"/>
-              <a:ea typeface="メイリオ" panose="020B0604030504040204" pitchFamily="50" charset="-128"/>
-            </a:endParaRPr>
-          </a:p>
-          <a:p>
-            <a:pPr algn="l"/>
-            <a:r>
-              <a:rPr kumimoji="1" lang="ja-JP" altLang="en-US" sz="2400" dirty="0">
-                <a:latin typeface="メイリオ" panose="020B0604030504040204" pitchFamily="50" charset="-128"/>
-                <a:ea typeface="メイリオ" panose="020B0604030504040204" pitchFamily="50" charset="-128"/>
-              </a:rPr>
-              <a:t>実行方法が違う</a:t>
-            </a:r>
-          </a:p>
-        </p:txBody>
-      </p:sp>
-      <p:sp>
-        <p:nvSpPr>
-          <p:cNvPr id="10" name="矢印: 右 9">
-            <a:extLst>
-              <a:ext uri="{FF2B5EF4-FFF2-40B4-BE49-F238E27FC236}">
-                <a16:creationId xmlns:a16="http://schemas.microsoft.com/office/drawing/2014/main" id="{88C423E8-678C-000E-3C5E-E44251697383}"/>
-              </a:ext>
-            </a:extLst>
-          </p:cNvPr>
-          <p:cNvSpPr/>
-          <p:nvPr/>
-        </p:nvSpPr>
-        <p:spPr>
-          <a:xfrm>
-            <a:off x="4770599" y="5752395"/>
-            <a:ext cx="612471" cy="704850"/>
-          </a:xfrm>
-          <a:prstGeom prst="rightArrow">
-            <a:avLst/>
-          </a:prstGeom>
-        </p:spPr>
-        <p:style>
-          <a:lnRef idx="2">
-            <a:schemeClr val="accent1">
-              <a:shade val="50000"/>
-            </a:schemeClr>
-          </a:lnRef>
-          <a:fillRef idx="1">
-            <a:schemeClr val="accent1"/>
-          </a:fillRef>
-          <a:effectRef idx="0">
-            <a:schemeClr val="accent1"/>
-          </a:effectRef>
-          <a:fontRef idx="minor">
-            <a:schemeClr val="lt1"/>
-          </a:fontRef>
-        </p:style>
-        <p:txBody>
-          <a:bodyPr rtlCol="0" anchor="ctr"/>
-          <a:lstStyle/>
-          <a:p>
-            <a:pPr algn="ctr"/>
-            <a:endParaRPr kumimoji="1" lang="ja-JP" altLang="en-US"/>
-          </a:p>
-        </p:txBody>
-      </p:sp>
     </p:spTree>
     <p:extLst>
       <p:ext uri="{BB962C8B-B14F-4D97-AF65-F5344CB8AC3E}">
@@ -6927,10 +11012,10 @@
       </p:grpSpPr>
       <p:sp>
         <p:nvSpPr>
-          <p:cNvPr id="2" name="テキスト ボックス 1">
-            <a:extLst>
-              <a:ext uri="{FF2B5EF4-FFF2-40B4-BE49-F238E27FC236}">
-                <a16:creationId xmlns:a16="http://schemas.microsoft.com/office/drawing/2014/main" id="{3F46D152-B25B-78A6-C574-1858D18ECA44}"/>
+          <p:cNvPr id="4" name="テキスト ボックス 3">
+            <a:extLst>
+              <a:ext uri="{FF2B5EF4-FFF2-40B4-BE49-F238E27FC236}">
+                <a16:creationId xmlns:a16="http://schemas.microsoft.com/office/drawing/2014/main" id="{A74F59B4-6DDC-CF9F-FE67-80FB85B732AA}"/>
               </a:ext>
             </a:extLst>
           </p:cNvPr>
@@ -6939,8 +11024,8 @@
         </p:nvSpPr>
         <p:spPr>
           <a:xfrm>
-            <a:off x="559836" y="717033"/>
-            <a:ext cx="10870283" cy="584775"/>
+            <a:off x="755780" y="569167"/>
+            <a:ext cx="10230686" cy="584775"/>
           </a:xfrm>
           <a:prstGeom prst="rect">
             <a:avLst/>
@@ -6955,6 +11040,13 @@
           <a:p>
             <a:pPr algn="l"/>
             <a:r>
+              <a:rPr kumimoji="1" lang="ja-JP" altLang="en-US" sz="3200" dirty="0">
+                <a:latin typeface="メイリオ" panose="020B0604030504040204" pitchFamily="50" charset="-128"/>
+                <a:ea typeface="メイリオ" panose="020B0604030504040204" pitchFamily="50" charset="-128"/>
+              </a:rPr>
+              <a:t>参考　</a:t>
+            </a:r>
+            <a:r>
               <a:rPr kumimoji="1" lang="en-US" altLang="ja-JP" sz="3200" dirty="0">
                 <a:latin typeface="メイリオ" panose="020B0604030504040204" pitchFamily="50" charset="-128"/>
                 <a:ea typeface="メイリオ" panose="020B0604030504040204" pitchFamily="50" charset="-128"/>
@@ -6966,17 +11058,35 @@
                 <a:latin typeface="メイリオ" panose="020B0604030504040204" pitchFamily="50" charset="-128"/>
                 <a:ea typeface="メイリオ" panose="020B0604030504040204" pitchFamily="50" charset="-128"/>
               </a:rPr>
-              <a:t>系企業などで本格的にプログラミングを実務で扱う基礎</a:t>
-            </a:r>
-          </a:p>
-        </p:txBody>
-      </p:sp>
-      <p:sp>
-        <p:nvSpPr>
-          <p:cNvPr id="3" name="テキスト ボックス 2">
-            <a:extLst>
-              <a:ext uri="{FF2B5EF4-FFF2-40B4-BE49-F238E27FC236}">
-                <a16:creationId xmlns:a16="http://schemas.microsoft.com/office/drawing/2014/main" id="{37345850-5BF3-3C5E-4E28-31474F9946AB}"/>
+              <a:t>系就活面談で聞かれたこと</a:t>
+            </a:r>
+            <a:r>
+              <a:rPr kumimoji="1" lang="en-US" altLang="ja-JP" sz="3200" dirty="0">
+                <a:latin typeface="メイリオ" panose="020B0604030504040204" pitchFamily="50" charset="-128"/>
+                <a:ea typeface="メイリオ" panose="020B0604030504040204" pitchFamily="50" charset="-128"/>
+              </a:rPr>
+              <a:t>(</a:t>
+            </a:r>
+            <a:r>
+              <a:rPr kumimoji="1" lang="ja-JP" altLang="en-US" sz="3200" dirty="0">
+                <a:latin typeface="メイリオ" panose="020B0604030504040204" pitchFamily="50" charset="-128"/>
+                <a:ea typeface="メイリオ" panose="020B0604030504040204" pitchFamily="50" charset="-128"/>
+              </a:rPr>
+              <a:t>ゼミ生の体験談）</a:t>
+            </a:r>
+            <a:endParaRPr kumimoji="1" lang="en-US" altLang="ja-JP" sz="3200" dirty="0">
+              <a:latin typeface="メイリオ" panose="020B0604030504040204" pitchFamily="50" charset="-128"/>
+              <a:ea typeface="メイリオ" panose="020B0604030504040204" pitchFamily="50" charset="-128"/>
+            </a:endParaRPr>
+          </a:p>
+        </p:txBody>
+      </p:sp>
+      <p:sp>
+        <p:nvSpPr>
+          <p:cNvPr id="5" name="テキスト ボックス 4">
+            <a:extLst>
+              <a:ext uri="{FF2B5EF4-FFF2-40B4-BE49-F238E27FC236}">
+                <a16:creationId xmlns:a16="http://schemas.microsoft.com/office/drawing/2014/main" id="{D3D1BE52-3D3F-70E5-9109-17BCDD90FCEF}"/>
               </a:ext>
             </a:extLst>
           </p:cNvPr>
@@ -6985,8 +11095,8 @@
         </p:nvSpPr>
         <p:spPr>
           <a:xfrm>
-            <a:off x="747253" y="2080726"/>
-            <a:ext cx="7417415" cy="1569660"/>
+            <a:off x="933061" y="1912776"/>
+            <a:ext cx="8714245" cy="1200329"/>
           </a:xfrm>
           <a:prstGeom prst="rect">
             <a:avLst/>
@@ -7008,7 +11118,7 @@
                 <a:latin typeface="メイリオ" panose="020B0604030504040204" pitchFamily="50" charset="-128"/>
                 <a:ea typeface="メイリオ" panose="020B0604030504040204" pitchFamily="50" charset="-128"/>
               </a:rPr>
-              <a:t>大規模プログラミング（長いコーディング）</a:t>
+              <a:t>実践的なプログラミング経験があるか</a:t>
             </a:r>
             <a:endParaRPr kumimoji="1" lang="en-US" altLang="ja-JP" sz="2400" dirty="0">
               <a:latin typeface="メイリオ" panose="020B0604030504040204" pitchFamily="50" charset="-128"/>
@@ -7025,7 +11135,7 @@
                 <a:latin typeface="メイリオ" panose="020B0604030504040204" pitchFamily="50" charset="-128"/>
                 <a:ea typeface="メイリオ" panose="020B0604030504040204" pitchFamily="50" charset="-128"/>
               </a:rPr>
-              <a:t>テキストエディタを使ったプログラミング</a:t>
+              <a:t>サーバープログラミングやアプリの制作経験があるか</a:t>
             </a:r>
             <a:endParaRPr kumimoji="1" lang="en-US" altLang="ja-JP" sz="2400" dirty="0">
               <a:latin typeface="メイリオ" panose="020B0604030504040204" pitchFamily="50" charset="-128"/>
@@ -7038,208 +11148,18 @@
               <a:buAutoNum type="arabicPeriod"/>
             </a:pPr>
             <a:r>
+              <a:rPr kumimoji="1" lang="en-US" altLang="ja-JP" sz="2400" dirty="0" err="1">
+                <a:latin typeface="メイリオ" panose="020B0604030504040204" pitchFamily="50" charset="-128"/>
+                <a:ea typeface="メイリオ" panose="020B0604030504040204" pitchFamily="50" charset="-128"/>
+              </a:rPr>
+              <a:t>Github</a:t>
+            </a:r>
+            <a:r>
               <a:rPr kumimoji="1" lang="ja-JP" altLang="en-US" sz="2400" dirty="0">
                 <a:latin typeface="メイリオ" panose="020B0604030504040204" pitchFamily="50" charset="-128"/>
                 <a:ea typeface="メイリオ" panose="020B0604030504040204" pitchFamily="50" charset="-128"/>
               </a:rPr>
-              <a:t>コマンドラインからの命令実行</a:t>
-            </a:r>
-            <a:r>
-              <a:rPr kumimoji="1" lang="en-US" altLang="ja-JP" sz="2400" dirty="0">
-                <a:latin typeface="メイリオ" panose="020B0604030504040204" pitchFamily="50" charset="-128"/>
-                <a:ea typeface="メイリオ" panose="020B0604030504040204" pitchFamily="50" charset="-128"/>
-              </a:rPr>
-              <a:t>(CUI)</a:t>
-            </a:r>
-          </a:p>
-          <a:p>
-            <a:pPr marL="457200" indent="-457200" algn="l">
-              <a:buFont typeface="+mj-lt"/>
-              <a:buAutoNum type="arabicPeriod"/>
-            </a:pPr>
-            <a:r>
-              <a:rPr kumimoji="1" lang="ja-JP" altLang="en-US" sz="2400" dirty="0">
-                <a:latin typeface="メイリオ" panose="020B0604030504040204" pitchFamily="50" charset="-128"/>
-                <a:ea typeface="メイリオ" panose="020B0604030504040204" pitchFamily="50" charset="-128"/>
-              </a:rPr>
-              <a:t>様々なライブラリを組み合わせたプログラミング</a:t>
-            </a:r>
-          </a:p>
-        </p:txBody>
-      </p:sp>
-      <p:sp>
-        <p:nvSpPr>
-          <p:cNvPr id="4" name="テキスト ボックス 3">
-            <a:extLst>
-              <a:ext uri="{FF2B5EF4-FFF2-40B4-BE49-F238E27FC236}">
-                <a16:creationId xmlns:a16="http://schemas.microsoft.com/office/drawing/2014/main" id="{65A2EBC1-6F35-B3BB-D12E-EC656D716445}"/>
-              </a:ext>
-            </a:extLst>
-          </p:cNvPr>
-          <p:cNvSpPr txBox="1"/>
-          <p:nvPr/>
-        </p:nvSpPr>
-        <p:spPr>
-          <a:xfrm>
-            <a:off x="578109" y="1495573"/>
-            <a:ext cx="5416868" cy="461665"/>
-          </a:xfrm>
-          <a:prstGeom prst="rect">
-            <a:avLst/>
-          </a:prstGeom>
-          <a:noFill/>
-        </p:spPr>
-        <p:txBody>
-          <a:bodyPr wrap="none" rtlCol="0">
-            <a:spAutoFit/>
-          </a:bodyPr>
-          <a:lstStyle/>
-          <a:p>
-            <a:pPr algn="l"/>
-            <a:r>
-              <a:rPr kumimoji="1" lang="ja-JP" altLang="en-US" sz="2400" dirty="0">
-                <a:latin typeface="メイリオ" panose="020B0604030504040204" pitchFamily="50" charset="-128"/>
-                <a:ea typeface="メイリオ" panose="020B0604030504040204" pitchFamily="50" charset="-128"/>
-              </a:rPr>
-              <a:t>実践的プログラミングスキルを目指す</a:t>
-            </a:r>
-          </a:p>
-        </p:txBody>
-      </p:sp>
-      <p:sp>
-        <p:nvSpPr>
-          <p:cNvPr id="7" name="テキスト ボックス 6">
-            <a:extLst>
-              <a:ext uri="{FF2B5EF4-FFF2-40B4-BE49-F238E27FC236}">
-                <a16:creationId xmlns:a16="http://schemas.microsoft.com/office/drawing/2014/main" id="{47E4303F-6E48-D2EF-7516-BBD0A86CD74A}"/>
-              </a:ext>
-            </a:extLst>
-          </p:cNvPr>
-          <p:cNvSpPr txBox="1"/>
-          <p:nvPr/>
-        </p:nvSpPr>
-        <p:spPr>
-          <a:xfrm>
-            <a:off x="679132" y="4665221"/>
-            <a:ext cx="10694884" cy="830997"/>
-          </a:xfrm>
-          <a:prstGeom prst="rect">
-            <a:avLst/>
-          </a:prstGeom>
-          <a:noFill/>
-        </p:spPr>
-        <p:txBody>
-          <a:bodyPr wrap="square" rtlCol="0">
-            <a:spAutoFit/>
-          </a:bodyPr>
-          <a:lstStyle/>
-          <a:p>
-            <a:pPr algn="l"/>
-            <a:r>
-              <a:rPr kumimoji="1" lang="ja-JP" altLang="en-US" sz="2400" dirty="0">
-                <a:latin typeface="メイリオ" panose="020B0604030504040204" pitchFamily="50" charset="-128"/>
-                <a:ea typeface="メイリオ" panose="020B0604030504040204" pitchFamily="50" charset="-128"/>
-              </a:rPr>
-              <a:t>実務的かつ高度なプログラミングには「プログラムが動くシステム環境</a:t>
-            </a:r>
-            <a:r>
-              <a:rPr kumimoji="1" lang="en-US" altLang="ja-JP" sz="2400" dirty="0">
-                <a:latin typeface="メイリオ" panose="020B0604030504040204" pitchFamily="50" charset="-128"/>
-                <a:ea typeface="メイリオ" panose="020B0604030504040204" pitchFamily="50" charset="-128"/>
-              </a:rPr>
-              <a:t>*</a:t>
-            </a:r>
-            <a:r>
-              <a:rPr kumimoji="1" lang="ja-JP" altLang="en-US" sz="2400" dirty="0">
-                <a:latin typeface="メイリオ" panose="020B0604030504040204" pitchFamily="50" charset="-128"/>
-                <a:ea typeface="メイリオ" panose="020B0604030504040204" pitchFamily="50" charset="-128"/>
-              </a:rPr>
-              <a:t>」の知識が不可欠</a:t>
-            </a:r>
-          </a:p>
-        </p:txBody>
-      </p:sp>
-      <p:sp>
-        <p:nvSpPr>
-          <p:cNvPr id="8" name="テキスト ボックス 7">
-            <a:extLst>
-              <a:ext uri="{FF2B5EF4-FFF2-40B4-BE49-F238E27FC236}">
-                <a16:creationId xmlns:a16="http://schemas.microsoft.com/office/drawing/2014/main" id="{1E5C556C-E555-D68D-BF78-E789DA5FBBED}"/>
-              </a:ext>
-            </a:extLst>
-          </p:cNvPr>
-          <p:cNvSpPr txBox="1"/>
-          <p:nvPr/>
-        </p:nvSpPr>
-        <p:spPr>
-          <a:xfrm>
-            <a:off x="679132" y="5743193"/>
-            <a:ext cx="5607625" cy="461665"/>
-          </a:xfrm>
-          <a:prstGeom prst="rect">
-            <a:avLst/>
-          </a:prstGeom>
-          <a:noFill/>
-        </p:spPr>
-        <p:txBody>
-          <a:bodyPr wrap="none" rtlCol="0">
-            <a:spAutoFit/>
-          </a:bodyPr>
-          <a:lstStyle/>
-          <a:p>
-            <a:pPr algn="l"/>
-            <a:r>
-              <a:rPr kumimoji="1" lang="en-US" altLang="ja-JP" sz="2400" dirty="0">
-                <a:latin typeface="メイリオ" panose="020B0604030504040204" pitchFamily="50" charset="-128"/>
-                <a:ea typeface="メイリオ" panose="020B0604030504040204" pitchFamily="50" charset="-128"/>
-              </a:rPr>
-              <a:t>*</a:t>
-            </a:r>
-            <a:r>
-              <a:rPr kumimoji="1" lang="ja-JP" altLang="en-US" sz="2400" dirty="0">
-                <a:latin typeface="メイリオ" panose="020B0604030504040204" pitchFamily="50" charset="-128"/>
-                <a:ea typeface="メイリオ" panose="020B0604030504040204" pitchFamily="50" charset="-128"/>
-              </a:rPr>
-              <a:t>コンピュータシステム，ネットワーク</a:t>
-            </a:r>
-          </a:p>
-        </p:txBody>
-      </p:sp>
-      <p:sp>
-        <p:nvSpPr>
-          <p:cNvPr id="5" name="テキスト ボックス 4">
-            <a:extLst>
-              <a:ext uri="{FF2B5EF4-FFF2-40B4-BE49-F238E27FC236}">
-                <a16:creationId xmlns:a16="http://schemas.microsoft.com/office/drawing/2014/main" id="{6BAB9B20-37B4-2023-7D0C-7CE85F090A33}"/>
-              </a:ext>
-            </a:extLst>
-          </p:cNvPr>
-          <p:cNvSpPr txBox="1"/>
-          <p:nvPr/>
-        </p:nvSpPr>
-        <p:spPr>
-          <a:xfrm>
-            <a:off x="559836" y="300781"/>
-            <a:ext cx="3570208" cy="461665"/>
-          </a:xfrm>
-          <a:prstGeom prst="rect">
-            <a:avLst/>
-          </a:prstGeom>
-          <a:noFill/>
-        </p:spPr>
-        <p:txBody>
-          <a:bodyPr wrap="none" rtlCol="0">
-            <a:spAutoFit/>
-          </a:bodyPr>
-          <a:lstStyle/>
-          <a:p>
-            <a:pPr algn="l"/>
-            <a:r>
-              <a:rPr kumimoji="1" lang="ja-JP" altLang="en-US" sz="2400" u="sng" dirty="0">
-                <a:latin typeface="メイリオ" panose="020B0604030504040204" pitchFamily="50" charset="-128"/>
-                <a:ea typeface="メイリオ" panose="020B0604030504040204" pitchFamily="50" charset="-128"/>
-              </a:rPr>
-              <a:t>この授業が目指すもの１</a:t>
+              <a:t>などを使ってチームプログラミングの経験があるか</a:t>
             </a:r>
           </a:p>
         </p:txBody>
@@ -7247,7 +11167,7 @@
     </p:spTree>
     <p:extLst>
       <p:ext uri="{BB962C8B-B14F-4D97-AF65-F5344CB8AC3E}">
-        <p14:creationId xmlns:p14="http://schemas.microsoft.com/office/powerpoint/2010/main" val="751329887"/>
+        <p14:creationId xmlns:p14="http://schemas.microsoft.com/office/powerpoint/2010/main" val="2846320931"/>
       </p:ext>
     </p:extLst>
   </p:cSld>
@@ -7276,10 +11196,10 @@
       </p:grpSpPr>
       <p:sp>
         <p:nvSpPr>
-          <p:cNvPr id="4" name="テキスト ボックス 3">
-            <a:extLst>
-              <a:ext uri="{FF2B5EF4-FFF2-40B4-BE49-F238E27FC236}">
-                <a16:creationId xmlns:a16="http://schemas.microsoft.com/office/drawing/2014/main" id="{A74F59B4-6DDC-CF9F-FE67-80FB85B732AA}"/>
+          <p:cNvPr id="2" name="テキスト ボックス 1">
+            <a:extLst>
+              <a:ext uri="{FF2B5EF4-FFF2-40B4-BE49-F238E27FC236}">
+                <a16:creationId xmlns:a16="http://schemas.microsoft.com/office/drawing/2014/main" id="{85901831-0D55-7CA6-B724-346EBD7F5431}"/>
               </a:ext>
             </a:extLst>
           </p:cNvPr>
@@ -7288,8 +11208,8 @@
         </p:nvSpPr>
         <p:spPr>
           <a:xfrm>
-            <a:off x="755780" y="569167"/>
-            <a:ext cx="10230686" cy="584775"/>
+            <a:off x="559836" y="762446"/>
+            <a:ext cx="10597773" cy="523220"/>
           </a:xfrm>
           <a:prstGeom prst="rect">
             <a:avLst/>
@@ -7304,53 +11224,21 @@
           <a:p>
             <a:pPr algn="l"/>
             <a:r>
-              <a:rPr kumimoji="1" lang="ja-JP" altLang="en-US" sz="3200" dirty="0">
-                <a:latin typeface="メイリオ" panose="020B0604030504040204" pitchFamily="50" charset="-128"/>
-                <a:ea typeface="メイリオ" panose="020B0604030504040204" pitchFamily="50" charset="-128"/>
-              </a:rPr>
-              <a:t>参考　</a:t>
-            </a:r>
-            <a:r>
-              <a:rPr kumimoji="1" lang="en-US" altLang="ja-JP" sz="3200" dirty="0">
-                <a:latin typeface="メイリオ" panose="020B0604030504040204" pitchFamily="50" charset="-128"/>
-                <a:ea typeface="メイリオ" panose="020B0604030504040204" pitchFamily="50" charset="-128"/>
-              </a:rPr>
-              <a:t>IT</a:t>
-            </a:r>
-            <a:r>
-              <a:rPr kumimoji="1" lang="ja-JP" altLang="en-US" sz="3200" dirty="0">
-                <a:latin typeface="メイリオ" panose="020B0604030504040204" pitchFamily="50" charset="-128"/>
-                <a:ea typeface="メイリオ" panose="020B0604030504040204" pitchFamily="50" charset="-128"/>
-              </a:rPr>
-              <a:t>系就活面談で聞かれたこと</a:t>
-            </a:r>
-            <a:r>
-              <a:rPr kumimoji="1" lang="en-US" altLang="ja-JP" sz="3200" dirty="0">
-                <a:latin typeface="メイリオ" panose="020B0604030504040204" pitchFamily="50" charset="-128"/>
-                <a:ea typeface="メイリオ" panose="020B0604030504040204" pitchFamily="50" charset="-128"/>
-              </a:rPr>
-              <a:t>(</a:t>
-            </a:r>
-            <a:r>
-              <a:rPr kumimoji="1" lang="ja-JP" altLang="en-US" sz="3200" dirty="0">
-                <a:latin typeface="メイリオ" panose="020B0604030504040204" pitchFamily="50" charset="-128"/>
-                <a:ea typeface="メイリオ" panose="020B0604030504040204" pitchFamily="50" charset="-128"/>
-              </a:rPr>
-              <a:t>ゼミ生の体験談）</a:t>
-            </a:r>
-            <a:endParaRPr kumimoji="1" lang="en-US" altLang="ja-JP" sz="3200" dirty="0">
-              <a:latin typeface="メイリオ" panose="020B0604030504040204" pitchFamily="50" charset="-128"/>
-              <a:ea typeface="メイリオ" panose="020B0604030504040204" pitchFamily="50" charset="-128"/>
-            </a:endParaRPr>
-          </a:p>
-        </p:txBody>
-      </p:sp>
-      <p:sp>
-        <p:nvSpPr>
-          <p:cNvPr id="5" name="テキスト ボックス 4">
-            <a:extLst>
-              <a:ext uri="{FF2B5EF4-FFF2-40B4-BE49-F238E27FC236}">
-                <a16:creationId xmlns:a16="http://schemas.microsoft.com/office/drawing/2014/main" id="{D3D1BE52-3D3F-70E5-9109-17BCDD90FCEF}"/>
+              <a:rPr kumimoji="1" lang="ja-JP" altLang="en-US" sz="2800" dirty="0">
+                <a:latin typeface="メイリオ" panose="020B0604030504040204" pitchFamily="50" charset="-128"/>
+                <a:ea typeface="メイリオ" panose="020B0604030504040204" pitchFamily="50" charset="-128"/>
+              </a:rPr>
+              <a:t>高校の「情報」教員に必要なプログラミングスキルを身に着ける</a:t>
+            </a:r>
+          </a:p>
+        </p:txBody>
+      </p:sp>
+      <p:sp>
+        <p:nvSpPr>
+          <p:cNvPr id="3" name="テキスト ボックス 2">
+            <a:extLst>
+              <a:ext uri="{FF2B5EF4-FFF2-40B4-BE49-F238E27FC236}">
+                <a16:creationId xmlns:a16="http://schemas.microsoft.com/office/drawing/2014/main" id="{5BBC49BA-7BA2-E881-EDB5-C4973E944727}"/>
               </a:ext>
             </a:extLst>
           </p:cNvPr>
@@ -7359,8 +11247,8 @@
         </p:nvSpPr>
         <p:spPr>
           <a:xfrm>
-            <a:off x="933061" y="1912776"/>
-            <a:ext cx="8714245" cy="1200329"/>
+            <a:off x="746448" y="1452522"/>
+            <a:ext cx="9264075" cy="830997"/>
           </a:xfrm>
           <a:prstGeom prst="rect">
             <a:avLst/>
@@ -7382,7 +11270,7 @@
                 <a:latin typeface="メイリオ" panose="020B0604030504040204" pitchFamily="50" charset="-128"/>
                 <a:ea typeface="メイリオ" panose="020B0604030504040204" pitchFamily="50" charset="-128"/>
               </a:rPr>
-              <a:t>実践的なプログラミング経験があるか</a:t>
+              <a:t>受験科目でプログラミングが本格的に出題</a:t>
             </a:r>
             <a:endParaRPr kumimoji="1" lang="en-US" altLang="ja-JP" sz="2400" dirty="0">
               <a:latin typeface="メイリオ" panose="020B0604030504040204" pitchFamily="50" charset="-128"/>
@@ -7399,31 +11287,145 @@
                 <a:latin typeface="メイリオ" panose="020B0604030504040204" pitchFamily="50" charset="-128"/>
                 <a:ea typeface="メイリオ" panose="020B0604030504040204" pitchFamily="50" charset="-128"/>
               </a:rPr>
-              <a:t>サーバープログラミングやアプリの制作経験があるか</a:t>
-            </a:r>
-            <a:endParaRPr kumimoji="1" lang="en-US" altLang="ja-JP" sz="2400" dirty="0">
-              <a:latin typeface="メイリオ" panose="020B0604030504040204" pitchFamily="50" charset="-128"/>
-              <a:ea typeface="メイリオ" panose="020B0604030504040204" pitchFamily="50" charset="-128"/>
-            </a:endParaRPr>
-          </a:p>
-          <a:p>
-            <a:pPr marL="457200" indent="-457200" algn="l">
-              <a:buFont typeface="+mj-lt"/>
-              <a:buAutoNum type="arabicPeriod"/>
-            </a:pPr>
-            <a:r>
-              <a:rPr kumimoji="1" lang="en-US" altLang="ja-JP" sz="2400" dirty="0" err="1">
-                <a:latin typeface="メイリオ" panose="020B0604030504040204" pitchFamily="50" charset="-128"/>
-                <a:ea typeface="メイリオ" panose="020B0604030504040204" pitchFamily="50" charset="-128"/>
-              </a:rPr>
-              <a:t>Github</a:t>
-            </a:r>
+              <a:t>受験指導ができるレベルのプログラミングスキルを身に着ける</a:t>
+            </a:r>
+          </a:p>
+        </p:txBody>
+      </p:sp>
+      <p:sp>
+        <p:nvSpPr>
+          <p:cNvPr id="4" name="テキスト ボックス 3">
+            <a:extLst>
+              <a:ext uri="{FF2B5EF4-FFF2-40B4-BE49-F238E27FC236}">
+                <a16:creationId xmlns:a16="http://schemas.microsoft.com/office/drawing/2014/main" id="{05516DDC-992F-6C02-A034-8EBE366968D5}"/>
+              </a:ext>
+            </a:extLst>
+          </p:cNvPr>
+          <p:cNvSpPr txBox="1"/>
+          <p:nvPr/>
+        </p:nvSpPr>
+        <p:spPr>
+          <a:xfrm>
+            <a:off x="559836" y="300781"/>
+            <a:ext cx="3570208" cy="461665"/>
+          </a:xfrm>
+          <a:prstGeom prst="rect">
+            <a:avLst/>
+          </a:prstGeom>
+          <a:noFill/>
+        </p:spPr>
+        <p:txBody>
+          <a:bodyPr wrap="none" rtlCol="0">
+            <a:spAutoFit/>
+          </a:bodyPr>
+          <a:lstStyle/>
+          <a:p>
+            <a:pPr algn="l"/>
+            <a:r>
+              <a:rPr kumimoji="1" lang="ja-JP" altLang="en-US" sz="2400" u="sng" dirty="0">
+                <a:latin typeface="メイリオ" panose="020B0604030504040204" pitchFamily="50" charset="-128"/>
+                <a:ea typeface="メイリオ" panose="020B0604030504040204" pitchFamily="50" charset="-128"/>
+              </a:rPr>
+              <a:t>この授業が目指すもの２</a:t>
+            </a:r>
+          </a:p>
+        </p:txBody>
+      </p:sp>
+      <p:pic>
+        <p:nvPicPr>
+          <p:cNvPr id="6" name="図 5">
+            <a:extLst>
+              <a:ext uri="{FF2B5EF4-FFF2-40B4-BE49-F238E27FC236}">
+                <a16:creationId xmlns:a16="http://schemas.microsoft.com/office/drawing/2014/main" id="{F465CE6F-15FE-2E30-7B4D-D1D9273A9889}"/>
+              </a:ext>
+            </a:extLst>
+          </p:cNvPr>
+          <p:cNvPicPr>
+            <a:picLocks noChangeAspect="1"/>
+          </p:cNvPicPr>
+          <p:nvPr/>
+        </p:nvPicPr>
+        <p:blipFill>
+          <a:blip r:embed="rId2"/>
+          <a:stretch>
+            <a:fillRect/>
+          </a:stretch>
+        </p:blipFill>
+        <p:spPr>
+          <a:xfrm>
+            <a:off x="4590015" y="2339310"/>
+            <a:ext cx="3058720" cy="4518690"/>
+          </a:xfrm>
+          <a:prstGeom prst="rect">
+            <a:avLst/>
+          </a:prstGeom>
+        </p:spPr>
+      </p:pic>
+      <p:pic>
+        <p:nvPicPr>
+          <p:cNvPr id="8" name="図 7">
+            <a:extLst>
+              <a:ext uri="{FF2B5EF4-FFF2-40B4-BE49-F238E27FC236}">
+                <a16:creationId xmlns:a16="http://schemas.microsoft.com/office/drawing/2014/main" id="{F6F97782-5DF6-B59B-13C4-B3FB0E250D87}"/>
+              </a:ext>
+            </a:extLst>
+          </p:cNvPr>
+          <p:cNvPicPr>
+            <a:picLocks noChangeAspect="1"/>
+          </p:cNvPicPr>
+          <p:nvPr/>
+        </p:nvPicPr>
+        <p:blipFill>
+          <a:blip r:embed="rId3"/>
+          <a:stretch>
+            <a:fillRect/>
+          </a:stretch>
+        </p:blipFill>
+        <p:spPr>
+          <a:xfrm>
+            <a:off x="7876617" y="2283519"/>
+            <a:ext cx="3109753" cy="4573485"/>
+          </a:xfrm>
+          <a:prstGeom prst="rect">
+            <a:avLst/>
+          </a:prstGeom>
+        </p:spPr>
+      </p:pic>
+      <p:sp>
+        <p:nvSpPr>
+          <p:cNvPr id="9" name="テキスト ボックス 8">
+            <a:extLst>
+              <a:ext uri="{FF2B5EF4-FFF2-40B4-BE49-F238E27FC236}">
+                <a16:creationId xmlns:a16="http://schemas.microsoft.com/office/drawing/2014/main" id="{7CD9BA34-D8CB-EC50-8CB0-40463DDEDEC6}"/>
+              </a:ext>
+            </a:extLst>
+          </p:cNvPr>
+          <p:cNvSpPr txBox="1"/>
+          <p:nvPr/>
+        </p:nvSpPr>
+        <p:spPr>
+          <a:xfrm>
+            <a:off x="345037" y="3231862"/>
+            <a:ext cx="4017096" cy="830997"/>
+          </a:xfrm>
+          <a:prstGeom prst="rect">
+            <a:avLst/>
+          </a:prstGeom>
+          <a:noFill/>
+        </p:spPr>
+        <p:txBody>
+          <a:bodyPr wrap="square" rtlCol="0">
+            <a:spAutoFit/>
+          </a:bodyPr>
+          <a:lstStyle/>
+          <a:p>
+            <a:pPr algn="l"/>
             <a:r>
               <a:rPr kumimoji="1" lang="ja-JP" altLang="en-US" sz="2400" dirty="0">
                 <a:latin typeface="メイリオ" panose="020B0604030504040204" pitchFamily="50" charset="-128"/>
                 <a:ea typeface="メイリオ" panose="020B0604030504040204" pitchFamily="50" charset="-128"/>
               </a:rPr>
-              <a:t>などを使ってチームプログラミングの経験があるか</a:t>
+              <a:t>埼玉県庁　高校教育指導課との連携しています。</a:t>
             </a:r>
           </a:p>
         </p:txBody>
@@ -7431,7 +11433,7 @@
     </p:spTree>
     <p:extLst>
       <p:ext uri="{BB962C8B-B14F-4D97-AF65-F5344CB8AC3E}">
-        <p14:creationId xmlns:p14="http://schemas.microsoft.com/office/powerpoint/2010/main" val="2846320931"/>
+        <p14:creationId xmlns:p14="http://schemas.microsoft.com/office/powerpoint/2010/main" val="2171913205"/>
       </p:ext>
     </p:extLst>
   </p:cSld>
@@ -7463,7 +11465,7 @@
           <p:cNvPr id="2" name="テキスト ボックス 1">
             <a:extLst>
               <a:ext uri="{FF2B5EF4-FFF2-40B4-BE49-F238E27FC236}">
-                <a16:creationId xmlns:a16="http://schemas.microsoft.com/office/drawing/2014/main" id="{85901831-0D55-7CA6-B724-346EBD7F5431}"/>
+                <a16:creationId xmlns:a16="http://schemas.microsoft.com/office/drawing/2014/main" id="{31E3D218-775B-E09D-CF07-7ADDBD607874}"/>
               </a:ext>
             </a:extLst>
           </p:cNvPr>
@@ -7472,8 +11474,8 @@
         </p:nvSpPr>
         <p:spPr>
           <a:xfrm>
-            <a:off x="559836" y="762446"/>
-            <a:ext cx="6340197" cy="584775"/>
+            <a:off x="723207" y="565265"/>
+            <a:ext cx="6750566" cy="584775"/>
           </a:xfrm>
           <a:prstGeom prst="rect">
             <a:avLst/>
@@ -7488,11 +11490,11 @@
           <a:p>
             <a:pPr algn="l"/>
             <a:r>
-              <a:rPr kumimoji="1" lang="ja-JP" altLang="en-US" sz="3200" dirty="0">
-                <a:latin typeface="メイリオ" panose="020B0604030504040204" pitchFamily="50" charset="-128"/>
-                <a:ea typeface="メイリオ" panose="020B0604030504040204" pitchFamily="50" charset="-128"/>
-              </a:rPr>
-              <a:t>埼玉県の高校「情報」教育の課題</a:t>
+              <a:rPr kumimoji="1" lang="ja-JP" altLang="en-US" sz="3200" b="1" dirty="0">
+                <a:latin typeface="メイリオ" panose="020B0604030504040204" pitchFamily="50" charset="-128"/>
+                <a:ea typeface="メイリオ" panose="020B0604030504040204" pitchFamily="50" charset="-128"/>
+              </a:rPr>
+              <a:t>プログラミング基礎を復習したい人</a:t>
             </a:r>
           </a:p>
         </p:txBody>
@@ -7502,7 +11504,7 @@
           <p:cNvPr id="3" name="テキスト ボックス 2">
             <a:extLst>
               <a:ext uri="{FF2B5EF4-FFF2-40B4-BE49-F238E27FC236}">
-                <a16:creationId xmlns:a16="http://schemas.microsoft.com/office/drawing/2014/main" id="{5BBC49BA-7BA2-E881-EDB5-C4973E944727}"/>
+                <a16:creationId xmlns:a16="http://schemas.microsoft.com/office/drawing/2014/main" id="{EF6CB733-44D4-AE2B-5B9B-6C1B82C911F7}"/>
               </a:ext>
             </a:extLst>
           </p:cNvPr>
@@ -7511,8 +11513,8 @@
         </p:nvSpPr>
         <p:spPr>
           <a:xfrm>
-            <a:off x="746448" y="1452522"/>
-            <a:ext cx="6801862" cy="1200329"/>
+            <a:off x="839585" y="1338349"/>
+            <a:ext cx="9536072" cy="461665"/>
           </a:xfrm>
           <a:prstGeom prst="rect">
             <a:avLst/>
@@ -7525,16 +11527,60 @@
           </a:bodyPr>
           <a:lstStyle/>
           <a:p>
-            <a:pPr marL="457200" indent="-457200" algn="l">
-              <a:buFont typeface="+mj-lt"/>
-              <a:buAutoNum type="arabicPeriod"/>
-            </a:pPr>
+            <a:pPr algn="l"/>
+            <a:r>
+              <a:rPr kumimoji="1" lang="en-US" altLang="ja-JP" sz="2400" dirty="0">
+                <a:latin typeface="メイリオ" panose="020B0604030504040204" pitchFamily="50" charset="-128"/>
+                <a:ea typeface="メイリオ" panose="020B0604030504040204" pitchFamily="50" charset="-128"/>
+              </a:rPr>
+              <a:t>Python</a:t>
+            </a:r>
             <a:r>
               <a:rPr kumimoji="1" lang="ja-JP" altLang="en-US" sz="2400" dirty="0">
                 <a:latin typeface="メイリオ" panose="020B0604030504040204" pitchFamily="50" charset="-128"/>
                 <a:ea typeface="メイリオ" panose="020B0604030504040204" pitchFamily="50" charset="-128"/>
               </a:rPr>
-              <a:t>プログラミングを教えられる情報教員の養成</a:t>
+              <a:t>基礎講座の教材を公開します。（解説・演習がついてます）</a:t>
+            </a:r>
+          </a:p>
+        </p:txBody>
+      </p:sp>
+      <p:sp>
+        <p:nvSpPr>
+          <p:cNvPr id="4" name="テキスト ボックス 3">
+            <a:extLst>
+              <a:ext uri="{FF2B5EF4-FFF2-40B4-BE49-F238E27FC236}">
+                <a16:creationId xmlns:a16="http://schemas.microsoft.com/office/drawing/2014/main" id="{A6C8621D-9E0C-E328-09D3-A26B3A159EFC}"/>
+              </a:ext>
+            </a:extLst>
+          </p:cNvPr>
+          <p:cNvSpPr txBox="1"/>
+          <p:nvPr/>
+        </p:nvSpPr>
+        <p:spPr>
+          <a:xfrm>
+            <a:off x="972589" y="2344189"/>
+            <a:ext cx="6978898" cy="830997"/>
+          </a:xfrm>
+          <a:prstGeom prst="rect">
+            <a:avLst/>
+          </a:prstGeom>
+          <a:noFill/>
+        </p:spPr>
+        <p:txBody>
+          <a:bodyPr wrap="none" rtlCol="0">
+            <a:spAutoFit/>
+          </a:bodyPr>
+          <a:lstStyle/>
+          <a:p>
+            <a:pPr algn="l"/>
+            <a:r>
+              <a:rPr kumimoji="1" lang="en-US" altLang="ja-JP" sz="2400" dirty="0">
+                <a:latin typeface="メイリオ" panose="020B0604030504040204" pitchFamily="50" charset="-128"/>
+                <a:ea typeface="メイリオ" panose="020B0604030504040204" pitchFamily="50" charset="-128"/>
+                <a:hlinkClick r:id="rId2"/>
+              </a:rPr>
+              <a:t>https://github.com/ueharaLab/python_index</a:t>
             </a:r>
             <a:endParaRPr kumimoji="1" lang="en-US" altLang="ja-JP" sz="2400" dirty="0">
               <a:latin typeface="メイリオ" panose="020B0604030504040204" pitchFamily="50" charset="-128"/>
@@ -7542,27 +11588,7 @@
             </a:endParaRPr>
           </a:p>
           <a:p>
-            <a:pPr marL="457200" indent="-457200" algn="l">
-              <a:buFont typeface="+mj-lt"/>
-              <a:buAutoNum type="arabicPeriod"/>
-            </a:pPr>
-            <a:r>
-              <a:rPr kumimoji="1" lang="ja-JP" altLang="en-US" sz="2400" dirty="0">
-                <a:latin typeface="メイリオ" panose="020B0604030504040204" pitchFamily="50" charset="-128"/>
-                <a:ea typeface="メイリオ" panose="020B0604030504040204" pitchFamily="50" charset="-128"/>
-              </a:rPr>
-              <a:t>探求型学習へのデータ解析の取り込み</a:t>
-            </a:r>
-            <a:endParaRPr kumimoji="1" lang="en-US" altLang="ja-JP" sz="2400" dirty="0">
-              <a:latin typeface="メイリオ" panose="020B0604030504040204" pitchFamily="50" charset="-128"/>
-              <a:ea typeface="メイリオ" panose="020B0604030504040204" pitchFamily="50" charset="-128"/>
-            </a:endParaRPr>
-          </a:p>
-          <a:p>
-            <a:pPr marL="457200" indent="-457200" algn="l">
-              <a:buFont typeface="+mj-lt"/>
-              <a:buAutoNum type="arabicPeriod"/>
-            </a:pPr>
+            <a:pPr algn="l"/>
             <a:endParaRPr kumimoji="1" lang="ja-JP" altLang="en-US" sz="2400" dirty="0">
               <a:latin typeface="メイリオ" panose="020B0604030504040204" pitchFamily="50" charset="-128"/>
               <a:ea typeface="メイリオ" panose="020B0604030504040204" pitchFamily="50" charset="-128"/>
@@ -7570,109 +11596,10 @@
           </a:p>
         </p:txBody>
       </p:sp>
-      <p:pic>
-        <p:nvPicPr>
-          <p:cNvPr id="5" name="図 4">
-            <a:extLst>
-              <a:ext uri="{FF2B5EF4-FFF2-40B4-BE49-F238E27FC236}">
-                <a16:creationId xmlns:a16="http://schemas.microsoft.com/office/drawing/2014/main" id="{C6C2F068-4ED4-0FA3-7297-B701D1BF7ACF}"/>
-              </a:ext>
-            </a:extLst>
-          </p:cNvPr>
-          <p:cNvPicPr>
-            <a:picLocks noChangeAspect="1"/>
-          </p:cNvPicPr>
-          <p:nvPr/>
-        </p:nvPicPr>
-        <p:blipFill>
-          <a:blip r:embed="rId2"/>
-          <a:stretch>
-            <a:fillRect/>
-          </a:stretch>
-        </p:blipFill>
-        <p:spPr>
-          <a:xfrm>
-            <a:off x="5414408" y="2525789"/>
-            <a:ext cx="6584946" cy="4141086"/>
-          </a:xfrm>
-          <a:prstGeom prst="rect">
-            <a:avLst/>
-          </a:prstGeom>
-        </p:spPr>
-      </p:pic>
-      <p:pic>
-        <p:nvPicPr>
-          <p:cNvPr id="7" name="図 6">
-            <a:extLst>
-              <a:ext uri="{FF2B5EF4-FFF2-40B4-BE49-F238E27FC236}">
-                <a16:creationId xmlns:a16="http://schemas.microsoft.com/office/drawing/2014/main" id="{AF6564FD-4491-166B-9813-BEF06A3D1B84}"/>
-              </a:ext>
-            </a:extLst>
-          </p:cNvPr>
-          <p:cNvPicPr>
-            <a:picLocks noChangeAspect="1"/>
-          </p:cNvPicPr>
-          <p:nvPr/>
-        </p:nvPicPr>
-        <p:blipFill>
-          <a:blip r:embed="rId3"/>
-          <a:stretch>
-            <a:fillRect/>
-          </a:stretch>
-        </p:blipFill>
-        <p:spPr>
-          <a:xfrm>
-            <a:off x="746448" y="2525789"/>
-            <a:ext cx="4509060" cy="4246530"/>
-          </a:xfrm>
-          <a:prstGeom prst="rect">
-            <a:avLst/>
-          </a:prstGeom>
-        </p:spPr>
-      </p:pic>
-      <p:sp>
-        <p:nvSpPr>
-          <p:cNvPr id="4" name="テキスト ボックス 3">
-            <a:extLst>
-              <a:ext uri="{FF2B5EF4-FFF2-40B4-BE49-F238E27FC236}">
-                <a16:creationId xmlns:a16="http://schemas.microsoft.com/office/drawing/2014/main" id="{05516DDC-992F-6C02-A034-8EBE366968D5}"/>
-              </a:ext>
-            </a:extLst>
-          </p:cNvPr>
-          <p:cNvSpPr txBox="1"/>
-          <p:nvPr/>
-        </p:nvSpPr>
-        <p:spPr>
-          <a:xfrm>
-            <a:off x="559836" y="300781"/>
-            <a:ext cx="3570208" cy="461665"/>
-          </a:xfrm>
-          <a:prstGeom prst="rect">
-            <a:avLst/>
-          </a:prstGeom>
-          <a:noFill/>
-        </p:spPr>
-        <p:txBody>
-          <a:bodyPr wrap="none" rtlCol="0">
-            <a:spAutoFit/>
-          </a:bodyPr>
-          <a:lstStyle/>
-          <a:p>
-            <a:pPr algn="l"/>
-            <a:r>
-              <a:rPr kumimoji="1" lang="ja-JP" altLang="en-US" sz="2400" u="sng" dirty="0">
-                <a:latin typeface="メイリオ" panose="020B0604030504040204" pitchFamily="50" charset="-128"/>
-                <a:ea typeface="メイリオ" panose="020B0604030504040204" pitchFamily="50" charset="-128"/>
-              </a:rPr>
-              <a:t>この授業が目指すもの２</a:t>
-            </a:r>
-          </a:p>
-        </p:txBody>
-      </p:sp>
     </p:spTree>
     <p:extLst>
       <p:ext uri="{BB962C8B-B14F-4D97-AF65-F5344CB8AC3E}">
-        <p14:creationId xmlns:p14="http://schemas.microsoft.com/office/powerpoint/2010/main" val="2171913205"/>
+        <p14:creationId xmlns:p14="http://schemas.microsoft.com/office/powerpoint/2010/main" val="1761431677"/>
       </p:ext>
     </p:extLst>
   </p:cSld>

--- a/bigdata1_introdction.pptx
+++ b/bigdata1_introdction.pptx
@@ -7605,6 +7605,47 @@
           </a:prstGeom>
         </p:spPr>
       </p:pic>
+      <p:sp>
+        <p:nvSpPr>
+          <p:cNvPr id="4" name="テキスト ボックス 3">
+            <a:extLst>
+              <a:ext uri="{FF2B5EF4-FFF2-40B4-BE49-F238E27FC236}">
+                <a16:creationId xmlns:a16="http://schemas.microsoft.com/office/drawing/2014/main" id="{8535F4D7-4C25-ED47-81DE-00752FC9A2D5}"/>
+              </a:ext>
+            </a:extLst>
+          </p:cNvPr>
+          <p:cNvSpPr txBox="1"/>
+          <p:nvPr/>
+        </p:nvSpPr>
+        <p:spPr>
+          <a:xfrm>
+            <a:off x="820881" y="5541464"/>
+            <a:ext cx="11473642" cy="646331"/>
+          </a:xfrm>
+          <a:prstGeom prst="rect">
+            <a:avLst/>
+          </a:prstGeom>
+          <a:noFill/>
+        </p:spPr>
+        <p:txBody>
+          <a:bodyPr wrap="square">
+            <a:spAutoFit/>
+          </a:bodyPr>
+          <a:lstStyle/>
+          <a:p>
+            <a:r>
+              <a:rPr lang="ja-JP" altLang="en-US" dirty="0">
+                <a:hlinkClick r:id="rId3"/>
+              </a:rPr>
+              <a:t>https://tabelog.com/tokyo/A1302/A130202/13193074/dtlrvwlst/COND-0/smp1/?smp=1&amp;lc=0&amp;rvw_part=all&amp;PG=</a:t>
+            </a:r>
+            <a:endParaRPr lang="en-US" altLang="ja-JP" dirty="0"/>
+          </a:p>
+          <a:p>
+            <a:endParaRPr lang="ja-JP" altLang="en-US" dirty="0"/>
+          </a:p>
+        </p:txBody>
+      </p:sp>
     </p:spTree>
     <p:extLst>
       <p:ext uri="{BB962C8B-B14F-4D97-AF65-F5344CB8AC3E}">
@@ -7829,7 +7870,7 @@
         <p:spPr>
           <a:xfrm>
             <a:off x="616965" y="1214471"/>
-            <a:ext cx="10958070" cy="4154984"/>
+            <a:ext cx="10958070" cy="3046988"/>
           </a:xfrm>
           <a:prstGeom prst="rect">
             <a:avLst/>
@@ -7926,45 +7967,6 @@
                 <a:ea typeface="メイリオ" panose="020B0604030504040204" pitchFamily="50" charset="-128"/>
               </a:rPr>
               <a:t>　　加算点）を差し上げます。</a:t>
-            </a:r>
-            <a:endParaRPr kumimoji="1" lang="en-US" altLang="ja-JP" sz="2400" dirty="0">
-              <a:latin typeface="メイリオ" panose="020B0604030504040204" pitchFamily="50" charset="-128"/>
-              <a:ea typeface="メイリオ" panose="020B0604030504040204" pitchFamily="50" charset="-128"/>
-            </a:endParaRPr>
-          </a:p>
-          <a:p>
-            <a:r>
-              <a:rPr kumimoji="1" lang="ja-JP" altLang="en-US" sz="2400" dirty="0">
-                <a:latin typeface="メイリオ" panose="020B0604030504040204" pitchFamily="50" charset="-128"/>
-                <a:ea typeface="メイリオ" panose="020B0604030504040204" pitchFamily="50" charset="-128"/>
-              </a:rPr>
-              <a:t>　　－演習問題は豊富なためチャンスは結構ある。</a:t>
-            </a:r>
-            <a:endParaRPr kumimoji="1" lang="en-US" altLang="ja-JP" sz="2400" dirty="0">
-              <a:latin typeface="メイリオ" panose="020B0604030504040204" pitchFamily="50" charset="-128"/>
-              <a:ea typeface="メイリオ" panose="020B0604030504040204" pitchFamily="50" charset="-128"/>
-            </a:endParaRPr>
-          </a:p>
-          <a:p>
-            <a:r>
-              <a:rPr kumimoji="1" lang="ja-JP" altLang="en-US" sz="2400" dirty="0">
-                <a:latin typeface="メイリオ" panose="020B0604030504040204" pitchFamily="50" charset="-128"/>
-                <a:ea typeface="メイリオ" panose="020B0604030504040204" pitchFamily="50" charset="-128"/>
-              </a:rPr>
-              <a:t>　　－完全正解でなくとも、プログラミングの意図が正解に近ければある程度</a:t>
-            </a:r>
-            <a:endParaRPr kumimoji="1" lang="en-US" altLang="ja-JP" sz="2400" dirty="0">
-              <a:latin typeface="メイリオ" panose="020B0604030504040204" pitchFamily="50" charset="-128"/>
-              <a:ea typeface="メイリオ" panose="020B0604030504040204" pitchFamily="50" charset="-128"/>
-            </a:endParaRPr>
-          </a:p>
-          <a:p>
-            <a:r>
-              <a:rPr kumimoji="1" lang="ja-JP" altLang="en-US" sz="2400" dirty="0">
-                <a:latin typeface="メイリオ" panose="020B0604030504040204" pitchFamily="50" charset="-128"/>
-                <a:ea typeface="メイリオ" panose="020B0604030504040204" pitchFamily="50" charset="-128"/>
-              </a:rPr>
-              <a:t>　　　加点します。</a:t>
             </a:r>
             <a:endParaRPr kumimoji="1" lang="en-US" altLang="ja-JP" sz="2400" dirty="0">
               <a:latin typeface="メイリオ" panose="020B0604030504040204" pitchFamily="50" charset="-128"/>

--- a/bigdata1_introdction.pptx
+++ b/bigdata1_introdction.pptx
@@ -221,7 +221,7 @@
           <a:p>
             <a:fld id="{B176FF22-B1CA-4671-AC40-D6AD1168A308}" type="datetimeFigureOut">
               <a:rPr kumimoji="1" lang="ja-JP" altLang="en-US" smtClean="0"/>
-              <a:t>2025/4/16</a:t>
+              <a:t>2025/4/17</a:t>
             </a:fld>
             <a:endParaRPr kumimoji="1" lang="ja-JP" altLang="en-US"/>
           </a:p>
@@ -651,7 +651,7 @@
           <a:p>
             <a:fld id="{2ABC02D7-CBD1-4D33-B166-78A898DF0F76}" type="datetimeFigureOut">
               <a:rPr kumimoji="1" lang="ja-JP" altLang="en-US" smtClean="0"/>
-              <a:t>2025/4/16</a:t>
+              <a:t>2025/4/17</a:t>
             </a:fld>
             <a:endParaRPr kumimoji="1" lang="ja-JP" altLang="en-US"/>
           </a:p>
@@ -853,7 +853,7 @@
           <a:p>
             <a:fld id="{2ABC02D7-CBD1-4D33-B166-78A898DF0F76}" type="datetimeFigureOut">
               <a:rPr kumimoji="1" lang="ja-JP" altLang="en-US" smtClean="0"/>
-              <a:t>2025/4/16</a:t>
+              <a:t>2025/4/17</a:t>
             </a:fld>
             <a:endParaRPr kumimoji="1" lang="ja-JP" altLang="en-US"/>
           </a:p>
@@ -1065,7 +1065,7 @@
           <a:p>
             <a:fld id="{2ABC02D7-CBD1-4D33-B166-78A898DF0F76}" type="datetimeFigureOut">
               <a:rPr kumimoji="1" lang="ja-JP" altLang="en-US" smtClean="0"/>
-              <a:t>2025/4/16</a:t>
+              <a:t>2025/4/17</a:t>
             </a:fld>
             <a:endParaRPr kumimoji="1" lang="ja-JP" altLang="en-US"/>
           </a:p>
@@ -1298,7 +1298,7 @@
           <a:p>
             <a:fld id="{2ABC02D7-CBD1-4D33-B166-78A898DF0F76}" type="datetimeFigureOut">
               <a:rPr kumimoji="1" lang="ja-JP" altLang="en-US" smtClean="0"/>
-              <a:t>2025/4/16</a:t>
+              <a:t>2025/4/17</a:t>
             </a:fld>
             <a:endParaRPr kumimoji="1" lang="ja-JP" altLang="en-US"/>
           </a:p>
@@ -1544,7 +1544,7 @@
           <a:p>
             <a:fld id="{2ABC02D7-CBD1-4D33-B166-78A898DF0F76}" type="datetimeFigureOut">
               <a:rPr kumimoji="1" lang="ja-JP" altLang="en-US" smtClean="0"/>
-              <a:t>2025/4/16</a:t>
+              <a:t>2025/4/17</a:t>
             </a:fld>
             <a:endParaRPr kumimoji="1" lang="ja-JP" altLang="en-US"/>
           </a:p>
@@ -1840,7 +1840,7 @@
           <a:p>
             <a:fld id="{2ABC02D7-CBD1-4D33-B166-78A898DF0F76}" type="datetimeFigureOut">
               <a:rPr kumimoji="1" lang="ja-JP" altLang="en-US" smtClean="0"/>
-              <a:t>2025/4/16</a:t>
+              <a:t>2025/4/17</a:t>
             </a:fld>
             <a:endParaRPr kumimoji="1" lang="ja-JP" altLang="en-US"/>
           </a:p>
@@ -2271,7 +2271,7 @@
           <a:p>
             <a:fld id="{2ABC02D7-CBD1-4D33-B166-78A898DF0F76}" type="datetimeFigureOut">
               <a:rPr kumimoji="1" lang="ja-JP" altLang="en-US" smtClean="0"/>
-              <a:t>2025/4/16</a:t>
+              <a:t>2025/4/17</a:t>
             </a:fld>
             <a:endParaRPr kumimoji="1" lang="ja-JP" altLang="en-US"/>
           </a:p>
@@ -2389,7 +2389,7 @@
           <a:p>
             <a:fld id="{2ABC02D7-CBD1-4D33-B166-78A898DF0F76}" type="datetimeFigureOut">
               <a:rPr kumimoji="1" lang="ja-JP" altLang="en-US" smtClean="0"/>
-              <a:t>2025/4/16</a:t>
+              <a:t>2025/4/17</a:t>
             </a:fld>
             <a:endParaRPr kumimoji="1" lang="ja-JP" altLang="en-US"/>
           </a:p>
@@ -2484,7 +2484,7 @@
           <a:p>
             <a:fld id="{2ABC02D7-CBD1-4D33-B166-78A898DF0F76}" type="datetimeFigureOut">
               <a:rPr kumimoji="1" lang="ja-JP" altLang="en-US" smtClean="0"/>
-              <a:t>2025/4/16</a:t>
+              <a:t>2025/4/17</a:t>
             </a:fld>
             <a:endParaRPr kumimoji="1" lang="ja-JP" altLang="en-US"/>
           </a:p>
@@ -2793,7 +2793,7 @@
           <a:p>
             <a:fld id="{2ABC02D7-CBD1-4D33-B166-78A898DF0F76}" type="datetimeFigureOut">
               <a:rPr kumimoji="1" lang="ja-JP" altLang="en-US" smtClean="0"/>
-              <a:t>2025/4/16</a:t>
+              <a:t>2025/4/17</a:t>
             </a:fld>
             <a:endParaRPr kumimoji="1" lang="ja-JP" altLang="en-US"/>
           </a:p>
@@ -3050,7 +3050,7 @@
           <a:p>
             <a:fld id="{2ABC02D7-CBD1-4D33-B166-78A898DF0F76}" type="datetimeFigureOut">
               <a:rPr kumimoji="1" lang="ja-JP" altLang="en-US" smtClean="0"/>
-              <a:t>2025/4/16</a:t>
+              <a:t>2025/4/17</a:t>
             </a:fld>
             <a:endParaRPr kumimoji="1" lang="ja-JP" altLang="en-US"/>
           </a:p>
@@ -3295,7 +3295,7 @@
           <a:p>
             <a:fld id="{2ABC02D7-CBD1-4D33-B166-78A898DF0F76}" type="datetimeFigureOut">
               <a:rPr kumimoji="1" lang="ja-JP" altLang="en-US" smtClean="0"/>
-              <a:t>2025/4/16</a:t>
+              <a:t>2025/4/17</a:t>
             </a:fld>
             <a:endParaRPr kumimoji="1" lang="ja-JP" altLang="en-US"/>
           </a:p>
@@ -7536,8 +7536,8 @@
         </p:nvSpPr>
         <p:spPr>
           <a:xfrm>
-            <a:off x="756458" y="1249793"/>
-            <a:ext cx="10224654" cy="1200329"/>
+            <a:off x="756458" y="1478735"/>
+            <a:ext cx="10881360" cy="1015663"/>
           </a:xfrm>
           <a:prstGeom prst="rect">
             <a:avLst/>
@@ -7550,27 +7550,47 @@
           </a:bodyPr>
           <a:lstStyle/>
           <a:p>
-            <a:pPr algn="l"/>
-            <a:r>
-              <a:rPr kumimoji="1" lang="ja-JP" altLang="en-US" sz="2400" dirty="0">
+            <a:pPr marL="457200" indent="-457200" algn="l">
+              <a:buFont typeface="+mj-lt"/>
+              <a:buAutoNum type="arabicPeriod"/>
+            </a:pPr>
+            <a:r>
+              <a:rPr kumimoji="1" lang="ja-JP" altLang="en-US" sz="2000" dirty="0">
                 <a:latin typeface="メイリオ" panose="020B0604030504040204" pitchFamily="50" charset="-128"/>
                 <a:ea typeface="メイリオ" panose="020B0604030504040204" pitchFamily="50" charset="-128"/>
               </a:rPr>
               <a:t>食べログの口コミをスクロールしていくと、以下のようなページめくりボタンが表示される。これをクリックしたときに</a:t>
             </a:r>
             <a:r>
-              <a:rPr kumimoji="1" lang="en-US" altLang="ja-JP" sz="2400" dirty="0">
+              <a:rPr kumimoji="1" lang="en-US" altLang="ja-JP" sz="2000" dirty="0">
                 <a:latin typeface="メイリオ" panose="020B0604030504040204" pitchFamily="50" charset="-128"/>
                 <a:ea typeface="メイリオ" panose="020B0604030504040204" pitchFamily="50" charset="-128"/>
               </a:rPr>
               <a:t>PC</a:t>
             </a:r>
             <a:r>
-              <a:rPr kumimoji="1" lang="ja-JP" altLang="en-US" sz="2400" dirty="0">
+              <a:rPr kumimoji="1" lang="ja-JP" altLang="en-US" sz="2000" dirty="0">
                 <a:latin typeface="メイリオ" panose="020B0604030504040204" pitchFamily="50" charset="-128"/>
                 <a:ea typeface="メイリオ" panose="020B0604030504040204" pitchFamily="50" charset="-128"/>
               </a:rPr>
               <a:t>と食べログサーバーとの間では何が起きているか？</a:t>
+            </a:r>
+            <a:endParaRPr kumimoji="1" lang="en-US" altLang="ja-JP" sz="2000" dirty="0">
+              <a:latin typeface="メイリオ" panose="020B0604030504040204" pitchFamily="50" charset="-128"/>
+              <a:ea typeface="メイリオ" panose="020B0604030504040204" pitchFamily="50" charset="-128"/>
+            </a:endParaRPr>
+          </a:p>
+          <a:p>
+            <a:pPr marL="457200" indent="-457200" algn="l">
+              <a:buFont typeface="+mj-lt"/>
+              <a:buAutoNum type="arabicPeriod"/>
+            </a:pPr>
+            <a:r>
+              <a:rPr kumimoji="1" lang="ja-JP" altLang="en-US" sz="2000" dirty="0">
+                <a:latin typeface="メイリオ" panose="020B0604030504040204" pitchFamily="50" charset="-128"/>
+                <a:ea typeface="メイリオ" panose="020B0604030504040204" pitchFamily="50" charset="-128"/>
+              </a:rPr>
+              <a:t>ここには６ページまでしかボタンがないが、ダイレクトに２０ページを表示できるか</a:t>
             </a:r>
           </a:p>
         </p:txBody>
@@ -11163,6 +11183,105 @@
               </a:rPr>
               <a:t>などを使ってチームプログラミングの経験があるか</a:t>
             </a:r>
+          </a:p>
+        </p:txBody>
+      </p:sp>
+      <p:sp>
+        <p:nvSpPr>
+          <p:cNvPr id="2" name="テキスト ボックス 1">
+            <a:extLst>
+              <a:ext uri="{FF2B5EF4-FFF2-40B4-BE49-F238E27FC236}">
+                <a16:creationId xmlns:a16="http://schemas.microsoft.com/office/drawing/2014/main" id="{0ADC1F62-D840-5AE5-5580-EE0E95C57DD4}"/>
+              </a:ext>
+            </a:extLst>
+          </p:cNvPr>
+          <p:cNvSpPr txBox="1"/>
+          <p:nvPr/>
+        </p:nvSpPr>
+        <p:spPr>
+          <a:xfrm>
+            <a:off x="1064029" y="3744896"/>
+            <a:ext cx="7571303" cy="830997"/>
+          </a:xfrm>
+          <a:prstGeom prst="rect">
+            <a:avLst/>
+          </a:prstGeom>
+          <a:noFill/>
+        </p:spPr>
+        <p:txBody>
+          <a:bodyPr wrap="none" rtlCol="0">
+            <a:spAutoFit/>
+          </a:bodyPr>
+          <a:lstStyle/>
+          <a:p>
+            <a:pPr algn="l"/>
+            <a:r>
+              <a:rPr kumimoji="1" lang="ja-JP" altLang="en-US" sz="2400" dirty="0">
+                <a:latin typeface="メイリオ" panose="020B0604030504040204" pitchFamily="50" charset="-128"/>
+                <a:ea typeface="メイリオ" panose="020B0604030504040204" pitchFamily="50" charset="-128"/>
+              </a:rPr>
+              <a:t>クローラープログラミングはクライアントサーバー型</a:t>
+            </a:r>
+            <a:endParaRPr kumimoji="1" lang="en-US" altLang="ja-JP" sz="2400" dirty="0">
+              <a:latin typeface="メイリオ" panose="020B0604030504040204" pitchFamily="50" charset="-128"/>
+              <a:ea typeface="メイリオ" panose="020B0604030504040204" pitchFamily="50" charset="-128"/>
+            </a:endParaRPr>
+          </a:p>
+          <a:p>
+            <a:pPr algn="l"/>
+            <a:r>
+              <a:rPr kumimoji="1" lang="ja-JP" altLang="en-US" sz="2400" dirty="0">
+                <a:latin typeface="メイリオ" panose="020B0604030504040204" pitchFamily="50" charset="-128"/>
+                <a:ea typeface="メイリオ" panose="020B0604030504040204" pitchFamily="50" charset="-128"/>
+              </a:rPr>
+              <a:t>実データ（口コミ）を収集する</a:t>
+            </a:r>
+          </a:p>
+        </p:txBody>
+      </p:sp>
+      <p:sp>
+        <p:nvSpPr>
+          <p:cNvPr id="3" name="矢印: 下 2">
+            <a:extLst>
+              <a:ext uri="{FF2B5EF4-FFF2-40B4-BE49-F238E27FC236}">
+                <a16:creationId xmlns:a16="http://schemas.microsoft.com/office/drawing/2014/main" id="{D1B8F469-4665-0C73-A0CC-5083D62096CC}"/>
+              </a:ext>
+            </a:extLst>
+          </p:cNvPr>
+          <p:cNvSpPr/>
+          <p:nvPr/>
+        </p:nvSpPr>
+        <p:spPr>
+          <a:xfrm>
+            <a:off x="4106487" y="3200400"/>
+            <a:ext cx="1438102" cy="340822"/>
+          </a:xfrm>
+          <a:prstGeom prst="downArrow">
+            <a:avLst/>
+          </a:prstGeom>
+        </p:spPr>
+        <p:style>
+          <a:lnRef idx="2">
+            <a:schemeClr val="accent1">
+              <a:shade val="15000"/>
+            </a:schemeClr>
+          </a:lnRef>
+          <a:fillRef idx="1">
+            <a:schemeClr val="accent1"/>
+          </a:fillRef>
+          <a:effectRef idx="0">
+            <a:schemeClr val="accent1"/>
+          </a:effectRef>
+          <a:fontRef idx="minor">
+            <a:schemeClr val="lt1"/>
+          </a:fontRef>
+        </p:style>
+        <p:txBody>
+          <a:bodyPr rtlCol="0" anchor="ctr"/>
+          <a:lstStyle/>
+          <a:p>
+            <a:pPr algn="ctr"/>
+            <a:endParaRPr kumimoji="1" lang="ja-JP" altLang="en-US"/>
           </a:p>
         </p:txBody>
       </p:sp>
